--- a/확장성이 용이한 무인감시체계.pptx
+++ b/확장성이 용이한 무인감시체계.pptx
@@ -5,17 +5,22 @@
     <p:sldMasterId id="2147483648" r:id="rId1"/>
   </p:sldMasterIdLst>
   <p:notesMasterIdLst>
-    <p:notesMasterId r:id="rId10"/>
+    <p:notesMasterId r:id="rId15"/>
   </p:notesMasterIdLst>
   <p:sldIdLst>
     <p:sldId id="256" r:id="rId2"/>
     <p:sldId id="266" r:id="rId3"/>
-    <p:sldId id="257" r:id="rId4"/>
-    <p:sldId id="264" r:id="rId5"/>
-    <p:sldId id="265" r:id="rId6"/>
-    <p:sldId id="260" r:id="rId7"/>
-    <p:sldId id="263" r:id="rId8"/>
+    <p:sldId id="267" r:id="rId4"/>
+    <p:sldId id="268" r:id="rId5"/>
+    <p:sldId id="264" r:id="rId6"/>
+    <p:sldId id="269" r:id="rId7"/>
+    <p:sldId id="270" r:id="rId8"/>
     <p:sldId id="261" r:id="rId9"/>
+    <p:sldId id="271" r:id="rId10"/>
+    <p:sldId id="272" r:id="rId11"/>
+    <p:sldId id="274" r:id="rId12"/>
+    <p:sldId id="275" r:id="rId13"/>
+    <p:sldId id="273" r:id="rId14"/>
   </p:sldIdLst>
   <p:sldSz cx="9144000" cy="6858000" type="screen4x3"/>
   <p:notesSz cx="6858000" cy="9144000"/>
@@ -199,7 +204,7 @@
           <a:p>
             <a:fld id="{2C818A98-E8BC-4B45-B38E-FA23E1237D6C}" type="datetimeFigureOut">
               <a:rPr lang="ko-KR" altLang="en-US" smtClean="0"/>
-              <a:t>2019-10-22</a:t>
+              <a:t>2019-10-23</a:t>
             </a:fld>
             <a:endParaRPr lang="ko-KR" altLang="en-US"/>
           </a:p>
@@ -648,7 +653,7 @@
           <a:p>
             <a:fld id="{12AF2C04-33FD-4DE4-AE58-F06B33DAC8AF}" type="datetimeFigureOut">
               <a:rPr lang="ko-KR" altLang="en-US" smtClean="0"/>
-              <a:t>2019-10-22</a:t>
+              <a:t>2019-10-23</a:t>
             </a:fld>
             <a:endParaRPr lang="ko-KR" altLang="en-US"/>
           </a:p>
@@ -825,7 +830,7 @@
           <a:p>
             <a:fld id="{12AF2C04-33FD-4DE4-AE58-F06B33DAC8AF}" type="datetimeFigureOut">
               <a:rPr lang="ko-KR" altLang="en-US" smtClean="0"/>
-              <a:t>2019-10-22</a:t>
+              <a:t>2019-10-23</a:t>
             </a:fld>
             <a:endParaRPr lang="ko-KR" altLang="en-US"/>
           </a:p>
@@ -1005,7 +1010,7 @@
           <a:p>
             <a:fld id="{12AF2C04-33FD-4DE4-AE58-F06B33DAC8AF}" type="datetimeFigureOut">
               <a:rPr lang="ko-KR" altLang="en-US" smtClean="0"/>
-              <a:t>2019-10-22</a:t>
+              <a:t>2019-10-23</a:t>
             </a:fld>
             <a:endParaRPr lang="ko-KR" altLang="en-US"/>
           </a:p>
@@ -1175,7 +1180,7 @@
           <a:p>
             <a:fld id="{12AF2C04-33FD-4DE4-AE58-F06B33DAC8AF}" type="datetimeFigureOut">
               <a:rPr lang="ko-KR" altLang="en-US" smtClean="0"/>
-              <a:t>2019-10-22</a:t>
+              <a:t>2019-10-23</a:t>
             </a:fld>
             <a:endParaRPr lang="ko-KR" altLang="en-US"/>
           </a:p>
@@ -1514,7 +1519,7 @@
           <a:p>
             <a:fld id="{12AF2C04-33FD-4DE4-AE58-F06B33DAC8AF}" type="datetimeFigureOut">
               <a:rPr lang="ko-KR" altLang="en-US" smtClean="0"/>
-              <a:t>2019-10-22</a:t>
+              <a:t>2019-10-23</a:t>
             </a:fld>
             <a:endParaRPr lang="ko-KR" altLang="en-US"/>
           </a:p>
@@ -1802,7 +1807,7 @@
           <a:p>
             <a:fld id="{12AF2C04-33FD-4DE4-AE58-F06B33DAC8AF}" type="datetimeFigureOut">
               <a:rPr lang="ko-KR" altLang="en-US" smtClean="0"/>
-              <a:t>2019-10-22</a:t>
+              <a:t>2019-10-23</a:t>
             </a:fld>
             <a:endParaRPr lang="ko-KR" altLang="en-US"/>
           </a:p>
@@ -2224,7 +2229,7 @@
           <a:p>
             <a:fld id="{12AF2C04-33FD-4DE4-AE58-F06B33DAC8AF}" type="datetimeFigureOut">
               <a:rPr lang="ko-KR" altLang="en-US" smtClean="0"/>
-              <a:t>2019-10-22</a:t>
+              <a:t>2019-10-23</a:t>
             </a:fld>
             <a:endParaRPr lang="ko-KR" altLang="en-US"/>
           </a:p>
@@ -2342,7 +2347,7 @@
           <a:p>
             <a:fld id="{12AF2C04-33FD-4DE4-AE58-F06B33DAC8AF}" type="datetimeFigureOut">
               <a:rPr lang="ko-KR" altLang="en-US" smtClean="0"/>
-              <a:t>2019-10-22</a:t>
+              <a:t>2019-10-23</a:t>
             </a:fld>
             <a:endParaRPr lang="ko-KR" altLang="en-US"/>
           </a:p>
@@ -2444,7 +2449,7 @@
           <a:p>
             <a:fld id="{12AF2C04-33FD-4DE4-AE58-F06B33DAC8AF}" type="datetimeFigureOut">
               <a:rPr lang="ko-KR" altLang="en-US" smtClean="0"/>
-              <a:t>2019-10-22</a:t>
+              <a:t>2019-10-23</a:t>
             </a:fld>
             <a:endParaRPr lang="ko-KR" altLang="en-US"/>
           </a:p>
@@ -2814,7 +2819,7 @@
           <a:p>
             <a:fld id="{12AF2C04-33FD-4DE4-AE58-F06B33DAC8AF}" type="datetimeFigureOut">
               <a:rPr lang="ko-KR" altLang="en-US" smtClean="0"/>
-              <a:t>2019-10-22</a:t>
+              <a:t>2019-10-23</a:t>
             </a:fld>
             <a:endParaRPr lang="ko-KR" altLang="en-US"/>
           </a:p>
@@ -3067,7 +3072,7 @@
           <a:p>
             <a:fld id="{12AF2C04-33FD-4DE4-AE58-F06B33DAC8AF}" type="datetimeFigureOut">
               <a:rPr lang="ko-KR" altLang="en-US" smtClean="0"/>
-              <a:t>2019-10-22</a:t>
+              <a:t>2019-10-23</a:t>
             </a:fld>
             <a:endParaRPr lang="ko-KR" altLang="en-US"/>
           </a:p>
@@ -3280,7 +3285,7 @@
           <a:p>
             <a:fld id="{12AF2C04-33FD-4DE4-AE58-F06B33DAC8AF}" type="datetimeFigureOut">
               <a:rPr lang="ko-KR" altLang="en-US" smtClean="0"/>
-              <a:t>2019-10-22</a:t>
+              <a:t>2019-10-23</a:t>
             </a:fld>
             <a:endParaRPr lang="ko-KR" altLang="en-US"/>
           </a:p>
@@ -3814,50 +3819,49 @@
           <a:bodyPr/>
           <a:lstStyle/>
           <a:p>
-            <a:pPr algn="r"/>
-            <a:r>
-              <a:rPr lang="ko-KR" altLang="en-US" sz="4000" dirty="0" err="1" smtClean="0">
-                <a:latin typeface="HY동녘M" pitchFamily="18" charset="-127"/>
-                <a:ea typeface="HY동녘M" pitchFamily="18" charset="-127"/>
+            <a:r>
+              <a:rPr lang="ko-KR" altLang="en-US" sz="4000" err="1" smtClean="0">
+                <a:latin typeface="Tmon몬소리 Black" pitchFamily="2" charset="-127"/>
+                <a:ea typeface="Tmon몬소리 Black" pitchFamily="2" charset="-127"/>
               </a:rPr>
               <a:t>확장성이</a:t>
             </a:r>
             <a:r>
-              <a:rPr lang="ko-KR" altLang="en-US" sz="4000" dirty="0" smtClean="0">
-                <a:latin typeface="HY동녘M" pitchFamily="18" charset="-127"/>
-                <a:ea typeface="HY동녘M" pitchFamily="18" charset="-127"/>
+              <a:rPr lang="ko-KR" altLang="en-US" sz="4000" smtClean="0">
+                <a:latin typeface="Tmon몬소리 Black" pitchFamily="2" charset="-127"/>
+                <a:ea typeface="Tmon몬소리 Black" pitchFamily="2" charset="-127"/>
               </a:rPr>
               <a:t> 용이한 무인감시체계</a:t>
             </a:r>
             <a:r>
-              <a:rPr lang="en-US" altLang="ko-KR" sz="4000" dirty="0" smtClean="0">
-                <a:latin typeface="HY동녘M" pitchFamily="18" charset="-127"/>
-                <a:ea typeface="HY동녘M" pitchFamily="18" charset="-127"/>
+              <a:rPr lang="en-US" altLang="ko-KR" sz="4000" smtClean="0">
+                <a:latin typeface="Tmon몬소리 Black" pitchFamily="2" charset="-127"/>
+                <a:ea typeface="Tmon몬소리 Black" pitchFamily="2" charset="-127"/>
               </a:rPr>
               <a:t/>
             </a:r>
             <a:br>
-              <a:rPr lang="en-US" altLang="ko-KR" sz="4000" dirty="0" smtClean="0">
-                <a:latin typeface="HY동녘M" pitchFamily="18" charset="-127"/>
-                <a:ea typeface="HY동녘M" pitchFamily="18" charset="-127"/>
+              <a:rPr lang="en-US" altLang="ko-KR" sz="4000" smtClean="0">
+                <a:latin typeface="Tmon몬소리 Black" pitchFamily="2" charset="-127"/>
+                <a:ea typeface="Tmon몬소리 Black" pitchFamily="2" charset="-127"/>
               </a:rPr>
             </a:br>
             <a:r>
-              <a:rPr lang="en-US" altLang="ko-KR" sz="4000" dirty="0" smtClean="0">
+              <a:rPr lang="en-US" altLang="ko-KR" sz="4000" smtClean="0">
                 <a:solidFill>
                   <a:srgbClr val="3A3C75"/>
                 </a:solidFill>
-                <a:latin typeface="HY동녘M" pitchFamily="18" charset="-127"/>
-                <a:ea typeface="HY동녘M" pitchFamily="18" charset="-127"/>
+                <a:latin typeface="Tmon몬소리 Black" pitchFamily="2" charset="-127"/>
+                <a:ea typeface="Tmon몬소리 Black" pitchFamily="2" charset="-127"/>
               </a:rPr>
               <a:t>Deep Military Camera</a:t>
             </a:r>
-            <a:endParaRPr lang="ko-KR" altLang="en-US" dirty="0">
+            <a:endParaRPr lang="ko-KR" altLang="en-US">
               <a:solidFill>
                 <a:srgbClr val="3A3C75"/>
               </a:solidFill>
-              <a:latin typeface="HY동녘M" pitchFamily="18" charset="-127"/>
-              <a:ea typeface="HY동녘M" pitchFamily="18" charset="-127"/>
+              <a:latin typeface="Tmon몬소리 Black" pitchFamily="2" charset="-127"/>
+              <a:ea typeface="Tmon몬소리 Black" pitchFamily="2" charset="-127"/>
             </a:endParaRPr>
           </a:p>
         </p:txBody>
@@ -3874,101 +3878,50 @@
         </p:nvSpPr>
         <p:spPr>
           <a:xfrm>
-            <a:off x="2347664" y="5059336"/>
-            <a:ext cx="6400800" cy="1538016"/>
+            <a:off x="6300192" y="5805264"/>
+            <a:ext cx="2664296" cy="601912"/>
           </a:xfrm>
         </p:spPr>
         <p:txBody>
           <a:bodyPr/>
           <a:lstStyle/>
           <a:p>
-            <a:pPr algn="r"/>
-            <a:r>
-              <a:rPr lang="ko-KR" altLang="en-US" dirty="0" smtClean="0">
+            <a:r>
+              <a:rPr lang="ko-KR" altLang="en-US" smtClean="0">
                 <a:solidFill>
                   <a:schemeClr val="tx1"/>
                 </a:solidFill>
-                <a:latin typeface="HY동녘B" pitchFamily="18" charset="-127"/>
-                <a:ea typeface="HY동녘B" pitchFamily="18" charset="-127"/>
+                <a:latin typeface="Tmon몬소리 Black" pitchFamily="2" charset="-127"/>
+                <a:ea typeface="Tmon몬소리 Black" pitchFamily="2" charset="-127"/>
               </a:rPr>
-              <a:t>해</a:t>
-            </a:r>
-            <a:r>
-              <a:rPr lang="en-US" altLang="ko-KR" dirty="0" smtClean="0">
+              <a:t>최준혁</a:t>
+            </a:r>
+            <a:r>
+              <a:rPr lang="en-US" altLang="ko-KR" smtClean="0">
                 <a:solidFill>
                   <a:schemeClr val="tx1"/>
                 </a:solidFill>
-                <a:latin typeface="HY동녘B" pitchFamily="18" charset="-127"/>
-                <a:ea typeface="HY동녘B" pitchFamily="18" charset="-127"/>
-              </a:rPr>
-              <a:t>) </a:t>
-            </a:r>
-            <a:r>
-              <a:rPr lang="ko-KR" altLang="en-US" dirty="0" smtClean="0">
-                <a:solidFill>
-                  <a:schemeClr val="tx1"/>
-                </a:solidFill>
-                <a:latin typeface="HY동녘B" pitchFamily="18" charset="-127"/>
-                <a:ea typeface="HY동녘B" pitchFamily="18" charset="-127"/>
-              </a:rPr>
-              <a:t>중위</a:t>
-            </a:r>
-            <a:r>
-              <a:rPr lang="en-US" altLang="ko-KR" dirty="0" smtClean="0">
-                <a:solidFill>
-                  <a:schemeClr val="tx1"/>
-                </a:solidFill>
-                <a:latin typeface="HY동녘B" pitchFamily="18" charset="-127"/>
-                <a:ea typeface="HY동녘B" pitchFamily="18" charset="-127"/>
+                <a:latin typeface="Tmon몬소리 Black" pitchFamily="2" charset="-127"/>
+                <a:ea typeface="Tmon몬소리 Black" pitchFamily="2" charset="-127"/>
               </a:rPr>
               <a:t> </a:t>
             </a:r>
             <a:r>
-              <a:rPr lang="ko-KR" altLang="en-US" dirty="0" smtClean="0">
+              <a:rPr lang="ko-KR" altLang="en-US" smtClean="0">
                 <a:solidFill>
                   <a:schemeClr val="tx1"/>
                 </a:solidFill>
-                <a:latin typeface="HY동녘B" pitchFamily="18" charset="-127"/>
-                <a:ea typeface="HY동녘B" pitchFamily="18" charset="-127"/>
+                <a:latin typeface="Tmon몬소리 Black" pitchFamily="2" charset="-127"/>
+                <a:ea typeface="Tmon몬소리 Black" pitchFamily="2" charset="-127"/>
               </a:rPr>
-              <a:t>최준혁</a:t>
-            </a:r>
-            <a:endParaRPr lang="en-US" altLang="ko-KR" dirty="0" smtClean="0">
+              <a:t>김형민</a:t>
+            </a:r>
+            <a:endParaRPr lang="ko-KR" altLang="en-US">
               <a:solidFill>
                 <a:schemeClr val="tx1"/>
               </a:solidFill>
-              <a:latin typeface="HY동녘B" pitchFamily="18" charset="-127"/>
-              <a:ea typeface="HY동녘B" pitchFamily="18" charset="-127"/>
-            </a:endParaRPr>
-          </a:p>
-          <a:p>
-            <a:pPr algn="r"/>
-            <a:r>
-              <a:rPr lang="en-US" altLang="ko-KR" dirty="0" smtClean="0">
-                <a:solidFill>
-                  <a:schemeClr val="tx1"/>
-                </a:solidFill>
-                <a:latin typeface="HY동녘B" pitchFamily="18" charset="-127"/>
-                <a:ea typeface="HY동녘B" pitchFamily="18" charset="-127"/>
-              </a:rPr>
-              <a:t> </a:t>
-            </a:r>
-            <a:r>
-              <a:rPr lang="ko-KR" altLang="en-US" dirty="0" smtClean="0">
-                <a:solidFill>
-                  <a:schemeClr val="tx1"/>
-                </a:solidFill>
-                <a:latin typeface="HY동녘B" pitchFamily="18" charset="-127"/>
-                <a:ea typeface="HY동녘B" pitchFamily="18" charset="-127"/>
-              </a:rPr>
-              <a:t>김형민</a:t>
-            </a:r>
-            <a:endParaRPr lang="ko-KR" altLang="en-US" dirty="0">
-              <a:solidFill>
-                <a:schemeClr val="tx1"/>
-              </a:solidFill>
-              <a:latin typeface="HY동녘B" pitchFamily="18" charset="-127"/>
-              <a:ea typeface="HY동녘B" pitchFamily="18" charset="-127"/>
+              <a:latin typeface="Tmon몬소리 Black" pitchFamily="2" charset="-127"/>
+              <a:ea typeface="Tmon몬소리 Black" pitchFamily="2" charset="-127"/>
             </a:endParaRPr>
           </a:p>
         </p:txBody>
@@ -4059,10 +4012,637 @@
           </a:p>
         </p:txBody>
       </p:sp>
+      <p:grpSp>
+        <p:nvGrpSpPr>
+          <p:cNvPr id="6" name="그룹 5"/>
+          <p:cNvGrpSpPr/>
+          <p:nvPr/>
+        </p:nvGrpSpPr>
+        <p:grpSpPr>
+          <a:xfrm>
+            <a:off x="4355976" y="4005064"/>
+            <a:ext cx="772709" cy="1135847"/>
+            <a:chOff x="774955" y="1556792"/>
+            <a:chExt cx="1342720" cy="1810269"/>
+          </a:xfrm>
+        </p:grpSpPr>
+        <p:pic>
+          <p:nvPicPr>
+            <p:cNvPr id="7" name="Picture 7" descr="C:\Users\Admin\Desktop\이미지\스마트폰.png"/>
+            <p:cNvPicPr>
+              <a:picLocks noChangeAspect="1" noChangeArrowheads="1"/>
+            </p:cNvPicPr>
+            <p:nvPr/>
+          </p:nvPicPr>
+          <p:blipFill rotWithShape="1">
+            <a:blip r:embed="rId2" cstate="print">
+              <a:extLst>
+                <a:ext uri="{BEBA8EAE-BF5A-486C-A8C5-ECC9F3942E4B}">
+                  <a14:imgProps xmlns:a14="http://schemas.microsoft.com/office/drawing/2010/main">
+                    <a14:imgLayer r:embed="rId3">
+                      <a14:imgEffect>
+                        <a14:backgroundRemoval t="6806" b="90000" l="9954" r="95370"/>
+                      </a14:imgEffect>
+                    </a14:imgLayer>
+                  </a14:imgProps>
+                </a:ext>
+                <a:ext uri="{28A0092B-C50C-407E-A947-70E740481C1C}">
+                  <a14:useLocalDpi xmlns:a14="http://schemas.microsoft.com/office/drawing/2010/main" val="0"/>
+                </a:ext>
+              </a:extLst>
+            </a:blip>
+            <a:srcRect l="48920" t="7916" b="9444"/>
+            <a:stretch/>
+          </p:blipFill>
+          <p:spPr bwMode="auto">
+            <a:xfrm>
+              <a:off x="774955" y="1556792"/>
+              <a:ext cx="1342720" cy="1810269"/>
+            </a:xfrm>
+            <a:prstGeom prst="rect">
+              <a:avLst/>
+            </a:prstGeom>
+            <a:noFill/>
+            <a:extLst>
+              <a:ext uri="{909E8E84-426E-40DD-AFC4-6F175D3DCCD1}">
+                <a14:hiddenFill xmlns:a14="http://schemas.microsoft.com/office/drawing/2010/main">
+                  <a:solidFill>
+                    <a:srgbClr val="FFFFFF"/>
+                  </a:solidFill>
+                </a14:hiddenFill>
+              </a:ext>
+            </a:extLst>
+          </p:spPr>
+        </p:pic>
+        <p:pic>
+          <p:nvPicPr>
+            <p:cNvPr id="8" name="Picture 6" descr="C:\Users\Admin\Desktop\이미지\cctv-svg-2.png"/>
+            <p:cNvPicPr>
+              <a:picLocks noChangeAspect="1" noChangeArrowheads="1"/>
+            </p:cNvPicPr>
+            <p:nvPr/>
+          </p:nvPicPr>
+          <p:blipFill>
+            <a:blip r:embed="rId4" cstate="print">
+              <a:extLst>
+                <a:ext uri="{BEBA8EAE-BF5A-486C-A8C5-ECC9F3942E4B}">
+                  <a14:imgProps xmlns:a14="http://schemas.microsoft.com/office/drawing/2010/main">
+                    <a14:imgLayer r:embed="rId5">
+                      <a14:imgEffect>
+                        <a14:backgroundRemoval t="0" b="100000" l="0" r="100000">
+                          <a14:foregroundMark x1="49902" y1="62207" x2="49902" y2="62207"/>
+                          <a14:foregroundMark x1="50000" y1="59473" x2="48633" y2="63477"/>
+                          <a14:foregroundMark x1="46387" y1="56055" x2="53516" y2="63477"/>
+                        </a14:backgroundRemoval>
+                      </a14:imgEffect>
+                    </a14:imgLayer>
+                  </a14:imgProps>
+                </a:ext>
+                <a:ext uri="{28A0092B-C50C-407E-A947-70E740481C1C}">
+                  <a14:useLocalDpi xmlns:a14="http://schemas.microsoft.com/office/drawing/2010/main" val="0"/>
+                </a:ext>
+              </a:extLst>
+            </a:blip>
+            <a:srcRect/>
+            <a:stretch>
+              <a:fillRect/>
+            </a:stretch>
+          </p:blipFill>
+          <p:spPr bwMode="auto">
+            <a:xfrm>
+              <a:off x="1126707" y="1940983"/>
+              <a:ext cx="639216" cy="639216"/>
+            </a:xfrm>
+            <a:prstGeom prst="rect">
+              <a:avLst/>
+            </a:prstGeom>
+            <a:noFill/>
+            <a:extLst>
+              <a:ext uri="{909E8E84-426E-40DD-AFC4-6F175D3DCCD1}">
+                <a14:hiddenFill xmlns:a14="http://schemas.microsoft.com/office/drawing/2010/main">
+                  <a:solidFill>
+                    <a:srgbClr val="FFFFFF"/>
+                  </a:solidFill>
+                </a14:hiddenFill>
+              </a:ext>
+            </a:extLst>
+          </p:spPr>
+        </p:pic>
+      </p:grpSp>
     </p:spTree>
     <p:extLst>
       <p:ext uri="{BB962C8B-B14F-4D97-AF65-F5344CB8AC3E}">
         <p14:creationId xmlns:p14="http://schemas.microsoft.com/office/powerpoint/2010/main" val="3162454848"/>
+      </p:ext>
+    </p:extLst>
+  </p:cSld>
+  <p:clrMapOvr>
+    <a:masterClrMapping/>
+  </p:clrMapOvr>
+  <p:timing>
+    <p:tnLst>
+      <p:par>
+        <p:cTn id="1" dur="indefinite" restart="never" nodeType="tmRoot"/>
+      </p:par>
+    </p:tnLst>
+  </p:timing>
+</p:sld>
+</file>
+
+<file path=ppt/slides/slide10.xml><?xml version="1.0" encoding="utf-8"?>
+<p:sld xmlns:a="http://schemas.openxmlformats.org/drawingml/2006/main" xmlns:r="http://schemas.openxmlformats.org/officeDocument/2006/relationships" xmlns:p="http://schemas.openxmlformats.org/presentationml/2006/main">
+  <p:cSld>
+    <p:spTree>
+      <p:nvGrpSpPr>
+        <p:cNvPr id="1" name=""/>
+        <p:cNvGrpSpPr/>
+        <p:nvPr/>
+      </p:nvGrpSpPr>
+      <p:grpSpPr>
+        <a:xfrm>
+          <a:off x="0" y="0"/>
+          <a:ext cx="0" cy="0"/>
+          <a:chOff x="0" y="0"/>
+          <a:chExt cx="0" cy="0"/>
+        </a:xfrm>
+      </p:grpSpPr>
+      <p:pic>
+        <p:nvPicPr>
+          <p:cNvPr id="3075" name="Picture 3" descr="C:\Users\Admin\Downloads\군인.png"/>
+          <p:cNvPicPr>
+            <a:picLocks noChangeAspect="1" noChangeArrowheads="1"/>
+          </p:cNvPicPr>
+          <p:nvPr/>
+        </p:nvPicPr>
+        <p:blipFill>
+          <a:blip r:embed="rId2" cstate="print">
+            <a:extLst>
+              <a:ext uri="{28A0092B-C50C-407E-A947-70E740481C1C}">
+                <a14:useLocalDpi xmlns:a14="http://schemas.microsoft.com/office/drawing/2010/main" val="0"/>
+              </a:ext>
+            </a:extLst>
+          </a:blip>
+          <a:srcRect/>
+          <a:stretch>
+            <a:fillRect/>
+          </a:stretch>
+        </p:blipFill>
+        <p:spPr bwMode="auto">
+          <a:xfrm>
+            <a:off x="-4212976" y="1937177"/>
+            <a:ext cx="2168482" cy="1940446"/>
+          </a:xfrm>
+          <a:prstGeom prst="rect">
+            <a:avLst/>
+          </a:prstGeom>
+          <a:noFill/>
+          <a:extLst>
+            <a:ext uri="{909E8E84-426E-40DD-AFC4-6F175D3DCCD1}">
+              <a14:hiddenFill xmlns:a14="http://schemas.microsoft.com/office/drawing/2010/main">
+                <a:solidFill>
+                  <a:srgbClr val="FFFFFF"/>
+                </a:solidFill>
+              </a14:hiddenFill>
+            </a:ext>
+          </a:extLst>
+        </p:spPr>
+      </p:pic>
+      <p:sp>
+        <p:nvSpPr>
+          <p:cNvPr id="10" name="TextBox 9"/>
+          <p:cNvSpPr txBox="1"/>
+          <p:nvPr/>
+        </p:nvSpPr>
+        <p:spPr>
+          <a:xfrm>
+            <a:off x="107504" y="620688"/>
+            <a:ext cx="1661032" cy="707886"/>
+          </a:xfrm>
+          <a:prstGeom prst="rect">
+            <a:avLst/>
+          </a:prstGeom>
+          <a:noFill/>
+        </p:spPr>
+        <p:txBody>
+          <a:bodyPr wrap="none" rtlCol="0" anchor="ctr">
+            <a:spAutoFit/>
+          </a:bodyPr>
+          <a:lstStyle/>
+          <a:p>
+            <a:r>
+              <a:rPr lang="ko-KR" altLang="en-US" sz="4000" smtClean="0">
+                <a:solidFill>
+                  <a:srgbClr val="3A3C75"/>
+                </a:solidFill>
+                <a:latin typeface="에스코어 드림 8 Heavy" pitchFamily="34" charset="-127"/>
+                <a:ea typeface="에스코어 드림 8 Heavy" pitchFamily="34" charset="-127"/>
+              </a:rPr>
+              <a:t>흐름</a:t>
+            </a:r>
+            <a:r>
+              <a:rPr lang="ko-KR" altLang="en-US" sz="4000">
+                <a:solidFill>
+                  <a:srgbClr val="3A3C75"/>
+                </a:solidFill>
+                <a:latin typeface="에스코어 드림 8 Heavy" pitchFamily="34" charset="-127"/>
+                <a:ea typeface="에스코어 드림 8 Heavy" pitchFamily="34" charset="-127"/>
+              </a:rPr>
+              <a:t>도</a:t>
+            </a:r>
+            <a:endParaRPr lang="ko-KR" altLang="en-US" sz="4000">
+              <a:solidFill>
+                <a:srgbClr val="3A3C75"/>
+              </a:solidFill>
+              <a:latin typeface="에스코어 드림 8 Heavy" pitchFamily="34" charset="-127"/>
+              <a:ea typeface="에스코어 드림 8 Heavy" pitchFamily="34" charset="-127"/>
+            </a:endParaRPr>
+          </a:p>
+        </p:txBody>
+      </p:sp>
+    </p:spTree>
+    <p:extLst>
+      <p:ext uri="{BB962C8B-B14F-4D97-AF65-F5344CB8AC3E}">
+        <p14:creationId xmlns:p14="http://schemas.microsoft.com/office/powerpoint/2010/main" val="430649671"/>
+      </p:ext>
+    </p:extLst>
+  </p:cSld>
+  <p:clrMapOvr>
+    <a:masterClrMapping/>
+  </p:clrMapOvr>
+  <p:timing>
+    <p:tnLst>
+      <p:par>
+        <p:cTn id="1" dur="indefinite" restart="never" nodeType="tmRoot"/>
+      </p:par>
+    </p:tnLst>
+  </p:timing>
+</p:sld>
+</file>
+
+<file path=ppt/slides/slide11.xml><?xml version="1.0" encoding="utf-8"?>
+<p:sld xmlns:a="http://schemas.openxmlformats.org/drawingml/2006/main" xmlns:r="http://schemas.openxmlformats.org/officeDocument/2006/relationships" xmlns:p="http://schemas.openxmlformats.org/presentationml/2006/main">
+  <p:cSld>
+    <p:spTree>
+      <p:nvGrpSpPr>
+        <p:cNvPr id="1" name=""/>
+        <p:cNvGrpSpPr/>
+        <p:nvPr/>
+      </p:nvGrpSpPr>
+      <p:grpSpPr>
+        <a:xfrm>
+          <a:off x="0" y="0"/>
+          <a:ext cx="0" cy="0"/>
+          <a:chOff x="0" y="0"/>
+          <a:chExt cx="0" cy="0"/>
+        </a:xfrm>
+      </p:grpSpPr>
+      <p:pic>
+        <p:nvPicPr>
+          <p:cNvPr id="3075" name="Picture 3" descr="C:\Users\Admin\Downloads\군인.png"/>
+          <p:cNvPicPr>
+            <a:picLocks noChangeAspect="1" noChangeArrowheads="1"/>
+          </p:cNvPicPr>
+          <p:nvPr/>
+        </p:nvPicPr>
+        <p:blipFill>
+          <a:blip r:embed="rId2" cstate="print">
+            <a:extLst>
+              <a:ext uri="{28A0092B-C50C-407E-A947-70E740481C1C}">
+                <a14:useLocalDpi xmlns:a14="http://schemas.microsoft.com/office/drawing/2010/main" val="0"/>
+              </a:ext>
+            </a:extLst>
+          </a:blip>
+          <a:srcRect/>
+          <a:stretch>
+            <a:fillRect/>
+          </a:stretch>
+        </p:blipFill>
+        <p:spPr bwMode="auto">
+          <a:xfrm>
+            <a:off x="-4212976" y="1937177"/>
+            <a:ext cx="2168482" cy="1940446"/>
+          </a:xfrm>
+          <a:prstGeom prst="rect">
+            <a:avLst/>
+          </a:prstGeom>
+          <a:noFill/>
+          <a:extLst>
+            <a:ext uri="{909E8E84-426E-40DD-AFC4-6F175D3DCCD1}">
+              <a14:hiddenFill xmlns:a14="http://schemas.microsoft.com/office/drawing/2010/main">
+                <a:solidFill>
+                  <a:srgbClr val="FFFFFF"/>
+                </a:solidFill>
+              </a14:hiddenFill>
+            </a:ext>
+          </a:extLst>
+        </p:spPr>
+      </p:pic>
+      <p:sp>
+        <p:nvSpPr>
+          <p:cNvPr id="10" name="TextBox 9"/>
+          <p:cNvSpPr txBox="1"/>
+          <p:nvPr/>
+        </p:nvSpPr>
+        <p:spPr>
+          <a:xfrm>
+            <a:off x="107504" y="620688"/>
+            <a:ext cx="1661032" cy="707886"/>
+          </a:xfrm>
+          <a:prstGeom prst="rect">
+            <a:avLst/>
+          </a:prstGeom>
+          <a:noFill/>
+        </p:spPr>
+        <p:txBody>
+          <a:bodyPr wrap="none" rtlCol="0" anchor="ctr">
+            <a:spAutoFit/>
+          </a:bodyPr>
+          <a:lstStyle/>
+          <a:p>
+            <a:r>
+              <a:rPr lang="ko-KR" altLang="en-US" sz="4000" smtClean="0">
+                <a:solidFill>
+                  <a:srgbClr val="3A3C75"/>
+                </a:solidFill>
+                <a:latin typeface="에스코어 드림 8 Heavy" pitchFamily="34" charset="-127"/>
+                <a:ea typeface="에스코어 드림 8 Heavy" pitchFamily="34" charset="-127"/>
+              </a:rPr>
+              <a:t>흐름</a:t>
+            </a:r>
+            <a:r>
+              <a:rPr lang="ko-KR" altLang="en-US" sz="4000">
+                <a:solidFill>
+                  <a:srgbClr val="3A3C75"/>
+                </a:solidFill>
+                <a:latin typeface="에스코어 드림 8 Heavy" pitchFamily="34" charset="-127"/>
+                <a:ea typeface="에스코어 드림 8 Heavy" pitchFamily="34" charset="-127"/>
+              </a:rPr>
+              <a:t>도</a:t>
+            </a:r>
+            <a:endParaRPr lang="ko-KR" altLang="en-US" sz="4000">
+              <a:solidFill>
+                <a:srgbClr val="3A3C75"/>
+              </a:solidFill>
+              <a:latin typeface="에스코어 드림 8 Heavy" pitchFamily="34" charset="-127"/>
+              <a:ea typeface="에스코어 드림 8 Heavy" pitchFamily="34" charset="-127"/>
+            </a:endParaRPr>
+          </a:p>
+        </p:txBody>
+      </p:sp>
+    </p:spTree>
+    <p:extLst>
+      <p:ext uri="{BB962C8B-B14F-4D97-AF65-F5344CB8AC3E}">
+        <p14:creationId xmlns:p14="http://schemas.microsoft.com/office/powerpoint/2010/main" val="3521637206"/>
+      </p:ext>
+    </p:extLst>
+  </p:cSld>
+  <p:clrMapOvr>
+    <a:masterClrMapping/>
+  </p:clrMapOvr>
+  <p:timing>
+    <p:tnLst>
+      <p:par>
+        <p:cTn id="1" dur="indefinite" restart="never" nodeType="tmRoot"/>
+      </p:par>
+    </p:tnLst>
+  </p:timing>
+</p:sld>
+</file>
+
+<file path=ppt/slides/slide12.xml><?xml version="1.0" encoding="utf-8"?>
+<p:sld xmlns:a="http://schemas.openxmlformats.org/drawingml/2006/main" xmlns:r="http://schemas.openxmlformats.org/officeDocument/2006/relationships" xmlns:p="http://schemas.openxmlformats.org/presentationml/2006/main">
+  <p:cSld>
+    <p:spTree>
+      <p:nvGrpSpPr>
+        <p:cNvPr id="1" name=""/>
+        <p:cNvGrpSpPr/>
+        <p:nvPr/>
+      </p:nvGrpSpPr>
+      <p:grpSpPr>
+        <a:xfrm>
+          <a:off x="0" y="0"/>
+          <a:ext cx="0" cy="0"/>
+          <a:chOff x="0" y="0"/>
+          <a:chExt cx="0" cy="0"/>
+        </a:xfrm>
+      </p:grpSpPr>
+      <p:pic>
+        <p:nvPicPr>
+          <p:cNvPr id="3075" name="Picture 3" descr="C:\Users\Admin\Downloads\군인.png"/>
+          <p:cNvPicPr>
+            <a:picLocks noChangeAspect="1" noChangeArrowheads="1"/>
+          </p:cNvPicPr>
+          <p:nvPr/>
+        </p:nvPicPr>
+        <p:blipFill>
+          <a:blip r:embed="rId2" cstate="print">
+            <a:extLst>
+              <a:ext uri="{28A0092B-C50C-407E-A947-70E740481C1C}">
+                <a14:useLocalDpi xmlns:a14="http://schemas.microsoft.com/office/drawing/2010/main" val="0"/>
+              </a:ext>
+            </a:extLst>
+          </a:blip>
+          <a:srcRect/>
+          <a:stretch>
+            <a:fillRect/>
+          </a:stretch>
+        </p:blipFill>
+        <p:spPr bwMode="auto">
+          <a:xfrm>
+            <a:off x="-4212976" y="1937177"/>
+            <a:ext cx="2168482" cy="1940446"/>
+          </a:xfrm>
+          <a:prstGeom prst="rect">
+            <a:avLst/>
+          </a:prstGeom>
+          <a:noFill/>
+          <a:extLst>
+            <a:ext uri="{909E8E84-426E-40DD-AFC4-6F175D3DCCD1}">
+              <a14:hiddenFill xmlns:a14="http://schemas.microsoft.com/office/drawing/2010/main">
+                <a:solidFill>
+                  <a:srgbClr val="FFFFFF"/>
+                </a:solidFill>
+              </a14:hiddenFill>
+            </a:ext>
+          </a:extLst>
+        </p:spPr>
+      </p:pic>
+      <p:sp>
+        <p:nvSpPr>
+          <p:cNvPr id="10" name="TextBox 9"/>
+          <p:cNvSpPr txBox="1"/>
+          <p:nvPr/>
+        </p:nvSpPr>
+        <p:spPr>
+          <a:xfrm>
+            <a:off x="107504" y="620688"/>
+            <a:ext cx="1661032" cy="707886"/>
+          </a:xfrm>
+          <a:prstGeom prst="rect">
+            <a:avLst/>
+          </a:prstGeom>
+          <a:noFill/>
+        </p:spPr>
+        <p:txBody>
+          <a:bodyPr wrap="none" rtlCol="0" anchor="ctr">
+            <a:spAutoFit/>
+          </a:bodyPr>
+          <a:lstStyle/>
+          <a:p>
+            <a:r>
+              <a:rPr lang="ko-KR" altLang="en-US" sz="4000" smtClean="0">
+                <a:solidFill>
+                  <a:srgbClr val="3A3C75"/>
+                </a:solidFill>
+                <a:latin typeface="에스코어 드림 8 Heavy" pitchFamily="34" charset="-127"/>
+                <a:ea typeface="에스코어 드림 8 Heavy" pitchFamily="34" charset="-127"/>
+              </a:rPr>
+              <a:t>흐름</a:t>
+            </a:r>
+            <a:r>
+              <a:rPr lang="ko-KR" altLang="en-US" sz="4000">
+                <a:solidFill>
+                  <a:srgbClr val="3A3C75"/>
+                </a:solidFill>
+                <a:latin typeface="에스코어 드림 8 Heavy" pitchFamily="34" charset="-127"/>
+                <a:ea typeface="에스코어 드림 8 Heavy" pitchFamily="34" charset="-127"/>
+              </a:rPr>
+              <a:t>도</a:t>
+            </a:r>
+            <a:endParaRPr lang="ko-KR" altLang="en-US" sz="4000">
+              <a:solidFill>
+                <a:srgbClr val="3A3C75"/>
+              </a:solidFill>
+              <a:latin typeface="에스코어 드림 8 Heavy" pitchFamily="34" charset="-127"/>
+              <a:ea typeface="에스코어 드림 8 Heavy" pitchFamily="34" charset="-127"/>
+            </a:endParaRPr>
+          </a:p>
+        </p:txBody>
+      </p:sp>
+    </p:spTree>
+    <p:extLst>
+      <p:ext uri="{BB962C8B-B14F-4D97-AF65-F5344CB8AC3E}">
+        <p14:creationId xmlns:p14="http://schemas.microsoft.com/office/powerpoint/2010/main" val="3521637206"/>
+      </p:ext>
+    </p:extLst>
+  </p:cSld>
+  <p:clrMapOvr>
+    <a:masterClrMapping/>
+  </p:clrMapOvr>
+  <p:timing>
+    <p:tnLst>
+      <p:par>
+        <p:cTn id="1" dur="indefinite" restart="never" nodeType="tmRoot"/>
+      </p:par>
+    </p:tnLst>
+  </p:timing>
+</p:sld>
+</file>
+
+<file path=ppt/slides/slide13.xml><?xml version="1.0" encoding="utf-8"?>
+<p:sld xmlns:a="http://schemas.openxmlformats.org/drawingml/2006/main" xmlns:r="http://schemas.openxmlformats.org/officeDocument/2006/relationships" xmlns:p="http://schemas.openxmlformats.org/presentationml/2006/main">
+  <p:cSld>
+    <p:spTree>
+      <p:nvGrpSpPr>
+        <p:cNvPr id="1" name=""/>
+        <p:cNvGrpSpPr/>
+        <p:nvPr/>
+      </p:nvGrpSpPr>
+      <p:grpSpPr>
+        <a:xfrm>
+          <a:off x="0" y="0"/>
+          <a:ext cx="0" cy="0"/>
+          <a:chOff x="0" y="0"/>
+          <a:chExt cx="0" cy="0"/>
+        </a:xfrm>
+      </p:grpSpPr>
+      <p:pic>
+        <p:nvPicPr>
+          <p:cNvPr id="3075" name="Picture 3" descr="C:\Users\Admin\Downloads\군인.png"/>
+          <p:cNvPicPr>
+            <a:picLocks noChangeAspect="1" noChangeArrowheads="1"/>
+          </p:cNvPicPr>
+          <p:nvPr/>
+        </p:nvPicPr>
+        <p:blipFill>
+          <a:blip r:embed="rId2" cstate="print">
+            <a:extLst>
+              <a:ext uri="{28A0092B-C50C-407E-A947-70E740481C1C}">
+                <a14:useLocalDpi xmlns:a14="http://schemas.microsoft.com/office/drawing/2010/main" val="0"/>
+              </a:ext>
+            </a:extLst>
+          </a:blip>
+          <a:srcRect/>
+          <a:stretch>
+            <a:fillRect/>
+          </a:stretch>
+        </p:blipFill>
+        <p:spPr bwMode="auto">
+          <a:xfrm>
+            <a:off x="-4212976" y="1937177"/>
+            <a:ext cx="2168482" cy="1940446"/>
+          </a:xfrm>
+          <a:prstGeom prst="rect">
+            <a:avLst/>
+          </a:prstGeom>
+          <a:noFill/>
+          <a:extLst>
+            <a:ext uri="{909E8E84-426E-40DD-AFC4-6F175D3DCCD1}">
+              <a14:hiddenFill xmlns:a14="http://schemas.microsoft.com/office/drawing/2010/main">
+                <a:solidFill>
+                  <a:srgbClr val="FFFFFF"/>
+                </a:solidFill>
+              </a14:hiddenFill>
+            </a:ext>
+          </a:extLst>
+        </p:spPr>
+      </p:pic>
+      <p:sp>
+        <p:nvSpPr>
+          <p:cNvPr id="10" name="TextBox 9"/>
+          <p:cNvSpPr txBox="1"/>
+          <p:nvPr/>
+        </p:nvSpPr>
+        <p:spPr>
+          <a:xfrm>
+            <a:off x="107504" y="620688"/>
+            <a:ext cx="2153154" cy="707886"/>
+          </a:xfrm>
+          <a:prstGeom prst="rect">
+            <a:avLst/>
+          </a:prstGeom>
+          <a:noFill/>
+        </p:spPr>
+        <p:txBody>
+          <a:bodyPr wrap="none" rtlCol="0" anchor="ctr">
+            <a:spAutoFit/>
+          </a:bodyPr>
+          <a:lstStyle/>
+          <a:p>
+            <a:r>
+              <a:rPr lang="ko-KR" altLang="en-US" sz="4000" smtClean="0">
+                <a:solidFill>
+                  <a:srgbClr val="3A3C75"/>
+                </a:solidFill>
+                <a:latin typeface="에스코어 드림 8 Heavy" pitchFamily="34" charset="-127"/>
+                <a:ea typeface="에스코어 드림 8 Heavy" pitchFamily="34" charset="-127"/>
+              </a:rPr>
+              <a:t>시연영상</a:t>
+            </a:r>
+            <a:endParaRPr lang="ko-KR" altLang="en-US" sz="4000">
+              <a:solidFill>
+                <a:srgbClr val="3A3C75"/>
+              </a:solidFill>
+              <a:latin typeface="에스코어 드림 8 Heavy" pitchFamily="34" charset="-127"/>
+              <a:ea typeface="에스코어 드림 8 Heavy" pitchFamily="34" charset="-127"/>
+            </a:endParaRPr>
+          </a:p>
+        </p:txBody>
+      </p:sp>
+    </p:spTree>
+    <p:extLst>
+      <p:ext uri="{BB962C8B-B14F-4D97-AF65-F5344CB8AC3E}">
+        <p14:creationId xmlns:p14="http://schemas.microsoft.com/office/powerpoint/2010/main" val="1226522980"/>
       </p:ext>
     </p:extLst>
   </p:cSld>
@@ -4104,8 +4684,8 @@
         </p:nvSpPr>
         <p:spPr>
           <a:xfrm>
-            <a:off x="3563888" y="2924944"/>
-            <a:ext cx="1980029" cy="1015663"/>
+            <a:off x="3903139" y="1467057"/>
+            <a:ext cx="1321196" cy="707886"/>
           </a:xfrm>
           <a:prstGeom prst="rect">
             <a:avLst/>
@@ -4119,21 +4699,209 @@
           <a:lstStyle/>
           <a:p>
             <a:r>
-              <a:rPr lang="ko-KR" altLang="en-US" sz="6000" dirty="0" smtClean="0">
+              <a:rPr lang="ko-KR" altLang="en-US" sz="4000" smtClean="0">
                 <a:solidFill>
                   <a:srgbClr val="3A3C75"/>
                 </a:solidFill>
-                <a:latin typeface="HY동녘B" pitchFamily="18" charset="-127"/>
-                <a:ea typeface="HY동녘B" pitchFamily="18" charset="-127"/>
+                <a:latin typeface="에스코어 드림 8 Heavy" pitchFamily="34" charset="-127"/>
+                <a:ea typeface="에스코어 드림 8 Heavy" pitchFamily="34" charset="-127"/>
               </a:rPr>
               <a:t>개 요</a:t>
             </a:r>
-            <a:endParaRPr lang="ko-KR" altLang="en-US" sz="6000" dirty="0">
+            <a:endParaRPr lang="ko-KR" altLang="en-US" sz="4000">
               <a:solidFill>
                 <a:srgbClr val="3A3C75"/>
               </a:solidFill>
-              <a:latin typeface="HY동녘B" pitchFamily="18" charset="-127"/>
-              <a:ea typeface="HY동녘B" pitchFamily="18" charset="-127"/>
+              <a:latin typeface="에스코어 드림 8 Heavy" pitchFamily="34" charset="-127"/>
+              <a:ea typeface="에스코어 드림 8 Heavy" pitchFamily="34" charset="-127"/>
+            </a:endParaRPr>
+          </a:p>
+        </p:txBody>
+      </p:sp>
+      <p:sp>
+        <p:nvSpPr>
+          <p:cNvPr id="8" name="TextBox 7"/>
+          <p:cNvSpPr txBox="1"/>
+          <p:nvPr/>
+        </p:nvSpPr>
+        <p:spPr>
+          <a:xfrm>
+            <a:off x="3495423" y="4593322"/>
+            <a:ext cx="2153154" cy="707886"/>
+          </a:xfrm>
+          <a:prstGeom prst="rect">
+            <a:avLst/>
+          </a:prstGeom>
+          <a:noFill/>
+        </p:spPr>
+        <p:txBody>
+          <a:bodyPr wrap="none" rtlCol="0" anchor="ctr">
+            <a:spAutoFit/>
+          </a:bodyPr>
+          <a:lstStyle/>
+          <a:p>
+            <a:r>
+              <a:rPr lang="ko-KR" altLang="en-US" sz="4000" smtClean="0">
+                <a:solidFill>
+                  <a:srgbClr val="3A3C75"/>
+                </a:solidFill>
+                <a:latin typeface="에스코어 드림 8 Heavy" pitchFamily="34" charset="-127"/>
+                <a:ea typeface="에스코어 드림 8 Heavy" pitchFamily="34" charset="-127"/>
+              </a:rPr>
+              <a:t>시연영상</a:t>
+            </a:r>
+            <a:endParaRPr lang="ko-KR" altLang="en-US" sz="4000">
+              <a:solidFill>
+                <a:srgbClr val="3A3C75"/>
+              </a:solidFill>
+              <a:latin typeface="에스코어 드림 8 Heavy" pitchFamily="34" charset="-127"/>
+              <a:ea typeface="에스코어 드림 8 Heavy" pitchFamily="34" charset="-127"/>
+            </a:endParaRPr>
+          </a:p>
+        </p:txBody>
+      </p:sp>
+      <p:sp>
+        <p:nvSpPr>
+          <p:cNvPr id="9" name="TextBox 8"/>
+          <p:cNvSpPr txBox="1"/>
+          <p:nvPr/>
+        </p:nvSpPr>
+        <p:spPr>
+          <a:xfrm>
+            <a:off x="3486170" y="3862779"/>
+            <a:ext cx="1661032" cy="707886"/>
+          </a:xfrm>
+          <a:prstGeom prst="rect">
+            <a:avLst/>
+          </a:prstGeom>
+          <a:noFill/>
+        </p:spPr>
+        <p:txBody>
+          <a:bodyPr wrap="none" rtlCol="0" anchor="ctr">
+            <a:spAutoFit/>
+          </a:bodyPr>
+          <a:lstStyle/>
+          <a:p>
+            <a:r>
+              <a:rPr lang="ko-KR" altLang="en-US" sz="4000" smtClean="0">
+                <a:solidFill>
+                  <a:srgbClr val="3A3C75"/>
+                </a:solidFill>
+                <a:latin typeface="에스코어 드림 8 Heavy" pitchFamily="34" charset="-127"/>
+                <a:ea typeface="에스코어 드림 8 Heavy" pitchFamily="34" charset="-127"/>
+              </a:rPr>
+              <a:t>흐름도</a:t>
+            </a:r>
+            <a:endParaRPr lang="ko-KR" altLang="en-US" sz="4000">
+              <a:solidFill>
+                <a:srgbClr val="3A3C75"/>
+              </a:solidFill>
+              <a:latin typeface="에스코어 드림 8 Heavy" pitchFamily="34" charset="-127"/>
+              <a:ea typeface="에스코어 드림 8 Heavy" pitchFamily="34" charset="-127"/>
+            </a:endParaRPr>
+          </a:p>
+        </p:txBody>
+      </p:sp>
+      <p:sp>
+        <p:nvSpPr>
+          <p:cNvPr id="11" name="TextBox 10"/>
+          <p:cNvSpPr txBox="1"/>
+          <p:nvPr/>
+        </p:nvSpPr>
+        <p:spPr>
+          <a:xfrm>
+            <a:off x="3486170" y="3154893"/>
+            <a:ext cx="2153154" cy="707886"/>
+          </a:xfrm>
+          <a:prstGeom prst="rect">
+            <a:avLst/>
+          </a:prstGeom>
+          <a:noFill/>
+        </p:spPr>
+        <p:txBody>
+          <a:bodyPr wrap="none" rtlCol="0" anchor="ctr">
+            <a:spAutoFit/>
+          </a:bodyPr>
+          <a:lstStyle/>
+          <a:p>
+            <a:r>
+              <a:rPr lang="ko-KR" altLang="en-US" sz="4000" smtClean="0">
+                <a:solidFill>
+                  <a:srgbClr val="3A3C75"/>
+                </a:solidFill>
+                <a:latin typeface="에스코어 드림 8 Heavy" pitchFamily="34" charset="-127"/>
+                <a:ea typeface="에스코어 드림 8 Heavy" pitchFamily="34" charset="-127"/>
+              </a:rPr>
+              <a:t>구성요소</a:t>
+            </a:r>
+            <a:endParaRPr lang="ko-KR" altLang="en-US" sz="4000">
+              <a:solidFill>
+                <a:srgbClr val="3A3C75"/>
+              </a:solidFill>
+              <a:latin typeface="에스코어 드림 8 Heavy" pitchFamily="34" charset="-127"/>
+              <a:ea typeface="에스코어 드림 8 Heavy" pitchFamily="34" charset="-127"/>
+            </a:endParaRPr>
+          </a:p>
+        </p:txBody>
+      </p:sp>
+      <p:sp>
+        <p:nvSpPr>
+          <p:cNvPr id="13" name="TextBox 12"/>
+          <p:cNvSpPr txBox="1"/>
+          <p:nvPr/>
+        </p:nvSpPr>
+        <p:spPr>
+          <a:xfrm>
+            <a:off x="3504877" y="2447007"/>
+            <a:ext cx="2153154" cy="707886"/>
+          </a:xfrm>
+          <a:prstGeom prst="rect">
+            <a:avLst/>
+          </a:prstGeom>
+          <a:noFill/>
+        </p:spPr>
+        <p:txBody>
+          <a:bodyPr wrap="none" rtlCol="0" anchor="ctr">
+            <a:spAutoFit/>
+          </a:bodyPr>
+          <a:lstStyle/>
+          <a:p>
+            <a:r>
+              <a:rPr lang="ko-KR" altLang="en-US" sz="4000" smtClean="0">
+                <a:solidFill>
+                  <a:srgbClr val="3A3C75"/>
+                </a:solidFill>
+                <a:latin typeface="에스코어 드림 8 Heavy" pitchFamily="34" charset="-127"/>
+                <a:ea typeface="에스코어 드림 8 Heavy" pitchFamily="34" charset="-127"/>
+              </a:rPr>
+              <a:t>제</a:t>
+            </a:r>
+            <a:r>
+              <a:rPr lang="ko-KR" altLang="en-US" sz="4000">
+                <a:solidFill>
+                  <a:srgbClr val="3A3C75"/>
+                </a:solidFill>
+                <a:latin typeface="에스코어 드림 8 Heavy" pitchFamily="34" charset="-127"/>
+                <a:ea typeface="에스코어 드림 8 Heavy" pitchFamily="34" charset="-127"/>
+              </a:rPr>
+              <a:t>안</a:t>
+            </a:r>
+            <a:r>
+              <a:rPr lang="ko-KR" altLang="en-US" sz="4000" smtClean="0">
+                <a:solidFill>
+                  <a:srgbClr val="3A3C75"/>
+                </a:solidFill>
+                <a:latin typeface="에스코어 드림 8 Heavy" pitchFamily="34" charset="-127"/>
+                <a:ea typeface="에스코어 드림 8 Heavy" pitchFamily="34" charset="-127"/>
+              </a:rPr>
+              <a:t>배경</a:t>
+            </a:r>
+            <a:endParaRPr lang="ko-KR" altLang="en-US" sz="4000">
+              <a:solidFill>
+                <a:srgbClr val="3A3C75"/>
+              </a:solidFill>
+              <a:latin typeface="에스코어 드림 8 Heavy" pitchFamily="34" charset="-127"/>
+              <a:ea typeface="에스코어 드림 8 Heavy" pitchFamily="34" charset="-127"/>
             </a:endParaRPr>
           </a:p>
         </p:txBody>
@@ -4177,211 +4945,321 @@
       </p:grpSpPr>
       <p:sp>
         <p:nvSpPr>
-          <p:cNvPr id="3" name="내용 개체 틀 2"/>
-          <p:cNvSpPr>
-            <a:spLocks noGrp="1"/>
-          </p:cNvSpPr>
-          <p:nvPr>
-            <p:ph idx="1"/>
-          </p:nvPr>
-        </p:nvSpPr>
-        <p:spPr>
-          <a:xfrm>
-            <a:off x="457200" y="908720"/>
-            <a:ext cx="8229600" cy="4525963"/>
-          </a:xfrm>
-        </p:spPr>
-        <p:txBody>
-          <a:bodyPr/>
-          <a:lstStyle/>
-          <a:p>
-            <a:pPr marL="0" indent="0" algn="ctr">
-              <a:buNone/>
-            </a:pPr>
-            <a:r>
-              <a:rPr lang="en-US" altLang="ko-KR" dirty="0" smtClean="0">
-                <a:solidFill>
-                  <a:srgbClr val="3A3C75"/>
-                </a:solidFill>
-                <a:latin typeface="HY동녘M" pitchFamily="18" charset="-127"/>
-                <a:ea typeface="HY동녘M" pitchFamily="18" charset="-127"/>
-              </a:rPr>
-              <a:t>DMC(Deep Military Camera)</a:t>
-            </a:r>
-          </a:p>
-          <a:p>
-            <a:pPr marL="0" indent="0" algn="ctr">
-              <a:buNone/>
-            </a:pPr>
-            <a:endParaRPr lang="en-US" altLang="ko-KR" dirty="0">
-              <a:latin typeface="HY동녘M" pitchFamily="18" charset="-127"/>
-              <a:ea typeface="HY동녘M" pitchFamily="18" charset="-127"/>
-            </a:endParaRPr>
-          </a:p>
-          <a:p>
-            <a:pPr marL="0" indent="0" algn="ctr">
-              <a:buNone/>
-            </a:pPr>
-            <a:r>
-              <a:rPr lang="ko-KR" altLang="en-US" sz="2400" dirty="0" smtClean="0">
-                <a:latin typeface="HY동녘M" pitchFamily="18" charset="-127"/>
-                <a:ea typeface="HY동녘M" pitchFamily="18" charset="-127"/>
-              </a:rPr>
-              <a:t> </a:t>
-            </a:r>
-            <a:r>
-              <a:rPr lang="ko-KR" altLang="en-US" sz="2400" dirty="0" err="1" smtClean="0">
-                <a:latin typeface="HY동녘M" pitchFamily="18" charset="-127"/>
-                <a:ea typeface="HY동녘M" pitchFamily="18" charset="-127"/>
-              </a:rPr>
-              <a:t>머신러닝</a:t>
-            </a:r>
-            <a:r>
-              <a:rPr lang="ko-KR" altLang="en-US" sz="2400" dirty="0" smtClean="0">
-                <a:latin typeface="HY동녘M" pitchFamily="18" charset="-127"/>
-                <a:ea typeface="HY동녘M" pitchFamily="18" charset="-127"/>
-              </a:rPr>
-              <a:t> </a:t>
-            </a:r>
-            <a:r>
-              <a:rPr lang="ko-KR" altLang="en-US" sz="2400" dirty="0">
-                <a:latin typeface="HY동녘M" pitchFamily="18" charset="-127"/>
-                <a:ea typeface="HY동녘M" pitchFamily="18" charset="-127"/>
-              </a:rPr>
-              <a:t>프레임워크인 </a:t>
-            </a:r>
-            <a:r>
-              <a:rPr lang="en-US" altLang="ko-KR" sz="2400" dirty="0" err="1">
-                <a:latin typeface="HY동녘M" pitchFamily="18" charset="-127"/>
-                <a:ea typeface="HY동녘M" pitchFamily="18" charset="-127"/>
-              </a:rPr>
-              <a:t>Tensorflow</a:t>
-            </a:r>
-            <a:r>
-              <a:rPr lang="ko-KR" altLang="en-US" sz="2400" dirty="0">
-                <a:latin typeface="HY동녘M" pitchFamily="18" charset="-127"/>
-                <a:ea typeface="HY동녘M" pitchFamily="18" charset="-127"/>
-              </a:rPr>
-              <a:t>와 </a:t>
-            </a:r>
-            <a:endParaRPr lang="en-US" altLang="ko-KR" sz="2400" dirty="0" smtClean="0">
-              <a:latin typeface="HY동녘M" pitchFamily="18" charset="-127"/>
-              <a:ea typeface="HY동녘M" pitchFamily="18" charset="-127"/>
-            </a:endParaRPr>
-          </a:p>
-          <a:p>
-            <a:pPr marL="0" indent="0" algn="ctr">
-              <a:buNone/>
-            </a:pPr>
-            <a:r>
-              <a:rPr lang="ko-KR" altLang="en-US" sz="2400" dirty="0" smtClean="0">
-                <a:latin typeface="HY동녘M" pitchFamily="18" charset="-127"/>
-                <a:ea typeface="HY동녘M" pitchFamily="18" charset="-127"/>
-              </a:rPr>
-              <a:t> </a:t>
-            </a:r>
-            <a:r>
-              <a:rPr lang="ko-KR" altLang="en-US" sz="2400" dirty="0" err="1" smtClean="0">
-                <a:latin typeface="HY동녘M" pitchFamily="18" charset="-127"/>
-                <a:ea typeface="HY동녘M" pitchFamily="18" charset="-127"/>
-              </a:rPr>
-              <a:t>안드로이드</a:t>
-            </a:r>
-            <a:r>
-              <a:rPr lang="ko-KR" altLang="en-US" sz="2400" dirty="0" smtClean="0">
-                <a:latin typeface="HY동녘M" pitchFamily="18" charset="-127"/>
-                <a:ea typeface="HY동녘M" pitchFamily="18" charset="-127"/>
-              </a:rPr>
-              <a:t> </a:t>
-            </a:r>
-            <a:r>
-              <a:rPr lang="en-US" altLang="ko-KR" sz="2400" dirty="0">
-                <a:latin typeface="HY동녘M" pitchFamily="18" charset="-127"/>
-                <a:ea typeface="HY동녘M" pitchFamily="18" charset="-127"/>
-              </a:rPr>
-              <a:t>FCM</a:t>
-            </a:r>
-            <a:r>
-              <a:rPr lang="ko-KR" altLang="en-US" sz="2400" dirty="0">
-                <a:latin typeface="HY동녘M" pitchFamily="18" charset="-127"/>
-                <a:ea typeface="HY동녘M" pitchFamily="18" charset="-127"/>
-              </a:rPr>
-              <a:t>을 </a:t>
-            </a:r>
-            <a:r>
-              <a:rPr lang="ko-KR" altLang="en-US" sz="2400" dirty="0" smtClean="0">
-                <a:latin typeface="HY동녘M" pitchFamily="18" charset="-127"/>
-                <a:ea typeface="HY동녘M" pitchFamily="18" charset="-127"/>
-              </a:rPr>
-              <a:t>이용하여 거동수상자를 감지하고</a:t>
-            </a:r>
-            <a:endParaRPr lang="en-US" altLang="ko-KR" sz="2400" dirty="0" smtClean="0">
-              <a:latin typeface="HY동녘M" pitchFamily="18" charset="-127"/>
-              <a:ea typeface="HY동녘M" pitchFamily="18" charset="-127"/>
-            </a:endParaRPr>
-          </a:p>
-          <a:p>
-            <a:pPr marL="0" indent="0" algn="ctr">
-              <a:buNone/>
-            </a:pPr>
-            <a:r>
-              <a:rPr lang="en-US" altLang="ko-KR" sz="2400" dirty="0" smtClean="0">
-                <a:latin typeface="HY동녘M" pitchFamily="18" charset="-127"/>
-                <a:ea typeface="HY동녘M" pitchFamily="18" charset="-127"/>
-              </a:rPr>
-              <a:t> </a:t>
-            </a:r>
-            <a:r>
-              <a:rPr lang="ko-KR" altLang="en-US" sz="2400" dirty="0" smtClean="0">
-                <a:latin typeface="HY동녘M" pitchFamily="18" charset="-127"/>
-                <a:ea typeface="HY동녘M" pitchFamily="18" charset="-127"/>
-              </a:rPr>
-              <a:t>부대원들에게 빠르게 전파할 수</a:t>
-            </a:r>
-            <a:endParaRPr lang="en-US" altLang="ko-KR" sz="2400" dirty="0" smtClean="0">
-              <a:latin typeface="HY동녘M" pitchFamily="18" charset="-127"/>
-              <a:ea typeface="HY동녘M" pitchFamily="18" charset="-127"/>
-            </a:endParaRPr>
-          </a:p>
-          <a:p>
-            <a:pPr marL="0" indent="0" algn="ctr">
-              <a:buNone/>
-            </a:pPr>
-            <a:r>
-              <a:rPr lang="ko-KR" altLang="en-US" sz="2400" dirty="0" smtClean="0">
-                <a:latin typeface="HY동녘M" pitchFamily="18" charset="-127"/>
-                <a:ea typeface="HY동녘M" pitchFamily="18" charset="-127"/>
-              </a:rPr>
-              <a:t> 있는 무인 감시체계</a:t>
-            </a:r>
-            <a:r>
-              <a:rPr lang="en-US" altLang="ko-KR" sz="2400" dirty="0" smtClean="0">
-                <a:latin typeface="HY동녘M" pitchFamily="18" charset="-127"/>
-                <a:ea typeface="HY동녘M" pitchFamily="18" charset="-127"/>
-              </a:rPr>
-              <a:t>.</a:t>
-            </a:r>
-            <a:endParaRPr lang="ko-KR" altLang="en-US" sz="2400" dirty="0" smtClean="0">
-              <a:latin typeface="HY동녘M" pitchFamily="18" charset="-127"/>
-              <a:ea typeface="HY동녘M" pitchFamily="18" charset="-127"/>
-            </a:endParaRPr>
-          </a:p>
-          <a:p>
-            <a:pPr algn="ctr"/>
-            <a:endParaRPr lang="ko-KR" altLang="en-US" dirty="0"/>
-          </a:p>
-        </p:txBody>
-      </p:sp>
-      <p:sp>
-        <p:nvSpPr>
-          <p:cNvPr id="4" name="TextBox 3"/>
+          <p:cNvPr id="10" name="TextBox 9"/>
           <p:cNvSpPr txBox="1"/>
           <p:nvPr/>
         </p:nvSpPr>
         <p:spPr>
           <a:xfrm>
-            <a:off x="3267996" y="6093296"/>
-            <a:ext cx="5912516" cy="461665"/>
+            <a:off x="107504" y="620688"/>
+            <a:ext cx="2153154" cy="707886"/>
+          </a:xfrm>
+          <a:prstGeom prst="rect">
+            <a:avLst/>
+          </a:prstGeom>
+          <a:noFill/>
+        </p:spPr>
+        <p:txBody>
+          <a:bodyPr wrap="none" rtlCol="0" anchor="ctr">
+            <a:spAutoFit/>
+          </a:bodyPr>
+          <a:lstStyle/>
+          <a:p>
+            <a:r>
+              <a:rPr lang="ko-KR" altLang="en-US" sz="4000" smtClean="0">
+                <a:solidFill>
+                  <a:srgbClr val="3A3C75"/>
+                </a:solidFill>
+                <a:latin typeface="에스코어 드림 8 Heavy" pitchFamily="34" charset="-127"/>
+                <a:ea typeface="에스코어 드림 8 Heavy" pitchFamily="34" charset="-127"/>
+              </a:rPr>
+              <a:t>제안배경</a:t>
+            </a:r>
+            <a:endParaRPr lang="ko-KR" altLang="en-US" sz="4000">
+              <a:solidFill>
+                <a:srgbClr val="3A3C75"/>
+              </a:solidFill>
+              <a:latin typeface="에스코어 드림 8 Heavy" pitchFamily="34" charset="-127"/>
+              <a:ea typeface="에스코어 드림 8 Heavy" pitchFamily="34" charset="-127"/>
+            </a:endParaRPr>
+          </a:p>
+        </p:txBody>
+      </p:sp>
+      <p:pic>
+        <p:nvPicPr>
+          <p:cNvPr id="14" name="Picture 4" descr="C:\Users\Admin\Desktop\경계_2.PNG"/>
+          <p:cNvPicPr>
+            <a:picLocks noChangeAspect="1" noChangeArrowheads="1"/>
+          </p:cNvPicPr>
+          <p:nvPr/>
+        </p:nvPicPr>
+        <p:blipFill rotWithShape="1">
+          <a:blip r:embed="rId2" cstate="print">
+            <a:extLst>
+              <a:ext uri="{28A0092B-C50C-407E-A947-70E740481C1C}">
+                <a14:useLocalDpi xmlns:a14="http://schemas.microsoft.com/office/drawing/2010/main" val="0"/>
+              </a:ext>
+            </a:extLst>
+          </a:blip>
+          <a:srcRect b="57811"/>
+          <a:stretch/>
+        </p:blipFill>
+        <p:spPr bwMode="auto">
+          <a:xfrm rot="215141">
+            <a:off x="1364799" y="1587779"/>
+            <a:ext cx="5492537" cy="2608123"/>
+          </a:xfrm>
+          <a:prstGeom prst="rect">
+            <a:avLst/>
+          </a:prstGeom>
+          <a:noFill/>
+          <a:ln w="38100">
+            <a:solidFill>
+              <a:schemeClr val="bg1">
+                <a:lumMod val="85000"/>
+              </a:schemeClr>
+            </a:solidFill>
+          </a:ln>
+          <a:effectLst>
+            <a:outerShdw blurRad="50800" dist="38100" dir="10800000" algn="r" rotWithShape="0">
+              <a:prstClr val="black">
+                <a:alpha val="40000"/>
+              </a:prstClr>
+            </a:outerShdw>
+          </a:effectLst>
+          <a:extLst>
+            <a:ext uri="{909E8E84-426E-40DD-AFC4-6F175D3DCCD1}">
+              <a14:hiddenFill xmlns:a14="http://schemas.microsoft.com/office/drawing/2010/main">
+                <a:solidFill>
+                  <a:srgbClr val="FFFFFF"/>
+                </a:solidFill>
+              </a14:hiddenFill>
+            </a:ext>
+          </a:extLst>
+        </p:spPr>
+      </p:pic>
+      <p:pic>
+        <p:nvPicPr>
+          <p:cNvPr id="15" name="Picture 5" descr="C:\Users\Admin\Desktop\경계_3.PNG"/>
+          <p:cNvPicPr>
+            <a:picLocks noChangeAspect="1" noChangeArrowheads="1"/>
+          </p:cNvPicPr>
+          <p:nvPr/>
+        </p:nvPicPr>
+        <p:blipFill>
+          <a:blip r:embed="rId3" cstate="print">
+            <a:extLst>
+              <a:ext uri="{28A0092B-C50C-407E-A947-70E740481C1C}">
+                <a14:useLocalDpi xmlns:a14="http://schemas.microsoft.com/office/drawing/2010/main" val="0"/>
+              </a:ext>
+            </a:extLst>
+          </a:blip>
+          <a:srcRect/>
+          <a:stretch>
+            <a:fillRect/>
+          </a:stretch>
+        </p:blipFill>
+        <p:spPr bwMode="auto">
+          <a:xfrm rot="21408209">
+            <a:off x="3523986" y="2256463"/>
+            <a:ext cx="4541197" cy="3861008"/>
+          </a:xfrm>
+          <a:prstGeom prst="rect">
+            <a:avLst/>
+          </a:prstGeom>
+          <a:noFill/>
+          <a:ln w="38100">
+            <a:solidFill>
+              <a:schemeClr val="bg1">
+                <a:lumMod val="85000"/>
+              </a:schemeClr>
+            </a:solidFill>
+          </a:ln>
+          <a:effectLst>
+            <a:outerShdw blurRad="50800" dist="38100" dir="10800000" algn="r" rotWithShape="0">
+              <a:prstClr val="black">
+                <a:alpha val="40000"/>
+              </a:prstClr>
+            </a:outerShdw>
+          </a:effectLst>
+          <a:extLst>
+            <a:ext uri="{909E8E84-426E-40DD-AFC4-6F175D3DCCD1}">
+              <a14:hiddenFill xmlns:a14="http://schemas.microsoft.com/office/drawing/2010/main">
+                <a:solidFill>
+                  <a:srgbClr val="FFFFFF"/>
+                </a:solidFill>
+              </a14:hiddenFill>
+            </a:ext>
+          </a:extLst>
+        </p:spPr>
+      </p:pic>
+      <p:pic>
+        <p:nvPicPr>
+          <p:cNvPr id="13" name="Picture 2" descr="C:\Users\Admin\Desktop\경계_1.PNG"/>
+          <p:cNvPicPr>
+            <a:picLocks noChangeAspect="1" noChangeArrowheads="1"/>
+          </p:cNvPicPr>
+          <p:nvPr/>
+        </p:nvPicPr>
+        <p:blipFill>
+          <a:blip r:embed="rId4">
+            <a:extLst>
+              <a:ext uri="{28A0092B-C50C-407E-A947-70E740481C1C}">
+                <a14:useLocalDpi xmlns:a14="http://schemas.microsoft.com/office/drawing/2010/main" val="0"/>
+              </a:ext>
+            </a:extLst>
+          </a:blip>
+          <a:srcRect/>
+          <a:stretch>
+            <a:fillRect/>
+          </a:stretch>
+        </p:blipFill>
+        <p:spPr bwMode="auto">
+          <a:xfrm rot="21258690">
+            <a:off x="1938699" y="3715562"/>
+            <a:ext cx="4032448" cy="2278640"/>
+          </a:xfrm>
+          <a:prstGeom prst="rect">
+            <a:avLst/>
+          </a:prstGeom>
+          <a:noFill/>
+          <a:ln w="38100">
+            <a:solidFill>
+              <a:schemeClr val="bg1">
+                <a:lumMod val="85000"/>
+              </a:schemeClr>
+            </a:solidFill>
+          </a:ln>
+          <a:effectLst>
+            <a:outerShdw blurRad="50800" dist="38100" dir="10800000" algn="r" rotWithShape="0">
+              <a:prstClr val="black">
+                <a:alpha val="40000"/>
+              </a:prstClr>
+            </a:outerShdw>
+          </a:effectLst>
+          <a:extLst>
+            <a:ext uri="{909E8E84-426E-40DD-AFC4-6F175D3DCCD1}">
+              <a14:hiddenFill xmlns:a14="http://schemas.microsoft.com/office/drawing/2010/main">
+                <a:solidFill>
+                  <a:srgbClr val="FFFFFF"/>
+                </a:solidFill>
+              </a14:hiddenFill>
+            </a:ext>
+          </a:extLst>
+        </p:spPr>
+      </p:pic>
+      <p:sp>
+        <p:nvSpPr>
+          <p:cNvPr id="2" name="직사각형 1"/>
+          <p:cNvSpPr/>
+          <p:nvPr/>
+        </p:nvSpPr>
+        <p:spPr>
+          <a:xfrm>
+            <a:off x="0" y="2750974"/>
+            <a:ext cx="9144000" cy="1440160"/>
+          </a:xfrm>
+          <a:prstGeom prst="rect">
+            <a:avLst/>
+          </a:prstGeom>
+          <a:solidFill>
+            <a:schemeClr val="tx1">
+              <a:alpha val="73000"/>
+            </a:schemeClr>
+          </a:solidFill>
+          <a:ln>
+            <a:noFill/>
+          </a:ln>
+        </p:spPr>
+        <p:style>
+          <a:lnRef idx="2">
+            <a:schemeClr val="accent1">
+              <a:shade val="50000"/>
+            </a:schemeClr>
+          </a:lnRef>
+          <a:fillRef idx="1">
+            <a:schemeClr val="accent1"/>
+          </a:fillRef>
+          <a:effectRef idx="0">
+            <a:schemeClr val="accent1"/>
+          </a:effectRef>
+          <a:fontRef idx="minor">
+            <a:schemeClr val="lt1"/>
+          </a:fontRef>
+        </p:style>
+        <p:txBody>
+          <a:bodyPr rtlCol="0" anchor="ctr"/>
+          <a:lstStyle/>
+          <a:p>
+            <a:pPr algn="ctr"/>
+            <a:endParaRPr lang="ko-KR" altLang="en-US"/>
+          </a:p>
+        </p:txBody>
+      </p:sp>
+      <p:pic>
+        <p:nvPicPr>
+          <p:cNvPr id="1026" name="Picture 2" descr="C:\Users\Admin\Desktop\이미지\경계.jpg"/>
+          <p:cNvPicPr>
+            <a:picLocks noChangeAspect="1" noChangeArrowheads="1"/>
+          </p:cNvPicPr>
+          <p:nvPr/>
+        </p:nvPicPr>
+        <p:blipFill rotWithShape="1">
+          <a:blip r:embed="rId5">
+            <a:extLst>
+              <a:ext uri="{BEBA8EAE-BF5A-486C-A8C5-ECC9F3942E4B}">
+                <a14:imgProps xmlns:a14="http://schemas.microsoft.com/office/drawing/2010/main">
+                  <a14:imgLayer r:embed="rId6">
+                    <a14:imgEffect>
+                      <a14:backgroundRemoval t="10000" b="90000" l="10000" r="90000">
+                        <a14:foregroundMark x1="16667" y1="78333" x2="21389" y2="79444"/>
+                        <a14:foregroundMark x1="80000" y1="81944" x2="86111" y2="81667"/>
+                      </a14:backgroundRemoval>
+                    </a14:imgEffect>
+                    <a14:imgEffect>
+                      <a14:brightnessContrast bright="-20000" contrast="-20000"/>
+                    </a14:imgEffect>
+                  </a14:imgLayer>
+                </a14:imgProps>
+              </a:ext>
+              <a:ext uri="{28A0092B-C50C-407E-A947-70E740481C1C}">
+                <a14:useLocalDpi xmlns:a14="http://schemas.microsoft.com/office/drawing/2010/main" val="0"/>
+              </a:ext>
+            </a:extLst>
+          </a:blip>
+          <a:srcRect l="6642" t="64104" r="7601" b="9390"/>
+          <a:stretch/>
+        </p:blipFill>
+        <p:spPr bwMode="auto">
+          <a:xfrm>
+            <a:off x="1307906" y="2958516"/>
+            <a:ext cx="3190945" cy="637510"/>
+          </a:xfrm>
+          <a:prstGeom prst="rect">
+            <a:avLst/>
+          </a:prstGeom>
+          <a:noFill/>
+          <a:extLst>
+            <a:ext uri="{909E8E84-426E-40DD-AFC4-6F175D3DCCD1}">
+              <a14:hiddenFill xmlns:a14="http://schemas.microsoft.com/office/drawing/2010/main">
+                <a:solidFill>
+                  <a:srgbClr val="FFFFFF"/>
+                </a:solidFill>
+              </a14:hiddenFill>
+            </a:ext>
+          </a:extLst>
+        </p:spPr>
+      </p:pic>
+      <p:sp>
+        <p:nvSpPr>
+          <p:cNvPr id="16" name="TextBox 15"/>
+          <p:cNvSpPr txBox="1"/>
+          <p:nvPr/>
+        </p:nvSpPr>
+        <p:spPr>
+          <a:xfrm>
+            <a:off x="1657555" y="3244334"/>
+            <a:ext cx="5891357" cy="553998"/>
           </a:xfrm>
           <a:prstGeom prst="rect">
             <a:avLst/>
@@ -4394,88 +5272,71 @@
           </a:bodyPr>
           <a:lstStyle/>
           <a:p>
-            <a:r>
-              <a:rPr lang="en-US" altLang="ko-KR" sz="1200" dirty="0" smtClean="0"/>
-              <a:t>* </a:t>
-            </a:r>
-            <a:r>
-              <a:rPr lang="ko-KR" altLang="en-US" sz="1200" dirty="0" err="1" smtClean="0"/>
-              <a:t>파이어베이스</a:t>
-            </a:r>
-            <a:r>
-              <a:rPr lang="en-US" altLang="ko-KR" sz="1200" dirty="0" smtClean="0"/>
-              <a:t>(</a:t>
-            </a:r>
-            <a:r>
-              <a:rPr lang="en-US" altLang="ko-KR" sz="1200" dirty="0" smtClean="0"/>
-              <a:t>Firebase</a:t>
-            </a:r>
-            <a:r>
-              <a:rPr lang="en-US" altLang="ko-KR" sz="1200" dirty="0" smtClean="0"/>
-              <a:t>) : </a:t>
-            </a:r>
-            <a:r>
-              <a:rPr lang="ko-KR" altLang="en-US" sz="1200" dirty="0" err="1" smtClean="0"/>
-              <a:t>구글에서</a:t>
-            </a:r>
-            <a:r>
-              <a:rPr lang="ko-KR" altLang="en-US" sz="1200" dirty="0" smtClean="0"/>
-              <a:t> 제공하는 </a:t>
-            </a:r>
-            <a:r>
-              <a:rPr lang="en-US" altLang="ko-KR" sz="1200" dirty="0" smtClean="0"/>
-              <a:t>Android, </a:t>
-            </a:r>
-            <a:r>
-              <a:rPr lang="en-US" altLang="ko-KR" sz="1200" dirty="0" err="1" smtClean="0"/>
-              <a:t>iOS</a:t>
-            </a:r>
-            <a:r>
-              <a:rPr lang="en-US" altLang="ko-KR" sz="1200" dirty="0" smtClean="0"/>
+            <a:pPr algn="ctr"/>
+            <a:r>
+              <a:rPr lang="ko-KR" altLang="en-US" sz="3000" spc="-150" smtClean="0">
+                <a:solidFill>
+                  <a:schemeClr val="bg1"/>
+                </a:solidFill>
+                <a:latin typeface="에스코어 드림 5 Medium" pitchFamily="34" charset="-127"/>
+                <a:ea typeface="에스코어 드림 5 Medium" pitchFamily="34" charset="-127"/>
+              </a:rPr>
+              <a:t>잇단</a:t>
+            </a:r>
+            <a:r>
+              <a:rPr lang="ko-KR" altLang="en-US" sz="3000" spc="-150" smtClean="0">
+                <a:solidFill>
+                  <a:schemeClr val="bg1"/>
+                </a:solidFill>
+                <a:latin typeface="에스코어 드림 5 Medium" pitchFamily="34" charset="-127"/>
+                <a:ea typeface="에스코어 드림 5 Medium" pitchFamily="34" charset="-127"/>
+              </a:rPr>
+              <a:t> 경계 실패</a:t>
+            </a:r>
+            <a:r>
+              <a:rPr lang="en-US" altLang="ko-KR" sz="3000" spc="-150" smtClean="0">
+                <a:solidFill>
+                  <a:schemeClr val="bg1"/>
+                </a:solidFill>
+                <a:latin typeface="에스코어 드림 5 Medium" pitchFamily="34" charset="-127"/>
+                <a:ea typeface="에스코어 드림 5 Medium" pitchFamily="34" charset="-127"/>
+              </a:rPr>
+              <a:t>…</a:t>
+            </a:r>
+            <a:r>
+              <a:rPr lang="en-US" altLang="ko-KR" sz="3000" spc="-150" smtClean="0">
+                <a:solidFill>
+                  <a:schemeClr val="bg1"/>
+                </a:solidFill>
+                <a:latin typeface="에스코어 드림 5 Medium" pitchFamily="34" charset="-127"/>
+                <a:ea typeface="에스코어 드림 5 Medium" pitchFamily="34" charset="-127"/>
+              </a:rPr>
               <a:t> </a:t>
             </a:r>
             <a:r>
-              <a:rPr lang="ko-KR" altLang="en-US" sz="1200" dirty="0" smtClean="0"/>
-              <a:t>및 웹 애플리케이션의</a:t>
-            </a:r>
-            <a:endParaRPr lang="en-US" altLang="ko-KR" sz="1200" dirty="0" smtClean="0"/>
-          </a:p>
-          <a:p>
-            <a:r>
-              <a:rPr lang="en-US" altLang="ko-KR" sz="1200" dirty="0"/>
-              <a:t> </a:t>
-            </a:r>
-            <a:r>
-              <a:rPr lang="en-US" altLang="ko-KR" sz="1200" dirty="0" smtClean="0"/>
-              <a:t>                                 </a:t>
-            </a:r>
-            <a:r>
-              <a:rPr lang="ko-KR" altLang="en-US" sz="1200" spc="30" dirty="0" smtClean="0"/>
-              <a:t>메시지 및</a:t>
-            </a:r>
-            <a:r>
-              <a:rPr lang="en-US" altLang="ko-KR" sz="1200" spc="30" dirty="0" smtClean="0"/>
-              <a:t> </a:t>
-            </a:r>
-            <a:r>
-              <a:rPr lang="ko-KR" altLang="en-US" sz="1200" spc="30" dirty="0" smtClean="0"/>
-              <a:t>알림을 위한 크로스플랫폼 </a:t>
-            </a:r>
-            <a:r>
-              <a:rPr lang="ko-KR" altLang="en-US" sz="1200" spc="30" dirty="0" err="1" smtClean="0"/>
-              <a:t>클라우드</a:t>
-            </a:r>
-            <a:r>
-              <a:rPr lang="ko-KR" altLang="en-US" sz="1200" spc="30" dirty="0" smtClean="0"/>
-              <a:t> 솔루션</a:t>
-            </a:r>
+              <a:rPr lang="ko-KR" altLang="en-US" sz="3000" spc="-150" smtClean="0">
+                <a:solidFill>
+                  <a:schemeClr val="bg1"/>
+                </a:solidFill>
+                <a:latin typeface="에스코어 드림 5 Medium" pitchFamily="34" charset="-127"/>
+                <a:ea typeface="에스코어 드림 5 Medium" pitchFamily="34" charset="-127"/>
+              </a:rPr>
+              <a:t>새로운 개선책 필요</a:t>
+            </a:r>
+            <a:endParaRPr lang="ko-KR" altLang="en-US" sz="3000" spc="-150">
+              <a:solidFill>
+                <a:schemeClr val="bg1"/>
+              </a:solidFill>
+              <a:latin typeface="에스코어 드림 5 Medium" pitchFamily="34" charset="-127"/>
+              <a:ea typeface="에스코어 드림 5 Medium" pitchFamily="34" charset="-127"/>
+            </a:endParaRPr>
           </a:p>
         </p:txBody>
       </p:sp>
     </p:spTree>
     <p:extLst>
       <p:ext uri="{BB962C8B-B14F-4D97-AF65-F5344CB8AC3E}">
-        <p14:creationId xmlns:p14="http://schemas.microsoft.com/office/powerpoint/2010/main" val="1117007874"/>
+        <p14:creationId xmlns:p14="http://schemas.microsoft.com/office/powerpoint/2010/main" val="1116857682"/>
       </p:ext>
     </p:extLst>
   </p:cSld>
@@ -4493,6 +5354,429 @@
 </file>
 
 <file path=ppt/slides/slide4.xml><?xml version="1.0" encoding="utf-8"?>
+<p:sld xmlns:a="http://schemas.openxmlformats.org/drawingml/2006/main" xmlns:r="http://schemas.openxmlformats.org/officeDocument/2006/relationships" xmlns:p="http://schemas.openxmlformats.org/presentationml/2006/main">
+  <p:cSld>
+    <p:spTree>
+      <p:nvGrpSpPr>
+        <p:cNvPr id="1" name=""/>
+        <p:cNvGrpSpPr/>
+        <p:nvPr/>
+      </p:nvGrpSpPr>
+      <p:grpSpPr>
+        <a:xfrm>
+          <a:off x="0" y="0"/>
+          <a:ext cx="0" cy="0"/>
+          <a:chOff x="0" y="0"/>
+          <a:chExt cx="0" cy="0"/>
+        </a:xfrm>
+      </p:grpSpPr>
+      <p:pic>
+        <p:nvPicPr>
+          <p:cNvPr id="8" name="Picture 3" descr="C:\Users\Admin\Desktop\인구_2.PNG"/>
+          <p:cNvPicPr>
+            <a:picLocks noChangeAspect="1" noChangeArrowheads="1"/>
+          </p:cNvPicPr>
+          <p:nvPr/>
+        </p:nvPicPr>
+        <p:blipFill rotWithShape="1">
+          <a:blip r:embed="rId2" cstate="print">
+            <a:extLst>
+              <a:ext uri="{28A0092B-C50C-407E-A947-70E740481C1C}">
+                <a14:useLocalDpi xmlns:a14="http://schemas.microsoft.com/office/drawing/2010/main" val="0"/>
+              </a:ext>
+            </a:extLst>
+          </a:blip>
+          <a:srcRect r="20360"/>
+          <a:stretch/>
+        </p:blipFill>
+        <p:spPr bwMode="auto">
+          <a:xfrm>
+            <a:off x="3419872" y="974631"/>
+            <a:ext cx="3940274" cy="3364343"/>
+          </a:xfrm>
+          <a:prstGeom prst="rect">
+            <a:avLst/>
+          </a:prstGeom>
+          <a:noFill/>
+          <a:ln w="38100">
+            <a:solidFill>
+              <a:schemeClr val="bg1">
+                <a:lumMod val="85000"/>
+              </a:schemeClr>
+            </a:solidFill>
+          </a:ln>
+          <a:effectLst>
+            <a:outerShdw blurRad="50800" dist="38100" dir="10800000" algn="r" rotWithShape="0">
+              <a:prstClr val="black">
+                <a:alpha val="40000"/>
+              </a:prstClr>
+            </a:outerShdw>
+          </a:effectLst>
+          <a:extLst>
+            <a:ext uri="{909E8E84-426E-40DD-AFC4-6F175D3DCCD1}">
+              <a14:hiddenFill xmlns:a14="http://schemas.microsoft.com/office/drawing/2010/main">
+                <a:solidFill>
+                  <a:srgbClr val="FFFFFF"/>
+                </a:solidFill>
+              </a14:hiddenFill>
+            </a:ext>
+          </a:extLst>
+        </p:spPr>
+      </p:pic>
+      <p:pic>
+        <p:nvPicPr>
+          <p:cNvPr id="11" name="Picture 2" descr="C:\Users\Admin\Desktop\인구_1.PNG"/>
+          <p:cNvPicPr>
+            <a:picLocks noChangeAspect="1" noChangeArrowheads="1"/>
+          </p:cNvPicPr>
+          <p:nvPr/>
+        </p:nvPicPr>
+        <p:blipFill>
+          <a:blip r:embed="rId3">
+            <a:extLst>
+              <a:ext uri="{28A0092B-C50C-407E-A947-70E740481C1C}">
+                <a14:useLocalDpi xmlns:a14="http://schemas.microsoft.com/office/drawing/2010/main" val="0"/>
+              </a:ext>
+            </a:extLst>
+          </a:blip>
+          <a:srcRect/>
+          <a:stretch>
+            <a:fillRect/>
+          </a:stretch>
+        </p:blipFill>
+        <p:spPr bwMode="auto">
+          <a:xfrm>
+            <a:off x="1259632" y="1782738"/>
+            <a:ext cx="4030396" cy="4403845"/>
+          </a:xfrm>
+          <a:prstGeom prst="rect">
+            <a:avLst/>
+          </a:prstGeom>
+          <a:noFill/>
+          <a:ln w="38100">
+            <a:solidFill>
+              <a:schemeClr val="bg1">
+                <a:lumMod val="85000"/>
+              </a:schemeClr>
+            </a:solidFill>
+          </a:ln>
+          <a:effectLst>
+            <a:outerShdw blurRad="50800" dist="38100" dir="10800000" algn="r" rotWithShape="0">
+              <a:prstClr val="black">
+                <a:alpha val="40000"/>
+              </a:prstClr>
+            </a:outerShdw>
+          </a:effectLst>
+          <a:extLst>
+            <a:ext uri="{909E8E84-426E-40DD-AFC4-6F175D3DCCD1}">
+              <a14:hiddenFill xmlns:a14="http://schemas.microsoft.com/office/drawing/2010/main">
+                <a:solidFill>
+                  <a:srgbClr val="FFFFFF"/>
+                </a:solidFill>
+              </a14:hiddenFill>
+            </a:ext>
+          </a:extLst>
+        </p:spPr>
+      </p:pic>
+      <p:sp>
+        <p:nvSpPr>
+          <p:cNvPr id="10" name="TextBox 9"/>
+          <p:cNvSpPr txBox="1"/>
+          <p:nvPr/>
+        </p:nvSpPr>
+        <p:spPr>
+          <a:xfrm>
+            <a:off x="107504" y="620688"/>
+            <a:ext cx="2153154" cy="707886"/>
+          </a:xfrm>
+          <a:prstGeom prst="rect">
+            <a:avLst/>
+          </a:prstGeom>
+          <a:noFill/>
+        </p:spPr>
+        <p:txBody>
+          <a:bodyPr wrap="none" rtlCol="0" anchor="ctr">
+            <a:spAutoFit/>
+          </a:bodyPr>
+          <a:lstStyle/>
+          <a:p>
+            <a:r>
+              <a:rPr lang="ko-KR" altLang="en-US" sz="4000" smtClean="0">
+                <a:solidFill>
+                  <a:srgbClr val="3A3C75"/>
+                </a:solidFill>
+                <a:latin typeface="에스코어 드림 8 Heavy" pitchFamily="34" charset="-127"/>
+                <a:ea typeface="에스코어 드림 8 Heavy" pitchFamily="34" charset="-127"/>
+              </a:rPr>
+              <a:t>제</a:t>
+            </a:r>
+            <a:r>
+              <a:rPr lang="ko-KR" altLang="en-US" sz="4000">
+                <a:solidFill>
+                  <a:srgbClr val="3A3C75"/>
+                </a:solidFill>
+                <a:latin typeface="에스코어 드림 8 Heavy" pitchFamily="34" charset="-127"/>
+                <a:ea typeface="에스코어 드림 8 Heavy" pitchFamily="34" charset="-127"/>
+              </a:rPr>
+              <a:t>안</a:t>
+            </a:r>
+            <a:r>
+              <a:rPr lang="ko-KR" altLang="en-US" sz="4000" smtClean="0">
+                <a:solidFill>
+                  <a:srgbClr val="3A3C75"/>
+                </a:solidFill>
+                <a:latin typeface="에스코어 드림 8 Heavy" pitchFamily="34" charset="-127"/>
+                <a:ea typeface="에스코어 드림 8 Heavy" pitchFamily="34" charset="-127"/>
+              </a:rPr>
+              <a:t>배경</a:t>
+            </a:r>
+            <a:endParaRPr lang="ko-KR" altLang="en-US" sz="4000">
+              <a:solidFill>
+                <a:srgbClr val="3A3C75"/>
+              </a:solidFill>
+              <a:latin typeface="에스코어 드림 8 Heavy" pitchFamily="34" charset="-127"/>
+              <a:ea typeface="에스코어 드림 8 Heavy" pitchFamily="34" charset="-127"/>
+            </a:endParaRPr>
+          </a:p>
+        </p:txBody>
+      </p:sp>
+      <p:sp>
+        <p:nvSpPr>
+          <p:cNvPr id="2" name="직사각형 1"/>
+          <p:cNvSpPr/>
+          <p:nvPr/>
+        </p:nvSpPr>
+        <p:spPr>
+          <a:xfrm>
+            <a:off x="0" y="2750974"/>
+            <a:ext cx="9144000" cy="1440160"/>
+          </a:xfrm>
+          <a:prstGeom prst="rect">
+            <a:avLst/>
+          </a:prstGeom>
+          <a:solidFill>
+            <a:schemeClr val="tx1">
+              <a:alpha val="73000"/>
+            </a:schemeClr>
+          </a:solidFill>
+          <a:ln>
+            <a:noFill/>
+          </a:ln>
+        </p:spPr>
+        <p:style>
+          <a:lnRef idx="2">
+            <a:schemeClr val="accent1">
+              <a:shade val="50000"/>
+            </a:schemeClr>
+          </a:lnRef>
+          <a:fillRef idx="1">
+            <a:schemeClr val="accent1"/>
+          </a:fillRef>
+          <a:effectRef idx="0">
+            <a:schemeClr val="accent1"/>
+          </a:effectRef>
+          <a:fontRef idx="minor">
+            <a:schemeClr val="lt1"/>
+          </a:fontRef>
+        </p:style>
+        <p:txBody>
+          <a:bodyPr rtlCol="0" anchor="ctr"/>
+          <a:lstStyle/>
+          <a:p>
+            <a:pPr algn="ctr"/>
+            <a:endParaRPr lang="ko-KR" altLang="en-US"/>
+          </a:p>
+        </p:txBody>
+      </p:sp>
+      <p:pic>
+        <p:nvPicPr>
+          <p:cNvPr id="9" name="Picture 4" descr="C:\Users\Admin\Desktop\캡처_3.PNG"/>
+          <p:cNvPicPr>
+            <a:picLocks noChangeAspect="1" noChangeArrowheads="1"/>
+          </p:cNvPicPr>
+          <p:nvPr/>
+        </p:nvPicPr>
+        <p:blipFill rotWithShape="1">
+          <a:blip r:embed="rId4">
+            <a:extLst>
+              <a:ext uri="{28A0092B-C50C-407E-A947-70E740481C1C}">
+                <a14:useLocalDpi xmlns:a14="http://schemas.microsoft.com/office/drawing/2010/main" val="0"/>
+              </a:ext>
+            </a:extLst>
+          </a:blip>
+          <a:srcRect b="35440"/>
+          <a:stretch/>
+        </p:blipFill>
+        <p:spPr bwMode="auto">
+          <a:xfrm>
+            <a:off x="4283968" y="4581128"/>
+            <a:ext cx="4350767" cy="1732806"/>
+          </a:xfrm>
+          <a:prstGeom prst="rect">
+            <a:avLst/>
+          </a:prstGeom>
+          <a:noFill/>
+          <a:ln w="38100">
+            <a:solidFill>
+              <a:schemeClr val="bg1">
+                <a:lumMod val="85000"/>
+              </a:schemeClr>
+            </a:solidFill>
+          </a:ln>
+          <a:effectLst>
+            <a:outerShdw blurRad="50800" dist="38100" dir="10800000" algn="r" rotWithShape="0">
+              <a:prstClr val="black">
+                <a:alpha val="40000"/>
+              </a:prstClr>
+            </a:outerShdw>
+          </a:effectLst>
+          <a:extLst>
+            <a:ext uri="{909E8E84-426E-40DD-AFC4-6F175D3DCCD1}">
+              <a14:hiddenFill xmlns:a14="http://schemas.microsoft.com/office/drawing/2010/main">
+                <a:solidFill>
+                  <a:srgbClr val="FFFFFF"/>
+                </a:solidFill>
+              </a14:hiddenFill>
+            </a:ext>
+          </a:extLst>
+        </p:spPr>
+      </p:pic>
+      <p:sp>
+        <p:nvSpPr>
+          <p:cNvPr id="17" name="TextBox 16"/>
+          <p:cNvSpPr txBox="1"/>
+          <p:nvPr/>
+        </p:nvSpPr>
+        <p:spPr>
+          <a:xfrm>
+            <a:off x="728592" y="3194055"/>
+            <a:ext cx="7731604" cy="553998"/>
+          </a:xfrm>
+          <a:prstGeom prst="rect">
+            <a:avLst/>
+          </a:prstGeom>
+          <a:noFill/>
+        </p:spPr>
+        <p:txBody>
+          <a:bodyPr wrap="none" rtlCol="0">
+            <a:spAutoFit/>
+          </a:bodyPr>
+          <a:lstStyle>
+            <a:defPPr>
+              <a:defRPr lang="ko-KR"/>
+            </a:defPPr>
+            <a:lvl1pPr algn="ctr">
+              <a:defRPr sz="3000" spc="-150">
+                <a:solidFill>
+                  <a:schemeClr val="bg1"/>
+                </a:solidFill>
+                <a:latin typeface="에스코어 드림 5 Medium" pitchFamily="34" charset="-127"/>
+                <a:ea typeface="에스코어 드림 5 Medium" pitchFamily="34" charset="-127"/>
+              </a:defRPr>
+            </a:lvl1pPr>
+          </a:lstStyle>
+          <a:p>
+            <a:r>
+              <a:rPr lang="ko-KR" altLang="en-US"/>
+              <a:t>출산율 </a:t>
+            </a:r>
+            <a:r>
+              <a:rPr lang="ko-KR" altLang="en-US"/>
+              <a:t>저하에 </a:t>
+            </a:r>
+            <a:r>
+              <a:rPr lang="ko-KR" altLang="en-US" smtClean="0"/>
+              <a:t>따라 현재 수준의 </a:t>
+            </a:r>
+            <a:r>
+              <a:rPr lang="ko-KR" altLang="en-US"/>
+              <a:t>병력유지 </a:t>
+            </a:r>
+            <a:r>
+              <a:rPr lang="ko-KR" altLang="en-US">
+                <a:solidFill>
+                  <a:srgbClr val="FF2E46"/>
+                </a:solidFill>
+              </a:rPr>
+              <a:t>불가능</a:t>
+            </a:r>
+            <a:endParaRPr lang="ko-KR" altLang="en-US">
+              <a:solidFill>
+                <a:srgbClr val="FF2E46"/>
+              </a:solidFill>
+            </a:endParaRPr>
+          </a:p>
+        </p:txBody>
+      </p:sp>
+      <p:pic>
+        <p:nvPicPr>
+          <p:cNvPr id="2050" name="Picture 2" descr="C:\Users\Admin\Desktop\이미지\하락.jpg"/>
+          <p:cNvPicPr>
+            <a:picLocks noChangeAspect="1" noChangeArrowheads="1"/>
+          </p:cNvPicPr>
+          <p:nvPr/>
+        </p:nvPicPr>
+        <p:blipFill rotWithShape="1">
+          <a:blip r:embed="rId5" cstate="print">
+            <a:extLst>
+              <a:ext uri="{BEBA8EAE-BF5A-486C-A8C5-ECC9F3942E4B}">
+                <a14:imgProps xmlns:a14="http://schemas.microsoft.com/office/drawing/2010/main">
+                  <a14:imgLayer r:embed="rId6">
+                    <a14:imgEffect>
+                      <a14:backgroundRemoval t="10000" b="45278" l="10000" r="90000"/>
+                    </a14:imgEffect>
+                  </a14:imgLayer>
+                </a14:imgProps>
+              </a:ext>
+              <a:ext uri="{28A0092B-C50C-407E-A947-70E740481C1C}">
+                <a14:useLocalDpi xmlns:a14="http://schemas.microsoft.com/office/drawing/2010/main" val="0"/>
+              </a:ext>
+            </a:extLst>
+          </a:blip>
+          <a:srcRect l="21454" t="8055" r="4734" b="50000"/>
+          <a:stretch/>
+        </p:blipFill>
+        <p:spPr bwMode="auto">
+          <a:xfrm rot="21081710">
+            <a:off x="2054025" y="3001308"/>
+            <a:ext cx="529772" cy="301055"/>
+          </a:xfrm>
+          <a:prstGeom prst="rect">
+            <a:avLst/>
+          </a:prstGeom>
+          <a:noFill/>
+          <a:extLst>
+            <a:ext uri="{909E8E84-426E-40DD-AFC4-6F175D3DCCD1}">
+              <a14:hiddenFill xmlns:a14="http://schemas.microsoft.com/office/drawing/2010/main">
+                <a:solidFill>
+                  <a:srgbClr val="FFFFFF"/>
+                </a:solidFill>
+              </a14:hiddenFill>
+            </a:ext>
+          </a:extLst>
+        </p:spPr>
+      </p:pic>
+    </p:spTree>
+    <p:extLst>
+      <p:ext uri="{BB962C8B-B14F-4D97-AF65-F5344CB8AC3E}">
+        <p14:creationId xmlns:p14="http://schemas.microsoft.com/office/powerpoint/2010/main" val="3976505493"/>
+      </p:ext>
+    </p:extLst>
+  </p:cSld>
+  <p:clrMapOvr>
+    <a:masterClrMapping/>
+  </p:clrMapOvr>
+  <p:timing>
+    <p:tnLst>
+      <p:par>
+        <p:cTn id="1" dur="indefinite" restart="never" nodeType="tmRoot"/>
+      </p:par>
+    </p:tnLst>
+  </p:timing>
+</p:sld>
+</file>
+
+<file path=ppt/slides/slide5.xml><?xml version="1.0" encoding="utf-8"?>
 <p:sld xmlns:a="http://schemas.openxmlformats.org/drawingml/2006/main" xmlns:r="http://schemas.openxmlformats.org/officeDocument/2006/relationships" xmlns:p="http://schemas.openxmlformats.org/presentationml/2006/main">
   <p:cSld>
     <p:bg>
@@ -4517,6 +5801,205 @@
           <a:chExt cx="0" cy="0"/>
         </a:xfrm>
       </p:grpSpPr>
+      <p:pic>
+        <p:nvPicPr>
+          <p:cNvPr id="3075" name="Picture 3" descr="C:\Users\Admin\Desktop\이미지\열화상2.jpg"/>
+          <p:cNvPicPr>
+            <a:picLocks noChangeAspect="1" noChangeArrowheads="1"/>
+          </p:cNvPicPr>
+          <p:nvPr/>
+        </p:nvPicPr>
+        <p:blipFill rotWithShape="1">
+          <a:blip r:embed="rId2">
+            <a:extLst>
+              <a:ext uri="{BEBA8EAE-BF5A-486C-A8C5-ECC9F3942E4B}">
+                <a14:imgProps xmlns:a14="http://schemas.microsoft.com/office/drawing/2010/main">
+                  <a14:imgLayer r:embed="rId3">
+                    <a14:imgEffect>
+                      <a14:artisticMarker/>
+                    </a14:imgEffect>
+                    <a14:imgEffect>
+                      <a14:brightnessContrast bright="-20000" contrast="-40000"/>
+                    </a14:imgEffect>
+                  </a14:imgLayer>
+                </a14:imgProps>
+              </a:ext>
+              <a:ext uri="{28A0092B-C50C-407E-A947-70E740481C1C}">
+                <a14:useLocalDpi xmlns:a14="http://schemas.microsoft.com/office/drawing/2010/main" val="0"/>
+              </a:ext>
+            </a:extLst>
+          </a:blip>
+          <a:srcRect l="8956" r="6849"/>
+          <a:stretch/>
+        </p:blipFill>
+        <p:spPr bwMode="auto">
+          <a:xfrm>
+            <a:off x="0" y="1389112"/>
+            <a:ext cx="9144000" cy="4344144"/>
+          </a:xfrm>
+          <a:prstGeom prst="rect">
+            <a:avLst/>
+          </a:prstGeom>
+          <a:noFill/>
+          <a:extLst>
+            <a:ext uri="{909E8E84-426E-40DD-AFC4-6F175D3DCCD1}">
+              <a14:hiddenFill xmlns:a14="http://schemas.microsoft.com/office/drawing/2010/main">
+                <a:solidFill>
+                  <a:srgbClr val="FFFFFF"/>
+                </a:solidFill>
+              </a14:hiddenFill>
+            </a:ext>
+          </a:extLst>
+        </p:spPr>
+      </p:pic>
+      <p:sp>
+        <p:nvSpPr>
+          <p:cNvPr id="19" name="직사각형 18"/>
+          <p:cNvSpPr/>
+          <p:nvPr/>
+        </p:nvSpPr>
+        <p:spPr>
+          <a:xfrm>
+            <a:off x="0" y="2750974"/>
+            <a:ext cx="9144000" cy="1440160"/>
+          </a:xfrm>
+          <a:prstGeom prst="rect">
+            <a:avLst/>
+          </a:prstGeom>
+          <a:solidFill>
+            <a:schemeClr val="tx1">
+              <a:alpha val="73000"/>
+            </a:schemeClr>
+          </a:solidFill>
+          <a:ln>
+            <a:noFill/>
+          </a:ln>
+        </p:spPr>
+        <p:style>
+          <a:lnRef idx="2">
+            <a:schemeClr val="accent1">
+              <a:shade val="50000"/>
+            </a:schemeClr>
+          </a:lnRef>
+          <a:fillRef idx="1">
+            <a:schemeClr val="accent1"/>
+          </a:fillRef>
+          <a:effectRef idx="0">
+            <a:schemeClr val="accent1"/>
+          </a:effectRef>
+          <a:fontRef idx="minor">
+            <a:schemeClr val="lt1"/>
+          </a:fontRef>
+        </p:style>
+        <p:txBody>
+          <a:bodyPr rtlCol="0" anchor="ctr"/>
+          <a:lstStyle/>
+          <a:p>
+            <a:pPr algn="ctr"/>
+            <a:endParaRPr lang="ko-KR" altLang="en-US"/>
+          </a:p>
+        </p:txBody>
+      </p:sp>
+      <p:sp>
+        <p:nvSpPr>
+          <p:cNvPr id="7" name="TextBox 6"/>
+          <p:cNvSpPr txBox="1"/>
+          <p:nvPr/>
+        </p:nvSpPr>
+        <p:spPr>
+          <a:xfrm>
+            <a:off x="1708932" y="2226930"/>
+            <a:ext cx="3249608" cy="553998"/>
+          </a:xfrm>
+          <a:prstGeom prst="rect">
+            <a:avLst/>
+          </a:prstGeom>
+          <a:noFill/>
+        </p:spPr>
+        <p:txBody>
+          <a:bodyPr wrap="none" rtlCol="0" anchor="ctr">
+            <a:spAutoFit/>
+          </a:bodyPr>
+          <a:lstStyle/>
+          <a:p>
+            <a:r>
+              <a:rPr lang="ko-KR" altLang="en-US" sz="3000" smtClean="0">
+                <a:solidFill>
+                  <a:schemeClr val="bg1"/>
+                </a:solidFill>
+                <a:latin typeface="에스코어 드림 8 Heavy" pitchFamily="34" charset="-127"/>
+                <a:ea typeface="에스코어 드림 8 Heavy" pitchFamily="34" charset="-127"/>
+              </a:rPr>
+              <a:t>기존 감시체계는</a:t>
+            </a:r>
+            <a:r>
+              <a:rPr lang="en-US" altLang="ko-KR" sz="3000" smtClean="0">
+                <a:solidFill>
+                  <a:schemeClr val="bg1"/>
+                </a:solidFill>
+                <a:latin typeface="에스코어 드림 8 Heavy" pitchFamily="34" charset="-127"/>
+                <a:ea typeface="에스코어 드림 8 Heavy" pitchFamily="34" charset="-127"/>
+              </a:rPr>
+              <a:t>...</a:t>
+            </a:r>
+            <a:endParaRPr lang="ko-KR" altLang="en-US" sz="3000">
+              <a:solidFill>
+                <a:schemeClr val="bg1"/>
+              </a:solidFill>
+              <a:latin typeface="에스코어 드림 8 Heavy" pitchFamily="34" charset="-127"/>
+              <a:ea typeface="에스코어 드림 8 Heavy" pitchFamily="34" charset="-127"/>
+            </a:endParaRPr>
+          </a:p>
+        </p:txBody>
+      </p:sp>
+      <p:pic>
+        <p:nvPicPr>
+          <p:cNvPr id="3074" name="Picture 2" descr="C:\Users\Admin\Desktop\이미지\열화상.jpg"/>
+          <p:cNvPicPr>
+            <a:picLocks noChangeAspect="1" noChangeArrowheads="1"/>
+          </p:cNvPicPr>
+          <p:nvPr/>
+        </p:nvPicPr>
+        <p:blipFill rotWithShape="1">
+          <a:blip r:embed="rId4" cstate="print">
+            <a:extLst>
+              <a:ext uri="{BEBA8EAE-BF5A-486C-A8C5-ECC9F3942E4B}">
+                <a14:imgProps xmlns:a14="http://schemas.microsoft.com/office/drawing/2010/main">
+                  <a14:imgLayer r:embed="rId5">
+                    <a14:imgEffect>
+                      <a14:backgroundRemoval t="3687" b="95335" l="1847" r="38315"/>
+                    </a14:imgEffect>
+                  </a14:imgLayer>
+                </a14:imgProps>
+              </a:ext>
+              <a:ext uri="{28A0092B-C50C-407E-A947-70E740481C1C}">
+                <a14:useLocalDpi xmlns:a14="http://schemas.microsoft.com/office/drawing/2010/main" val="0"/>
+              </a:ext>
+            </a:extLst>
+          </a:blip>
+          <a:srcRect r="59369"/>
+          <a:stretch/>
+        </p:blipFill>
+        <p:spPr bwMode="auto">
+          <a:xfrm>
+            <a:off x="251520" y="2184302"/>
+            <a:ext cx="1318950" cy="2489396"/>
+          </a:xfrm>
+          <a:prstGeom prst="rect">
+            <a:avLst/>
+          </a:prstGeom>
+          <a:noFill/>
+          <a:extLst>
+            <a:ext uri="{909E8E84-426E-40DD-AFC4-6F175D3DCCD1}">
+              <a14:hiddenFill xmlns:a14="http://schemas.microsoft.com/office/drawing/2010/main">
+                <a:solidFill>
+                  <a:srgbClr val="FFFFFF"/>
+                </a:solidFill>
+              </a14:hiddenFill>
+            </a:ext>
+          </a:extLst>
+        </p:spPr>
+      </p:pic>
       <p:sp>
         <p:nvSpPr>
           <p:cNvPr id="2" name="직사각형 1"/>
@@ -4525,8 +6008,8 @@
         </p:nvSpPr>
         <p:spPr>
           <a:xfrm>
-            <a:off x="971600" y="2112604"/>
-            <a:ext cx="7344816" cy="1754326"/>
+            <a:off x="1754978" y="2963222"/>
+            <a:ext cx="7068127" cy="1015663"/>
           </a:xfrm>
           <a:prstGeom prst="rect">
             <a:avLst/>
@@ -4538,194 +6021,168 @@
           </a:bodyPr>
           <a:lstStyle/>
           <a:p>
-            <a:pPr marL="285750" indent="-285750" fontAlgn="base">
-              <a:buClr>
-                <a:srgbClr val="3A3C75"/>
-              </a:buClr>
-              <a:buFont typeface="Wingdings" pitchFamily="2" charset="2"/>
-              <a:buChar char="§"/>
-            </a:pPr>
-            <a:r>
-              <a:rPr lang="ko-KR" altLang="en-US" dirty="0" smtClean="0">
-                <a:latin typeface="HY동녘M" pitchFamily="18" charset="-127"/>
-                <a:ea typeface="HY동녘M" pitchFamily="18" charset="-127"/>
-              </a:rPr>
-              <a:t>좋은 성능</a:t>
-            </a:r>
-            <a:r>
-              <a:rPr lang="en-US" altLang="ko-KR" dirty="0" smtClean="0">
-                <a:latin typeface="HY동녘M" pitchFamily="18" charset="-127"/>
-                <a:ea typeface="HY동녘M" pitchFamily="18" charset="-127"/>
-              </a:rPr>
-              <a:t>.</a:t>
-            </a:r>
-            <a:r>
-              <a:rPr lang="ko-KR" altLang="en-US" dirty="0" smtClean="0">
-                <a:latin typeface="HY동녘M" pitchFamily="18" charset="-127"/>
-                <a:ea typeface="HY동녘M" pitchFamily="18" charset="-127"/>
-              </a:rPr>
-              <a:t> </a:t>
-            </a:r>
-            <a:r>
-              <a:rPr lang="ko-KR" altLang="en-US" dirty="0" smtClean="0">
-                <a:latin typeface="HY동녘M" pitchFamily="18" charset="-127"/>
-                <a:ea typeface="HY동녘M" pitchFamily="18" charset="-127"/>
-              </a:rPr>
-              <a:t>그러나</a:t>
-            </a:r>
-            <a:r>
-              <a:rPr lang="en-US" altLang="ko-KR" dirty="0" smtClean="0">
-                <a:latin typeface="HY동녘M" pitchFamily="18" charset="-127"/>
-                <a:ea typeface="HY동녘M" pitchFamily="18" charset="-127"/>
-              </a:rPr>
-              <a:t> </a:t>
-            </a:r>
-            <a:r>
-              <a:rPr lang="ko-KR" altLang="en-US" dirty="0" smtClean="0">
-                <a:latin typeface="HY동녘M" pitchFamily="18" charset="-127"/>
-                <a:ea typeface="HY동녘M" pitchFamily="18" charset="-127"/>
-              </a:rPr>
-              <a:t>비싼 가격</a:t>
-            </a:r>
-            <a:r>
-              <a:rPr lang="en-US" altLang="ko-KR" dirty="0" smtClean="0">
-                <a:latin typeface="HY동녘M" pitchFamily="18" charset="-127"/>
-                <a:ea typeface="HY동녘M" pitchFamily="18" charset="-127"/>
-              </a:rPr>
-              <a:t> </a:t>
-            </a:r>
-          </a:p>
-          <a:p>
-            <a:pPr marL="285750" indent="-285750" fontAlgn="base">
-              <a:buFont typeface="Wingdings" pitchFamily="2" charset="2"/>
-              <a:buChar char="§"/>
-            </a:pPr>
-            <a:endParaRPr lang="en-US" altLang="ko-KR" dirty="0" smtClean="0">
-              <a:latin typeface="HY동녘M" pitchFamily="18" charset="-127"/>
-              <a:ea typeface="HY동녘M" pitchFamily="18" charset="-127"/>
-            </a:endParaRPr>
-          </a:p>
-          <a:p>
-            <a:pPr marL="285750" indent="-285750" fontAlgn="base">
-              <a:buClr>
-                <a:srgbClr val="3A3C75"/>
-              </a:buClr>
-              <a:buFont typeface="Wingdings" pitchFamily="2" charset="2"/>
-              <a:buChar char="§"/>
-            </a:pPr>
-            <a:r>
-              <a:rPr lang="ko-KR" altLang="en-US" dirty="0" smtClean="0">
-                <a:latin typeface="HY동녘M" pitchFamily="18" charset="-127"/>
-                <a:ea typeface="HY동녘M" pitchFamily="18" charset="-127"/>
-              </a:rPr>
-              <a:t>노후에 따른 추가비용 지속 발생</a:t>
-            </a:r>
-            <a:endParaRPr lang="en-US" altLang="ko-KR" dirty="0" smtClean="0">
-              <a:latin typeface="HY동녘M" pitchFamily="18" charset="-127"/>
-              <a:ea typeface="HY동녘M" pitchFamily="18" charset="-127"/>
-            </a:endParaRPr>
-          </a:p>
-          <a:p>
-            <a:pPr marL="285750" indent="-285750" fontAlgn="base">
-              <a:buClr>
-                <a:srgbClr val="3A3C75"/>
-              </a:buClr>
-              <a:buFont typeface="Wingdings" pitchFamily="2" charset="2"/>
-              <a:buChar char="§"/>
-            </a:pPr>
-            <a:endParaRPr lang="en-US" altLang="ko-KR" dirty="0" smtClean="0">
-              <a:latin typeface="HY동녘M" pitchFamily="18" charset="-127"/>
-              <a:ea typeface="HY동녘M" pitchFamily="18" charset="-127"/>
-            </a:endParaRPr>
-          </a:p>
-          <a:p>
-            <a:pPr marL="285750" indent="-285750" fontAlgn="base">
-              <a:buClr>
-                <a:srgbClr val="3A3C75"/>
-              </a:buClr>
-              <a:buFont typeface="Wingdings" pitchFamily="2" charset="2"/>
-              <a:buChar char="§"/>
-            </a:pPr>
-            <a:r>
-              <a:rPr lang="ko-KR" altLang="en-US" dirty="0" smtClean="0">
-                <a:latin typeface="HY동녘M" pitchFamily="18" charset="-127"/>
-                <a:ea typeface="HY동녘M" pitchFamily="18" charset="-127"/>
-              </a:rPr>
-              <a:t>상대적으로 큰 규모에 따른 구축 및 보수 </a:t>
-            </a:r>
-            <a:r>
-              <a:rPr lang="ko-KR" altLang="en-US" dirty="0" smtClean="0">
-                <a:latin typeface="HY동녘M" pitchFamily="18" charset="-127"/>
-                <a:ea typeface="HY동녘M" pitchFamily="18" charset="-127"/>
-              </a:rPr>
-              <a:t>어려움</a:t>
-            </a:r>
-            <a:endParaRPr lang="en-US" altLang="ko-KR" dirty="0">
-              <a:latin typeface="HY동녘M" pitchFamily="18" charset="-127"/>
-              <a:ea typeface="HY동녘M" pitchFamily="18" charset="-127"/>
-            </a:endParaRPr>
-          </a:p>
-          <a:p>
             <a:pPr fontAlgn="base">
               <a:buClr>
                 <a:srgbClr val="3A3C75"/>
               </a:buClr>
             </a:pPr>
             <a:r>
-              <a:rPr lang="en-US" altLang="ko-KR" dirty="0" smtClean="0">
-                <a:latin typeface="HY동녘M" pitchFamily="18" charset="-127"/>
-                <a:ea typeface="HY동녘M" pitchFamily="18" charset="-127"/>
+              <a:rPr lang="ko-KR" altLang="en-US" sz="3000" smtClean="0">
+                <a:solidFill>
+                  <a:srgbClr val="00B327"/>
+                </a:solidFill>
+                <a:latin typeface="에스코어 드림 5 Medium" pitchFamily="34" charset="-127"/>
+                <a:ea typeface="에스코어 드림 5 Medium" pitchFamily="34" charset="-127"/>
               </a:rPr>
-              <a:t>   (</a:t>
-            </a:r>
-            <a:r>
-              <a:rPr lang="ko-KR" altLang="en-US" dirty="0" err="1" smtClean="0">
-                <a:latin typeface="HY동녘M" pitchFamily="18" charset="-127"/>
-                <a:ea typeface="HY동녘M" pitchFamily="18" charset="-127"/>
+              <a:t>고성능</a:t>
+            </a:r>
+            <a:r>
+              <a:rPr lang="en-US" altLang="ko-KR" sz="3000" smtClean="0">
+                <a:solidFill>
+                  <a:schemeClr val="bg1"/>
+                </a:solidFill>
+                <a:latin typeface="에스코어 드림 5 Medium" pitchFamily="34" charset="-127"/>
+                <a:ea typeface="에스코어 드림 5 Medium" pitchFamily="34" charset="-127"/>
               </a:rPr>
-              <a:t>격오지</a:t>
-            </a:r>
-            <a:r>
-              <a:rPr lang="ko-KR" altLang="en-US" dirty="0" smtClean="0">
-                <a:latin typeface="HY동녘M" pitchFamily="18" charset="-127"/>
-                <a:ea typeface="HY동녘M" pitchFamily="18" charset="-127"/>
+              <a:t>,   </a:t>
+            </a:r>
+          </a:p>
+          <a:p>
+            <a:pPr fontAlgn="base">
+              <a:buClr>
+                <a:srgbClr val="3A3C75"/>
+              </a:buClr>
+            </a:pPr>
+            <a:r>
+              <a:rPr lang="en-US" altLang="ko-KR" sz="3000">
+                <a:solidFill>
+                  <a:schemeClr val="bg1"/>
+                </a:solidFill>
+                <a:latin typeface="에스코어 드림 5 Medium" pitchFamily="34" charset="-127"/>
+                <a:ea typeface="에스코어 드림 5 Medium" pitchFamily="34" charset="-127"/>
               </a:rPr>
-              <a:t> 부대 설치</a:t>
-            </a:r>
-            <a:r>
-              <a:rPr lang="en-US" altLang="ko-KR" dirty="0" smtClean="0">
-                <a:latin typeface="HY동녘M" pitchFamily="18" charset="-127"/>
-                <a:ea typeface="HY동녘M" pitchFamily="18" charset="-127"/>
+              <a:t> </a:t>
+            </a:r>
+            <a:r>
+              <a:rPr lang="en-US" altLang="ko-KR" sz="3000" smtClean="0">
+                <a:solidFill>
+                  <a:schemeClr val="bg1"/>
+                </a:solidFill>
+                <a:latin typeface="에스코어 드림 5 Medium" pitchFamily="34" charset="-127"/>
+                <a:ea typeface="에스코어 드림 5 Medium" pitchFamily="34" charset="-127"/>
               </a:rPr>
-              <a:t>.. </a:t>
-            </a:r>
-            <a:r>
-              <a:rPr lang="ko-KR" altLang="en-US" dirty="0" smtClean="0">
-                <a:latin typeface="HY동녘M" pitchFamily="18" charset="-127"/>
-                <a:ea typeface="HY동녘M" pitchFamily="18" charset="-127"/>
+              <a:t>        </a:t>
+            </a:r>
+            <a:r>
+              <a:rPr lang="ko-KR" altLang="en-US" sz="3000" smtClean="0">
+                <a:solidFill>
+                  <a:schemeClr val="bg1"/>
+                </a:solidFill>
+                <a:latin typeface="에스코어 드림 5 Medium" pitchFamily="34" charset="-127"/>
+                <a:ea typeface="에스코어 드림 5 Medium" pitchFamily="34" charset="-127"/>
               </a:rPr>
-              <a:t>가격 등등</a:t>
-            </a:r>
-            <a:r>
-              <a:rPr lang="en-US" altLang="ko-KR" dirty="0" smtClean="0">
-                <a:latin typeface="HY동녘M" pitchFamily="18" charset="-127"/>
-                <a:ea typeface="HY동녘M" pitchFamily="18" charset="-127"/>
+              <a:t>그러나</a:t>
+            </a:r>
+            <a:r>
+              <a:rPr lang="en-US" altLang="ko-KR" sz="3000" smtClean="0">
+                <a:solidFill>
+                  <a:schemeClr val="bg1"/>
+                </a:solidFill>
+                <a:latin typeface="에스코어 드림 5 Medium" pitchFamily="34" charset="-127"/>
+                <a:ea typeface="에스코어 드림 5 Medium" pitchFamily="34" charset="-127"/>
               </a:rPr>
-              <a:t>)</a:t>
-            </a:r>
+              <a:t>     </a:t>
+            </a:r>
+            <a:r>
+              <a:rPr lang="ko-KR" altLang="en-US" sz="3000" smtClean="0">
+                <a:solidFill>
+                  <a:srgbClr val="FF2E46"/>
+                </a:solidFill>
+                <a:latin typeface="에스코어 드림 5 Medium" pitchFamily="34" charset="-127"/>
+                <a:ea typeface="에스코어 드림 5 Medium" pitchFamily="34" charset="-127"/>
+              </a:rPr>
+              <a:t>고비용</a:t>
+            </a:r>
+            <a:r>
+              <a:rPr lang="ko-KR" altLang="en-US" sz="3000" smtClean="0">
+                <a:solidFill>
+                  <a:schemeClr val="bg1"/>
+                </a:solidFill>
+                <a:latin typeface="에스코어 드림 5 Medium" pitchFamily="34" charset="-127"/>
+                <a:ea typeface="에스코어 드림 5 Medium" pitchFamily="34" charset="-127"/>
+              </a:rPr>
+              <a:t> </a:t>
+            </a:r>
+            <a:r>
+              <a:rPr lang="en-US" altLang="ko-KR" sz="3000" smtClean="0">
+                <a:solidFill>
+                  <a:schemeClr val="bg1"/>
+                </a:solidFill>
+                <a:latin typeface="에스코어 드림 5 Medium" pitchFamily="34" charset="-127"/>
+                <a:ea typeface="에스코어 드림 5 Medium" pitchFamily="34" charset="-127"/>
+              </a:rPr>
+              <a:t>      </a:t>
+            </a:r>
+            <a:r>
+              <a:rPr lang="ko-KR" altLang="en-US" sz="3000" smtClean="0">
+                <a:solidFill>
+                  <a:srgbClr val="FF2E46"/>
+                </a:solidFill>
+                <a:latin typeface="에스코어 드림 5 Medium" pitchFamily="34" charset="-127"/>
+                <a:ea typeface="에스코어 드림 5 Medium" pitchFamily="34" charset="-127"/>
+              </a:rPr>
+              <a:t>유지보수</a:t>
+            </a:r>
+            <a:r>
+              <a:rPr lang="en-US" altLang="ko-KR" sz="3000">
+                <a:solidFill>
+                  <a:srgbClr val="FF2E46"/>
+                </a:solidFill>
+                <a:latin typeface="에스코어 드림 5 Medium" pitchFamily="34" charset="-127"/>
+                <a:ea typeface="에스코어 드림 5 Medium" pitchFamily="34" charset="-127"/>
+              </a:rPr>
+              <a:t> </a:t>
+            </a:r>
+            <a:r>
+              <a:rPr lang="ko-KR" altLang="en-US" sz="3000" smtClean="0">
+                <a:solidFill>
+                  <a:srgbClr val="FF2E46"/>
+                </a:solidFill>
+                <a:latin typeface="에스코어 드림 5 Medium" pitchFamily="34" charset="-127"/>
+                <a:ea typeface="에스코어 드림 5 Medium" pitchFamily="34" charset="-127"/>
+              </a:rPr>
+              <a:t>난해</a:t>
+            </a:r>
+            <a:r>
+              <a:rPr lang="en-US" altLang="ko-KR" sz="3000" smtClean="0">
+                <a:solidFill>
+                  <a:schemeClr val="bg1"/>
+                </a:solidFill>
+                <a:latin typeface="에스코어 드림 5 Medium" pitchFamily="34" charset="-127"/>
+                <a:ea typeface="에스코어 드림 5 Medium" pitchFamily="34" charset="-127"/>
+              </a:rPr>
+              <a:t> </a:t>
+            </a:r>
+            <a:endParaRPr lang="en-US" altLang="ko-KR" sz="3000" smtClean="0">
+              <a:solidFill>
+                <a:schemeClr val="bg1"/>
+              </a:solidFill>
+              <a:latin typeface="에스코어 드림 5 Medium" pitchFamily="34" charset="-127"/>
+              <a:ea typeface="에스코어 드림 5 Medium" pitchFamily="34" charset="-127"/>
+            </a:endParaRPr>
           </a:p>
         </p:txBody>
       </p:sp>
       <p:sp>
         <p:nvSpPr>
-          <p:cNvPr id="3" name="직사각형 2"/>
+          <p:cNvPr id="14" name="직사각형 13"/>
           <p:cNvSpPr/>
           <p:nvPr/>
         </p:nvSpPr>
         <p:spPr>
           <a:xfrm>
-            <a:off x="2136205" y="1056295"/>
-            <a:ext cx="5015605" cy="584775"/>
+            <a:off x="5436096" y="2917055"/>
+            <a:ext cx="4104456" cy="553998"/>
           </a:xfrm>
           <a:prstGeom prst="rect">
             <a:avLst/>
@@ -4737,68 +6194,140 @@
           </a:bodyPr>
           <a:lstStyle/>
           <a:p>
-            <a:pPr algn="ctr" fontAlgn="base"/>
-            <a:r>
-              <a:rPr lang="ko-KR" altLang="en-US" sz="3200" dirty="0">
-                <a:latin typeface="HY동녘B" pitchFamily="18" charset="-127"/>
-                <a:ea typeface="HY동녘B" pitchFamily="18" charset="-127"/>
+            <a:pPr algn="ctr" fontAlgn="base">
+              <a:buClr>
+                <a:srgbClr val="3A3C75"/>
+              </a:buClr>
+            </a:pPr>
+            <a:r>
+              <a:rPr lang="ko-KR" altLang="en-US" sz="1500" smtClean="0">
+                <a:solidFill>
+                  <a:schemeClr val="bg1">
+                    <a:lumMod val="65000"/>
+                  </a:schemeClr>
+                </a:solidFill>
+                <a:latin typeface="에스코어 드림 5 Medium" pitchFamily="34" charset="-127"/>
+                <a:ea typeface="에스코어 드림 5 Medium" pitchFamily="34" charset="-127"/>
               </a:rPr>
-              <a:t>기존 무인 감시체계</a:t>
-            </a:r>
-            <a:endParaRPr lang="en-US" altLang="ko-KR" sz="3200" dirty="0">
-              <a:latin typeface="HY동녘B" pitchFamily="18" charset="-127"/>
-              <a:ea typeface="HY동녘B" pitchFamily="18" charset="-127"/>
+              <a:t>하루 </a:t>
+            </a:r>
+            <a:r>
+              <a:rPr lang="en-US" altLang="ko-KR" sz="1500" smtClean="0">
+                <a:solidFill>
+                  <a:schemeClr val="bg1"/>
+                </a:solidFill>
+                <a:latin typeface="에스코어 드림 5 Medium" pitchFamily="34" charset="-127"/>
+                <a:ea typeface="에스코어 드림 5 Medium" pitchFamily="34" charset="-127"/>
+              </a:rPr>
+              <a:t>4.8</a:t>
+            </a:r>
+            <a:r>
+              <a:rPr lang="ko-KR" altLang="en-US" sz="1500" smtClean="0">
+                <a:solidFill>
+                  <a:schemeClr val="bg1"/>
+                </a:solidFill>
+                <a:latin typeface="에스코어 드림 5 Medium" pitchFamily="34" charset="-127"/>
+                <a:ea typeface="에스코어 드림 5 Medium" pitchFamily="34" charset="-127"/>
+              </a:rPr>
+              <a:t>건</a:t>
+            </a:r>
+            <a:r>
+              <a:rPr lang="ko-KR" altLang="en-US" sz="1500" smtClean="0">
+                <a:solidFill>
+                  <a:schemeClr val="bg1">
+                    <a:lumMod val="65000"/>
+                  </a:schemeClr>
+                </a:solidFill>
+                <a:latin typeface="에스코어 드림 5 Medium" pitchFamily="34" charset="-127"/>
+                <a:ea typeface="에스코어 드림 5 Medium" pitchFamily="34" charset="-127"/>
+              </a:rPr>
+              <a:t> 이상 고장</a:t>
+            </a:r>
+            <a:r>
+              <a:rPr lang="en-US" altLang="ko-KR" sz="1500" smtClean="0">
+                <a:solidFill>
+                  <a:schemeClr val="bg1">
+                    <a:lumMod val="65000"/>
+                  </a:schemeClr>
+                </a:solidFill>
+                <a:latin typeface="에스코어 드림 5 Medium" pitchFamily="34" charset="-127"/>
+                <a:ea typeface="에스코어 드림 5 Medium" pitchFamily="34" charset="-127"/>
+              </a:rPr>
+              <a:t>, </a:t>
+            </a:r>
+          </a:p>
+          <a:p>
+            <a:pPr algn="ctr" fontAlgn="base">
+              <a:buClr>
+                <a:srgbClr val="3A3C75"/>
+              </a:buClr>
+            </a:pPr>
+            <a:r>
+              <a:rPr lang="ko-KR" altLang="en-US" sz="1500" smtClean="0">
+                <a:solidFill>
+                  <a:schemeClr val="bg1">
+                    <a:lumMod val="65000"/>
+                  </a:schemeClr>
+                </a:solidFill>
+                <a:latin typeface="에스코어 드림 5 Medium" pitchFamily="34" charset="-127"/>
+                <a:ea typeface="에스코어 드림 5 Medium" pitchFamily="34" charset="-127"/>
+              </a:rPr>
+              <a:t>수리 최소 </a:t>
+            </a:r>
+            <a:r>
+              <a:rPr lang="en-US" altLang="ko-KR" sz="1500" smtClean="0">
+                <a:solidFill>
+                  <a:schemeClr val="bg1"/>
+                </a:solidFill>
+                <a:latin typeface="에스코어 드림 5 Medium" pitchFamily="34" charset="-127"/>
+                <a:ea typeface="에스코어 드림 5 Medium" pitchFamily="34" charset="-127"/>
+              </a:rPr>
+              <a:t>15</a:t>
+            </a:r>
+            <a:r>
+              <a:rPr lang="ko-KR" altLang="en-US" sz="1500" smtClean="0">
+                <a:solidFill>
+                  <a:schemeClr val="bg1"/>
+                </a:solidFill>
+                <a:latin typeface="에스코어 드림 5 Medium" pitchFamily="34" charset="-127"/>
+                <a:ea typeface="에스코어 드림 5 Medium" pitchFamily="34" charset="-127"/>
+              </a:rPr>
+              <a:t>일</a:t>
+            </a:r>
+            <a:r>
+              <a:rPr lang="ko-KR" altLang="en-US" sz="1500" smtClean="0">
+                <a:solidFill>
+                  <a:schemeClr val="bg1">
+                    <a:lumMod val="65000"/>
+                  </a:schemeClr>
+                </a:solidFill>
+                <a:latin typeface="에스코어 드림 5 Medium" pitchFamily="34" charset="-127"/>
+                <a:ea typeface="에스코어 드림 5 Medium" pitchFamily="34" charset="-127"/>
+              </a:rPr>
+              <a:t> 이상</a:t>
+            </a:r>
+            <a:endParaRPr lang="en-US" altLang="ko-KR" sz="1500" smtClean="0">
+              <a:solidFill>
+                <a:schemeClr val="bg1">
+                  <a:lumMod val="65000"/>
+                </a:schemeClr>
+              </a:solidFill>
+              <a:latin typeface="에스코어 드림 5 Medium" pitchFamily="34" charset="-127"/>
+              <a:ea typeface="에스코어 드림 5 Medium" pitchFamily="34" charset="-127"/>
             </a:endParaRPr>
           </a:p>
         </p:txBody>
       </p:sp>
-    </p:spTree>
-    <p:extLst>
-      <p:ext uri="{BB962C8B-B14F-4D97-AF65-F5344CB8AC3E}">
-        <p14:creationId xmlns:p14="http://schemas.microsoft.com/office/powerpoint/2010/main" val="427878558"/>
-      </p:ext>
-    </p:extLst>
-  </p:cSld>
-  <p:clrMapOvr>
-    <a:masterClrMapping/>
-  </p:clrMapOvr>
-  <p:timing>
-    <p:tnLst>
-      <p:par>
-        <p:cTn id="1" dur="indefinite" restart="never" nodeType="tmRoot"/>
-      </p:par>
-    </p:tnLst>
-  </p:timing>
-</p:sld>
-</file>
-
-<file path=ppt/slides/slide5.xml><?xml version="1.0" encoding="utf-8"?>
-<p:sld xmlns:a="http://schemas.openxmlformats.org/drawingml/2006/main" xmlns:r="http://schemas.openxmlformats.org/officeDocument/2006/relationships" xmlns:p="http://schemas.openxmlformats.org/presentationml/2006/main">
-  <p:cSld>
-    <p:spTree>
-      <p:nvGrpSpPr>
-        <p:cNvPr id="1" name=""/>
-        <p:cNvGrpSpPr/>
-        <p:nvPr/>
-      </p:nvGrpSpPr>
-      <p:grpSpPr>
-        <a:xfrm>
-          <a:off x="0" y="0"/>
-          <a:ext cx="0" cy="0"/>
-          <a:chOff x="0" y="0"/>
-          <a:chExt cx="0" cy="0"/>
-        </a:xfrm>
-      </p:grpSpPr>
       <p:sp>
         <p:nvSpPr>
-          <p:cNvPr id="3" name="직사각형 2"/>
+          <p:cNvPr id="15" name="직사각형 14"/>
           <p:cNvSpPr/>
           <p:nvPr/>
         </p:nvSpPr>
         <p:spPr>
           <a:xfrm>
-            <a:off x="2136205" y="1056295"/>
-            <a:ext cx="5015605" cy="584775"/>
+            <a:off x="-99894" y="6322965"/>
+            <a:ext cx="9212871" cy="246221"/>
           </a:xfrm>
           <a:prstGeom prst="rect">
             <a:avLst/>
@@ -4810,31 +6339,141 @@
           </a:bodyPr>
           <a:lstStyle/>
           <a:p>
-            <a:pPr algn="ctr" fontAlgn="base"/>
-            <a:r>
-              <a:rPr lang="en-US" altLang="ko-KR" sz="3200" dirty="0" smtClean="0">
-                <a:latin typeface="HY동녘B" pitchFamily="18" charset="-127"/>
-                <a:ea typeface="HY동녘B" pitchFamily="18" charset="-127"/>
+            <a:pPr algn="r" fontAlgn="base">
+              <a:buClr>
+                <a:srgbClr val="3A3C75"/>
+              </a:buClr>
+            </a:pPr>
+            <a:r>
+              <a:rPr lang="en-US" altLang="ko-KR" sz="1000">
+                <a:latin typeface="에스코어 드림 5 Medium" pitchFamily="34" charset="-127"/>
+                <a:ea typeface="에스코어 드림 5 Medium" pitchFamily="34" charset="-127"/>
               </a:rPr>
-              <a:t>DMC</a:t>
-            </a:r>
-            <a:endParaRPr lang="en-US" altLang="ko-KR" sz="3200" dirty="0">
-              <a:latin typeface="HY동녘B" pitchFamily="18" charset="-127"/>
-              <a:ea typeface="HY동녘B" pitchFamily="18" charset="-127"/>
+              <a:t>2018. </a:t>
+            </a:r>
+            <a:r>
+              <a:rPr lang="en-US" altLang="ko-KR" sz="1000">
+                <a:latin typeface="에스코어 드림 5 Medium" pitchFamily="34" charset="-127"/>
+                <a:ea typeface="에스코어 드림 5 Medium" pitchFamily="34" charset="-127"/>
+              </a:rPr>
+              <a:t>10</a:t>
+            </a:r>
+            <a:r>
+              <a:rPr lang="en-US" altLang="ko-KR" sz="1000" smtClean="0">
+                <a:latin typeface="에스코어 드림 5 Medium" pitchFamily="34" charset="-127"/>
+                <a:ea typeface="에스코어 드림 5 Medium" pitchFamily="34" charset="-127"/>
+              </a:rPr>
+              <a:t>. ‘GOP </a:t>
+            </a:r>
+            <a:r>
+              <a:rPr lang="ko-KR" altLang="en-US" sz="1000" smtClean="0">
+                <a:latin typeface="에스코어 드림 5 Medium" pitchFamily="34" charset="-127"/>
+                <a:ea typeface="에스코어 드림 5 Medium" pitchFamily="34" charset="-127"/>
+              </a:rPr>
+              <a:t>과학화 경계시스템 오류 및 고장 현황</a:t>
+            </a:r>
+            <a:r>
+              <a:rPr lang="en-US" altLang="ko-KR" sz="1000" smtClean="0">
+                <a:latin typeface="에스코어 드림 5 Medium" pitchFamily="34" charset="-127"/>
+                <a:ea typeface="에스코어 드림 5 Medium" pitchFamily="34" charset="-127"/>
+              </a:rPr>
+              <a:t>’ </a:t>
+            </a:r>
+            <a:r>
+              <a:rPr lang="ko-KR" altLang="en-US" sz="1000" smtClean="0">
+                <a:latin typeface="에스코어 드림 5 Medium" pitchFamily="34" charset="-127"/>
+                <a:ea typeface="에스코어 드림 5 Medium" pitchFamily="34" charset="-127"/>
+              </a:rPr>
+              <a:t>국방위 황영철 의원 요구자료</a:t>
+            </a:r>
+            <a:endParaRPr lang="en-US" altLang="ko-KR" sz="1000" smtClean="0">
+              <a:latin typeface="에스코어 드림 5 Medium" pitchFamily="34" charset="-127"/>
+              <a:ea typeface="에스코어 드림 5 Medium" pitchFamily="34" charset="-127"/>
             </a:endParaRPr>
           </a:p>
         </p:txBody>
       </p:sp>
       <p:sp>
         <p:nvSpPr>
-          <p:cNvPr id="4" name="직사각형 3"/>
+          <p:cNvPr id="5" name="직사각형 4"/>
           <p:cNvSpPr/>
           <p:nvPr/>
         </p:nvSpPr>
         <p:spPr>
           <a:xfrm>
-            <a:off x="971600" y="2112604"/>
-            <a:ext cx="7344816" cy="2862322"/>
+            <a:off x="3886424" y="3148691"/>
+            <a:ext cx="2305439" cy="323165"/>
+          </a:xfrm>
+          <a:prstGeom prst="rect">
+            <a:avLst/>
+          </a:prstGeom>
+        </p:spPr>
+        <p:txBody>
+          <a:bodyPr wrap="none">
+            <a:spAutoFit/>
+          </a:bodyPr>
+          <a:lstStyle/>
+          <a:p>
+            <a:r>
+              <a:rPr lang="ko-KR" altLang="en-US" sz="1500">
+                <a:solidFill>
+                  <a:schemeClr val="bg1">
+                    <a:lumMod val="65000"/>
+                  </a:schemeClr>
+                </a:solidFill>
+                <a:latin typeface="에스코어 드림 5 Medium" pitchFamily="34" charset="-127"/>
+                <a:ea typeface="에스코어 드림 5 Medium" pitchFamily="34" charset="-127"/>
+              </a:rPr>
+              <a:t>상용 카메라 대비 </a:t>
+            </a:r>
+            <a:r>
+              <a:rPr lang="ko-KR" altLang="en-US" sz="1500">
+                <a:solidFill>
+                  <a:schemeClr val="bg1"/>
+                </a:solidFill>
+                <a:latin typeface="에스코어 드림 5 Medium" pitchFamily="34" charset="-127"/>
+                <a:ea typeface="에스코어 드림 5 Medium" pitchFamily="34" charset="-127"/>
+              </a:rPr>
+              <a:t>약 </a:t>
+            </a:r>
+            <a:r>
+              <a:rPr lang="en-US" altLang="ko-KR" sz="1500">
+                <a:solidFill>
+                  <a:schemeClr val="bg1"/>
+                </a:solidFill>
+                <a:latin typeface="에스코어 드림 5 Medium" pitchFamily="34" charset="-127"/>
+                <a:ea typeface="에스코어 드림 5 Medium" pitchFamily="34" charset="-127"/>
+              </a:rPr>
+              <a:t>20</a:t>
+            </a:r>
+            <a:r>
+              <a:rPr lang="ko-KR" altLang="en-US" sz="1500">
+                <a:solidFill>
+                  <a:schemeClr val="bg1"/>
+                </a:solidFill>
+                <a:latin typeface="에스코어 드림 5 Medium" pitchFamily="34" charset="-127"/>
+                <a:ea typeface="에스코어 드림 5 Medium" pitchFamily="34" charset="-127"/>
+              </a:rPr>
+              <a:t>배</a:t>
+            </a:r>
+            <a:endParaRPr lang="ko-KR" altLang="en-US" sz="1500">
+              <a:solidFill>
+                <a:schemeClr val="bg1"/>
+              </a:solidFill>
+            </a:endParaRPr>
+          </a:p>
+        </p:txBody>
+      </p:sp>
+      <p:sp>
+        <p:nvSpPr>
+          <p:cNvPr id="17" name="직사각형 16"/>
+          <p:cNvSpPr/>
+          <p:nvPr/>
+        </p:nvSpPr>
+        <p:spPr>
+          <a:xfrm>
+            <a:off x="-96894" y="6076744"/>
+            <a:ext cx="9212871" cy="246221"/>
           </a:xfrm>
           <a:prstGeom prst="rect">
             <a:avLst/>
@@ -4846,196 +6485,127 @@
           </a:bodyPr>
           <a:lstStyle/>
           <a:p>
-            <a:pPr marL="285750" indent="-285750" fontAlgn="base">
+            <a:pPr algn="r" fontAlgn="base">
               <a:buClr>
                 <a:srgbClr val="3A3C75"/>
               </a:buClr>
-              <a:buFont typeface="Wingdings" pitchFamily="2" charset="2"/>
-              <a:buChar char="§"/>
             </a:pPr>
             <a:r>
-              <a:rPr lang="ko-KR" altLang="en-US" dirty="0" err="1" smtClean="0">
-                <a:latin typeface="HY동녘M" pitchFamily="18" charset="-127"/>
-                <a:ea typeface="HY동녘M" pitchFamily="18" charset="-127"/>
+              <a:rPr lang="en-US" altLang="ko-KR" sz="1000">
+                <a:latin typeface="에스코어 드림 5 Medium" pitchFamily="34" charset="-127"/>
+                <a:ea typeface="에스코어 드림 5 Medium" pitchFamily="34" charset="-127"/>
               </a:rPr>
-              <a:t>안드로이드</a:t>
-            </a:r>
-            <a:r>
-              <a:rPr lang="ko-KR" altLang="en-US" dirty="0" smtClean="0">
-                <a:latin typeface="HY동녘M" pitchFamily="18" charset="-127"/>
-                <a:ea typeface="HY동녘M" pitchFamily="18" charset="-127"/>
+              <a:t>2019</a:t>
+            </a:r>
+            <a:r>
+              <a:rPr lang="en-US" altLang="ko-KR" sz="1000">
+                <a:latin typeface="에스코어 드림 5 Medium" pitchFamily="34" charset="-127"/>
+                <a:ea typeface="에스코어 드림 5 Medium" pitchFamily="34" charset="-127"/>
               </a:rPr>
-              <a:t> </a:t>
-            </a:r>
-            <a:r>
-              <a:rPr lang="ko-KR" altLang="en-US" dirty="0">
-                <a:latin typeface="HY동녘M" pitchFamily="18" charset="-127"/>
-                <a:ea typeface="HY동녘M" pitchFamily="18" charset="-127"/>
+              <a:t>. </a:t>
+            </a:r>
+            <a:r>
+              <a:rPr lang="en-US" altLang="ko-KR" sz="1000" smtClean="0">
+                <a:latin typeface="에스코어 드림 5 Medium" pitchFamily="34" charset="-127"/>
+                <a:ea typeface="에스코어 드림 5 Medium" pitchFamily="34" charset="-127"/>
               </a:rPr>
-              <a:t>기기만으로 구성 </a:t>
-            </a:r>
-            <a:r>
-              <a:rPr lang="ko-KR" altLang="en-US" dirty="0" smtClean="0">
-                <a:latin typeface="HY동녘M" pitchFamily="18" charset="-127"/>
-                <a:ea typeface="HY동녘M" pitchFamily="18" charset="-127"/>
+              <a:t>10. ‘</a:t>
+            </a:r>
+            <a:r>
+              <a:rPr lang="ko-KR" altLang="en-US" sz="1000" b="1"/>
+              <a:t>전차 등에 장착 軍후방카메라</a:t>
+            </a:r>
+            <a:r>
+              <a:rPr lang="en-US" altLang="ko-KR" sz="1000" b="1"/>
+              <a:t>, </a:t>
+            </a:r>
+            <a:r>
+              <a:rPr lang="ko-KR" altLang="en-US" sz="1000" b="1"/>
+              <a:t>밤이면 </a:t>
+            </a:r>
+            <a:r>
+              <a:rPr lang="ko-KR" altLang="en-US" sz="1000" b="1" smtClean="0"/>
+              <a:t>먹통</a:t>
+            </a:r>
+            <a:r>
+              <a:rPr lang="en-US" altLang="ko-KR" sz="1000" smtClean="0">
+                <a:latin typeface="에스코어 드림 5 Medium" pitchFamily="34" charset="-127"/>
+                <a:ea typeface="에스코어 드림 5 Medium" pitchFamily="34" charset="-127"/>
               </a:rPr>
-              <a:t>가능</a:t>
-            </a:r>
-            <a:endParaRPr lang="en-US" altLang="ko-KR" dirty="0" smtClean="0">
-              <a:latin typeface="HY동녘M" pitchFamily="18" charset="-127"/>
-              <a:ea typeface="HY동녘M" pitchFamily="18" charset="-127"/>
+              <a:t>’. </a:t>
+            </a:r>
+            <a:r>
+              <a:rPr lang="ko-KR" altLang="en-US" sz="1000" smtClean="0">
+                <a:latin typeface="에스코어 드림 5 Medium" pitchFamily="34" charset="-127"/>
+                <a:ea typeface="에스코어 드림 5 Medium" pitchFamily="34" charset="-127"/>
+              </a:rPr>
+              <a:t>동아일보 조동주 기자</a:t>
+            </a:r>
+            <a:endParaRPr lang="en-US" altLang="ko-KR" sz="1000" smtClean="0">
+              <a:latin typeface="에스코어 드림 5 Medium" pitchFamily="34" charset="-127"/>
+              <a:ea typeface="에스코어 드림 5 Medium" pitchFamily="34" charset="-127"/>
             </a:endParaRPr>
           </a:p>
-          <a:p>
-            <a:pPr marL="285750" indent="-285750" fontAlgn="base">
-              <a:buClr>
+        </p:txBody>
+      </p:sp>
+      <p:sp>
+        <p:nvSpPr>
+          <p:cNvPr id="20" name="TextBox 19"/>
+          <p:cNvSpPr txBox="1"/>
+          <p:nvPr/>
+        </p:nvSpPr>
+        <p:spPr>
+          <a:xfrm>
+            <a:off x="107504" y="620688"/>
+            <a:ext cx="2153154" cy="707886"/>
+          </a:xfrm>
+          <a:prstGeom prst="rect">
+            <a:avLst/>
+          </a:prstGeom>
+          <a:noFill/>
+        </p:spPr>
+        <p:txBody>
+          <a:bodyPr wrap="none" rtlCol="0" anchor="ctr">
+            <a:spAutoFit/>
+          </a:bodyPr>
+          <a:lstStyle/>
+          <a:p>
+            <a:r>
+              <a:rPr lang="ko-KR" altLang="en-US" sz="4000" smtClean="0">
+                <a:solidFill>
+                  <a:srgbClr val="3A3C75"/>
+                </a:solidFill>
+                <a:latin typeface="에스코어 드림 8 Heavy" pitchFamily="34" charset="-127"/>
+                <a:ea typeface="에스코어 드림 8 Heavy" pitchFamily="34" charset="-127"/>
+              </a:rPr>
+              <a:t>제</a:t>
+            </a:r>
+            <a:r>
+              <a:rPr lang="ko-KR" altLang="en-US" sz="4000">
+                <a:solidFill>
+                  <a:srgbClr val="3A3C75"/>
+                </a:solidFill>
+                <a:latin typeface="에스코어 드림 8 Heavy" pitchFamily="34" charset="-127"/>
+                <a:ea typeface="에스코어 드림 8 Heavy" pitchFamily="34" charset="-127"/>
+              </a:rPr>
+              <a:t>안</a:t>
+            </a:r>
+            <a:r>
+              <a:rPr lang="ko-KR" altLang="en-US" sz="4000" smtClean="0">
+                <a:solidFill>
+                  <a:srgbClr val="3A3C75"/>
+                </a:solidFill>
+                <a:latin typeface="에스코어 드림 8 Heavy" pitchFamily="34" charset="-127"/>
+                <a:ea typeface="에스코어 드림 8 Heavy" pitchFamily="34" charset="-127"/>
+              </a:rPr>
+              <a:t>배경</a:t>
+            </a:r>
+            <a:endParaRPr lang="ko-KR" altLang="en-US" sz="4000">
+              <a:solidFill>
                 <a:srgbClr val="3A3C75"/>
-              </a:buClr>
-              <a:buFont typeface="Wingdings" pitchFamily="2" charset="2"/>
-              <a:buChar char="§"/>
-            </a:pPr>
-            <a:endParaRPr lang="en-US" altLang="ko-KR" dirty="0">
-              <a:latin typeface="HY동녘M" pitchFamily="18" charset="-127"/>
-              <a:ea typeface="HY동녘M" pitchFamily="18" charset="-127"/>
-            </a:endParaRPr>
-          </a:p>
-          <a:p>
-            <a:pPr marL="285750" indent="-285750" fontAlgn="base">
-              <a:buClr>
-                <a:srgbClr val="3A3C75"/>
-              </a:buClr>
-              <a:buFont typeface="Wingdings" pitchFamily="2" charset="2"/>
-              <a:buChar char="§"/>
-            </a:pPr>
-            <a:r>
-              <a:rPr lang="en-US" altLang="ko-KR" dirty="0">
-                <a:latin typeface="HY동녘M" pitchFamily="18" charset="-127"/>
-                <a:ea typeface="HY동녘M" pitchFamily="18" charset="-127"/>
-              </a:rPr>
-              <a:t>APP </a:t>
-            </a:r>
-            <a:r>
-              <a:rPr lang="ko-KR" altLang="en-US" dirty="0">
-                <a:latin typeface="HY동녘M" pitchFamily="18" charset="-127"/>
-                <a:ea typeface="HY동녘M" pitchFamily="18" charset="-127"/>
-              </a:rPr>
-              <a:t>업데이트를 통한 손쉬운 성능 개선 및 추가 </a:t>
-            </a:r>
-            <a:r>
-              <a:rPr lang="ko-KR" altLang="en-US" dirty="0" smtClean="0">
-                <a:latin typeface="HY동녘M" pitchFamily="18" charset="-127"/>
-                <a:ea typeface="HY동녘M" pitchFamily="18" charset="-127"/>
-              </a:rPr>
-              <a:t>구현</a:t>
-            </a:r>
-            <a:endParaRPr lang="en-US" altLang="ko-KR" dirty="0" smtClean="0">
-              <a:latin typeface="HY동녘M" pitchFamily="18" charset="-127"/>
-              <a:ea typeface="HY동녘M" pitchFamily="18" charset="-127"/>
-            </a:endParaRPr>
-          </a:p>
-          <a:p>
-            <a:pPr marL="285750" indent="-285750" fontAlgn="base">
-              <a:buClr>
-                <a:srgbClr val="3A3C75"/>
-              </a:buClr>
-              <a:buFont typeface="Wingdings" pitchFamily="2" charset="2"/>
-              <a:buChar char="§"/>
-            </a:pPr>
-            <a:endParaRPr lang="en-US" altLang="ko-KR" dirty="0">
-              <a:latin typeface="HY동녘M" pitchFamily="18" charset="-127"/>
-              <a:ea typeface="HY동녘M" pitchFamily="18" charset="-127"/>
-            </a:endParaRPr>
-          </a:p>
-          <a:p>
-            <a:pPr marL="285750" indent="-285750" fontAlgn="base">
-              <a:buClr>
-                <a:srgbClr val="3A3C75"/>
-              </a:buClr>
-              <a:buFont typeface="Wingdings" pitchFamily="2" charset="2"/>
-              <a:buChar char="§"/>
-            </a:pPr>
-            <a:r>
-              <a:rPr lang="ko-KR" altLang="en-US" dirty="0" err="1">
-                <a:latin typeface="HY동녘M" pitchFamily="18" charset="-127"/>
-                <a:ea typeface="HY동녘M" pitchFamily="18" charset="-127"/>
-              </a:rPr>
-              <a:t>딥러닝을</a:t>
-            </a:r>
-            <a:r>
-              <a:rPr lang="ko-KR" altLang="en-US" dirty="0">
-                <a:latin typeface="HY동녘M" pitchFamily="18" charset="-127"/>
-                <a:ea typeface="HY동녘M" pitchFamily="18" charset="-127"/>
-              </a:rPr>
-              <a:t> 이용하여 지속적인 탐지성능 향상 기대</a:t>
-            </a:r>
-            <a:endParaRPr lang="en-US" altLang="ko-KR" dirty="0">
-              <a:latin typeface="HY동녘M" pitchFamily="18" charset="-127"/>
-              <a:ea typeface="HY동녘M" pitchFamily="18" charset="-127"/>
-            </a:endParaRPr>
-          </a:p>
-          <a:p>
-            <a:pPr marL="285750" indent="-285750" fontAlgn="base">
-              <a:buClr>
-                <a:srgbClr val="3A3C75"/>
-              </a:buClr>
-              <a:buFont typeface="Wingdings" pitchFamily="2" charset="2"/>
-              <a:buChar char="§"/>
-            </a:pPr>
-            <a:endParaRPr lang="ko-KR" altLang="en-US" dirty="0">
-              <a:latin typeface="HY동녘M" pitchFamily="18" charset="-127"/>
-              <a:ea typeface="HY동녘M" pitchFamily="18" charset="-127"/>
-            </a:endParaRPr>
-          </a:p>
-          <a:p>
-            <a:pPr marL="285750" indent="-285750" fontAlgn="base">
-              <a:buClr>
-                <a:srgbClr val="3A3C75"/>
-              </a:buClr>
-              <a:buFont typeface="Wingdings" pitchFamily="2" charset="2"/>
-              <a:buChar char="§"/>
-            </a:pPr>
-            <a:endParaRPr lang="ko-KR" altLang="en-US" dirty="0">
-              <a:latin typeface="HY동녘M" pitchFamily="18" charset="-127"/>
-              <a:ea typeface="HY동녘M" pitchFamily="18" charset="-127"/>
-            </a:endParaRPr>
-          </a:p>
-          <a:p>
-            <a:pPr marL="285750" indent="-285750" fontAlgn="base">
-              <a:buClr>
-                <a:srgbClr val="3A3C75"/>
-              </a:buClr>
-              <a:buFont typeface="Wingdings" pitchFamily="2" charset="2"/>
-              <a:buChar char="§"/>
-            </a:pPr>
-            <a:endParaRPr lang="en-US" altLang="ko-KR" dirty="0" smtClean="0">
-              <a:latin typeface="HY동녘M" pitchFamily="18" charset="-127"/>
-              <a:ea typeface="HY동녘M" pitchFamily="18" charset="-127"/>
-            </a:endParaRPr>
-          </a:p>
-          <a:p>
-            <a:pPr marL="285750" indent="-285750" fontAlgn="base">
-              <a:buClr>
-                <a:srgbClr val="3A3C75"/>
-              </a:buClr>
-              <a:buFont typeface="Wingdings" pitchFamily="2" charset="2"/>
-              <a:buChar char="§"/>
-            </a:pPr>
-            <a:endParaRPr lang="en-US" altLang="ko-KR" dirty="0">
-              <a:latin typeface="HY동녘M" pitchFamily="18" charset="-127"/>
-              <a:ea typeface="HY동녘M" pitchFamily="18" charset="-127"/>
-            </a:endParaRPr>
-          </a:p>
-          <a:p>
-            <a:pPr marL="285750" indent="-285750" fontAlgn="base">
-              <a:buClr>
-                <a:srgbClr val="3A3C75"/>
-              </a:buClr>
-              <a:buFont typeface="Wingdings" pitchFamily="2" charset="2"/>
-              <a:buChar char="§"/>
-            </a:pPr>
-            <a:endParaRPr lang="ko-KR" altLang="en-US" dirty="0">
-              <a:latin typeface="HY동녘M" pitchFamily="18" charset="-127"/>
-              <a:ea typeface="HY동녘M" pitchFamily="18" charset="-127"/>
+              </a:solidFill>
+              <a:latin typeface="에스코어 드림 8 Heavy" pitchFamily="34" charset="-127"/>
+              <a:ea typeface="에스코어 드림 8 Heavy" pitchFamily="34" charset="-127"/>
             </a:endParaRPr>
           </a:p>
         </p:txBody>
@@ -5043,7 +6613,7 @@
     </p:spTree>
     <p:extLst>
       <p:ext uri="{BB962C8B-B14F-4D97-AF65-F5344CB8AC3E}">
-        <p14:creationId xmlns:p14="http://schemas.microsoft.com/office/powerpoint/2010/main" val="1411396170"/>
+        <p14:creationId xmlns:p14="http://schemas.microsoft.com/office/powerpoint/2010/main" val="427878558"/>
       </p:ext>
     </p:extLst>
   </p:cSld>
@@ -5077,16 +6647,1331 @@
           <a:chExt cx="0" cy="0"/>
         </a:xfrm>
       </p:grpSpPr>
+      <p:sp>
+        <p:nvSpPr>
+          <p:cNvPr id="32" name="직사각형 31"/>
+          <p:cNvSpPr/>
+          <p:nvPr/>
+        </p:nvSpPr>
+        <p:spPr>
+          <a:xfrm>
+            <a:off x="4572000" y="1700808"/>
+            <a:ext cx="4440639" cy="1440160"/>
+          </a:xfrm>
+          <a:prstGeom prst="rect">
+            <a:avLst/>
+          </a:prstGeom>
+          <a:solidFill>
+            <a:schemeClr val="tx1">
+              <a:alpha val="73000"/>
+            </a:schemeClr>
+          </a:solidFill>
+          <a:ln>
+            <a:noFill/>
+          </a:ln>
+        </p:spPr>
+        <p:style>
+          <a:lnRef idx="2">
+            <a:schemeClr val="accent1">
+              <a:shade val="50000"/>
+            </a:schemeClr>
+          </a:lnRef>
+          <a:fillRef idx="1">
+            <a:schemeClr val="accent1"/>
+          </a:fillRef>
+          <a:effectRef idx="0">
+            <a:schemeClr val="accent1"/>
+          </a:effectRef>
+          <a:fontRef idx="minor">
+            <a:schemeClr val="lt1"/>
+          </a:fontRef>
+        </p:style>
+        <p:txBody>
+          <a:bodyPr rtlCol="0" anchor="ctr"/>
+          <a:lstStyle/>
+          <a:p>
+            <a:pPr algn="ctr"/>
+            <a:endParaRPr lang="ko-KR" altLang="en-US"/>
+          </a:p>
+        </p:txBody>
+      </p:sp>
+      <p:sp>
+        <p:nvSpPr>
+          <p:cNvPr id="20" name="TextBox 19"/>
+          <p:cNvSpPr txBox="1"/>
+          <p:nvPr/>
+        </p:nvSpPr>
+        <p:spPr>
+          <a:xfrm>
+            <a:off x="107504" y="620688"/>
+            <a:ext cx="2153154" cy="707886"/>
+          </a:xfrm>
+          <a:prstGeom prst="rect">
+            <a:avLst/>
+          </a:prstGeom>
+          <a:noFill/>
+        </p:spPr>
+        <p:txBody>
+          <a:bodyPr wrap="none" rtlCol="0" anchor="ctr">
+            <a:spAutoFit/>
+          </a:bodyPr>
+          <a:lstStyle/>
+          <a:p>
+            <a:r>
+              <a:rPr lang="ko-KR" altLang="en-US" sz="4000" smtClean="0">
+                <a:solidFill>
+                  <a:srgbClr val="3A3C75"/>
+                </a:solidFill>
+                <a:latin typeface="에스코어 드림 8 Heavy" pitchFamily="34" charset="-127"/>
+                <a:ea typeface="에스코어 드림 8 Heavy" pitchFamily="34" charset="-127"/>
+              </a:rPr>
+              <a:t>제</a:t>
+            </a:r>
+            <a:r>
+              <a:rPr lang="ko-KR" altLang="en-US" sz="4000">
+                <a:solidFill>
+                  <a:srgbClr val="3A3C75"/>
+                </a:solidFill>
+                <a:latin typeface="에스코어 드림 8 Heavy" pitchFamily="34" charset="-127"/>
+                <a:ea typeface="에스코어 드림 8 Heavy" pitchFamily="34" charset="-127"/>
+              </a:rPr>
+              <a:t>안</a:t>
+            </a:r>
+            <a:r>
+              <a:rPr lang="ko-KR" altLang="en-US" sz="4000" smtClean="0">
+                <a:solidFill>
+                  <a:srgbClr val="3A3C75"/>
+                </a:solidFill>
+                <a:latin typeface="에스코어 드림 8 Heavy" pitchFamily="34" charset="-127"/>
+                <a:ea typeface="에스코어 드림 8 Heavy" pitchFamily="34" charset="-127"/>
+              </a:rPr>
+              <a:t>배경</a:t>
+            </a:r>
+            <a:endParaRPr lang="ko-KR" altLang="en-US" sz="4000">
+              <a:solidFill>
+                <a:srgbClr val="3A3C75"/>
+              </a:solidFill>
+              <a:latin typeface="에스코어 드림 8 Heavy" pitchFamily="34" charset="-127"/>
+              <a:ea typeface="에스코어 드림 8 Heavy" pitchFamily="34" charset="-127"/>
+            </a:endParaRPr>
+          </a:p>
+        </p:txBody>
+      </p:sp>
       <p:pic>
         <p:nvPicPr>
-          <p:cNvPr id="1027" name="Picture 3" descr="C:\Users\Admin\Desktop\인구_2.PNG"/>
+          <p:cNvPr id="4099" name="Picture 3" descr="C:\Users\Admin\Desktop\이미지\고민.jpg"/>
           <p:cNvPicPr>
             <a:picLocks noChangeAspect="1" noChangeArrowheads="1"/>
           </p:cNvPicPr>
           <p:nvPr/>
         </p:nvPicPr>
         <p:blipFill>
+          <a:blip r:embed="rId2">
+            <a:extLst>
+              <a:ext uri="{BEBA8EAE-BF5A-486C-A8C5-ECC9F3942E4B}">
+                <a14:imgProps xmlns:a14="http://schemas.microsoft.com/office/drawing/2010/main">
+                  <a14:imgLayer r:embed="rId3">
+                    <a14:imgEffect>
+                      <a14:backgroundRemoval t="9940" b="100000" l="10000" r="100000">
+                        <a14:foregroundMark x1="38800" y1="57229" x2="39200" y2="96988"/>
+                        <a14:foregroundMark x1="43600" y1="53916" x2="52600" y2="46386"/>
+                      </a14:backgroundRemoval>
+                    </a14:imgEffect>
+                  </a14:imgLayer>
+                </a14:imgProps>
+              </a:ext>
+              <a:ext uri="{28A0092B-C50C-407E-A947-70E740481C1C}">
+                <a14:useLocalDpi xmlns:a14="http://schemas.microsoft.com/office/drawing/2010/main" val="0"/>
+              </a:ext>
+            </a:extLst>
+          </a:blip>
+          <a:srcRect/>
+          <a:stretch>
+            <a:fillRect/>
+          </a:stretch>
+        </p:blipFill>
+        <p:spPr bwMode="auto">
+          <a:xfrm>
+            <a:off x="3203848" y="2656745"/>
+            <a:ext cx="5942160" cy="3946586"/>
+          </a:xfrm>
+          <a:prstGeom prst="rect">
+            <a:avLst/>
+          </a:prstGeom>
+          <a:noFill/>
+          <a:extLst>
+            <a:ext uri="{909E8E84-426E-40DD-AFC4-6F175D3DCCD1}">
+              <a14:hiddenFill xmlns:a14="http://schemas.microsoft.com/office/drawing/2010/main">
+                <a:solidFill>
+                  <a:srgbClr val="FFFFFF"/>
+                </a:solidFill>
+              </a14:hiddenFill>
+            </a:ext>
+          </a:extLst>
+        </p:spPr>
+      </p:pic>
+      <p:grpSp>
+        <p:nvGrpSpPr>
+          <p:cNvPr id="11" name="그룹 10"/>
+          <p:cNvGrpSpPr/>
+          <p:nvPr/>
+        </p:nvGrpSpPr>
+        <p:grpSpPr>
+          <a:xfrm>
+            <a:off x="611560" y="1844824"/>
+            <a:ext cx="3638532" cy="3492676"/>
+            <a:chOff x="786608" y="1556216"/>
+            <a:chExt cx="3638532" cy="3492676"/>
+          </a:xfrm>
+        </p:grpSpPr>
+        <p:grpSp>
+          <p:nvGrpSpPr>
+            <p:cNvPr id="8" name="그룹 7"/>
+            <p:cNvGrpSpPr/>
+            <p:nvPr/>
+          </p:nvGrpSpPr>
+          <p:grpSpPr>
+            <a:xfrm>
+              <a:off x="786608" y="1556216"/>
+              <a:ext cx="2088232" cy="2088232"/>
+              <a:chOff x="786608" y="1556216"/>
+              <a:chExt cx="2088232" cy="2088232"/>
+            </a:xfrm>
+          </p:grpSpPr>
+          <p:sp>
+            <p:nvSpPr>
+              <p:cNvPr id="24" name="타원 23"/>
+              <p:cNvSpPr/>
+              <p:nvPr/>
+            </p:nvSpPr>
+            <p:spPr>
+              <a:xfrm>
+                <a:off x="786608" y="1556216"/>
+                <a:ext cx="2088232" cy="2088232"/>
+              </a:xfrm>
+              <a:prstGeom prst="ellipse">
+                <a:avLst/>
+              </a:prstGeom>
+              <a:solidFill>
+                <a:srgbClr val="F0EA00">
+                  <a:alpha val="60000"/>
+                </a:srgbClr>
+              </a:solidFill>
+              <a:ln>
+                <a:noFill/>
+              </a:ln>
+            </p:spPr>
+            <p:style>
+              <a:lnRef idx="2">
+                <a:schemeClr val="accent1">
+                  <a:shade val="50000"/>
+                </a:schemeClr>
+              </a:lnRef>
+              <a:fillRef idx="1">
+                <a:schemeClr val="accent1"/>
+              </a:fillRef>
+              <a:effectRef idx="0">
+                <a:schemeClr val="accent1"/>
+              </a:effectRef>
+              <a:fontRef idx="minor">
+                <a:schemeClr val="lt1"/>
+              </a:fontRef>
+            </p:style>
+            <p:txBody>
+              <a:bodyPr rtlCol="0" anchor="ctr"/>
+              <a:lstStyle/>
+              <a:p>
+                <a:pPr algn="ctr"/>
+                <a:endParaRPr lang="ko-KR" altLang="en-US"/>
+              </a:p>
+            </p:txBody>
+          </p:sp>
+          <p:sp>
+            <p:nvSpPr>
+              <p:cNvPr id="4" name="직사각형 3"/>
+              <p:cNvSpPr/>
+              <p:nvPr/>
+            </p:nvSpPr>
+            <p:spPr>
+              <a:xfrm>
+                <a:off x="1359286" y="2323333"/>
+                <a:ext cx="942877" cy="553998"/>
+              </a:xfrm>
+              <a:prstGeom prst="rect">
+                <a:avLst/>
+              </a:prstGeom>
+            </p:spPr>
+            <p:txBody>
+              <a:bodyPr wrap="square">
+                <a:spAutoFit/>
+              </a:bodyPr>
+              <a:lstStyle/>
+              <a:p>
+                <a:pPr algn="ctr"/>
+                <a:r>
+                  <a:rPr lang="ko-KR" altLang="en-US" sz="3000">
+                    <a:solidFill>
+                      <a:schemeClr val="bg1"/>
+                    </a:solidFill>
+                    <a:latin typeface="에스코어 드림 5 Medium" pitchFamily="34" charset="-127"/>
+                    <a:ea typeface="에스코어 드림 5 Medium" pitchFamily="34" charset="-127"/>
+                  </a:rPr>
+                  <a:t>성능</a:t>
+                </a:r>
+                <a:endParaRPr lang="ko-KR" altLang="en-US" sz="3000"/>
+              </a:p>
+            </p:txBody>
+          </p:sp>
+        </p:grpSp>
+        <p:grpSp>
+          <p:nvGrpSpPr>
+            <p:cNvPr id="9" name="그룹 8"/>
+            <p:cNvGrpSpPr/>
+            <p:nvPr/>
+          </p:nvGrpSpPr>
+          <p:grpSpPr>
+            <a:xfrm>
+              <a:off x="2336908" y="1556216"/>
+              <a:ext cx="2088232" cy="2088232"/>
+              <a:chOff x="2336908" y="1556216"/>
+              <a:chExt cx="2088232" cy="2088232"/>
+            </a:xfrm>
+          </p:grpSpPr>
+          <p:sp>
+            <p:nvSpPr>
+              <p:cNvPr id="25" name="타원 24"/>
+              <p:cNvSpPr/>
+              <p:nvPr/>
+            </p:nvSpPr>
+            <p:spPr>
+              <a:xfrm>
+                <a:off x="2336908" y="1556216"/>
+                <a:ext cx="2088232" cy="2088232"/>
+              </a:xfrm>
+              <a:prstGeom prst="ellipse">
+                <a:avLst/>
+              </a:prstGeom>
+              <a:solidFill>
+                <a:srgbClr val="00B327">
+                  <a:alpha val="50000"/>
+                </a:srgbClr>
+              </a:solidFill>
+              <a:ln>
+                <a:noFill/>
+              </a:ln>
+            </p:spPr>
+            <p:style>
+              <a:lnRef idx="2">
+                <a:schemeClr val="accent1">
+                  <a:shade val="50000"/>
+                </a:schemeClr>
+              </a:lnRef>
+              <a:fillRef idx="1">
+                <a:schemeClr val="accent1"/>
+              </a:fillRef>
+              <a:effectRef idx="0">
+                <a:schemeClr val="accent1"/>
+              </a:effectRef>
+              <a:fontRef idx="minor">
+                <a:schemeClr val="lt1"/>
+              </a:fontRef>
+            </p:style>
+            <p:txBody>
+              <a:bodyPr rtlCol="0" anchor="ctr"/>
+              <a:lstStyle/>
+              <a:p>
+                <a:pPr algn="ctr"/>
+                <a:endParaRPr lang="ko-KR" altLang="en-US"/>
+              </a:p>
+            </p:txBody>
+          </p:sp>
+          <p:sp>
+            <p:nvSpPr>
+              <p:cNvPr id="26" name="직사각형 25"/>
+              <p:cNvSpPr/>
+              <p:nvPr/>
+            </p:nvSpPr>
+            <p:spPr>
+              <a:xfrm>
+                <a:off x="2909586" y="2323333"/>
+                <a:ext cx="942877" cy="553998"/>
+              </a:xfrm>
+              <a:prstGeom prst="rect">
+                <a:avLst/>
+              </a:prstGeom>
+            </p:spPr>
+            <p:txBody>
+              <a:bodyPr wrap="square">
+                <a:spAutoFit/>
+              </a:bodyPr>
+              <a:lstStyle/>
+              <a:p>
+                <a:pPr algn="ctr"/>
+                <a:r>
+                  <a:rPr lang="ko-KR" altLang="en-US" sz="3000" smtClean="0">
+                    <a:solidFill>
+                      <a:schemeClr val="bg1"/>
+                    </a:solidFill>
+                    <a:latin typeface="에스코어 드림 5 Medium" pitchFamily="34" charset="-127"/>
+                    <a:ea typeface="에스코어 드림 5 Medium" pitchFamily="34" charset="-127"/>
+                  </a:rPr>
+                  <a:t>비용</a:t>
+                </a:r>
+                <a:endParaRPr lang="ko-KR" altLang="en-US" sz="3000"/>
+              </a:p>
+            </p:txBody>
+          </p:sp>
+        </p:grpSp>
+        <p:grpSp>
+          <p:nvGrpSpPr>
+            <p:cNvPr id="10" name="그룹 9"/>
+            <p:cNvGrpSpPr/>
+            <p:nvPr/>
+          </p:nvGrpSpPr>
+          <p:grpSpPr>
+            <a:xfrm>
+              <a:off x="1537891" y="2960660"/>
+              <a:ext cx="2088232" cy="2088232"/>
+              <a:chOff x="1537891" y="2960660"/>
+              <a:chExt cx="2088232" cy="2088232"/>
+            </a:xfrm>
+          </p:grpSpPr>
+          <p:sp>
+            <p:nvSpPr>
+              <p:cNvPr id="3" name="타원 2"/>
+              <p:cNvSpPr/>
+              <p:nvPr/>
+            </p:nvSpPr>
+            <p:spPr>
+              <a:xfrm>
+                <a:off x="1537891" y="2960660"/>
+                <a:ext cx="2088232" cy="2088232"/>
+              </a:xfrm>
+              <a:prstGeom prst="ellipse">
+                <a:avLst/>
+              </a:prstGeom>
+              <a:solidFill>
+                <a:srgbClr val="FF0000">
+                  <a:alpha val="50000"/>
+                </a:srgbClr>
+              </a:solidFill>
+              <a:ln>
+                <a:noFill/>
+              </a:ln>
+            </p:spPr>
+            <p:style>
+              <a:lnRef idx="2">
+                <a:schemeClr val="accent1">
+                  <a:shade val="50000"/>
+                </a:schemeClr>
+              </a:lnRef>
+              <a:fillRef idx="1">
+                <a:schemeClr val="accent1"/>
+              </a:fillRef>
+              <a:effectRef idx="0">
+                <a:schemeClr val="accent1"/>
+              </a:effectRef>
+              <a:fontRef idx="minor">
+                <a:schemeClr val="lt1"/>
+              </a:fontRef>
+            </p:style>
+            <p:txBody>
+              <a:bodyPr rtlCol="0" anchor="ctr"/>
+              <a:lstStyle/>
+              <a:p>
+                <a:pPr algn="ctr"/>
+                <a:endParaRPr lang="ko-KR" altLang="en-US"/>
+              </a:p>
+            </p:txBody>
+          </p:sp>
+          <p:sp>
+            <p:nvSpPr>
+              <p:cNvPr id="27" name="직사각형 26"/>
+              <p:cNvSpPr/>
+              <p:nvPr/>
+            </p:nvSpPr>
+            <p:spPr>
+              <a:xfrm>
+                <a:off x="2110569" y="3557327"/>
+                <a:ext cx="942877" cy="1015663"/>
+              </a:xfrm>
+              <a:prstGeom prst="rect">
+                <a:avLst/>
+              </a:prstGeom>
+            </p:spPr>
+            <p:txBody>
+              <a:bodyPr wrap="square">
+                <a:spAutoFit/>
+              </a:bodyPr>
+              <a:lstStyle/>
+              <a:p>
+                <a:pPr algn="ctr"/>
+                <a:r>
+                  <a:rPr lang="ko-KR" altLang="en-US" sz="3000" smtClean="0">
+                    <a:solidFill>
+                      <a:schemeClr val="bg1"/>
+                    </a:solidFill>
+                    <a:latin typeface="에스코어 드림 5 Medium" pitchFamily="34" charset="-127"/>
+                    <a:ea typeface="에스코어 드림 5 Medium" pitchFamily="34" charset="-127"/>
+                  </a:rPr>
+                  <a:t>유지보</a:t>
+                </a:r>
+                <a:r>
+                  <a:rPr lang="ko-KR" altLang="en-US" sz="3000">
+                    <a:solidFill>
+                      <a:schemeClr val="bg1"/>
+                    </a:solidFill>
+                    <a:latin typeface="에스코어 드림 5 Medium" pitchFamily="34" charset="-127"/>
+                    <a:ea typeface="에스코어 드림 5 Medium" pitchFamily="34" charset="-127"/>
+                  </a:rPr>
+                  <a:t>수</a:t>
+                </a:r>
+                <a:endParaRPr lang="ko-KR" altLang="en-US" sz="3000"/>
+              </a:p>
+            </p:txBody>
+          </p:sp>
+        </p:grpSp>
+      </p:grpSp>
+      <p:sp>
+        <p:nvSpPr>
+          <p:cNvPr id="31" name="TextBox 30"/>
+          <p:cNvSpPr txBox="1"/>
+          <p:nvPr/>
+        </p:nvSpPr>
+        <p:spPr>
+          <a:xfrm>
+            <a:off x="4572000" y="1904120"/>
+            <a:ext cx="4440639" cy="1015663"/>
+          </a:xfrm>
+          <a:prstGeom prst="rect">
+            <a:avLst/>
+          </a:prstGeom>
+          <a:noFill/>
+        </p:spPr>
+        <p:txBody>
+          <a:bodyPr wrap="none" rtlCol="0" anchor="ctr">
+            <a:spAutoFit/>
+          </a:bodyPr>
+          <a:lstStyle/>
+          <a:p>
+            <a:r>
+              <a:rPr lang="en-US" altLang="ko-KR" sz="3000" smtClean="0">
+                <a:solidFill>
+                  <a:srgbClr val="FF2E46"/>
+                </a:solidFill>
+                <a:latin typeface="에스코어 드림 8 Heavy" pitchFamily="34" charset="-127"/>
+                <a:ea typeface="에스코어 드림 8 Heavy" pitchFamily="34" charset="-127"/>
+              </a:rPr>
+              <a:t>‘</a:t>
+            </a:r>
+            <a:r>
+              <a:rPr lang="ko-KR" altLang="en-US" sz="3000" smtClean="0">
+                <a:solidFill>
+                  <a:schemeClr val="bg1"/>
+                </a:solidFill>
+                <a:latin typeface="에스코어 드림 8 Heavy" pitchFamily="34" charset="-127"/>
+                <a:ea typeface="에스코어 드림 8 Heavy" pitchFamily="34" charset="-127"/>
+              </a:rPr>
+              <a:t>합리적인</a:t>
+            </a:r>
+            <a:r>
+              <a:rPr lang="en-US" altLang="ko-KR" sz="3000" smtClean="0">
+                <a:solidFill>
+                  <a:srgbClr val="FF2E46"/>
+                </a:solidFill>
+                <a:latin typeface="에스코어 드림 8 Heavy" pitchFamily="34" charset="-127"/>
+                <a:ea typeface="에스코어 드림 8 Heavy" pitchFamily="34" charset="-127"/>
+              </a:rPr>
+              <a:t>’</a:t>
+            </a:r>
+            <a:r>
+              <a:rPr lang="ko-KR" altLang="en-US" sz="3000" smtClean="0">
+                <a:solidFill>
+                  <a:schemeClr val="bg1"/>
+                </a:solidFill>
+                <a:latin typeface="에스코어 드림 8 Heavy" pitchFamily="34" charset="-127"/>
+                <a:ea typeface="에스코어 드림 8 Heavy" pitchFamily="34" charset="-127"/>
+              </a:rPr>
+              <a:t> </a:t>
+            </a:r>
+            <a:endParaRPr lang="en-US" altLang="ko-KR" sz="3000" smtClean="0">
+              <a:solidFill>
+                <a:schemeClr val="bg1"/>
+              </a:solidFill>
+              <a:latin typeface="에스코어 드림 8 Heavy" pitchFamily="34" charset="-127"/>
+              <a:ea typeface="에스코어 드림 8 Heavy" pitchFamily="34" charset="-127"/>
+            </a:endParaRPr>
+          </a:p>
+          <a:p>
+            <a:r>
+              <a:rPr lang="ko-KR" altLang="en-US" sz="3000" smtClean="0">
+                <a:solidFill>
+                  <a:schemeClr val="bg1"/>
+                </a:solidFill>
+                <a:latin typeface="에스코어 드림 8 Heavy" pitchFamily="34" charset="-127"/>
+                <a:ea typeface="에스코어 드림 8 Heavy" pitchFamily="34" charset="-127"/>
+              </a:rPr>
+              <a:t> 무인 감시체계는 없을까</a:t>
+            </a:r>
+            <a:r>
+              <a:rPr lang="en-US" altLang="ko-KR" sz="3000" smtClean="0">
+                <a:solidFill>
+                  <a:schemeClr val="bg1"/>
+                </a:solidFill>
+                <a:latin typeface="에스코어 드림 8 Heavy" pitchFamily="34" charset="-127"/>
+                <a:ea typeface="에스코어 드림 8 Heavy" pitchFamily="34" charset="-127"/>
+              </a:rPr>
+              <a:t>?</a:t>
+            </a:r>
+            <a:endParaRPr lang="ko-KR" altLang="en-US" sz="3000">
+              <a:solidFill>
+                <a:schemeClr val="bg1"/>
+              </a:solidFill>
+              <a:latin typeface="에스코어 드림 8 Heavy" pitchFamily="34" charset="-127"/>
+              <a:ea typeface="에스코어 드림 8 Heavy" pitchFamily="34" charset="-127"/>
+            </a:endParaRPr>
+          </a:p>
+        </p:txBody>
+      </p:sp>
+    </p:spTree>
+    <p:extLst>
+      <p:ext uri="{BB962C8B-B14F-4D97-AF65-F5344CB8AC3E}">
+        <p14:creationId xmlns:p14="http://schemas.microsoft.com/office/powerpoint/2010/main" val="2764331932"/>
+      </p:ext>
+    </p:extLst>
+  </p:cSld>
+  <p:clrMapOvr>
+    <a:masterClrMapping/>
+  </p:clrMapOvr>
+  <p:timing>
+    <p:tnLst>
+      <p:par>
+        <p:cTn id="1" dur="indefinite" restart="never" nodeType="tmRoot"/>
+      </p:par>
+    </p:tnLst>
+  </p:timing>
+</p:sld>
+</file>
+
+<file path=ppt/slides/slide7.xml><?xml version="1.0" encoding="utf-8"?>
+<p:sld xmlns:a="http://schemas.openxmlformats.org/drawingml/2006/main" xmlns:r="http://schemas.openxmlformats.org/officeDocument/2006/relationships" xmlns:p="http://schemas.openxmlformats.org/presentationml/2006/main">
+  <p:cSld>
+    <p:spTree>
+      <p:nvGrpSpPr>
+        <p:cNvPr id="1" name=""/>
+        <p:cNvGrpSpPr/>
+        <p:nvPr/>
+      </p:nvGrpSpPr>
+      <p:grpSpPr>
+        <a:xfrm>
+          <a:off x="0" y="0"/>
+          <a:ext cx="0" cy="0"/>
+          <a:chOff x="0" y="0"/>
+          <a:chExt cx="0" cy="0"/>
+        </a:xfrm>
+      </p:grpSpPr>
+      <p:sp>
+        <p:nvSpPr>
+          <p:cNvPr id="20" name="TextBox 19"/>
+          <p:cNvSpPr txBox="1"/>
+          <p:nvPr/>
+        </p:nvSpPr>
+        <p:spPr>
+          <a:xfrm>
+            <a:off x="107504" y="620688"/>
+            <a:ext cx="2153154" cy="707886"/>
+          </a:xfrm>
+          <a:prstGeom prst="rect">
+            <a:avLst/>
+          </a:prstGeom>
+          <a:noFill/>
+        </p:spPr>
+        <p:txBody>
+          <a:bodyPr wrap="none" rtlCol="0" anchor="ctr">
+            <a:spAutoFit/>
+          </a:bodyPr>
+          <a:lstStyle/>
+          <a:p>
+            <a:r>
+              <a:rPr lang="ko-KR" altLang="en-US" sz="4000" smtClean="0">
+                <a:solidFill>
+                  <a:srgbClr val="3A3C75"/>
+                </a:solidFill>
+                <a:latin typeface="에스코어 드림 8 Heavy" pitchFamily="34" charset="-127"/>
+                <a:ea typeface="에스코어 드림 8 Heavy" pitchFamily="34" charset="-127"/>
+              </a:rPr>
+              <a:t>제</a:t>
+            </a:r>
+            <a:r>
+              <a:rPr lang="ko-KR" altLang="en-US" sz="4000">
+                <a:solidFill>
+                  <a:srgbClr val="3A3C75"/>
+                </a:solidFill>
+                <a:latin typeface="에스코어 드림 8 Heavy" pitchFamily="34" charset="-127"/>
+                <a:ea typeface="에스코어 드림 8 Heavy" pitchFamily="34" charset="-127"/>
+              </a:rPr>
+              <a:t>안</a:t>
+            </a:r>
+            <a:r>
+              <a:rPr lang="ko-KR" altLang="en-US" sz="4000" smtClean="0">
+                <a:solidFill>
+                  <a:srgbClr val="3A3C75"/>
+                </a:solidFill>
+                <a:latin typeface="에스코어 드림 8 Heavy" pitchFamily="34" charset="-127"/>
+                <a:ea typeface="에스코어 드림 8 Heavy" pitchFamily="34" charset="-127"/>
+              </a:rPr>
+              <a:t>배경</a:t>
+            </a:r>
+            <a:endParaRPr lang="ko-KR" altLang="en-US" sz="4000">
+              <a:solidFill>
+                <a:srgbClr val="3A3C75"/>
+              </a:solidFill>
+              <a:latin typeface="에스코어 드림 8 Heavy" pitchFamily="34" charset="-127"/>
+              <a:ea typeface="에스코어 드림 8 Heavy" pitchFamily="34" charset="-127"/>
+            </a:endParaRPr>
+          </a:p>
+        </p:txBody>
+      </p:sp>
+      <p:grpSp>
+        <p:nvGrpSpPr>
+          <p:cNvPr id="8" name="그룹 7"/>
+          <p:cNvGrpSpPr/>
+          <p:nvPr/>
+        </p:nvGrpSpPr>
+        <p:grpSpPr>
+          <a:xfrm>
+            <a:off x="755576" y="1637592"/>
+            <a:ext cx="2088232" cy="2088232"/>
+            <a:chOff x="786608" y="1556216"/>
+            <a:chExt cx="2088232" cy="2088232"/>
+          </a:xfrm>
+        </p:grpSpPr>
+        <p:sp>
+          <p:nvSpPr>
+            <p:cNvPr id="24" name="타원 23"/>
+            <p:cNvSpPr/>
+            <p:nvPr/>
+          </p:nvSpPr>
+          <p:spPr>
+            <a:xfrm>
+              <a:off x="786608" y="1556216"/>
+              <a:ext cx="2088232" cy="2088232"/>
+            </a:xfrm>
+            <a:prstGeom prst="ellipse">
+              <a:avLst/>
+            </a:prstGeom>
+            <a:solidFill>
+              <a:srgbClr val="F0EA00">
+                <a:alpha val="60000"/>
+              </a:srgbClr>
+            </a:solidFill>
+            <a:ln>
+              <a:noFill/>
+            </a:ln>
+          </p:spPr>
+          <p:style>
+            <a:lnRef idx="2">
+              <a:schemeClr val="accent1">
+                <a:shade val="50000"/>
+              </a:schemeClr>
+            </a:lnRef>
+            <a:fillRef idx="1">
+              <a:schemeClr val="accent1"/>
+            </a:fillRef>
+            <a:effectRef idx="0">
+              <a:schemeClr val="accent1"/>
+            </a:effectRef>
+            <a:fontRef idx="minor">
+              <a:schemeClr val="lt1"/>
+            </a:fontRef>
+          </p:style>
+          <p:txBody>
+            <a:bodyPr rtlCol="0" anchor="ctr"/>
+            <a:lstStyle/>
+            <a:p>
+              <a:pPr algn="ctr"/>
+              <a:endParaRPr lang="ko-KR" altLang="en-US"/>
+            </a:p>
+          </p:txBody>
+        </p:sp>
+        <p:sp>
+          <p:nvSpPr>
+            <p:cNvPr id="4" name="직사각형 3"/>
+            <p:cNvSpPr/>
+            <p:nvPr/>
+          </p:nvSpPr>
+          <p:spPr>
+            <a:xfrm>
+              <a:off x="1359286" y="2323333"/>
+              <a:ext cx="942877" cy="553998"/>
+            </a:xfrm>
+            <a:prstGeom prst="rect">
+              <a:avLst/>
+            </a:prstGeom>
+          </p:spPr>
+          <p:txBody>
+            <a:bodyPr wrap="square">
+              <a:spAutoFit/>
+            </a:bodyPr>
+            <a:lstStyle/>
+            <a:p>
+              <a:pPr algn="ctr"/>
+              <a:r>
+                <a:rPr lang="ko-KR" altLang="en-US" sz="3000">
+                  <a:solidFill>
+                    <a:schemeClr val="bg1"/>
+                  </a:solidFill>
+                  <a:latin typeface="에스코어 드림 5 Medium" pitchFamily="34" charset="-127"/>
+                  <a:ea typeface="에스코어 드림 5 Medium" pitchFamily="34" charset="-127"/>
+                </a:rPr>
+                <a:t>성능</a:t>
+              </a:r>
+              <a:endParaRPr lang="ko-KR" altLang="en-US" sz="3000"/>
+            </a:p>
+          </p:txBody>
+        </p:sp>
+      </p:grpSp>
+      <p:grpSp>
+        <p:nvGrpSpPr>
+          <p:cNvPr id="9" name="그룹 8"/>
+          <p:cNvGrpSpPr/>
+          <p:nvPr/>
+        </p:nvGrpSpPr>
+        <p:grpSpPr>
+          <a:xfrm>
+            <a:off x="3535598" y="1637592"/>
+            <a:ext cx="2088232" cy="2088232"/>
+            <a:chOff x="2336908" y="1556216"/>
+            <a:chExt cx="2088232" cy="2088232"/>
+          </a:xfrm>
+        </p:grpSpPr>
+        <p:sp>
+          <p:nvSpPr>
+            <p:cNvPr id="25" name="타원 24"/>
+            <p:cNvSpPr/>
+            <p:nvPr/>
+          </p:nvSpPr>
+          <p:spPr>
+            <a:xfrm>
+              <a:off x="2336908" y="1556216"/>
+              <a:ext cx="2088232" cy="2088232"/>
+            </a:xfrm>
+            <a:prstGeom prst="ellipse">
+              <a:avLst/>
+            </a:prstGeom>
+            <a:solidFill>
+              <a:srgbClr val="00B327">
+                <a:alpha val="50000"/>
+              </a:srgbClr>
+            </a:solidFill>
+            <a:ln>
+              <a:noFill/>
+            </a:ln>
+          </p:spPr>
+          <p:style>
+            <a:lnRef idx="2">
+              <a:schemeClr val="accent1">
+                <a:shade val="50000"/>
+              </a:schemeClr>
+            </a:lnRef>
+            <a:fillRef idx="1">
+              <a:schemeClr val="accent1"/>
+            </a:fillRef>
+            <a:effectRef idx="0">
+              <a:schemeClr val="accent1"/>
+            </a:effectRef>
+            <a:fontRef idx="minor">
+              <a:schemeClr val="lt1"/>
+            </a:fontRef>
+          </p:style>
+          <p:txBody>
+            <a:bodyPr rtlCol="0" anchor="ctr"/>
+            <a:lstStyle/>
+            <a:p>
+              <a:pPr algn="ctr"/>
+              <a:endParaRPr lang="ko-KR" altLang="en-US"/>
+            </a:p>
+          </p:txBody>
+        </p:sp>
+        <p:sp>
+          <p:nvSpPr>
+            <p:cNvPr id="26" name="직사각형 25"/>
+            <p:cNvSpPr/>
+            <p:nvPr/>
+          </p:nvSpPr>
+          <p:spPr>
+            <a:xfrm>
+              <a:off x="2909586" y="2323333"/>
+              <a:ext cx="942877" cy="553998"/>
+            </a:xfrm>
+            <a:prstGeom prst="rect">
+              <a:avLst/>
+            </a:prstGeom>
+          </p:spPr>
+          <p:txBody>
+            <a:bodyPr wrap="square">
+              <a:spAutoFit/>
+            </a:bodyPr>
+            <a:lstStyle/>
+            <a:p>
+              <a:pPr algn="ctr"/>
+              <a:r>
+                <a:rPr lang="ko-KR" altLang="en-US" sz="3000" smtClean="0">
+                  <a:solidFill>
+                    <a:schemeClr val="bg1"/>
+                  </a:solidFill>
+                  <a:latin typeface="에스코어 드림 5 Medium" pitchFamily="34" charset="-127"/>
+                  <a:ea typeface="에스코어 드림 5 Medium" pitchFamily="34" charset="-127"/>
+                </a:rPr>
+                <a:t>비용</a:t>
+              </a:r>
+              <a:endParaRPr lang="ko-KR" altLang="en-US" sz="3000"/>
+            </a:p>
+          </p:txBody>
+        </p:sp>
+      </p:grpSp>
+      <p:grpSp>
+        <p:nvGrpSpPr>
+          <p:cNvPr id="10" name="그룹 9"/>
+          <p:cNvGrpSpPr/>
+          <p:nvPr/>
+        </p:nvGrpSpPr>
+        <p:grpSpPr>
+          <a:xfrm>
+            <a:off x="6397987" y="1637592"/>
+            <a:ext cx="2088232" cy="2088232"/>
+            <a:chOff x="1537891" y="2960660"/>
+            <a:chExt cx="2088232" cy="2088232"/>
+          </a:xfrm>
+        </p:grpSpPr>
+        <p:sp>
+          <p:nvSpPr>
+            <p:cNvPr id="3" name="타원 2"/>
+            <p:cNvSpPr/>
+            <p:nvPr/>
+          </p:nvSpPr>
+          <p:spPr>
+            <a:xfrm>
+              <a:off x="1537891" y="2960660"/>
+              <a:ext cx="2088232" cy="2088232"/>
+            </a:xfrm>
+            <a:prstGeom prst="ellipse">
+              <a:avLst/>
+            </a:prstGeom>
+            <a:solidFill>
+              <a:srgbClr val="FF0000">
+                <a:alpha val="50000"/>
+              </a:srgbClr>
+            </a:solidFill>
+            <a:ln>
+              <a:noFill/>
+            </a:ln>
+          </p:spPr>
+          <p:style>
+            <a:lnRef idx="2">
+              <a:schemeClr val="accent1">
+                <a:shade val="50000"/>
+              </a:schemeClr>
+            </a:lnRef>
+            <a:fillRef idx="1">
+              <a:schemeClr val="accent1"/>
+            </a:fillRef>
+            <a:effectRef idx="0">
+              <a:schemeClr val="accent1"/>
+            </a:effectRef>
+            <a:fontRef idx="minor">
+              <a:schemeClr val="lt1"/>
+            </a:fontRef>
+          </p:style>
+          <p:txBody>
+            <a:bodyPr rtlCol="0" anchor="ctr"/>
+            <a:lstStyle/>
+            <a:p>
+              <a:pPr algn="ctr"/>
+              <a:endParaRPr lang="ko-KR" altLang="en-US"/>
+            </a:p>
+          </p:txBody>
+        </p:sp>
+        <p:sp>
+          <p:nvSpPr>
+            <p:cNvPr id="27" name="직사각형 26"/>
+            <p:cNvSpPr/>
+            <p:nvPr/>
+          </p:nvSpPr>
+          <p:spPr>
+            <a:xfrm>
+              <a:off x="2110569" y="3557327"/>
+              <a:ext cx="942877" cy="1015663"/>
+            </a:xfrm>
+            <a:prstGeom prst="rect">
+              <a:avLst/>
+            </a:prstGeom>
+          </p:spPr>
+          <p:txBody>
+            <a:bodyPr wrap="square">
+              <a:spAutoFit/>
+            </a:bodyPr>
+            <a:lstStyle/>
+            <a:p>
+              <a:pPr algn="ctr"/>
+              <a:r>
+                <a:rPr lang="ko-KR" altLang="en-US" sz="3000" smtClean="0">
+                  <a:solidFill>
+                    <a:schemeClr val="bg1"/>
+                  </a:solidFill>
+                  <a:latin typeface="에스코어 드림 5 Medium" pitchFamily="34" charset="-127"/>
+                  <a:ea typeface="에스코어 드림 5 Medium" pitchFamily="34" charset="-127"/>
+                </a:rPr>
+                <a:t>유지보</a:t>
+              </a:r>
+              <a:r>
+                <a:rPr lang="ko-KR" altLang="en-US" sz="3000">
+                  <a:solidFill>
+                    <a:schemeClr val="bg1"/>
+                  </a:solidFill>
+                  <a:latin typeface="에스코어 드림 5 Medium" pitchFamily="34" charset="-127"/>
+                  <a:ea typeface="에스코어 드림 5 Medium" pitchFamily="34" charset="-127"/>
+                </a:rPr>
+                <a:t>수</a:t>
+              </a:r>
+              <a:endParaRPr lang="ko-KR" altLang="en-US" sz="3000"/>
+            </a:p>
+          </p:txBody>
+        </p:sp>
+      </p:grpSp>
+      <p:pic>
+        <p:nvPicPr>
+          <p:cNvPr id="5123" name="Picture 3" descr="C:\Users\Admin\Desktop\이미지\텐서.png"/>
+          <p:cNvPicPr>
+            <a:picLocks noChangeAspect="1" noChangeArrowheads="1"/>
+          </p:cNvPicPr>
+          <p:nvPr/>
+        </p:nvPicPr>
+        <p:blipFill rotWithShape="1">
           <a:blip r:embed="rId2" cstate="print">
+            <a:extLst>
+              <a:ext uri="{28A0092B-C50C-407E-A947-70E740481C1C}">
+                <a14:useLocalDpi xmlns:a14="http://schemas.microsoft.com/office/drawing/2010/main" val="0"/>
+              </a:ext>
+            </a:extLst>
+          </a:blip>
+          <a:srcRect b="26389"/>
+          <a:stretch/>
+        </p:blipFill>
+        <p:spPr bwMode="auto">
+          <a:xfrm>
+            <a:off x="683568" y="3437792"/>
+            <a:ext cx="2103453" cy="990721"/>
+          </a:xfrm>
+          <a:prstGeom prst="rect">
+            <a:avLst/>
+          </a:prstGeom>
+          <a:noFill/>
+          <a:extLst>
+            <a:ext uri="{909E8E84-426E-40DD-AFC4-6F175D3DCCD1}">
+              <a14:hiddenFill xmlns:a14="http://schemas.microsoft.com/office/drawing/2010/main">
+                <a:solidFill>
+                  <a:srgbClr val="FFFFFF"/>
+                </a:solidFill>
+              </a14:hiddenFill>
+            </a:ext>
+          </a:extLst>
+        </p:spPr>
+      </p:pic>
+      <p:pic>
+        <p:nvPicPr>
+          <p:cNvPr id="5126" name="Picture 6" descr="C:\Users\Admin\Desktop\이미지\안드로보이.jpg"/>
+          <p:cNvPicPr>
+            <a:picLocks noChangeAspect="1" noChangeArrowheads="1"/>
+          </p:cNvPicPr>
+          <p:nvPr/>
+        </p:nvPicPr>
+        <p:blipFill>
+          <a:blip r:embed="rId3" cstate="print">
+            <a:extLst>
+              <a:ext uri="{BEBA8EAE-BF5A-486C-A8C5-ECC9F3942E4B}">
+                <a14:imgProps xmlns:a14="http://schemas.microsoft.com/office/drawing/2010/main">
+                  <a14:imgLayer r:embed="rId4">
+                    <a14:imgEffect>
+                      <a14:backgroundRemoval t="0" b="100000" l="0" r="100000">
+                        <a14:foregroundMark x1="44200" y1="19200" x2="44200" y2="19200"/>
+                        <a14:foregroundMark x1="29200" y1="35200" x2="29200" y2="35200"/>
+                        <a14:foregroundMark x1="73600" y1="39600" x2="73600" y2="39600"/>
+                        <a14:foregroundMark x1="6600" y1="85400" x2="96600" y2="85000"/>
+                        <a14:foregroundMark x1="7800" y1="90000" x2="96600" y2="88000"/>
+                        <a14:foregroundMark x1="9200" y1="92200" x2="93200" y2="93400"/>
+                        <a14:foregroundMark x1="41600" y1="13000" x2="41600" y2="13000"/>
+                        <a14:foregroundMark x1="60200" y1="10800" x2="60200" y2="10800"/>
+                      </a14:backgroundRemoval>
+                    </a14:imgEffect>
+                  </a14:imgLayer>
+                </a14:imgProps>
+              </a:ext>
+              <a:ext uri="{28A0092B-C50C-407E-A947-70E740481C1C}">
+                <a14:useLocalDpi xmlns:a14="http://schemas.microsoft.com/office/drawing/2010/main" val="0"/>
+              </a:ext>
+            </a:extLst>
+          </a:blip>
+          <a:srcRect/>
+          <a:stretch>
+            <a:fillRect/>
+          </a:stretch>
+        </p:blipFill>
+        <p:spPr bwMode="auto">
+          <a:xfrm>
+            <a:off x="3563888" y="3035228"/>
+            <a:ext cx="1986740" cy="1986740"/>
+          </a:xfrm>
+          <a:prstGeom prst="rect">
+            <a:avLst/>
+          </a:prstGeom>
+          <a:noFill/>
+          <a:extLst>
+            <a:ext uri="{909E8E84-426E-40DD-AFC4-6F175D3DCCD1}">
+              <a14:hiddenFill xmlns:a14="http://schemas.microsoft.com/office/drawing/2010/main">
+                <a:solidFill>
+                  <a:srgbClr val="FFFFFF"/>
+                </a:solidFill>
+              </a14:hiddenFill>
+            </a:ext>
+          </a:extLst>
+        </p:spPr>
+      </p:pic>
+      <p:grpSp>
+        <p:nvGrpSpPr>
+          <p:cNvPr id="2" name="그룹 1"/>
+          <p:cNvGrpSpPr/>
+          <p:nvPr/>
+        </p:nvGrpSpPr>
+        <p:grpSpPr>
+          <a:xfrm>
+            <a:off x="773832" y="5093976"/>
+            <a:ext cx="7596336" cy="927312"/>
+            <a:chOff x="-90264" y="5661248"/>
+            <a:chExt cx="7596336" cy="927312"/>
+          </a:xfrm>
+        </p:grpSpPr>
+        <p:sp>
+          <p:nvSpPr>
+            <p:cNvPr id="40" name="직사각형 39"/>
+            <p:cNvSpPr/>
+            <p:nvPr/>
+          </p:nvSpPr>
+          <p:spPr>
+            <a:xfrm>
+              <a:off x="-90264" y="5661248"/>
+              <a:ext cx="7596336" cy="927312"/>
+            </a:xfrm>
+            <a:prstGeom prst="rect">
+              <a:avLst/>
+            </a:prstGeom>
+            <a:solidFill>
+              <a:schemeClr val="tx1">
+                <a:alpha val="73000"/>
+              </a:schemeClr>
+            </a:solidFill>
+            <a:ln>
+              <a:noFill/>
+            </a:ln>
+          </p:spPr>
+          <p:style>
+            <a:lnRef idx="2">
+              <a:schemeClr val="accent1">
+                <a:shade val="50000"/>
+              </a:schemeClr>
+            </a:lnRef>
+            <a:fillRef idx="1">
+              <a:schemeClr val="accent1"/>
+            </a:fillRef>
+            <a:effectRef idx="0">
+              <a:schemeClr val="accent1"/>
+            </a:effectRef>
+            <a:fontRef idx="minor">
+              <a:schemeClr val="lt1"/>
+            </a:fontRef>
+          </p:style>
+          <p:txBody>
+            <a:bodyPr rtlCol="0" anchor="ctr"/>
+            <a:lstStyle/>
+            <a:p>
+              <a:pPr algn="ctr"/>
+              <a:endParaRPr lang="ko-KR" altLang="en-US"/>
+            </a:p>
+          </p:txBody>
+        </p:sp>
+        <p:sp>
+          <p:nvSpPr>
+            <p:cNvPr id="41" name="TextBox 40"/>
+            <p:cNvSpPr txBox="1"/>
+            <p:nvPr/>
+          </p:nvSpPr>
+          <p:spPr>
+            <a:xfrm>
+              <a:off x="443228" y="5694017"/>
+              <a:ext cx="6529352" cy="861774"/>
+            </a:xfrm>
+            <a:prstGeom prst="rect">
+              <a:avLst/>
+            </a:prstGeom>
+            <a:noFill/>
+          </p:spPr>
+          <p:txBody>
+            <a:bodyPr wrap="none" rtlCol="0" anchor="ctr">
+              <a:spAutoFit/>
+            </a:bodyPr>
+            <a:lstStyle/>
+            <a:p>
+              <a:r>
+                <a:rPr lang="ko-KR" altLang="en-US" sz="2500" smtClean="0">
+                  <a:solidFill>
+                    <a:schemeClr val="bg1"/>
+                  </a:solidFill>
+                  <a:latin typeface="에스코어 드림 8 Heavy" pitchFamily="34" charset="-127"/>
+                  <a:ea typeface="에스코어 드림 8 Heavy" pitchFamily="34" charset="-127"/>
+                </a:rPr>
+                <a:t>지속적인 성능향상이 가능한 </a:t>
+              </a:r>
+              <a:endParaRPr lang="en-US" altLang="ko-KR" sz="2500" smtClean="0">
+                <a:solidFill>
+                  <a:schemeClr val="bg1"/>
+                </a:solidFill>
+                <a:latin typeface="에스코어 드림 8 Heavy" pitchFamily="34" charset="-127"/>
+                <a:ea typeface="에스코어 드림 8 Heavy" pitchFamily="34" charset="-127"/>
+              </a:endParaRPr>
+            </a:p>
+            <a:p>
+              <a:r>
+                <a:rPr lang="en-US" altLang="ko-KR" sz="2500" smtClean="0">
+                  <a:solidFill>
+                    <a:schemeClr val="bg1"/>
+                  </a:solidFill>
+                  <a:latin typeface="에스코어 드림 8 Heavy" pitchFamily="34" charset="-127"/>
+                  <a:ea typeface="에스코어 드림 8 Heavy" pitchFamily="34" charset="-127"/>
+                </a:rPr>
+                <a:t>      			</a:t>
+              </a:r>
+              <a:r>
+                <a:rPr lang="ko-KR" altLang="en-US" sz="2500" smtClean="0">
+                  <a:solidFill>
+                    <a:schemeClr val="bg1"/>
+                  </a:solidFill>
+                  <a:latin typeface="에스코어 드림 8 Heavy" pitchFamily="34" charset="-127"/>
+                  <a:ea typeface="에스코어 드림 8 Heavy" pitchFamily="34" charset="-127"/>
+                </a:rPr>
+                <a:t>안드로이드 기반 감시체계</a:t>
+              </a:r>
+              <a:endParaRPr lang="ko-KR" altLang="en-US" sz="2000">
+                <a:solidFill>
+                  <a:schemeClr val="bg1"/>
+                </a:solidFill>
+                <a:latin typeface="에스코어 드림 8 Heavy" pitchFamily="34" charset="-127"/>
+                <a:ea typeface="에스코어 드림 8 Heavy" pitchFamily="34" charset="-127"/>
+              </a:endParaRPr>
+            </a:p>
+          </p:txBody>
+        </p:sp>
+      </p:grpSp>
+      <p:pic>
+        <p:nvPicPr>
+          <p:cNvPr id="5124" name="Picture 4" descr="C:\Users\Admin\Desktop\이미지\파베.jpg"/>
+          <p:cNvPicPr>
+            <a:picLocks noChangeAspect="1" noChangeArrowheads="1"/>
+          </p:cNvPicPr>
+          <p:nvPr/>
+        </p:nvPicPr>
+        <p:blipFill rotWithShape="1">
+          <a:blip r:embed="rId5">
+            <a:extLst>
+              <a:ext uri="{BEBA8EAE-BF5A-486C-A8C5-ECC9F3942E4B}">
+                <a14:imgProps xmlns:a14="http://schemas.microsoft.com/office/drawing/2010/main">
+                  <a14:imgLayer r:embed="rId6">
+                    <a14:imgEffect>
+                      <a14:backgroundRemoval t="6600" b="94200" l="17448" r="78516">
+                        <a14:foregroundMark x1="34505" y1="77600" x2="68880" y2="78200"/>
+                        <a14:foregroundMark x1="34245" y1="72600" x2="70052" y2="82000"/>
+                        <a14:foregroundMark x1="33724" y1="77000" x2="69531" y2="80800"/>
+                      </a14:backgroundRemoval>
+                    </a14:imgEffect>
+                  </a14:imgLayer>
+                </a14:imgProps>
+              </a:ext>
+              <a:ext uri="{28A0092B-C50C-407E-A947-70E740481C1C}">
+                <a14:useLocalDpi xmlns:a14="http://schemas.microsoft.com/office/drawing/2010/main" val="0"/>
+              </a:ext>
+            </a:extLst>
+          </a:blip>
+          <a:srcRect l="26562" t="11239" r="24349" b="10161"/>
+          <a:stretch/>
+        </p:blipFill>
+        <p:spPr bwMode="auto">
+          <a:xfrm>
+            <a:off x="6660232" y="3236515"/>
+            <a:ext cx="1712763" cy="1785453"/>
+          </a:xfrm>
+          <a:prstGeom prst="rect">
+            <a:avLst/>
+          </a:prstGeom>
+          <a:noFill/>
+          <a:extLst>
+            <a:ext uri="{909E8E84-426E-40DD-AFC4-6F175D3DCCD1}">
+              <a14:hiddenFill xmlns:a14="http://schemas.microsoft.com/office/drawing/2010/main">
+                <a:solidFill>
+                  <a:srgbClr val="FFFFFF"/>
+                </a:solidFill>
+              </a14:hiddenFill>
+            </a:ext>
+          </a:extLst>
+        </p:spPr>
+      </p:pic>
+      <p:pic>
+        <p:nvPicPr>
+          <p:cNvPr id="42" name="Picture 3" descr="C:\Users\Admin\Desktop\이미지\텐서.png"/>
+          <p:cNvPicPr>
+            <a:picLocks noChangeAspect="1" noChangeArrowheads="1"/>
+          </p:cNvPicPr>
+          <p:nvPr/>
+        </p:nvPicPr>
+        <p:blipFill rotWithShape="1">
+          <a:blip r:embed="rId2" cstate="print">
+            <a:extLst>
+              <a:ext uri="{28A0092B-C50C-407E-A947-70E740481C1C}">
+                <a14:useLocalDpi xmlns:a14="http://schemas.microsoft.com/office/drawing/2010/main" val="0"/>
+              </a:ext>
+            </a:extLst>
+          </a:blip>
+          <a:srcRect t="74659"/>
+          <a:stretch/>
+        </p:blipFill>
+        <p:spPr bwMode="auto">
+          <a:xfrm>
+            <a:off x="755839" y="4589920"/>
+            <a:ext cx="2103453" cy="341054"/>
+          </a:xfrm>
+          <a:prstGeom prst="rect">
+            <a:avLst/>
+          </a:prstGeom>
+          <a:noFill/>
+          <a:extLst>
+            <a:ext uri="{909E8E84-426E-40DD-AFC4-6F175D3DCCD1}">
+              <a14:hiddenFill xmlns:a14="http://schemas.microsoft.com/office/drawing/2010/main">
+                <a:solidFill>
+                  <a:srgbClr val="FFFFFF"/>
+                </a:solidFill>
+              </a14:hiddenFill>
+            </a:ext>
+          </a:extLst>
+        </p:spPr>
+      </p:pic>
+      <p:pic>
+        <p:nvPicPr>
+          <p:cNvPr id="5130" name="Picture 10" descr="C:\Users\Admin\Desktop\이미지\그림1.png"/>
+          <p:cNvPicPr>
+            <a:picLocks noChangeAspect="1" noChangeArrowheads="1"/>
+          </p:cNvPicPr>
+          <p:nvPr/>
+        </p:nvPicPr>
+        <p:blipFill>
+          <a:blip r:embed="rId7">
             <a:extLst>
               <a:ext uri="{28A0092B-C50C-407E-A947-70E740481C1C}">
                 <a14:useLocalDpi xmlns:a14="http://schemas.microsoft.com/office/drawing/2010/main" val="0"/>
@@ -5100,8 +7985,8 @@
         </p:blipFill>
         <p:spPr bwMode="auto">
           <a:xfrm>
-            <a:off x="701961" y="1052736"/>
-            <a:ext cx="3455988" cy="2350046"/>
+            <a:off x="1695789" y="1367934"/>
+            <a:ext cx="5722937" cy="4589463"/>
           </a:xfrm>
           <a:prstGeom prst="rect">
             <a:avLst/>
@@ -5118,129 +8003,10 @@
           </a:extLst>
         </p:spPr>
       </p:pic>
-      <p:pic>
-        <p:nvPicPr>
-          <p:cNvPr id="1028" name="Picture 4" descr="C:\Users\Admin\Desktop\캡처_3.PNG"/>
-          <p:cNvPicPr>
-            <a:picLocks noChangeAspect="1" noChangeArrowheads="1"/>
-          </p:cNvPicPr>
-          <p:nvPr/>
-        </p:nvPicPr>
-        <p:blipFill>
-          <a:blip r:embed="rId3">
-            <a:extLst>
-              <a:ext uri="{28A0092B-C50C-407E-A947-70E740481C1C}">
-                <a14:useLocalDpi xmlns:a14="http://schemas.microsoft.com/office/drawing/2010/main" val="0"/>
-              </a:ext>
-            </a:extLst>
-          </a:blip>
-          <a:srcRect/>
-          <a:stretch>
-            <a:fillRect/>
-          </a:stretch>
-        </p:blipFill>
-        <p:spPr bwMode="auto">
-          <a:xfrm rot="967477">
-            <a:off x="4176677" y="1759652"/>
-            <a:ext cx="4423569" cy="2728913"/>
-          </a:xfrm>
-          <a:prstGeom prst="rect">
-            <a:avLst/>
-          </a:prstGeom>
-          <a:noFill/>
-          <a:extLst>
-            <a:ext uri="{909E8E84-426E-40DD-AFC4-6F175D3DCCD1}">
-              <a14:hiddenFill xmlns:a14="http://schemas.microsoft.com/office/drawing/2010/main">
-                <a:solidFill>
-                  <a:srgbClr val="FFFFFF"/>
-                </a:solidFill>
-              </a14:hiddenFill>
-            </a:ext>
-          </a:extLst>
-        </p:spPr>
-      </p:pic>
-      <p:pic>
-        <p:nvPicPr>
-          <p:cNvPr id="1026" name="Picture 2" descr="C:\Users\Admin\Desktop\인구_1.PNG"/>
-          <p:cNvPicPr>
-            <a:picLocks noChangeAspect="1" noChangeArrowheads="1"/>
-          </p:cNvPicPr>
-          <p:nvPr/>
-        </p:nvPicPr>
-        <p:blipFill>
-          <a:blip r:embed="rId4">
-            <a:extLst>
-              <a:ext uri="{28A0092B-C50C-407E-A947-70E740481C1C}">
-                <a14:useLocalDpi xmlns:a14="http://schemas.microsoft.com/office/drawing/2010/main" val="0"/>
-              </a:ext>
-            </a:extLst>
-          </a:blip>
-          <a:srcRect/>
-          <a:stretch>
-            <a:fillRect/>
-          </a:stretch>
-        </p:blipFill>
-        <p:spPr bwMode="auto">
-          <a:xfrm rot="20524926">
-            <a:off x="2145178" y="1944456"/>
-            <a:ext cx="3153023" cy="3445176"/>
-          </a:xfrm>
-          <a:prstGeom prst="rect">
-            <a:avLst/>
-          </a:prstGeom>
-          <a:noFill/>
-          <a:extLst>
-            <a:ext uri="{909E8E84-426E-40DD-AFC4-6F175D3DCCD1}">
-              <a14:hiddenFill xmlns:a14="http://schemas.microsoft.com/office/drawing/2010/main">
-                <a:solidFill>
-                  <a:srgbClr val="FFFFFF"/>
-                </a:solidFill>
-              </a14:hiddenFill>
-            </a:ext>
-          </a:extLst>
-        </p:spPr>
-      </p:pic>
-      <p:sp>
-        <p:nvSpPr>
-          <p:cNvPr id="4" name="TextBox 3"/>
-          <p:cNvSpPr txBox="1"/>
-          <p:nvPr/>
-        </p:nvSpPr>
-        <p:spPr>
-          <a:xfrm>
-            <a:off x="197482" y="5867980"/>
-            <a:ext cx="8701421" cy="369332"/>
-          </a:xfrm>
-          <a:prstGeom prst="rect">
-            <a:avLst/>
-          </a:prstGeom>
-          <a:noFill/>
-        </p:spPr>
-        <p:txBody>
-          <a:bodyPr wrap="none" rtlCol="0">
-            <a:spAutoFit/>
-          </a:bodyPr>
-          <a:lstStyle/>
-          <a:p>
-            <a:pPr algn="ctr"/>
-            <a:r>
-              <a:rPr lang="ko-KR" altLang="en-US" dirty="0" smtClean="0">
-                <a:latin typeface="HY동녘M" pitchFamily="18" charset="-127"/>
-                <a:ea typeface="HY동녘M" pitchFamily="18" charset="-127"/>
-              </a:rPr>
-              <a:t>출산율 저하에 따른 입영 대상 자원의 감소로 현재와 같은 수준의 병력유지 불가능</a:t>
-            </a:r>
-            <a:endParaRPr lang="ko-KR" altLang="en-US" dirty="0">
-              <a:latin typeface="HY동녘M" pitchFamily="18" charset="-127"/>
-              <a:ea typeface="HY동녘M" pitchFamily="18" charset="-127"/>
-            </a:endParaRPr>
-          </a:p>
-        </p:txBody>
-      </p:sp>
     </p:spTree>
     <p:extLst>
       <p:ext uri="{BB962C8B-B14F-4D97-AF65-F5344CB8AC3E}">
-        <p14:creationId xmlns:p14="http://schemas.microsoft.com/office/powerpoint/2010/main" val="2146997212"/>
+        <p14:creationId xmlns:p14="http://schemas.microsoft.com/office/powerpoint/2010/main" val="2414668352"/>
       </p:ext>
     </p:extLst>
   </p:cSld>
@@ -5268,7 +8034,7 @@
                             </p:stCondLst>
                             <p:childTnLst>
                               <p:par>
-                                <p:cTn id="5" presetID="10" presetClass="entr" presetSubtype="0" fill="hold" grpId="0" nodeType="clickEffect">
+                                <p:cTn id="5" presetID="2" presetClass="entr" presetSubtype="9" fill="hold" nodeType="clickEffect">
                                   <p:stCondLst>
                                     <p:cond delay="0"/>
                                   </p:stCondLst>
@@ -5281,7 +8047,7 @@
                                           </p:stCondLst>
                                         </p:cTn>
                                         <p:tgtEl>
-                                          <p:spTgt spid="4"/>
+                                          <p:spTgt spid="5130"/>
                                         </p:tgtEl>
                                         <p:attrNameLst>
                                           <p:attrName>style.visibility</p:attrName>
@@ -5291,14 +8057,87 @@
                                         <p:strVal val="visible"/>
                                       </p:to>
                                     </p:set>
-                                    <p:animEffect transition="in" filter="fade">
+                                    <p:anim calcmode="lin" valueType="num">
+                                      <p:cBhvr additive="base">
+                                        <p:cTn id="7" dur="500" fill="hold"/>
+                                        <p:tgtEl>
+                                          <p:spTgt spid="5130"/>
+                                        </p:tgtEl>
+                                        <p:attrNameLst>
+                                          <p:attrName>ppt_x</p:attrName>
+                                        </p:attrNameLst>
+                                      </p:cBhvr>
+                                      <p:tavLst>
+                                        <p:tav tm="0">
+                                          <p:val>
+                                            <p:strVal val="0-#ppt_w/2"/>
+                                          </p:val>
+                                        </p:tav>
+                                        <p:tav tm="100000">
+                                          <p:val>
+                                            <p:strVal val="#ppt_x"/>
+                                          </p:val>
+                                        </p:tav>
+                                      </p:tavLst>
+                                    </p:anim>
+                                    <p:anim calcmode="lin" valueType="num">
+                                      <p:cBhvr additive="base">
+                                        <p:cTn id="8" dur="500" fill="hold"/>
+                                        <p:tgtEl>
+                                          <p:spTgt spid="5130"/>
+                                        </p:tgtEl>
+                                        <p:attrNameLst>
+                                          <p:attrName>ppt_y</p:attrName>
+                                        </p:attrNameLst>
+                                      </p:cBhvr>
+                                      <p:tavLst>
+                                        <p:tav tm="0">
+                                          <p:val>
+                                            <p:strVal val="0-#ppt_h/2"/>
+                                          </p:val>
+                                        </p:tav>
+                                        <p:tav tm="100000">
+                                          <p:val>
+                                            <p:strVal val="#ppt_y"/>
+                                          </p:val>
+                                        </p:tav>
+                                      </p:tavLst>
+                                    </p:anim>
+                                  </p:childTnLst>
+                                </p:cTn>
+                              </p:par>
+                            </p:childTnLst>
+                          </p:cTn>
+                        </p:par>
+                        <p:par>
+                          <p:cTn id="9" fill="hold">
+                            <p:stCondLst>
+                              <p:cond delay="500"/>
+                            </p:stCondLst>
+                            <p:childTnLst>
+                              <p:par>
+                                <p:cTn id="10" presetID="26" presetClass="emph" presetSubtype="0" fill="hold" nodeType="afterEffect">
+                                  <p:stCondLst>
+                                    <p:cond delay="0"/>
+                                  </p:stCondLst>
+                                  <p:childTnLst>
+                                    <p:animEffect transition="out" filter="fade">
                                       <p:cBhvr>
-                                        <p:cTn id="7" dur="500"/>
+                                        <p:cTn id="11" dur="500" tmFilter="0, 0; .2, .5; .8, .5; 1, 0"/>
                                         <p:tgtEl>
-                                          <p:spTgt spid="4"/>
+                                          <p:spTgt spid="5130"/>
                                         </p:tgtEl>
                                       </p:cBhvr>
                                     </p:animEffect>
+                                    <p:animScale>
+                                      <p:cBhvr>
+                                        <p:cTn id="12" dur="250" autoRev="1" fill="hold"/>
+                                        <p:tgtEl>
+                                          <p:spTgt spid="5130"/>
+                                        </p:tgtEl>
+                                      </p:cBhvr>
+                                      <p:by x="105000" y="105000"/>
+                                    </p:animScale>
                                   </p:childTnLst>
                                 </p:cTn>
                               </p:par>
@@ -5329,306 +8168,6 @@
         </p:cTn>
       </p:par>
     </p:tnLst>
-    <p:bldLst>
-      <p:bldP spid="4" grpId="0"/>
-    </p:bldLst>
-  </p:timing>
-</p:sld>
-</file>
-
-<file path=ppt/slides/slide7.xml><?xml version="1.0" encoding="utf-8"?>
-<p:sld xmlns:a="http://schemas.openxmlformats.org/drawingml/2006/main" xmlns:r="http://schemas.openxmlformats.org/officeDocument/2006/relationships" xmlns:p="http://schemas.openxmlformats.org/presentationml/2006/main">
-  <p:cSld>
-    <p:spTree>
-      <p:nvGrpSpPr>
-        <p:cNvPr id="1" name=""/>
-        <p:cNvGrpSpPr/>
-        <p:nvPr/>
-      </p:nvGrpSpPr>
-      <p:grpSpPr>
-        <a:xfrm>
-          <a:off x="0" y="0"/>
-          <a:ext cx="0" cy="0"/>
-          <a:chOff x="0" y="0"/>
-          <a:chExt cx="0" cy="0"/>
-        </a:xfrm>
-      </p:grpSpPr>
-      <p:pic>
-        <p:nvPicPr>
-          <p:cNvPr id="2050" name="Picture 2" descr="C:\Users\Admin\Desktop\경계_1.PNG"/>
-          <p:cNvPicPr>
-            <a:picLocks noChangeAspect="1" noChangeArrowheads="1"/>
-          </p:cNvPicPr>
-          <p:nvPr/>
-        </p:nvPicPr>
-        <p:blipFill>
-          <a:blip r:embed="rId2">
-            <a:extLst>
-              <a:ext uri="{28A0092B-C50C-407E-A947-70E740481C1C}">
-                <a14:useLocalDpi xmlns:a14="http://schemas.microsoft.com/office/drawing/2010/main" val="0"/>
-              </a:ext>
-            </a:extLst>
-          </a:blip>
-          <a:srcRect/>
-          <a:stretch>
-            <a:fillRect/>
-          </a:stretch>
-        </p:blipFill>
-        <p:spPr bwMode="auto">
-          <a:xfrm rot="716297">
-            <a:off x="4157029" y="1906465"/>
-            <a:ext cx="4032448" cy="2278640"/>
-          </a:xfrm>
-          <a:prstGeom prst="rect">
-            <a:avLst/>
-          </a:prstGeom>
-          <a:noFill/>
-          <a:extLst>
-            <a:ext uri="{909E8E84-426E-40DD-AFC4-6F175D3DCCD1}">
-              <a14:hiddenFill xmlns:a14="http://schemas.microsoft.com/office/drawing/2010/main">
-                <a:solidFill>
-                  <a:srgbClr val="FFFFFF"/>
-                </a:solidFill>
-              </a14:hiddenFill>
-            </a:ext>
-          </a:extLst>
-        </p:spPr>
-      </p:pic>
-      <p:pic>
-        <p:nvPicPr>
-          <p:cNvPr id="2052" name="Picture 4" descr="C:\Users\Admin\Desktop\경계_2.PNG"/>
-          <p:cNvPicPr>
-            <a:picLocks noChangeAspect="1" noChangeArrowheads="1"/>
-          </p:cNvPicPr>
-          <p:nvPr/>
-        </p:nvPicPr>
-        <p:blipFill>
-          <a:blip r:embed="rId3" cstate="print">
-            <a:extLst>
-              <a:ext uri="{28A0092B-C50C-407E-A947-70E740481C1C}">
-                <a14:useLocalDpi xmlns:a14="http://schemas.microsoft.com/office/drawing/2010/main" val="0"/>
-              </a:ext>
-            </a:extLst>
-          </a:blip>
-          <a:srcRect/>
-          <a:stretch>
-            <a:fillRect/>
-          </a:stretch>
-        </p:blipFill>
-        <p:spPr bwMode="auto">
-          <a:xfrm rot="20901103">
-            <a:off x="738844" y="1428679"/>
-            <a:ext cx="2923992" cy="3291020"/>
-          </a:xfrm>
-          <a:prstGeom prst="rect">
-            <a:avLst/>
-          </a:prstGeom>
-          <a:noFill/>
-          <a:extLst>
-            <a:ext uri="{909E8E84-426E-40DD-AFC4-6F175D3DCCD1}">
-              <a14:hiddenFill xmlns:a14="http://schemas.microsoft.com/office/drawing/2010/main">
-                <a:solidFill>
-                  <a:srgbClr val="FFFFFF"/>
-                </a:solidFill>
-              </a14:hiddenFill>
-            </a:ext>
-          </a:extLst>
-        </p:spPr>
-      </p:pic>
-      <p:pic>
-        <p:nvPicPr>
-          <p:cNvPr id="2053" name="Picture 5" descr="C:\Users\Admin\Desktop\경계_3.PNG"/>
-          <p:cNvPicPr>
-            <a:picLocks noChangeAspect="1" noChangeArrowheads="1"/>
-          </p:cNvPicPr>
-          <p:nvPr/>
-        </p:nvPicPr>
-        <p:blipFill>
-          <a:blip r:embed="rId4" cstate="print">
-            <a:extLst>
-              <a:ext uri="{28A0092B-C50C-407E-A947-70E740481C1C}">
-                <a14:useLocalDpi xmlns:a14="http://schemas.microsoft.com/office/drawing/2010/main" val="0"/>
-              </a:ext>
-            </a:extLst>
-          </a:blip>
-          <a:srcRect/>
-          <a:stretch>
-            <a:fillRect/>
-          </a:stretch>
-        </p:blipFill>
-        <p:spPr bwMode="auto">
-          <a:xfrm>
-            <a:off x="2843808" y="2894165"/>
-            <a:ext cx="3053315" cy="2595984"/>
-          </a:xfrm>
-          <a:prstGeom prst="rect">
-            <a:avLst/>
-          </a:prstGeom>
-          <a:noFill/>
-          <a:extLst>
-            <a:ext uri="{909E8E84-426E-40DD-AFC4-6F175D3DCCD1}">
-              <a14:hiddenFill xmlns:a14="http://schemas.microsoft.com/office/drawing/2010/main">
-                <a:solidFill>
-                  <a:srgbClr val="FFFFFF"/>
-                </a:solidFill>
-              </a14:hiddenFill>
-            </a:ext>
-          </a:extLst>
-        </p:spPr>
-      </p:pic>
-      <p:sp>
-        <p:nvSpPr>
-          <p:cNvPr id="7" name="TextBox 6"/>
-          <p:cNvSpPr txBox="1"/>
-          <p:nvPr/>
-        </p:nvSpPr>
-        <p:spPr>
-          <a:xfrm>
-            <a:off x="1387723" y="5794436"/>
-            <a:ext cx="6320962" cy="369332"/>
-          </a:xfrm>
-          <a:prstGeom prst="rect">
-            <a:avLst/>
-          </a:prstGeom>
-          <a:noFill/>
-        </p:spPr>
-        <p:txBody>
-          <a:bodyPr wrap="none" rtlCol="0">
-            <a:spAutoFit/>
-          </a:bodyPr>
-          <a:lstStyle/>
-          <a:p>
-            <a:pPr algn="ctr"/>
-            <a:r>
-              <a:rPr lang="ko-KR" altLang="en-US" dirty="0" err="1" smtClean="0">
-                <a:latin typeface="HY동녘M" pitchFamily="18" charset="-127"/>
-                <a:ea typeface="HY동녘M" pitchFamily="18" charset="-127"/>
-              </a:rPr>
-              <a:t>잇달은</a:t>
-            </a:r>
-            <a:r>
-              <a:rPr lang="ko-KR" altLang="en-US" dirty="0" smtClean="0">
-                <a:latin typeface="HY동녘M" pitchFamily="18" charset="-127"/>
-                <a:ea typeface="HY동녘M" pitchFamily="18" charset="-127"/>
-              </a:rPr>
-              <a:t> 경계 실패</a:t>
-            </a:r>
-            <a:r>
-              <a:rPr lang="en-US" altLang="ko-KR" dirty="0" smtClean="0">
-                <a:latin typeface="HY동녘M" pitchFamily="18" charset="-127"/>
-                <a:ea typeface="HY동녘M" pitchFamily="18" charset="-127"/>
-              </a:rPr>
-              <a:t>.. </a:t>
-            </a:r>
-            <a:r>
-              <a:rPr lang="ko-KR" altLang="en-US" dirty="0" smtClean="0">
-                <a:latin typeface="HY동녘M" pitchFamily="18" charset="-127"/>
-                <a:ea typeface="HY동녘M" pitchFamily="18" charset="-127"/>
-              </a:rPr>
-              <a:t>전 경계구역에 도입 가능한 개선책 필요</a:t>
-            </a:r>
-            <a:endParaRPr lang="ko-KR" altLang="en-US" dirty="0">
-              <a:latin typeface="HY동녘M" pitchFamily="18" charset="-127"/>
-              <a:ea typeface="HY동녘M" pitchFamily="18" charset="-127"/>
-            </a:endParaRPr>
-          </a:p>
-        </p:txBody>
-      </p:sp>
-    </p:spTree>
-    <p:extLst>
-      <p:ext uri="{BB962C8B-B14F-4D97-AF65-F5344CB8AC3E}">
-        <p14:creationId xmlns:p14="http://schemas.microsoft.com/office/powerpoint/2010/main" val="3224541707"/>
-      </p:ext>
-    </p:extLst>
-  </p:cSld>
-  <p:clrMapOvr>
-    <a:masterClrMapping/>
-  </p:clrMapOvr>
-  <p:timing>
-    <p:tnLst>
-      <p:par>
-        <p:cTn id="1" dur="indefinite" restart="never" nodeType="tmRoot">
-          <p:childTnLst>
-            <p:seq concurrent="1" nextAc="seek">
-              <p:cTn id="2" dur="indefinite" nodeType="mainSeq">
-                <p:childTnLst>
-                  <p:par>
-                    <p:cTn id="3" fill="hold">
-                      <p:stCondLst>
-                        <p:cond delay="indefinite"/>
-                      </p:stCondLst>
-                      <p:childTnLst>
-                        <p:par>
-                          <p:cTn id="4" fill="hold">
-                            <p:stCondLst>
-                              <p:cond delay="0"/>
-                            </p:stCondLst>
-                            <p:childTnLst>
-                              <p:par>
-                                <p:cTn id="5" presetID="10" presetClass="entr" presetSubtype="0" fill="hold" grpId="0" nodeType="clickEffect">
-                                  <p:stCondLst>
-                                    <p:cond delay="0"/>
-                                  </p:stCondLst>
-                                  <p:childTnLst>
-                                    <p:set>
-                                      <p:cBhvr>
-                                        <p:cTn id="6" dur="1" fill="hold">
-                                          <p:stCondLst>
-                                            <p:cond delay="0"/>
-                                          </p:stCondLst>
-                                        </p:cTn>
-                                        <p:tgtEl>
-                                          <p:spTgt spid="7"/>
-                                        </p:tgtEl>
-                                        <p:attrNameLst>
-                                          <p:attrName>style.visibility</p:attrName>
-                                        </p:attrNameLst>
-                                      </p:cBhvr>
-                                      <p:to>
-                                        <p:strVal val="visible"/>
-                                      </p:to>
-                                    </p:set>
-                                    <p:animEffect transition="in" filter="fade">
-                                      <p:cBhvr>
-                                        <p:cTn id="7" dur="500"/>
-                                        <p:tgtEl>
-                                          <p:spTgt spid="7"/>
-                                        </p:tgtEl>
-                                      </p:cBhvr>
-                                    </p:animEffect>
-                                  </p:childTnLst>
-                                </p:cTn>
-                              </p:par>
-                            </p:childTnLst>
-                          </p:cTn>
-                        </p:par>
-                      </p:childTnLst>
-                    </p:cTn>
-                  </p:par>
-                </p:childTnLst>
-              </p:cTn>
-              <p:prevCondLst>
-                <p:cond evt="onPrev" delay="0">
-                  <p:tgtEl>
-                    <p:sldTgt/>
-                  </p:tgtEl>
-                </p:cond>
-              </p:prevCondLst>
-              <p:nextCondLst>
-                <p:cond evt="onNext" delay="0">
-                  <p:tgtEl>
-                    <p:sldTgt/>
-                  </p:tgtEl>
-                </p:cond>
-              </p:nextCondLst>
-            </p:seq>
-          </p:childTnLst>
-        </p:cTn>
-      </p:par>
-    </p:tnLst>
-    <p:bldLst>
-      <p:bldP spid="7" grpId="0"/>
-    </p:bldLst>
   </p:timing>
 </p:sld>
 </file>
@@ -5650,28 +8189,1340 @@
           <a:chExt cx="0" cy="0"/>
         </a:xfrm>
       </p:grpSpPr>
+      <p:pic>
+        <p:nvPicPr>
+          <p:cNvPr id="6152" name="Picture 8" descr="C:\Users\Admin\Desktop\이미지\네트.png"/>
+          <p:cNvPicPr>
+            <a:picLocks noChangeAspect="1" noChangeArrowheads="1"/>
+          </p:cNvPicPr>
+          <p:nvPr/>
+        </p:nvPicPr>
+        <p:blipFill>
+          <a:blip r:embed="rId2">
+            <a:extLst>
+              <a:ext uri="{28A0092B-C50C-407E-A947-70E740481C1C}">
+                <a14:useLocalDpi xmlns:a14="http://schemas.microsoft.com/office/drawing/2010/main" val="0"/>
+              </a:ext>
+            </a:extLst>
+          </a:blip>
+          <a:srcRect/>
+          <a:stretch>
+            <a:fillRect/>
+          </a:stretch>
+        </p:blipFill>
+        <p:spPr bwMode="auto">
+          <a:xfrm>
+            <a:off x="971600" y="1100257"/>
+            <a:ext cx="7491375" cy="5400033"/>
+          </a:xfrm>
+          <a:prstGeom prst="rect">
+            <a:avLst/>
+          </a:prstGeom>
+          <a:noFill/>
+          <a:extLst>
+            <a:ext uri="{909E8E84-426E-40DD-AFC4-6F175D3DCCD1}">
+              <a14:hiddenFill xmlns:a14="http://schemas.microsoft.com/office/drawing/2010/main">
+                <a:solidFill>
+                  <a:srgbClr val="FFFFFF"/>
+                </a:solidFill>
+              </a14:hiddenFill>
+            </a:ext>
+          </a:extLst>
+        </p:spPr>
+      </p:pic>
+      <p:pic>
+        <p:nvPicPr>
+          <p:cNvPr id="3075" name="Picture 3" descr="C:\Users\Admin\Downloads\군인.png"/>
+          <p:cNvPicPr>
+            <a:picLocks noChangeAspect="1" noChangeArrowheads="1"/>
+          </p:cNvPicPr>
+          <p:nvPr/>
+        </p:nvPicPr>
+        <p:blipFill>
+          <a:blip r:embed="rId3" cstate="print">
+            <a:extLst>
+              <a:ext uri="{28A0092B-C50C-407E-A947-70E740481C1C}">
+                <a14:useLocalDpi xmlns:a14="http://schemas.microsoft.com/office/drawing/2010/main" val="0"/>
+              </a:ext>
+            </a:extLst>
+          </a:blip>
+          <a:srcRect/>
+          <a:stretch>
+            <a:fillRect/>
+          </a:stretch>
+        </p:blipFill>
+        <p:spPr bwMode="auto">
+          <a:xfrm>
+            <a:off x="-4212976" y="1937177"/>
+            <a:ext cx="2168482" cy="1940446"/>
+          </a:xfrm>
+          <a:prstGeom prst="rect">
+            <a:avLst/>
+          </a:prstGeom>
+          <a:noFill/>
+          <a:extLst>
+            <a:ext uri="{909E8E84-426E-40DD-AFC4-6F175D3DCCD1}">
+              <a14:hiddenFill xmlns:a14="http://schemas.microsoft.com/office/drawing/2010/main">
+                <a:solidFill>
+                  <a:srgbClr val="FFFFFF"/>
+                </a:solidFill>
+              </a14:hiddenFill>
+            </a:ext>
+          </a:extLst>
+        </p:spPr>
+      </p:pic>
       <p:sp>
         <p:nvSpPr>
-          <p:cNvPr id="2" name="제목 1"/>
-          <p:cNvSpPr>
-            <a:spLocks noGrp="1"/>
-          </p:cNvSpPr>
-          <p:nvPr>
-            <p:ph type="title"/>
-          </p:nvPr>
+          <p:cNvPr id="10" name="TextBox 9"/>
+          <p:cNvSpPr txBox="1"/>
+          <p:nvPr/>
         </p:nvSpPr>
-        <p:spPr/>
+        <p:spPr>
+          <a:xfrm>
+            <a:off x="107504" y="620688"/>
+            <a:ext cx="2153154" cy="707886"/>
+          </a:xfrm>
+          <a:prstGeom prst="rect">
+            <a:avLst/>
+          </a:prstGeom>
+          <a:noFill/>
+        </p:spPr>
         <p:txBody>
-          <a:bodyPr/>
+          <a:bodyPr wrap="none" rtlCol="0" anchor="ctr">
+            <a:spAutoFit/>
+          </a:bodyPr>
           <a:lstStyle/>
           <a:p>
-            <a:endParaRPr lang="ko-KR" altLang="en-US" dirty="0"/>
+            <a:r>
+              <a:rPr lang="ko-KR" altLang="en-US" sz="4000" smtClean="0">
+                <a:solidFill>
+                  <a:srgbClr val="3A3C75"/>
+                </a:solidFill>
+                <a:latin typeface="에스코어 드림 8 Heavy" pitchFamily="34" charset="-127"/>
+                <a:ea typeface="에스코어 드림 8 Heavy" pitchFamily="34" charset="-127"/>
+              </a:rPr>
+              <a:t>구성요</a:t>
+            </a:r>
+            <a:r>
+              <a:rPr lang="ko-KR" altLang="en-US" sz="4000">
+                <a:solidFill>
+                  <a:srgbClr val="3A3C75"/>
+                </a:solidFill>
+                <a:latin typeface="에스코어 드림 8 Heavy" pitchFamily="34" charset="-127"/>
+                <a:ea typeface="에스코어 드림 8 Heavy" pitchFamily="34" charset="-127"/>
+              </a:rPr>
+              <a:t>소</a:t>
+            </a:r>
+            <a:endParaRPr lang="ko-KR" altLang="en-US" sz="4000">
+              <a:solidFill>
+                <a:srgbClr val="3A3C75"/>
+              </a:solidFill>
+              <a:latin typeface="에스코어 드림 8 Heavy" pitchFamily="34" charset="-127"/>
+              <a:ea typeface="에스코어 드림 8 Heavy" pitchFamily="34" charset="-127"/>
+            </a:endParaRPr>
           </a:p>
         </p:txBody>
       </p:sp>
       <p:pic>
         <p:nvPicPr>
-          <p:cNvPr id="3075" name="Picture 3" descr="C:\Users\Admin\Downloads\군인.png"/>
+          <p:cNvPr id="6149" name="Picture 5" descr="C:\Users\Admin\Desktop\이미지\cctv1.jpg"/>
+          <p:cNvPicPr>
+            <a:picLocks noChangeAspect="1" noChangeArrowheads="1"/>
+          </p:cNvPicPr>
+          <p:nvPr/>
+        </p:nvPicPr>
+        <p:blipFill>
+          <a:blip r:embed="rId4" cstate="print">
+            <a:extLst>
+              <a:ext uri="{28A0092B-C50C-407E-A947-70E740481C1C}">
+                <a14:useLocalDpi xmlns:a14="http://schemas.microsoft.com/office/drawing/2010/main" val="0"/>
+              </a:ext>
+            </a:extLst>
+          </a:blip>
+          <a:srcRect/>
+          <a:stretch>
+            <a:fillRect/>
+          </a:stretch>
+        </p:blipFill>
+        <p:spPr bwMode="auto">
+          <a:xfrm>
+            <a:off x="6444702" y="3717032"/>
+            <a:ext cx="864096" cy="864096"/>
+          </a:xfrm>
+          <a:prstGeom prst="rect">
+            <a:avLst/>
+          </a:prstGeom>
+          <a:noFill/>
+          <a:extLst>
+            <a:ext uri="{909E8E84-426E-40DD-AFC4-6F175D3DCCD1}">
+              <a14:hiddenFill xmlns:a14="http://schemas.microsoft.com/office/drawing/2010/main">
+                <a:solidFill>
+                  <a:srgbClr val="FFFFFF"/>
+                </a:solidFill>
+              </a14:hiddenFill>
+            </a:ext>
+          </a:extLst>
+        </p:spPr>
+      </p:pic>
+      <p:grpSp>
+        <p:nvGrpSpPr>
+          <p:cNvPr id="19" name="그룹 18"/>
+          <p:cNvGrpSpPr/>
+          <p:nvPr/>
+        </p:nvGrpSpPr>
+        <p:grpSpPr>
+          <a:xfrm>
+            <a:off x="2917438" y="5175754"/>
+            <a:ext cx="772709" cy="1135847"/>
+            <a:chOff x="774955" y="1556792"/>
+            <a:chExt cx="1342720" cy="1810269"/>
+          </a:xfrm>
+        </p:grpSpPr>
+        <p:pic>
+          <p:nvPicPr>
+            <p:cNvPr id="20" name="Picture 7" descr="C:\Users\Admin\Desktop\이미지\스마트폰.png"/>
+            <p:cNvPicPr>
+              <a:picLocks noChangeAspect="1" noChangeArrowheads="1"/>
+            </p:cNvPicPr>
+            <p:nvPr/>
+          </p:nvPicPr>
+          <p:blipFill rotWithShape="1">
+            <a:blip r:embed="rId5" cstate="print">
+              <a:extLst>
+                <a:ext uri="{BEBA8EAE-BF5A-486C-A8C5-ECC9F3942E4B}">
+                  <a14:imgProps xmlns:a14="http://schemas.microsoft.com/office/drawing/2010/main">
+                    <a14:imgLayer r:embed="rId6">
+                      <a14:imgEffect>
+                        <a14:backgroundRemoval t="6806" b="90000" l="9954" r="95370"/>
+                      </a14:imgEffect>
+                    </a14:imgLayer>
+                  </a14:imgProps>
+                </a:ext>
+                <a:ext uri="{28A0092B-C50C-407E-A947-70E740481C1C}">
+                  <a14:useLocalDpi xmlns:a14="http://schemas.microsoft.com/office/drawing/2010/main" val="0"/>
+                </a:ext>
+              </a:extLst>
+            </a:blip>
+            <a:srcRect l="48920" t="7916" b="9444"/>
+            <a:stretch/>
+          </p:blipFill>
+          <p:spPr bwMode="auto">
+            <a:xfrm>
+              <a:off x="774955" y="1556792"/>
+              <a:ext cx="1342720" cy="1810269"/>
+            </a:xfrm>
+            <a:prstGeom prst="rect">
+              <a:avLst/>
+            </a:prstGeom>
+            <a:noFill/>
+            <a:extLst>
+              <a:ext uri="{909E8E84-426E-40DD-AFC4-6F175D3DCCD1}">
+                <a14:hiddenFill xmlns:a14="http://schemas.microsoft.com/office/drawing/2010/main">
+                  <a:solidFill>
+                    <a:srgbClr val="FFFFFF"/>
+                  </a:solidFill>
+                </a14:hiddenFill>
+              </a:ext>
+            </a:extLst>
+          </p:spPr>
+        </p:pic>
+        <p:pic>
+          <p:nvPicPr>
+            <p:cNvPr id="21" name="Picture 6" descr="C:\Users\Admin\Desktop\이미지\cctv-svg-2.png"/>
+            <p:cNvPicPr>
+              <a:picLocks noChangeAspect="1" noChangeArrowheads="1"/>
+            </p:cNvPicPr>
+            <p:nvPr/>
+          </p:nvPicPr>
+          <p:blipFill>
+            <a:blip r:embed="rId7" cstate="print">
+              <a:extLst>
+                <a:ext uri="{BEBA8EAE-BF5A-486C-A8C5-ECC9F3942E4B}">
+                  <a14:imgProps xmlns:a14="http://schemas.microsoft.com/office/drawing/2010/main">
+                    <a14:imgLayer r:embed="rId8">
+                      <a14:imgEffect>
+                        <a14:backgroundRemoval t="0" b="100000" l="0" r="100000">
+                          <a14:foregroundMark x1="49902" y1="62207" x2="49902" y2="62207"/>
+                          <a14:foregroundMark x1="50000" y1="59473" x2="48633" y2="63477"/>
+                          <a14:foregroundMark x1="46387" y1="56055" x2="53516" y2="63477"/>
+                        </a14:backgroundRemoval>
+                      </a14:imgEffect>
+                    </a14:imgLayer>
+                  </a14:imgProps>
+                </a:ext>
+                <a:ext uri="{28A0092B-C50C-407E-A947-70E740481C1C}">
+                  <a14:useLocalDpi xmlns:a14="http://schemas.microsoft.com/office/drawing/2010/main" val="0"/>
+                </a:ext>
+              </a:extLst>
+            </a:blip>
+            <a:srcRect/>
+            <a:stretch>
+              <a:fillRect/>
+            </a:stretch>
+          </p:blipFill>
+          <p:spPr bwMode="auto">
+            <a:xfrm>
+              <a:off x="1126707" y="1940983"/>
+              <a:ext cx="639216" cy="639216"/>
+            </a:xfrm>
+            <a:prstGeom prst="rect">
+              <a:avLst/>
+            </a:prstGeom>
+            <a:noFill/>
+            <a:extLst>
+              <a:ext uri="{909E8E84-426E-40DD-AFC4-6F175D3DCCD1}">
+                <a14:hiddenFill xmlns:a14="http://schemas.microsoft.com/office/drawing/2010/main">
+                  <a:solidFill>
+                    <a:srgbClr val="FFFFFF"/>
+                  </a:solidFill>
+                </a14:hiddenFill>
+              </a:ext>
+            </a:extLst>
+          </p:spPr>
+        </p:pic>
+      </p:grpSp>
+      <p:grpSp>
+        <p:nvGrpSpPr>
+          <p:cNvPr id="25" name="그룹 24"/>
+          <p:cNvGrpSpPr/>
+          <p:nvPr/>
+        </p:nvGrpSpPr>
+        <p:grpSpPr>
+          <a:xfrm>
+            <a:off x="6698123" y="5301208"/>
+            <a:ext cx="772709" cy="1135847"/>
+            <a:chOff x="774955" y="1556792"/>
+            <a:chExt cx="1342720" cy="1810269"/>
+          </a:xfrm>
+        </p:grpSpPr>
+        <p:pic>
+          <p:nvPicPr>
+            <p:cNvPr id="26" name="Picture 7" descr="C:\Users\Admin\Desktop\이미지\스마트폰.png"/>
+            <p:cNvPicPr>
+              <a:picLocks noChangeAspect="1" noChangeArrowheads="1"/>
+            </p:cNvPicPr>
+            <p:nvPr/>
+          </p:nvPicPr>
+          <p:blipFill rotWithShape="1">
+            <a:blip r:embed="rId5" cstate="print">
+              <a:extLst>
+                <a:ext uri="{BEBA8EAE-BF5A-486C-A8C5-ECC9F3942E4B}">
+                  <a14:imgProps xmlns:a14="http://schemas.microsoft.com/office/drawing/2010/main">
+                    <a14:imgLayer r:embed="rId6">
+                      <a14:imgEffect>
+                        <a14:backgroundRemoval t="6806" b="90000" l="9954" r="95370"/>
+                      </a14:imgEffect>
+                    </a14:imgLayer>
+                  </a14:imgProps>
+                </a:ext>
+                <a:ext uri="{28A0092B-C50C-407E-A947-70E740481C1C}">
+                  <a14:useLocalDpi xmlns:a14="http://schemas.microsoft.com/office/drawing/2010/main" val="0"/>
+                </a:ext>
+              </a:extLst>
+            </a:blip>
+            <a:srcRect l="48920" t="7916" b="9444"/>
+            <a:stretch/>
+          </p:blipFill>
+          <p:spPr bwMode="auto">
+            <a:xfrm>
+              <a:off x="774955" y="1556792"/>
+              <a:ext cx="1342720" cy="1810269"/>
+            </a:xfrm>
+            <a:prstGeom prst="rect">
+              <a:avLst/>
+            </a:prstGeom>
+            <a:noFill/>
+            <a:extLst>
+              <a:ext uri="{909E8E84-426E-40DD-AFC4-6F175D3DCCD1}">
+                <a14:hiddenFill xmlns:a14="http://schemas.microsoft.com/office/drawing/2010/main">
+                  <a:solidFill>
+                    <a:srgbClr val="FFFFFF"/>
+                  </a:solidFill>
+                </a14:hiddenFill>
+              </a:ext>
+            </a:extLst>
+          </p:spPr>
+        </p:pic>
+        <p:pic>
+          <p:nvPicPr>
+            <p:cNvPr id="27" name="Picture 6" descr="C:\Users\Admin\Desktop\이미지\cctv-svg-2.png"/>
+            <p:cNvPicPr>
+              <a:picLocks noChangeAspect="1" noChangeArrowheads="1"/>
+            </p:cNvPicPr>
+            <p:nvPr/>
+          </p:nvPicPr>
+          <p:blipFill>
+            <a:blip r:embed="rId7" cstate="print">
+              <a:extLst>
+                <a:ext uri="{BEBA8EAE-BF5A-486C-A8C5-ECC9F3942E4B}">
+                  <a14:imgProps xmlns:a14="http://schemas.microsoft.com/office/drawing/2010/main">
+                    <a14:imgLayer r:embed="rId8">
+                      <a14:imgEffect>
+                        <a14:backgroundRemoval t="0" b="100000" l="0" r="100000">
+                          <a14:foregroundMark x1="49902" y1="62207" x2="49902" y2="62207"/>
+                          <a14:foregroundMark x1="50000" y1="59473" x2="48633" y2="63477"/>
+                          <a14:foregroundMark x1="46387" y1="56055" x2="53516" y2="63477"/>
+                        </a14:backgroundRemoval>
+                      </a14:imgEffect>
+                    </a14:imgLayer>
+                  </a14:imgProps>
+                </a:ext>
+                <a:ext uri="{28A0092B-C50C-407E-A947-70E740481C1C}">
+                  <a14:useLocalDpi xmlns:a14="http://schemas.microsoft.com/office/drawing/2010/main" val="0"/>
+                </a:ext>
+              </a:extLst>
+            </a:blip>
+            <a:srcRect/>
+            <a:stretch>
+              <a:fillRect/>
+            </a:stretch>
+          </p:blipFill>
+          <p:spPr bwMode="auto">
+            <a:xfrm>
+              <a:off x="1126707" y="1940983"/>
+              <a:ext cx="639216" cy="639216"/>
+            </a:xfrm>
+            <a:prstGeom prst="rect">
+              <a:avLst/>
+            </a:prstGeom>
+            <a:noFill/>
+            <a:extLst>
+              <a:ext uri="{909E8E84-426E-40DD-AFC4-6F175D3DCCD1}">
+                <a14:hiddenFill xmlns:a14="http://schemas.microsoft.com/office/drawing/2010/main">
+                  <a:solidFill>
+                    <a:srgbClr val="FFFFFF"/>
+                  </a:solidFill>
+                </a14:hiddenFill>
+              </a:ext>
+            </a:extLst>
+          </p:spPr>
+        </p:pic>
+      </p:grpSp>
+      <p:grpSp>
+        <p:nvGrpSpPr>
+          <p:cNvPr id="28" name="그룹 27"/>
+          <p:cNvGrpSpPr/>
+          <p:nvPr/>
+        </p:nvGrpSpPr>
+        <p:grpSpPr>
+          <a:xfrm>
+            <a:off x="3690147" y="760650"/>
+            <a:ext cx="772709" cy="1135847"/>
+            <a:chOff x="774955" y="1556792"/>
+            <a:chExt cx="1342720" cy="1810269"/>
+          </a:xfrm>
+        </p:grpSpPr>
+        <p:pic>
+          <p:nvPicPr>
+            <p:cNvPr id="29" name="Picture 7" descr="C:\Users\Admin\Desktop\이미지\스마트폰.png"/>
+            <p:cNvPicPr>
+              <a:picLocks noChangeAspect="1" noChangeArrowheads="1"/>
+            </p:cNvPicPr>
+            <p:nvPr/>
+          </p:nvPicPr>
+          <p:blipFill rotWithShape="1">
+            <a:blip r:embed="rId5" cstate="print">
+              <a:extLst>
+                <a:ext uri="{BEBA8EAE-BF5A-486C-A8C5-ECC9F3942E4B}">
+                  <a14:imgProps xmlns:a14="http://schemas.microsoft.com/office/drawing/2010/main">
+                    <a14:imgLayer r:embed="rId6">
+                      <a14:imgEffect>
+                        <a14:backgroundRemoval t="6806" b="90000" l="9954" r="95370"/>
+                      </a14:imgEffect>
+                    </a14:imgLayer>
+                  </a14:imgProps>
+                </a:ext>
+                <a:ext uri="{28A0092B-C50C-407E-A947-70E740481C1C}">
+                  <a14:useLocalDpi xmlns:a14="http://schemas.microsoft.com/office/drawing/2010/main" val="0"/>
+                </a:ext>
+              </a:extLst>
+            </a:blip>
+            <a:srcRect l="48920" t="7916" b="9444"/>
+            <a:stretch/>
+          </p:blipFill>
+          <p:spPr bwMode="auto">
+            <a:xfrm>
+              <a:off x="774955" y="1556792"/>
+              <a:ext cx="1342720" cy="1810269"/>
+            </a:xfrm>
+            <a:prstGeom prst="rect">
+              <a:avLst/>
+            </a:prstGeom>
+            <a:noFill/>
+            <a:extLst>
+              <a:ext uri="{909E8E84-426E-40DD-AFC4-6F175D3DCCD1}">
+                <a14:hiddenFill xmlns:a14="http://schemas.microsoft.com/office/drawing/2010/main">
+                  <a:solidFill>
+                    <a:srgbClr val="FFFFFF"/>
+                  </a:solidFill>
+                </a14:hiddenFill>
+              </a:ext>
+            </a:extLst>
+          </p:spPr>
+        </p:pic>
+        <p:pic>
+          <p:nvPicPr>
+            <p:cNvPr id="30" name="Picture 6" descr="C:\Users\Admin\Desktop\이미지\cctv-svg-2.png"/>
+            <p:cNvPicPr>
+              <a:picLocks noChangeAspect="1" noChangeArrowheads="1"/>
+            </p:cNvPicPr>
+            <p:nvPr/>
+          </p:nvPicPr>
+          <p:blipFill>
+            <a:blip r:embed="rId7" cstate="print">
+              <a:extLst>
+                <a:ext uri="{BEBA8EAE-BF5A-486C-A8C5-ECC9F3942E4B}">
+                  <a14:imgProps xmlns:a14="http://schemas.microsoft.com/office/drawing/2010/main">
+                    <a14:imgLayer r:embed="rId8">
+                      <a14:imgEffect>
+                        <a14:backgroundRemoval t="0" b="100000" l="0" r="100000">
+                          <a14:foregroundMark x1="49902" y1="62207" x2="49902" y2="62207"/>
+                          <a14:foregroundMark x1="50000" y1="59473" x2="48633" y2="63477"/>
+                          <a14:foregroundMark x1="46387" y1="56055" x2="53516" y2="63477"/>
+                        </a14:backgroundRemoval>
+                      </a14:imgEffect>
+                    </a14:imgLayer>
+                  </a14:imgProps>
+                </a:ext>
+                <a:ext uri="{28A0092B-C50C-407E-A947-70E740481C1C}">
+                  <a14:useLocalDpi xmlns:a14="http://schemas.microsoft.com/office/drawing/2010/main" val="0"/>
+                </a:ext>
+              </a:extLst>
+            </a:blip>
+            <a:srcRect/>
+            <a:stretch>
+              <a:fillRect/>
+            </a:stretch>
+          </p:blipFill>
+          <p:spPr bwMode="auto">
+            <a:xfrm>
+              <a:off x="1126707" y="1940983"/>
+              <a:ext cx="639216" cy="639216"/>
+            </a:xfrm>
+            <a:prstGeom prst="rect">
+              <a:avLst/>
+            </a:prstGeom>
+            <a:noFill/>
+            <a:extLst>
+              <a:ext uri="{909E8E84-426E-40DD-AFC4-6F175D3DCCD1}">
+                <a14:hiddenFill xmlns:a14="http://schemas.microsoft.com/office/drawing/2010/main">
+                  <a:solidFill>
+                    <a:srgbClr val="FFFFFF"/>
+                  </a:solidFill>
+                </a14:hiddenFill>
+              </a:ext>
+            </a:extLst>
+          </p:spPr>
+        </p:pic>
+      </p:grpSp>
+      <p:pic>
+        <p:nvPicPr>
+          <p:cNvPr id="34" name="Picture 5" descr="C:\Users\Admin\Desktop\이미지\cctv1.jpg"/>
+          <p:cNvPicPr>
+            <a:picLocks noChangeAspect="1" noChangeArrowheads="1"/>
+          </p:cNvPicPr>
+          <p:nvPr/>
+        </p:nvPicPr>
+        <p:blipFill>
+          <a:blip r:embed="rId4" cstate="print">
+            <a:extLst>
+              <a:ext uri="{28A0092B-C50C-407E-A947-70E740481C1C}">
+                <a14:useLocalDpi xmlns:a14="http://schemas.microsoft.com/office/drawing/2010/main" val="0"/>
+              </a:ext>
+            </a:extLst>
+          </a:blip>
+          <a:srcRect/>
+          <a:stretch>
+            <a:fillRect/>
+          </a:stretch>
+        </p:blipFill>
+        <p:spPr bwMode="auto">
+          <a:xfrm flipH="1">
+            <a:off x="1176119" y="3431282"/>
+            <a:ext cx="864096" cy="864096"/>
+          </a:xfrm>
+          <a:prstGeom prst="rect">
+            <a:avLst/>
+          </a:prstGeom>
+          <a:noFill/>
+          <a:extLst>
+            <a:ext uri="{909E8E84-426E-40DD-AFC4-6F175D3DCCD1}">
+              <a14:hiddenFill xmlns:a14="http://schemas.microsoft.com/office/drawing/2010/main">
+                <a:solidFill>
+                  <a:srgbClr val="FFFFFF"/>
+                </a:solidFill>
+              </a14:hiddenFill>
+            </a:ext>
+          </a:extLst>
+        </p:spPr>
+      </p:pic>
+      <p:grpSp>
+        <p:nvGrpSpPr>
+          <p:cNvPr id="104" name="그룹 103"/>
+          <p:cNvGrpSpPr/>
+          <p:nvPr/>
+        </p:nvGrpSpPr>
+        <p:grpSpPr>
+          <a:xfrm>
+            <a:off x="1444740" y="4671723"/>
+            <a:ext cx="772709" cy="1135847"/>
+            <a:chOff x="774955" y="1556792"/>
+            <a:chExt cx="1342720" cy="1810269"/>
+          </a:xfrm>
+        </p:grpSpPr>
+        <p:pic>
+          <p:nvPicPr>
+            <p:cNvPr id="105" name="Picture 7" descr="C:\Users\Admin\Desktop\이미지\스마트폰.png"/>
+            <p:cNvPicPr>
+              <a:picLocks noChangeAspect="1" noChangeArrowheads="1"/>
+            </p:cNvPicPr>
+            <p:nvPr/>
+          </p:nvPicPr>
+          <p:blipFill rotWithShape="1">
+            <a:blip r:embed="rId5" cstate="print">
+              <a:extLst>
+                <a:ext uri="{BEBA8EAE-BF5A-486C-A8C5-ECC9F3942E4B}">
+                  <a14:imgProps xmlns:a14="http://schemas.microsoft.com/office/drawing/2010/main">
+                    <a14:imgLayer r:embed="rId6">
+                      <a14:imgEffect>
+                        <a14:backgroundRemoval t="6806" b="90000" l="9954" r="95370"/>
+                      </a14:imgEffect>
+                    </a14:imgLayer>
+                  </a14:imgProps>
+                </a:ext>
+                <a:ext uri="{28A0092B-C50C-407E-A947-70E740481C1C}">
+                  <a14:useLocalDpi xmlns:a14="http://schemas.microsoft.com/office/drawing/2010/main" val="0"/>
+                </a:ext>
+              </a:extLst>
+            </a:blip>
+            <a:srcRect l="48920" t="7916" b="9444"/>
+            <a:stretch/>
+          </p:blipFill>
+          <p:spPr bwMode="auto">
+            <a:xfrm>
+              <a:off x="774955" y="1556792"/>
+              <a:ext cx="1342720" cy="1810269"/>
+            </a:xfrm>
+            <a:prstGeom prst="rect">
+              <a:avLst/>
+            </a:prstGeom>
+            <a:noFill/>
+            <a:extLst>
+              <a:ext uri="{909E8E84-426E-40DD-AFC4-6F175D3DCCD1}">
+                <a14:hiddenFill xmlns:a14="http://schemas.microsoft.com/office/drawing/2010/main">
+                  <a:solidFill>
+                    <a:srgbClr val="FFFFFF"/>
+                  </a:solidFill>
+                </a14:hiddenFill>
+              </a:ext>
+            </a:extLst>
+          </p:spPr>
+        </p:pic>
+        <p:pic>
+          <p:nvPicPr>
+            <p:cNvPr id="106" name="Picture 6" descr="C:\Users\Admin\Desktop\이미지\cctv-svg-2.png"/>
+            <p:cNvPicPr>
+              <a:picLocks noChangeAspect="1" noChangeArrowheads="1"/>
+            </p:cNvPicPr>
+            <p:nvPr/>
+          </p:nvPicPr>
+          <p:blipFill>
+            <a:blip r:embed="rId7" cstate="print">
+              <a:extLst>
+                <a:ext uri="{BEBA8EAE-BF5A-486C-A8C5-ECC9F3942E4B}">
+                  <a14:imgProps xmlns:a14="http://schemas.microsoft.com/office/drawing/2010/main">
+                    <a14:imgLayer r:embed="rId8">
+                      <a14:imgEffect>
+                        <a14:backgroundRemoval t="0" b="100000" l="0" r="100000">
+                          <a14:foregroundMark x1="49902" y1="62207" x2="49902" y2="62207"/>
+                          <a14:foregroundMark x1="50000" y1="59473" x2="48633" y2="63477"/>
+                          <a14:foregroundMark x1="46387" y1="56055" x2="53516" y2="63477"/>
+                        </a14:backgroundRemoval>
+                      </a14:imgEffect>
+                    </a14:imgLayer>
+                  </a14:imgProps>
+                </a:ext>
+                <a:ext uri="{28A0092B-C50C-407E-A947-70E740481C1C}">
+                  <a14:useLocalDpi xmlns:a14="http://schemas.microsoft.com/office/drawing/2010/main" val="0"/>
+                </a:ext>
+              </a:extLst>
+            </a:blip>
+            <a:srcRect/>
+            <a:stretch>
+              <a:fillRect/>
+            </a:stretch>
+          </p:blipFill>
+          <p:spPr bwMode="auto">
+            <a:xfrm>
+              <a:off x="1126707" y="1940983"/>
+              <a:ext cx="639216" cy="639216"/>
+            </a:xfrm>
+            <a:prstGeom prst="rect">
+              <a:avLst/>
+            </a:prstGeom>
+            <a:noFill/>
+            <a:extLst>
+              <a:ext uri="{909E8E84-426E-40DD-AFC4-6F175D3DCCD1}">
+                <a14:hiddenFill xmlns:a14="http://schemas.microsoft.com/office/drawing/2010/main">
+                  <a:solidFill>
+                    <a:srgbClr val="FFFFFF"/>
+                  </a:solidFill>
+                </a14:hiddenFill>
+              </a:ext>
+            </a:extLst>
+          </p:spPr>
+        </p:pic>
+      </p:grpSp>
+      <p:grpSp>
+        <p:nvGrpSpPr>
+          <p:cNvPr id="107" name="그룹 106"/>
+          <p:cNvGrpSpPr/>
+          <p:nvPr/>
+        </p:nvGrpSpPr>
+        <p:grpSpPr>
+          <a:xfrm>
+            <a:off x="1595219" y="1882635"/>
+            <a:ext cx="772709" cy="1135847"/>
+            <a:chOff x="774955" y="1556792"/>
+            <a:chExt cx="1342720" cy="1810269"/>
+          </a:xfrm>
+        </p:grpSpPr>
+        <p:pic>
+          <p:nvPicPr>
+            <p:cNvPr id="108" name="Picture 7" descr="C:\Users\Admin\Desktop\이미지\스마트폰.png"/>
+            <p:cNvPicPr>
+              <a:picLocks noChangeAspect="1" noChangeArrowheads="1"/>
+            </p:cNvPicPr>
+            <p:nvPr/>
+          </p:nvPicPr>
+          <p:blipFill rotWithShape="1">
+            <a:blip r:embed="rId5" cstate="print">
+              <a:extLst>
+                <a:ext uri="{BEBA8EAE-BF5A-486C-A8C5-ECC9F3942E4B}">
+                  <a14:imgProps xmlns:a14="http://schemas.microsoft.com/office/drawing/2010/main">
+                    <a14:imgLayer r:embed="rId6">
+                      <a14:imgEffect>
+                        <a14:backgroundRemoval t="6806" b="90000" l="9954" r="95370"/>
+                      </a14:imgEffect>
+                    </a14:imgLayer>
+                  </a14:imgProps>
+                </a:ext>
+                <a:ext uri="{28A0092B-C50C-407E-A947-70E740481C1C}">
+                  <a14:useLocalDpi xmlns:a14="http://schemas.microsoft.com/office/drawing/2010/main" val="0"/>
+                </a:ext>
+              </a:extLst>
+            </a:blip>
+            <a:srcRect l="48920" t="7916" b="9444"/>
+            <a:stretch/>
+          </p:blipFill>
+          <p:spPr bwMode="auto">
+            <a:xfrm>
+              <a:off x="774955" y="1556792"/>
+              <a:ext cx="1342720" cy="1810269"/>
+            </a:xfrm>
+            <a:prstGeom prst="rect">
+              <a:avLst/>
+            </a:prstGeom>
+            <a:noFill/>
+            <a:extLst>
+              <a:ext uri="{909E8E84-426E-40DD-AFC4-6F175D3DCCD1}">
+                <a14:hiddenFill xmlns:a14="http://schemas.microsoft.com/office/drawing/2010/main">
+                  <a:solidFill>
+                    <a:srgbClr val="FFFFFF"/>
+                  </a:solidFill>
+                </a14:hiddenFill>
+              </a:ext>
+            </a:extLst>
+          </p:spPr>
+        </p:pic>
+        <p:pic>
+          <p:nvPicPr>
+            <p:cNvPr id="109" name="Picture 6" descr="C:\Users\Admin\Desktop\이미지\cctv-svg-2.png"/>
+            <p:cNvPicPr>
+              <a:picLocks noChangeAspect="1" noChangeArrowheads="1"/>
+            </p:cNvPicPr>
+            <p:nvPr/>
+          </p:nvPicPr>
+          <p:blipFill>
+            <a:blip r:embed="rId7" cstate="print">
+              <a:extLst>
+                <a:ext uri="{BEBA8EAE-BF5A-486C-A8C5-ECC9F3942E4B}">
+                  <a14:imgProps xmlns:a14="http://schemas.microsoft.com/office/drawing/2010/main">
+                    <a14:imgLayer r:embed="rId8">
+                      <a14:imgEffect>
+                        <a14:backgroundRemoval t="0" b="100000" l="0" r="100000">
+                          <a14:foregroundMark x1="49902" y1="62207" x2="49902" y2="62207"/>
+                          <a14:foregroundMark x1="50000" y1="59473" x2="48633" y2="63477"/>
+                          <a14:foregroundMark x1="46387" y1="56055" x2="53516" y2="63477"/>
+                        </a14:backgroundRemoval>
+                      </a14:imgEffect>
+                    </a14:imgLayer>
+                  </a14:imgProps>
+                </a:ext>
+                <a:ext uri="{28A0092B-C50C-407E-A947-70E740481C1C}">
+                  <a14:useLocalDpi xmlns:a14="http://schemas.microsoft.com/office/drawing/2010/main" val="0"/>
+                </a:ext>
+              </a:extLst>
+            </a:blip>
+            <a:srcRect/>
+            <a:stretch>
+              <a:fillRect/>
+            </a:stretch>
+          </p:blipFill>
+          <p:spPr bwMode="auto">
+            <a:xfrm>
+              <a:off x="1126707" y="1940983"/>
+              <a:ext cx="639216" cy="639216"/>
+            </a:xfrm>
+            <a:prstGeom prst="rect">
+              <a:avLst/>
+            </a:prstGeom>
+            <a:noFill/>
+            <a:extLst>
+              <a:ext uri="{909E8E84-426E-40DD-AFC4-6F175D3DCCD1}">
+                <a14:hiddenFill xmlns:a14="http://schemas.microsoft.com/office/drawing/2010/main">
+                  <a:solidFill>
+                    <a:srgbClr val="FFFFFF"/>
+                  </a:solidFill>
+                </a14:hiddenFill>
+              </a:ext>
+            </a:extLst>
+          </p:spPr>
+        </p:pic>
+      </p:grpSp>
+      <p:grpSp>
+        <p:nvGrpSpPr>
+          <p:cNvPr id="86" name="그룹 85"/>
+          <p:cNvGrpSpPr/>
+          <p:nvPr/>
+        </p:nvGrpSpPr>
+        <p:grpSpPr>
+          <a:xfrm>
+            <a:off x="6831056" y="4407723"/>
+            <a:ext cx="1973617" cy="527999"/>
+            <a:chOff x="7677999" y="3621080"/>
+            <a:chExt cx="1973617" cy="527999"/>
+          </a:xfrm>
+        </p:grpSpPr>
+        <p:sp>
+          <p:nvSpPr>
+            <p:cNvPr id="110" name="직사각형 109"/>
+            <p:cNvSpPr/>
+            <p:nvPr/>
+          </p:nvSpPr>
+          <p:spPr>
+            <a:xfrm>
+              <a:off x="7678000" y="3621080"/>
+              <a:ext cx="1973616" cy="527999"/>
+            </a:xfrm>
+            <a:prstGeom prst="rect">
+              <a:avLst/>
+            </a:prstGeom>
+            <a:solidFill>
+              <a:schemeClr val="tx1">
+                <a:alpha val="73000"/>
+              </a:schemeClr>
+            </a:solidFill>
+            <a:ln>
+              <a:noFill/>
+            </a:ln>
+          </p:spPr>
+          <p:style>
+            <a:lnRef idx="2">
+              <a:schemeClr val="accent1">
+                <a:shade val="50000"/>
+              </a:schemeClr>
+            </a:lnRef>
+            <a:fillRef idx="1">
+              <a:schemeClr val="accent1"/>
+            </a:fillRef>
+            <a:effectRef idx="0">
+              <a:schemeClr val="accent1"/>
+            </a:effectRef>
+            <a:fontRef idx="minor">
+              <a:schemeClr val="lt1"/>
+            </a:fontRef>
+          </p:style>
+          <p:txBody>
+            <a:bodyPr rtlCol="0" anchor="ctr"/>
+            <a:lstStyle/>
+            <a:p>
+              <a:pPr algn="ctr"/>
+              <a:endParaRPr lang="ko-KR" altLang="en-US"/>
+            </a:p>
+          </p:txBody>
+        </p:sp>
+        <p:sp>
+          <p:nvSpPr>
+            <p:cNvPr id="111" name="TextBox 110"/>
+            <p:cNvSpPr txBox="1"/>
+            <p:nvPr/>
+          </p:nvSpPr>
+          <p:spPr>
+            <a:xfrm>
+              <a:off x="7677999" y="3657548"/>
+              <a:ext cx="1973617" cy="446276"/>
+            </a:xfrm>
+            <a:prstGeom prst="rect">
+              <a:avLst/>
+            </a:prstGeom>
+            <a:noFill/>
+          </p:spPr>
+          <p:txBody>
+            <a:bodyPr wrap="none" rtlCol="0" anchor="ctr">
+              <a:spAutoFit/>
+            </a:bodyPr>
+            <a:lstStyle/>
+            <a:p>
+              <a:r>
+                <a:rPr lang="ko-KR" altLang="en-US" sz="2300" smtClean="0">
+                  <a:solidFill>
+                    <a:schemeClr val="bg1"/>
+                  </a:solidFill>
+                  <a:latin typeface="에스코어 드림 8 Heavy" pitchFamily="34" charset="-127"/>
+                  <a:ea typeface="에스코어 드림 8 Heavy" pitchFamily="34" charset="-127"/>
+                </a:rPr>
+                <a:t>열화상 카메라</a:t>
+              </a:r>
+              <a:endParaRPr lang="ko-KR" altLang="en-US" sz="2300">
+                <a:solidFill>
+                  <a:schemeClr val="bg1"/>
+                </a:solidFill>
+                <a:latin typeface="에스코어 드림 8 Heavy" pitchFamily="34" charset="-127"/>
+                <a:ea typeface="에스코어 드림 8 Heavy" pitchFamily="34" charset="-127"/>
+              </a:endParaRPr>
+            </a:p>
+          </p:txBody>
+        </p:sp>
+      </p:grpSp>
+      <p:grpSp>
+        <p:nvGrpSpPr>
+          <p:cNvPr id="96" name="그룹 95"/>
+          <p:cNvGrpSpPr/>
+          <p:nvPr/>
+        </p:nvGrpSpPr>
+        <p:grpSpPr>
+          <a:xfrm>
+            <a:off x="2974112" y="2216098"/>
+            <a:ext cx="3168352" cy="3168352"/>
+            <a:chOff x="2974112" y="2216098"/>
+            <a:chExt cx="3168352" cy="3168352"/>
+          </a:xfrm>
+        </p:grpSpPr>
+        <p:sp>
+          <p:nvSpPr>
+            <p:cNvPr id="5" name="타원 4"/>
+            <p:cNvSpPr/>
+            <p:nvPr/>
+          </p:nvSpPr>
+          <p:spPr>
+            <a:xfrm>
+              <a:off x="2974112" y="2216098"/>
+              <a:ext cx="3168352" cy="3168352"/>
+            </a:xfrm>
+            <a:prstGeom prst="ellipse">
+              <a:avLst/>
+            </a:prstGeom>
+            <a:blipFill>
+              <a:blip r:embed="rId9"/>
+              <a:stretch>
+                <a:fillRect/>
+              </a:stretch>
+            </a:blipFill>
+          </p:spPr>
+          <p:style>
+            <a:lnRef idx="2">
+              <a:schemeClr val="accent1">
+                <a:shade val="50000"/>
+              </a:schemeClr>
+            </a:lnRef>
+            <a:fillRef idx="1">
+              <a:schemeClr val="accent1"/>
+            </a:fillRef>
+            <a:effectRef idx="0">
+              <a:schemeClr val="accent1"/>
+            </a:effectRef>
+            <a:fontRef idx="minor">
+              <a:schemeClr val="lt1"/>
+            </a:fontRef>
+          </p:style>
+          <p:txBody>
+            <a:bodyPr rtlCol="0" anchor="ctr"/>
+            <a:lstStyle/>
+            <a:p>
+              <a:pPr algn="ctr"/>
+              <a:endParaRPr lang="ko-KR" altLang="en-US"/>
+            </a:p>
+          </p:txBody>
+        </p:sp>
+        <p:grpSp>
+          <p:nvGrpSpPr>
+            <p:cNvPr id="115" name="그룹 114"/>
+            <p:cNvGrpSpPr/>
+            <p:nvPr/>
+          </p:nvGrpSpPr>
+          <p:grpSpPr>
+            <a:xfrm>
+              <a:off x="3898492" y="4077072"/>
+              <a:ext cx="1319592" cy="527999"/>
+              <a:chOff x="7677999" y="3621080"/>
+              <a:chExt cx="1319592" cy="527999"/>
+            </a:xfrm>
+          </p:grpSpPr>
+          <p:sp>
+            <p:nvSpPr>
+              <p:cNvPr id="116" name="직사각형 115"/>
+              <p:cNvSpPr/>
+              <p:nvPr/>
+            </p:nvSpPr>
+            <p:spPr>
+              <a:xfrm>
+                <a:off x="7678000" y="3621080"/>
+                <a:ext cx="1319591" cy="527999"/>
+              </a:xfrm>
+              <a:prstGeom prst="rect">
+                <a:avLst/>
+              </a:prstGeom>
+              <a:solidFill>
+                <a:schemeClr val="tx1">
+                  <a:alpha val="73000"/>
+                </a:schemeClr>
+              </a:solidFill>
+              <a:ln>
+                <a:noFill/>
+              </a:ln>
+            </p:spPr>
+            <p:style>
+              <a:lnRef idx="2">
+                <a:schemeClr val="accent1">
+                  <a:shade val="50000"/>
+                </a:schemeClr>
+              </a:lnRef>
+              <a:fillRef idx="1">
+                <a:schemeClr val="accent1"/>
+              </a:fillRef>
+              <a:effectRef idx="0">
+                <a:schemeClr val="accent1"/>
+              </a:effectRef>
+              <a:fontRef idx="minor">
+                <a:schemeClr val="lt1"/>
+              </a:fontRef>
+            </p:style>
+            <p:txBody>
+              <a:bodyPr rtlCol="0" anchor="ctr"/>
+              <a:lstStyle/>
+              <a:p>
+                <a:pPr algn="ctr"/>
+                <a:endParaRPr lang="ko-KR" altLang="en-US"/>
+              </a:p>
+            </p:txBody>
+          </p:sp>
+          <p:sp>
+            <p:nvSpPr>
+              <p:cNvPr id="117" name="TextBox 116"/>
+              <p:cNvSpPr txBox="1"/>
+              <p:nvPr/>
+            </p:nvSpPr>
+            <p:spPr>
+              <a:xfrm>
+                <a:off x="7677999" y="3667073"/>
+                <a:ext cx="1319592" cy="446276"/>
+              </a:xfrm>
+              <a:prstGeom prst="rect">
+                <a:avLst/>
+              </a:prstGeom>
+              <a:noFill/>
+            </p:spPr>
+            <p:txBody>
+              <a:bodyPr wrap="none" rtlCol="0" anchor="ctr">
+                <a:spAutoFit/>
+              </a:bodyPr>
+              <a:lstStyle/>
+              <a:p>
+                <a:r>
+                  <a:rPr lang="ko-KR" altLang="en-US" sz="2300" smtClean="0">
+                    <a:solidFill>
+                      <a:schemeClr val="bg1"/>
+                    </a:solidFill>
+                    <a:latin typeface="에스코어 드림 8 Heavy" pitchFamily="34" charset="-127"/>
+                    <a:ea typeface="에스코어 드림 8 Heavy" pitchFamily="34" charset="-127"/>
+                  </a:rPr>
+                  <a:t>경계초소</a:t>
+                </a:r>
+                <a:endParaRPr lang="ko-KR" altLang="en-US" sz="2300">
+                  <a:solidFill>
+                    <a:schemeClr val="bg1"/>
+                  </a:solidFill>
+                  <a:latin typeface="에스코어 드림 8 Heavy" pitchFamily="34" charset="-127"/>
+                  <a:ea typeface="에스코어 드림 8 Heavy" pitchFamily="34" charset="-127"/>
+                </a:endParaRPr>
+              </a:p>
+            </p:txBody>
+          </p:sp>
+        </p:grpSp>
+      </p:grpSp>
+      <p:grpSp>
+        <p:nvGrpSpPr>
+          <p:cNvPr id="121" name="그룹 120"/>
+          <p:cNvGrpSpPr/>
+          <p:nvPr/>
+        </p:nvGrpSpPr>
+        <p:grpSpPr>
+          <a:xfrm>
+            <a:off x="1259632" y="5637305"/>
+            <a:ext cx="1068434" cy="527999"/>
+            <a:chOff x="7677999" y="3621080"/>
+            <a:chExt cx="1068434" cy="527999"/>
+          </a:xfrm>
+        </p:grpSpPr>
+        <p:sp>
+          <p:nvSpPr>
+            <p:cNvPr id="122" name="직사각형 121"/>
+            <p:cNvSpPr/>
+            <p:nvPr/>
+          </p:nvSpPr>
+          <p:spPr>
+            <a:xfrm>
+              <a:off x="7678000" y="3621080"/>
+              <a:ext cx="1068433" cy="527999"/>
+            </a:xfrm>
+            <a:prstGeom prst="rect">
+              <a:avLst/>
+            </a:prstGeom>
+            <a:solidFill>
+              <a:schemeClr val="tx1">
+                <a:alpha val="73000"/>
+              </a:schemeClr>
+            </a:solidFill>
+            <a:ln>
+              <a:noFill/>
+            </a:ln>
+          </p:spPr>
+          <p:style>
+            <a:lnRef idx="2">
+              <a:schemeClr val="accent1">
+                <a:shade val="50000"/>
+              </a:schemeClr>
+            </a:lnRef>
+            <a:fillRef idx="1">
+              <a:schemeClr val="accent1"/>
+            </a:fillRef>
+            <a:effectRef idx="0">
+              <a:schemeClr val="accent1"/>
+            </a:effectRef>
+            <a:fontRef idx="minor">
+              <a:schemeClr val="lt1"/>
+            </a:fontRef>
+          </p:style>
+          <p:txBody>
+            <a:bodyPr rtlCol="0" anchor="ctr"/>
+            <a:lstStyle/>
+            <a:p>
+              <a:pPr algn="ctr"/>
+              <a:endParaRPr lang="ko-KR" altLang="en-US"/>
+            </a:p>
+          </p:txBody>
+        </p:sp>
+        <p:sp>
+          <p:nvSpPr>
+            <p:cNvPr id="123" name="TextBox 122"/>
+            <p:cNvSpPr txBox="1"/>
+            <p:nvPr/>
+          </p:nvSpPr>
+          <p:spPr>
+            <a:xfrm>
+              <a:off x="7677999" y="3667073"/>
+              <a:ext cx="1068434" cy="446276"/>
+            </a:xfrm>
+            <a:prstGeom prst="rect">
+              <a:avLst/>
+            </a:prstGeom>
+            <a:noFill/>
+          </p:spPr>
+          <p:txBody>
+            <a:bodyPr wrap="none" rtlCol="0" anchor="ctr">
+              <a:spAutoFit/>
+            </a:bodyPr>
+            <a:lstStyle/>
+            <a:p>
+              <a:r>
+                <a:rPr lang="en-US" altLang="ko-KR" sz="2300" smtClean="0">
+                  <a:solidFill>
+                    <a:schemeClr val="bg1"/>
+                  </a:solidFill>
+                  <a:latin typeface="에스코어 드림 8 Heavy" pitchFamily="34" charset="-127"/>
+                  <a:ea typeface="에스코어 드림 8 Heavy" pitchFamily="34" charset="-127"/>
+                </a:rPr>
+                <a:t>D.M.C</a:t>
+              </a:r>
+              <a:endParaRPr lang="ko-KR" altLang="en-US" sz="2300">
+                <a:solidFill>
+                  <a:schemeClr val="bg1"/>
+                </a:solidFill>
+                <a:latin typeface="에스코어 드림 8 Heavy" pitchFamily="34" charset="-127"/>
+                <a:ea typeface="에스코어 드림 8 Heavy" pitchFamily="34" charset="-127"/>
+              </a:endParaRPr>
+            </a:p>
+          </p:txBody>
+        </p:sp>
+      </p:grpSp>
+      <p:grpSp>
+        <p:nvGrpSpPr>
+          <p:cNvPr id="135" name="그룹 134"/>
+          <p:cNvGrpSpPr/>
+          <p:nvPr/>
+        </p:nvGrpSpPr>
+        <p:grpSpPr>
+          <a:xfrm>
+            <a:off x="6095771" y="768326"/>
+            <a:ext cx="772709" cy="1135847"/>
+            <a:chOff x="774955" y="1556792"/>
+            <a:chExt cx="1342720" cy="1810269"/>
+          </a:xfrm>
+        </p:grpSpPr>
+        <p:pic>
+          <p:nvPicPr>
+            <p:cNvPr id="136" name="Picture 7" descr="C:\Users\Admin\Desktop\이미지\스마트폰.png"/>
+            <p:cNvPicPr>
+              <a:picLocks noChangeAspect="1" noChangeArrowheads="1"/>
+            </p:cNvPicPr>
+            <p:nvPr/>
+          </p:nvPicPr>
+          <p:blipFill rotWithShape="1">
+            <a:blip r:embed="rId5" cstate="print">
+              <a:extLst>
+                <a:ext uri="{BEBA8EAE-BF5A-486C-A8C5-ECC9F3942E4B}">
+                  <a14:imgProps xmlns:a14="http://schemas.microsoft.com/office/drawing/2010/main">
+                    <a14:imgLayer r:embed="rId6">
+                      <a14:imgEffect>
+                        <a14:backgroundRemoval t="6806" b="90000" l="9954" r="95370"/>
+                      </a14:imgEffect>
+                    </a14:imgLayer>
+                  </a14:imgProps>
+                </a:ext>
+                <a:ext uri="{28A0092B-C50C-407E-A947-70E740481C1C}">
+                  <a14:useLocalDpi xmlns:a14="http://schemas.microsoft.com/office/drawing/2010/main" val="0"/>
+                </a:ext>
+              </a:extLst>
+            </a:blip>
+            <a:srcRect l="48920" t="7916" b="9444"/>
+            <a:stretch/>
+          </p:blipFill>
+          <p:spPr bwMode="auto">
+            <a:xfrm>
+              <a:off x="774955" y="1556792"/>
+              <a:ext cx="1342720" cy="1810269"/>
+            </a:xfrm>
+            <a:prstGeom prst="rect">
+              <a:avLst/>
+            </a:prstGeom>
+            <a:noFill/>
+            <a:extLst>
+              <a:ext uri="{909E8E84-426E-40DD-AFC4-6F175D3DCCD1}">
+                <a14:hiddenFill xmlns:a14="http://schemas.microsoft.com/office/drawing/2010/main">
+                  <a:solidFill>
+                    <a:srgbClr val="FFFFFF"/>
+                  </a:solidFill>
+                </a14:hiddenFill>
+              </a:ext>
+            </a:extLst>
+          </p:spPr>
+        </p:pic>
+        <p:pic>
+          <p:nvPicPr>
+            <p:cNvPr id="137" name="Picture 6" descr="C:\Users\Admin\Desktop\이미지\cctv-svg-2.png"/>
+            <p:cNvPicPr>
+              <a:picLocks noChangeAspect="1" noChangeArrowheads="1"/>
+            </p:cNvPicPr>
+            <p:nvPr/>
+          </p:nvPicPr>
+          <p:blipFill>
+            <a:blip r:embed="rId7" cstate="print">
+              <a:extLst>
+                <a:ext uri="{BEBA8EAE-BF5A-486C-A8C5-ECC9F3942E4B}">
+                  <a14:imgProps xmlns:a14="http://schemas.microsoft.com/office/drawing/2010/main">
+                    <a14:imgLayer r:embed="rId8">
+                      <a14:imgEffect>
+                        <a14:backgroundRemoval t="0" b="100000" l="0" r="100000">
+                          <a14:foregroundMark x1="49902" y1="62207" x2="49902" y2="62207"/>
+                          <a14:foregroundMark x1="50000" y1="59473" x2="48633" y2="63477"/>
+                          <a14:foregroundMark x1="46387" y1="56055" x2="53516" y2="63477"/>
+                        </a14:backgroundRemoval>
+                      </a14:imgEffect>
+                    </a14:imgLayer>
+                  </a14:imgProps>
+                </a:ext>
+                <a:ext uri="{28A0092B-C50C-407E-A947-70E740481C1C}">
+                  <a14:useLocalDpi xmlns:a14="http://schemas.microsoft.com/office/drawing/2010/main" val="0"/>
+                </a:ext>
+              </a:extLst>
+            </a:blip>
+            <a:srcRect/>
+            <a:stretch>
+              <a:fillRect/>
+            </a:stretch>
+          </p:blipFill>
+          <p:spPr bwMode="auto">
+            <a:xfrm>
+              <a:off x="1126707" y="1940983"/>
+              <a:ext cx="639216" cy="639216"/>
+            </a:xfrm>
+            <a:prstGeom prst="rect">
+              <a:avLst/>
+            </a:prstGeom>
+            <a:noFill/>
+            <a:extLst>
+              <a:ext uri="{909E8E84-426E-40DD-AFC4-6F175D3DCCD1}">
+                <a14:hiddenFill xmlns:a14="http://schemas.microsoft.com/office/drawing/2010/main">
+                  <a:solidFill>
+                    <a:srgbClr val="FFFFFF"/>
+                  </a:solidFill>
+                </a14:hiddenFill>
+              </a:ext>
+            </a:extLst>
+          </p:spPr>
+        </p:pic>
+      </p:grpSp>
+    </p:spTree>
+    <p:extLst>
+      <p:ext uri="{BB962C8B-B14F-4D97-AF65-F5344CB8AC3E}">
+        <p14:creationId xmlns:p14="http://schemas.microsoft.com/office/powerpoint/2010/main" val="641855139"/>
+      </p:ext>
+    </p:extLst>
+  </p:cSld>
+  <p:clrMapOvr>
+    <a:masterClrMapping/>
+  </p:clrMapOvr>
+  <p:timing>
+    <p:tnLst>
+      <p:par>
+        <p:cTn id="1" dur="indefinite" restart="never" nodeType="tmRoot"/>
+      </p:par>
+    </p:tnLst>
+  </p:timing>
+</p:sld>
+</file>
+
+<file path=ppt/slides/slide9.xml><?xml version="1.0" encoding="utf-8"?>
+<p:sld xmlns:a="http://schemas.openxmlformats.org/drawingml/2006/main" xmlns:r="http://schemas.openxmlformats.org/officeDocument/2006/relationships" xmlns:p="http://schemas.openxmlformats.org/presentationml/2006/main">
+  <p:cSld>
+    <p:spTree>
+      <p:nvGrpSpPr>
+        <p:cNvPr id="1" name=""/>
+        <p:cNvGrpSpPr/>
+        <p:nvPr/>
+      </p:nvGrpSpPr>
+      <p:grpSpPr>
+        <a:xfrm>
+          <a:off x="0" y="0"/>
+          <a:ext cx="0" cy="0"/>
+          <a:chOff x="0" y="0"/>
+          <a:chExt cx="0" cy="0"/>
+        </a:xfrm>
+      </p:grpSpPr>
+      <p:pic>
+        <p:nvPicPr>
+          <p:cNvPr id="7170" name="Picture 2" descr="C:\Users\Admin\Desktop\이미지\클라우드.png"/>
           <p:cNvPicPr>
             <a:picLocks noChangeAspect="1" noChangeArrowheads="1"/>
           </p:cNvPicPr>
@@ -5692,8 +9543,8 @@
         </p:blipFill>
         <p:spPr bwMode="auto">
           <a:xfrm>
-            <a:off x="683568" y="1988840"/>
-            <a:ext cx="2168482" cy="1940446"/>
+            <a:off x="5369535" y="2539119"/>
+            <a:ext cx="1150307" cy="763211"/>
           </a:xfrm>
           <a:prstGeom prst="rect">
             <a:avLst/>
@@ -5712,7 +9563,7 @@
       </p:pic>
       <p:pic>
         <p:nvPicPr>
-          <p:cNvPr id="3076" name="Picture 4" descr="C:\Users\Admin\Downloads\1490817556-muslim-mosque18_82384.png"/>
+          <p:cNvPr id="3075" name="Picture 3" descr="C:\Users\Admin\Downloads\군인.png"/>
           <p:cNvPicPr>
             <a:picLocks noChangeAspect="1" noChangeArrowheads="1"/>
           </p:cNvPicPr>
@@ -5732,9 +9583,9 @@
           </a:stretch>
         </p:blipFill>
         <p:spPr bwMode="auto">
-          <a:xfrm flipH="1">
-            <a:off x="3059832" y="1778354"/>
-            <a:ext cx="1133764" cy="1133764"/>
+          <a:xfrm>
+            <a:off x="-4212976" y="1937177"/>
+            <a:ext cx="2168482" cy="1940446"/>
           </a:xfrm>
           <a:prstGeom prst="rect">
             <a:avLst/>
@@ -5753,14 +9604,14 @@
       </p:pic>
       <p:sp>
         <p:nvSpPr>
-          <p:cNvPr id="4" name="TextBox 3"/>
+          <p:cNvPr id="10" name="TextBox 9"/>
           <p:cNvSpPr txBox="1"/>
           <p:nvPr/>
         </p:nvSpPr>
         <p:spPr>
           <a:xfrm>
-            <a:off x="1031870" y="4020888"/>
-            <a:ext cx="877163" cy="369332"/>
+            <a:off x="107504" y="620688"/>
+            <a:ext cx="2153154" cy="707886"/>
           </a:xfrm>
           <a:prstGeom prst="rect">
             <a:avLst/>
@@ -5768,77 +9619,1172 @@
           <a:noFill/>
         </p:spPr>
         <p:txBody>
-          <a:bodyPr wrap="none" rtlCol="0">
+          <a:bodyPr wrap="none" rtlCol="0" anchor="ctr">
             <a:spAutoFit/>
           </a:bodyPr>
           <a:lstStyle/>
           <a:p>
             <a:r>
-              <a:rPr lang="ko-KR" altLang="en-US" dirty="0" smtClean="0"/>
-              <a:t>주경계</a:t>
-            </a:r>
-            <a:endParaRPr lang="en-US" altLang="ko-KR" dirty="0" smtClean="0"/>
+              <a:rPr lang="ko-KR" altLang="en-US" sz="4000" smtClean="0">
+                <a:solidFill>
+                  <a:srgbClr val="3A3C75"/>
+                </a:solidFill>
+                <a:latin typeface="에스코어 드림 8 Heavy" pitchFamily="34" charset="-127"/>
+                <a:ea typeface="에스코어 드림 8 Heavy" pitchFamily="34" charset="-127"/>
+              </a:rPr>
+              <a:t>구성요</a:t>
+            </a:r>
+            <a:r>
+              <a:rPr lang="ko-KR" altLang="en-US" sz="4000">
+                <a:solidFill>
+                  <a:srgbClr val="3A3C75"/>
+                </a:solidFill>
+                <a:latin typeface="에스코어 드림 8 Heavy" pitchFamily="34" charset="-127"/>
+                <a:ea typeface="에스코어 드림 8 Heavy" pitchFamily="34" charset="-127"/>
+              </a:rPr>
+              <a:t>소</a:t>
+            </a:r>
+            <a:endParaRPr lang="ko-KR" altLang="en-US" sz="4000">
+              <a:solidFill>
+                <a:srgbClr val="3A3C75"/>
+              </a:solidFill>
+              <a:latin typeface="에스코어 드림 8 Heavy" pitchFamily="34" charset="-127"/>
+              <a:ea typeface="에스코어 드림 8 Heavy" pitchFamily="34" charset="-127"/>
+            </a:endParaRPr>
           </a:p>
         </p:txBody>
       </p:sp>
-      <p:sp>
-        <p:nvSpPr>
-          <p:cNvPr id="8" name="TextBox 7"/>
-          <p:cNvSpPr txBox="1"/>
+      <p:grpSp>
+        <p:nvGrpSpPr>
+          <p:cNvPr id="4" name="그룹 3"/>
+          <p:cNvGrpSpPr/>
           <p:nvPr/>
-        </p:nvSpPr>
+        </p:nvGrpSpPr>
+        <p:grpSpPr>
+          <a:xfrm>
+            <a:off x="794342" y="2117708"/>
+            <a:ext cx="1905450" cy="3212680"/>
+            <a:chOff x="774963" y="2246013"/>
+            <a:chExt cx="1905450" cy="3212680"/>
+          </a:xfrm>
+        </p:grpSpPr>
+        <p:grpSp>
+          <p:nvGrpSpPr>
+            <p:cNvPr id="3" name="그룹 2"/>
+            <p:cNvGrpSpPr/>
+            <p:nvPr/>
+          </p:nvGrpSpPr>
+          <p:grpSpPr>
+            <a:xfrm>
+              <a:off x="774963" y="2246013"/>
+              <a:ext cx="1905450" cy="2570286"/>
+              <a:chOff x="774963" y="2246013"/>
+              <a:chExt cx="1905450" cy="2570286"/>
+            </a:xfrm>
+          </p:grpSpPr>
+          <p:grpSp>
+            <p:nvGrpSpPr>
+              <p:cNvPr id="19" name="그룹 18"/>
+              <p:cNvGrpSpPr/>
+              <p:nvPr/>
+            </p:nvGrpSpPr>
+            <p:grpSpPr>
+              <a:xfrm>
+                <a:off x="1874303" y="2288137"/>
+                <a:ext cx="772709" cy="1135847"/>
+                <a:chOff x="774955" y="1556792"/>
+                <a:chExt cx="1342720" cy="1810269"/>
+              </a:xfrm>
+            </p:grpSpPr>
+            <p:pic>
+              <p:nvPicPr>
+                <p:cNvPr id="20" name="Picture 7" descr="C:\Users\Admin\Desktop\이미지\스마트폰.png"/>
+                <p:cNvPicPr>
+                  <a:picLocks noChangeAspect="1" noChangeArrowheads="1"/>
+                </p:cNvPicPr>
+                <p:nvPr/>
+              </p:nvPicPr>
+              <p:blipFill rotWithShape="1">
+                <a:blip r:embed="rId4" cstate="print">
+                  <a:extLst>
+                    <a:ext uri="{BEBA8EAE-BF5A-486C-A8C5-ECC9F3942E4B}">
+                      <a14:imgProps xmlns:a14="http://schemas.microsoft.com/office/drawing/2010/main">
+                        <a14:imgLayer r:embed="rId5">
+                          <a14:imgEffect>
+                            <a14:backgroundRemoval t="6806" b="90000" l="9954" r="95370"/>
+                          </a14:imgEffect>
+                        </a14:imgLayer>
+                      </a14:imgProps>
+                    </a:ext>
+                    <a:ext uri="{28A0092B-C50C-407E-A947-70E740481C1C}">
+                      <a14:useLocalDpi xmlns:a14="http://schemas.microsoft.com/office/drawing/2010/main" val="0"/>
+                    </a:ext>
+                  </a:extLst>
+                </a:blip>
+                <a:srcRect l="48920" t="7916" b="9444"/>
+                <a:stretch/>
+              </p:blipFill>
+              <p:spPr bwMode="auto">
+                <a:xfrm>
+                  <a:off x="774955" y="1556792"/>
+                  <a:ext cx="1342720" cy="1810269"/>
+                </a:xfrm>
+                <a:prstGeom prst="rect">
+                  <a:avLst/>
+                </a:prstGeom>
+                <a:noFill/>
+                <a:extLst>
+                  <a:ext uri="{909E8E84-426E-40DD-AFC4-6F175D3DCCD1}">
+                    <a14:hiddenFill xmlns:a14="http://schemas.microsoft.com/office/drawing/2010/main">
+                      <a:solidFill>
+                        <a:srgbClr val="FFFFFF"/>
+                      </a:solidFill>
+                    </a14:hiddenFill>
+                  </a:ext>
+                </a:extLst>
+              </p:spPr>
+            </p:pic>
+            <p:pic>
+              <p:nvPicPr>
+                <p:cNvPr id="21" name="Picture 6" descr="C:\Users\Admin\Desktop\이미지\cctv-svg-2.png"/>
+                <p:cNvPicPr>
+                  <a:picLocks noChangeAspect="1" noChangeArrowheads="1"/>
+                </p:cNvPicPr>
+                <p:nvPr/>
+              </p:nvPicPr>
+              <p:blipFill>
+                <a:blip r:embed="rId6" cstate="print">
+                  <a:extLst>
+                    <a:ext uri="{BEBA8EAE-BF5A-486C-A8C5-ECC9F3942E4B}">
+                      <a14:imgProps xmlns:a14="http://schemas.microsoft.com/office/drawing/2010/main">
+                        <a14:imgLayer r:embed="rId7">
+                          <a14:imgEffect>
+                            <a14:backgroundRemoval t="0" b="100000" l="0" r="100000">
+                              <a14:foregroundMark x1="49902" y1="62207" x2="49902" y2="62207"/>
+                              <a14:foregroundMark x1="50000" y1="59473" x2="48633" y2="63477"/>
+                              <a14:foregroundMark x1="46387" y1="56055" x2="53516" y2="63477"/>
+                            </a14:backgroundRemoval>
+                          </a14:imgEffect>
+                        </a14:imgLayer>
+                      </a14:imgProps>
+                    </a:ext>
+                    <a:ext uri="{28A0092B-C50C-407E-A947-70E740481C1C}">
+                      <a14:useLocalDpi xmlns:a14="http://schemas.microsoft.com/office/drawing/2010/main" val="0"/>
+                    </a:ext>
+                  </a:extLst>
+                </a:blip>
+                <a:srcRect/>
+                <a:stretch>
+                  <a:fillRect/>
+                </a:stretch>
+              </p:blipFill>
+              <p:spPr bwMode="auto">
+                <a:xfrm>
+                  <a:off x="1126707" y="1940983"/>
+                  <a:ext cx="639216" cy="639216"/>
+                </a:xfrm>
+                <a:prstGeom prst="rect">
+                  <a:avLst/>
+                </a:prstGeom>
+                <a:noFill/>
+                <a:extLst>
+                  <a:ext uri="{909E8E84-426E-40DD-AFC4-6F175D3DCCD1}">
+                    <a14:hiddenFill xmlns:a14="http://schemas.microsoft.com/office/drawing/2010/main">
+                      <a:solidFill>
+                        <a:srgbClr val="FFFFFF"/>
+                      </a:solidFill>
+                    </a14:hiddenFill>
+                  </a:ext>
+                </a:extLst>
+              </p:spPr>
+            </p:pic>
+          </p:grpSp>
+          <p:grpSp>
+            <p:nvGrpSpPr>
+              <p:cNvPr id="25" name="그룹 24"/>
+              <p:cNvGrpSpPr/>
+              <p:nvPr/>
+            </p:nvGrpSpPr>
+            <p:grpSpPr>
+              <a:xfrm>
+                <a:off x="774963" y="3670421"/>
+                <a:ext cx="772709" cy="1135847"/>
+                <a:chOff x="774955" y="1556792"/>
+                <a:chExt cx="1342720" cy="1810269"/>
+              </a:xfrm>
+            </p:grpSpPr>
+            <p:pic>
+              <p:nvPicPr>
+                <p:cNvPr id="26" name="Picture 7" descr="C:\Users\Admin\Desktop\이미지\스마트폰.png"/>
+                <p:cNvPicPr>
+                  <a:picLocks noChangeAspect="1" noChangeArrowheads="1"/>
+                </p:cNvPicPr>
+                <p:nvPr/>
+              </p:nvPicPr>
+              <p:blipFill rotWithShape="1">
+                <a:blip r:embed="rId4" cstate="print">
+                  <a:extLst>
+                    <a:ext uri="{BEBA8EAE-BF5A-486C-A8C5-ECC9F3942E4B}">
+                      <a14:imgProps xmlns:a14="http://schemas.microsoft.com/office/drawing/2010/main">
+                        <a14:imgLayer r:embed="rId5">
+                          <a14:imgEffect>
+                            <a14:backgroundRemoval t="6806" b="90000" l="9954" r="95370"/>
+                          </a14:imgEffect>
+                        </a14:imgLayer>
+                      </a14:imgProps>
+                    </a:ext>
+                    <a:ext uri="{28A0092B-C50C-407E-A947-70E740481C1C}">
+                      <a14:useLocalDpi xmlns:a14="http://schemas.microsoft.com/office/drawing/2010/main" val="0"/>
+                    </a:ext>
+                  </a:extLst>
+                </a:blip>
+                <a:srcRect l="48920" t="7916" b="9444"/>
+                <a:stretch/>
+              </p:blipFill>
+              <p:spPr bwMode="auto">
+                <a:xfrm>
+                  <a:off x="774955" y="1556792"/>
+                  <a:ext cx="1342720" cy="1810269"/>
+                </a:xfrm>
+                <a:prstGeom prst="rect">
+                  <a:avLst/>
+                </a:prstGeom>
+                <a:noFill/>
+                <a:extLst>
+                  <a:ext uri="{909E8E84-426E-40DD-AFC4-6F175D3DCCD1}">
+                    <a14:hiddenFill xmlns:a14="http://schemas.microsoft.com/office/drawing/2010/main">
+                      <a:solidFill>
+                        <a:srgbClr val="FFFFFF"/>
+                      </a:solidFill>
+                    </a14:hiddenFill>
+                  </a:ext>
+                </a:extLst>
+              </p:spPr>
+            </p:pic>
+            <p:pic>
+              <p:nvPicPr>
+                <p:cNvPr id="27" name="Picture 6" descr="C:\Users\Admin\Desktop\이미지\cctv-svg-2.png"/>
+                <p:cNvPicPr>
+                  <a:picLocks noChangeAspect="1" noChangeArrowheads="1"/>
+                </p:cNvPicPr>
+                <p:nvPr/>
+              </p:nvPicPr>
+              <p:blipFill>
+                <a:blip r:embed="rId6" cstate="print">
+                  <a:extLst>
+                    <a:ext uri="{BEBA8EAE-BF5A-486C-A8C5-ECC9F3942E4B}">
+                      <a14:imgProps xmlns:a14="http://schemas.microsoft.com/office/drawing/2010/main">
+                        <a14:imgLayer r:embed="rId7">
+                          <a14:imgEffect>
+                            <a14:backgroundRemoval t="0" b="100000" l="0" r="100000">
+                              <a14:foregroundMark x1="49902" y1="62207" x2="49902" y2="62207"/>
+                              <a14:foregroundMark x1="50000" y1="59473" x2="48633" y2="63477"/>
+                              <a14:foregroundMark x1="46387" y1="56055" x2="53516" y2="63477"/>
+                            </a14:backgroundRemoval>
+                          </a14:imgEffect>
+                        </a14:imgLayer>
+                      </a14:imgProps>
+                    </a:ext>
+                    <a:ext uri="{28A0092B-C50C-407E-A947-70E740481C1C}">
+                      <a14:useLocalDpi xmlns:a14="http://schemas.microsoft.com/office/drawing/2010/main" val="0"/>
+                    </a:ext>
+                  </a:extLst>
+                </a:blip>
+                <a:srcRect/>
+                <a:stretch>
+                  <a:fillRect/>
+                </a:stretch>
+              </p:blipFill>
+              <p:spPr bwMode="auto">
+                <a:xfrm>
+                  <a:off x="1126707" y="1940983"/>
+                  <a:ext cx="639216" cy="639216"/>
+                </a:xfrm>
+                <a:prstGeom prst="rect">
+                  <a:avLst/>
+                </a:prstGeom>
+                <a:noFill/>
+                <a:extLst>
+                  <a:ext uri="{909E8E84-426E-40DD-AFC4-6F175D3DCCD1}">
+                    <a14:hiddenFill xmlns:a14="http://schemas.microsoft.com/office/drawing/2010/main">
+                      <a:solidFill>
+                        <a:srgbClr val="FFFFFF"/>
+                      </a:solidFill>
+                    </a14:hiddenFill>
+                  </a:ext>
+                </a:extLst>
+              </p:spPr>
+            </p:pic>
+          </p:grpSp>
+          <p:grpSp>
+            <p:nvGrpSpPr>
+              <p:cNvPr id="28" name="그룹 27"/>
+              <p:cNvGrpSpPr/>
+              <p:nvPr/>
+            </p:nvGrpSpPr>
+            <p:grpSpPr>
+              <a:xfrm>
+                <a:off x="1304020" y="2997070"/>
+                <a:ext cx="772709" cy="1135847"/>
+                <a:chOff x="774955" y="1556792"/>
+                <a:chExt cx="1342720" cy="1810269"/>
+              </a:xfrm>
+            </p:grpSpPr>
+            <p:pic>
+              <p:nvPicPr>
+                <p:cNvPr id="29" name="Picture 7" descr="C:\Users\Admin\Desktop\이미지\스마트폰.png"/>
+                <p:cNvPicPr>
+                  <a:picLocks noChangeAspect="1" noChangeArrowheads="1"/>
+                </p:cNvPicPr>
+                <p:nvPr/>
+              </p:nvPicPr>
+              <p:blipFill rotWithShape="1">
+                <a:blip r:embed="rId4" cstate="print">
+                  <a:extLst>
+                    <a:ext uri="{BEBA8EAE-BF5A-486C-A8C5-ECC9F3942E4B}">
+                      <a14:imgProps xmlns:a14="http://schemas.microsoft.com/office/drawing/2010/main">
+                        <a14:imgLayer r:embed="rId5">
+                          <a14:imgEffect>
+                            <a14:backgroundRemoval t="6806" b="90000" l="9954" r="95370"/>
+                          </a14:imgEffect>
+                        </a14:imgLayer>
+                      </a14:imgProps>
+                    </a:ext>
+                    <a:ext uri="{28A0092B-C50C-407E-A947-70E740481C1C}">
+                      <a14:useLocalDpi xmlns:a14="http://schemas.microsoft.com/office/drawing/2010/main" val="0"/>
+                    </a:ext>
+                  </a:extLst>
+                </a:blip>
+                <a:srcRect l="48920" t="7916" b="9444"/>
+                <a:stretch/>
+              </p:blipFill>
+              <p:spPr bwMode="auto">
+                <a:xfrm>
+                  <a:off x="774955" y="1556792"/>
+                  <a:ext cx="1342720" cy="1810269"/>
+                </a:xfrm>
+                <a:prstGeom prst="rect">
+                  <a:avLst/>
+                </a:prstGeom>
+                <a:noFill/>
+                <a:extLst>
+                  <a:ext uri="{909E8E84-426E-40DD-AFC4-6F175D3DCCD1}">
+                    <a14:hiddenFill xmlns:a14="http://schemas.microsoft.com/office/drawing/2010/main">
+                      <a:solidFill>
+                        <a:srgbClr val="FFFFFF"/>
+                      </a:solidFill>
+                    </a14:hiddenFill>
+                  </a:ext>
+                </a:extLst>
+              </p:spPr>
+            </p:pic>
+            <p:pic>
+              <p:nvPicPr>
+                <p:cNvPr id="30" name="Picture 6" descr="C:\Users\Admin\Desktop\이미지\cctv-svg-2.png"/>
+                <p:cNvPicPr>
+                  <a:picLocks noChangeAspect="1" noChangeArrowheads="1"/>
+                </p:cNvPicPr>
+                <p:nvPr/>
+              </p:nvPicPr>
+              <p:blipFill>
+                <a:blip r:embed="rId6" cstate="print">
+                  <a:extLst>
+                    <a:ext uri="{BEBA8EAE-BF5A-486C-A8C5-ECC9F3942E4B}">
+                      <a14:imgProps xmlns:a14="http://schemas.microsoft.com/office/drawing/2010/main">
+                        <a14:imgLayer r:embed="rId7">
+                          <a14:imgEffect>
+                            <a14:backgroundRemoval t="0" b="100000" l="0" r="100000">
+                              <a14:foregroundMark x1="49902" y1="62207" x2="49902" y2="62207"/>
+                              <a14:foregroundMark x1="50000" y1="59473" x2="48633" y2="63477"/>
+                              <a14:foregroundMark x1="46387" y1="56055" x2="53516" y2="63477"/>
+                            </a14:backgroundRemoval>
+                          </a14:imgEffect>
+                        </a14:imgLayer>
+                      </a14:imgProps>
+                    </a:ext>
+                    <a:ext uri="{28A0092B-C50C-407E-A947-70E740481C1C}">
+                      <a14:useLocalDpi xmlns:a14="http://schemas.microsoft.com/office/drawing/2010/main" val="0"/>
+                    </a:ext>
+                  </a:extLst>
+                </a:blip>
+                <a:srcRect/>
+                <a:stretch>
+                  <a:fillRect/>
+                </a:stretch>
+              </p:blipFill>
+              <p:spPr bwMode="auto">
+                <a:xfrm>
+                  <a:off x="1126707" y="1940983"/>
+                  <a:ext cx="639216" cy="639216"/>
+                </a:xfrm>
+                <a:prstGeom prst="rect">
+                  <a:avLst/>
+                </a:prstGeom>
+                <a:noFill/>
+                <a:extLst>
+                  <a:ext uri="{909E8E84-426E-40DD-AFC4-6F175D3DCCD1}">
+                    <a14:hiddenFill xmlns:a14="http://schemas.microsoft.com/office/drawing/2010/main">
+                      <a:solidFill>
+                        <a:srgbClr val="FFFFFF"/>
+                      </a:solidFill>
+                    </a14:hiddenFill>
+                  </a:ext>
+                </a:extLst>
+              </p:spPr>
+            </p:pic>
+          </p:grpSp>
+          <p:grpSp>
+            <p:nvGrpSpPr>
+              <p:cNvPr id="107" name="그룹 106"/>
+              <p:cNvGrpSpPr/>
+              <p:nvPr/>
+            </p:nvGrpSpPr>
+            <p:grpSpPr>
+              <a:xfrm>
+                <a:off x="1907704" y="3680452"/>
+                <a:ext cx="772709" cy="1135847"/>
+                <a:chOff x="774955" y="1556792"/>
+                <a:chExt cx="1342720" cy="1810269"/>
+              </a:xfrm>
+            </p:grpSpPr>
+            <p:pic>
+              <p:nvPicPr>
+                <p:cNvPr id="108" name="Picture 7" descr="C:\Users\Admin\Desktop\이미지\스마트폰.png"/>
+                <p:cNvPicPr>
+                  <a:picLocks noChangeAspect="1" noChangeArrowheads="1"/>
+                </p:cNvPicPr>
+                <p:nvPr/>
+              </p:nvPicPr>
+              <p:blipFill rotWithShape="1">
+                <a:blip r:embed="rId4" cstate="print">
+                  <a:extLst>
+                    <a:ext uri="{BEBA8EAE-BF5A-486C-A8C5-ECC9F3942E4B}">
+                      <a14:imgProps xmlns:a14="http://schemas.microsoft.com/office/drawing/2010/main">
+                        <a14:imgLayer r:embed="rId5">
+                          <a14:imgEffect>
+                            <a14:backgroundRemoval t="6806" b="90000" l="9954" r="95370"/>
+                          </a14:imgEffect>
+                        </a14:imgLayer>
+                      </a14:imgProps>
+                    </a:ext>
+                    <a:ext uri="{28A0092B-C50C-407E-A947-70E740481C1C}">
+                      <a14:useLocalDpi xmlns:a14="http://schemas.microsoft.com/office/drawing/2010/main" val="0"/>
+                    </a:ext>
+                  </a:extLst>
+                </a:blip>
+                <a:srcRect l="48920" t="7916" b="9444"/>
+                <a:stretch/>
+              </p:blipFill>
+              <p:spPr bwMode="auto">
+                <a:xfrm>
+                  <a:off x="774955" y="1556792"/>
+                  <a:ext cx="1342720" cy="1810269"/>
+                </a:xfrm>
+                <a:prstGeom prst="rect">
+                  <a:avLst/>
+                </a:prstGeom>
+                <a:noFill/>
+                <a:extLst>
+                  <a:ext uri="{909E8E84-426E-40DD-AFC4-6F175D3DCCD1}">
+                    <a14:hiddenFill xmlns:a14="http://schemas.microsoft.com/office/drawing/2010/main">
+                      <a:solidFill>
+                        <a:srgbClr val="FFFFFF"/>
+                      </a:solidFill>
+                    </a14:hiddenFill>
+                  </a:ext>
+                </a:extLst>
+              </p:spPr>
+            </p:pic>
+            <p:pic>
+              <p:nvPicPr>
+                <p:cNvPr id="109" name="Picture 6" descr="C:\Users\Admin\Desktop\이미지\cctv-svg-2.png"/>
+                <p:cNvPicPr>
+                  <a:picLocks noChangeAspect="1" noChangeArrowheads="1"/>
+                </p:cNvPicPr>
+                <p:nvPr/>
+              </p:nvPicPr>
+              <p:blipFill>
+                <a:blip r:embed="rId6" cstate="print">
+                  <a:extLst>
+                    <a:ext uri="{BEBA8EAE-BF5A-486C-A8C5-ECC9F3942E4B}">
+                      <a14:imgProps xmlns:a14="http://schemas.microsoft.com/office/drawing/2010/main">
+                        <a14:imgLayer r:embed="rId7">
+                          <a14:imgEffect>
+                            <a14:backgroundRemoval t="0" b="100000" l="0" r="100000">
+                              <a14:foregroundMark x1="49902" y1="62207" x2="49902" y2="62207"/>
+                              <a14:foregroundMark x1="50000" y1="59473" x2="48633" y2="63477"/>
+                              <a14:foregroundMark x1="46387" y1="56055" x2="53516" y2="63477"/>
+                            </a14:backgroundRemoval>
+                          </a14:imgEffect>
+                        </a14:imgLayer>
+                      </a14:imgProps>
+                    </a:ext>
+                    <a:ext uri="{28A0092B-C50C-407E-A947-70E740481C1C}">
+                      <a14:useLocalDpi xmlns:a14="http://schemas.microsoft.com/office/drawing/2010/main" val="0"/>
+                    </a:ext>
+                  </a:extLst>
+                </a:blip>
+                <a:srcRect/>
+                <a:stretch>
+                  <a:fillRect/>
+                </a:stretch>
+              </p:blipFill>
+              <p:spPr bwMode="auto">
+                <a:xfrm>
+                  <a:off x="1126707" y="1940983"/>
+                  <a:ext cx="639216" cy="639216"/>
+                </a:xfrm>
+                <a:prstGeom prst="rect">
+                  <a:avLst/>
+                </a:prstGeom>
+                <a:noFill/>
+                <a:extLst>
+                  <a:ext uri="{909E8E84-426E-40DD-AFC4-6F175D3DCCD1}">
+                    <a14:hiddenFill xmlns:a14="http://schemas.microsoft.com/office/drawing/2010/main">
+                      <a:solidFill>
+                        <a:srgbClr val="FFFFFF"/>
+                      </a:solidFill>
+                    </a14:hiddenFill>
+                  </a:ext>
+                </a:extLst>
+              </p:spPr>
+            </p:pic>
+          </p:grpSp>
+          <p:grpSp>
+            <p:nvGrpSpPr>
+              <p:cNvPr id="104" name="그룹 103"/>
+              <p:cNvGrpSpPr/>
+              <p:nvPr/>
+            </p:nvGrpSpPr>
+            <p:grpSpPr>
+              <a:xfrm>
+                <a:off x="774964" y="2246013"/>
+                <a:ext cx="772709" cy="1135847"/>
+                <a:chOff x="774955" y="1556792"/>
+                <a:chExt cx="1342720" cy="1810269"/>
+              </a:xfrm>
+            </p:grpSpPr>
+            <p:pic>
+              <p:nvPicPr>
+                <p:cNvPr id="105" name="Picture 7" descr="C:\Users\Admin\Desktop\이미지\스마트폰.png"/>
+                <p:cNvPicPr>
+                  <a:picLocks noChangeAspect="1" noChangeArrowheads="1"/>
+                </p:cNvPicPr>
+                <p:nvPr/>
+              </p:nvPicPr>
+              <p:blipFill rotWithShape="1">
+                <a:blip r:embed="rId4" cstate="print">
+                  <a:extLst>
+                    <a:ext uri="{BEBA8EAE-BF5A-486C-A8C5-ECC9F3942E4B}">
+                      <a14:imgProps xmlns:a14="http://schemas.microsoft.com/office/drawing/2010/main">
+                        <a14:imgLayer r:embed="rId5">
+                          <a14:imgEffect>
+                            <a14:backgroundRemoval t="6806" b="90000" l="9954" r="95370"/>
+                          </a14:imgEffect>
+                        </a14:imgLayer>
+                      </a14:imgProps>
+                    </a:ext>
+                    <a:ext uri="{28A0092B-C50C-407E-A947-70E740481C1C}">
+                      <a14:useLocalDpi xmlns:a14="http://schemas.microsoft.com/office/drawing/2010/main" val="0"/>
+                    </a:ext>
+                  </a:extLst>
+                </a:blip>
+                <a:srcRect l="48920" t="7916" b="9444"/>
+                <a:stretch/>
+              </p:blipFill>
+              <p:spPr bwMode="auto">
+                <a:xfrm>
+                  <a:off x="774955" y="1556792"/>
+                  <a:ext cx="1342720" cy="1810269"/>
+                </a:xfrm>
+                <a:prstGeom prst="rect">
+                  <a:avLst/>
+                </a:prstGeom>
+                <a:noFill/>
+                <a:extLst>
+                  <a:ext uri="{909E8E84-426E-40DD-AFC4-6F175D3DCCD1}">
+                    <a14:hiddenFill xmlns:a14="http://schemas.microsoft.com/office/drawing/2010/main">
+                      <a:solidFill>
+                        <a:srgbClr val="FFFFFF"/>
+                      </a:solidFill>
+                    </a14:hiddenFill>
+                  </a:ext>
+                </a:extLst>
+              </p:spPr>
+            </p:pic>
+            <p:pic>
+              <p:nvPicPr>
+                <p:cNvPr id="106" name="Picture 6" descr="C:\Users\Admin\Desktop\이미지\cctv-svg-2.png"/>
+                <p:cNvPicPr>
+                  <a:picLocks noChangeAspect="1" noChangeArrowheads="1"/>
+                </p:cNvPicPr>
+                <p:nvPr/>
+              </p:nvPicPr>
+              <p:blipFill>
+                <a:blip r:embed="rId6" cstate="print">
+                  <a:extLst>
+                    <a:ext uri="{BEBA8EAE-BF5A-486C-A8C5-ECC9F3942E4B}">
+                      <a14:imgProps xmlns:a14="http://schemas.microsoft.com/office/drawing/2010/main">
+                        <a14:imgLayer r:embed="rId7">
+                          <a14:imgEffect>
+                            <a14:backgroundRemoval t="0" b="100000" l="0" r="100000">
+                              <a14:foregroundMark x1="49902" y1="62207" x2="49902" y2="62207"/>
+                              <a14:foregroundMark x1="50000" y1="59473" x2="48633" y2="63477"/>
+                              <a14:foregroundMark x1="46387" y1="56055" x2="53516" y2="63477"/>
+                            </a14:backgroundRemoval>
+                          </a14:imgEffect>
+                        </a14:imgLayer>
+                      </a14:imgProps>
+                    </a:ext>
+                    <a:ext uri="{28A0092B-C50C-407E-A947-70E740481C1C}">
+                      <a14:useLocalDpi xmlns:a14="http://schemas.microsoft.com/office/drawing/2010/main" val="0"/>
+                    </a:ext>
+                  </a:extLst>
+                </a:blip>
+                <a:srcRect/>
+                <a:stretch>
+                  <a:fillRect/>
+                </a:stretch>
+              </p:blipFill>
+              <p:spPr bwMode="auto">
+                <a:xfrm>
+                  <a:off x="1126707" y="1940983"/>
+                  <a:ext cx="639216" cy="639216"/>
+                </a:xfrm>
+                <a:prstGeom prst="rect">
+                  <a:avLst/>
+                </a:prstGeom>
+                <a:noFill/>
+                <a:extLst>
+                  <a:ext uri="{909E8E84-426E-40DD-AFC4-6F175D3DCCD1}">
+                    <a14:hiddenFill xmlns:a14="http://schemas.microsoft.com/office/drawing/2010/main">
+                      <a:solidFill>
+                        <a:srgbClr val="FFFFFF"/>
+                      </a:solidFill>
+                    </a14:hiddenFill>
+                  </a:ext>
+                </a:extLst>
+              </p:spPr>
+            </p:pic>
+          </p:grpSp>
+        </p:grpSp>
+        <p:grpSp>
+          <p:nvGrpSpPr>
+            <p:cNvPr id="121" name="그룹 120"/>
+            <p:cNvGrpSpPr/>
+            <p:nvPr/>
+          </p:nvGrpSpPr>
+          <p:grpSpPr>
+            <a:xfrm>
+              <a:off x="1205698" y="4930694"/>
+              <a:ext cx="1068434" cy="527999"/>
+              <a:chOff x="7677999" y="3621080"/>
+              <a:chExt cx="1068434" cy="527999"/>
+            </a:xfrm>
+          </p:grpSpPr>
+          <p:sp>
+            <p:nvSpPr>
+              <p:cNvPr id="122" name="직사각형 121"/>
+              <p:cNvSpPr/>
+              <p:nvPr/>
+            </p:nvSpPr>
+            <p:spPr>
+              <a:xfrm>
+                <a:off x="7678000" y="3621080"/>
+                <a:ext cx="1068433" cy="527999"/>
+              </a:xfrm>
+              <a:prstGeom prst="rect">
+                <a:avLst/>
+              </a:prstGeom>
+              <a:solidFill>
+                <a:schemeClr val="tx1">
+                  <a:alpha val="73000"/>
+                </a:schemeClr>
+              </a:solidFill>
+              <a:ln>
+                <a:noFill/>
+              </a:ln>
+            </p:spPr>
+            <p:style>
+              <a:lnRef idx="2">
+                <a:schemeClr val="accent1">
+                  <a:shade val="50000"/>
+                </a:schemeClr>
+              </a:lnRef>
+              <a:fillRef idx="1">
+                <a:schemeClr val="accent1"/>
+              </a:fillRef>
+              <a:effectRef idx="0">
+                <a:schemeClr val="accent1"/>
+              </a:effectRef>
+              <a:fontRef idx="minor">
+                <a:schemeClr val="lt1"/>
+              </a:fontRef>
+            </p:style>
+            <p:txBody>
+              <a:bodyPr rtlCol="0" anchor="ctr"/>
+              <a:lstStyle/>
+              <a:p>
+                <a:pPr algn="ctr"/>
+                <a:endParaRPr lang="ko-KR" altLang="en-US"/>
+              </a:p>
+            </p:txBody>
+          </p:sp>
+          <p:sp>
+            <p:nvSpPr>
+              <p:cNvPr id="123" name="TextBox 122"/>
+              <p:cNvSpPr txBox="1"/>
+              <p:nvPr/>
+            </p:nvSpPr>
+            <p:spPr>
+              <a:xfrm>
+                <a:off x="7677999" y="3667073"/>
+                <a:ext cx="1068434" cy="446276"/>
+              </a:xfrm>
+              <a:prstGeom prst="rect">
+                <a:avLst/>
+              </a:prstGeom>
+              <a:noFill/>
+            </p:spPr>
+            <p:txBody>
+              <a:bodyPr wrap="none" rtlCol="0" anchor="ctr">
+                <a:spAutoFit/>
+              </a:bodyPr>
+              <a:lstStyle/>
+              <a:p>
+                <a:r>
+                  <a:rPr lang="en-US" altLang="ko-KR" sz="2300" smtClean="0">
+                    <a:solidFill>
+                      <a:schemeClr val="bg1"/>
+                    </a:solidFill>
+                    <a:latin typeface="에스코어 드림 8 Heavy" pitchFamily="34" charset="-127"/>
+                    <a:ea typeface="에스코어 드림 8 Heavy" pitchFamily="34" charset="-127"/>
+                  </a:rPr>
+                  <a:t>D.M.C</a:t>
+                </a:r>
+                <a:endParaRPr lang="ko-KR" altLang="en-US" sz="2300">
+                  <a:solidFill>
+                    <a:schemeClr val="bg1"/>
+                  </a:solidFill>
+                  <a:latin typeface="에스코어 드림 8 Heavy" pitchFamily="34" charset="-127"/>
+                  <a:ea typeface="에스코어 드림 8 Heavy" pitchFamily="34" charset="-127"/>
+                </a:endParaRPr>
+              </a:p>
+            </p:txBody>
+          </p:sp>
+        </p:grpSp>
+      </p:grpSp>
+      <p:grpSp>
+        <p:nvGrpSpPr>
+          <p:cNvPr id="95" name="그룹 94"/>
+          <p:cNvGrpSpPr/>
+          <p:nvPr/>
+        </p:nvGrpSpPr>
+        <p:grpSpPr>
+          <a:xfrm>
+            <a:off x="3777337" y="2571276"/>
+            <a:ext cx="1628279" cy="1638753"/>
+            <a:chOff x="8022320" y="2125946"/>
+            <a:chExt cx="1121680" cy="1128895"/>
+          </a:xfrm>
+        </p:grpSpPr>
+        <p:sp>
+          <p:nvSpPr>
+            <p:cNvPr id="129" name="타원 128"/>
+            <p:cNvSpPr/>
+            <p:nvPr/>
+          </p:nvSpPr>
+          <p:spPr>
+            <a:xfrm>
+              <a:off x="8022320" y="2132856"/>
+              <a:ext cx="1121680" cy="1121985"/>
+            </a:xfrm>
+            <a:prstGeom prst="ellipse">
+              <a:avLst/>
+            </a:prstGeom>
+            <a:solidFill>
+              <a:schemeClr val="bg1"/>
+            </a:solidFill>
+            <a:ln>
+              <a:solidFill>
+                <a:schemeClr val="accent1">
+                  <a:shade val="50000"/>
+                </a:schemeClr>
+              </a:solidFill>
+            </a:ln>
+          </p:spPr>
+          <p:style>
+            <a:lnRef idx="2">
+              <a:schemeClr val="accent1">
+                <a:shade val="50000"/>
+              </a:schemeClr>
+            </a:lnRef>
+            <a:fillRef idx="1">
+              <a:schemeClr val="accent1"/>
+            </a:fillRef>
+            <a:effectRef idx="0">
+              <a:schemeClr val="accent1"/>
+            </a:effectRef>
+            <a:fontRef idx="minor">
+              <a:schemeClr val="lt1"/>
+            </a:fontRef>
+          </p:style>
+          <p:txBody>
+            <a:bodyPr rtlCol="0" anchor="ctr"/>
+            <a:lstStyle/>
+            <a:p>
+              <a:pPr algn="ctr"/>
+              <a:endParaRPr lang="ko-KR" altLang="en-US"/>
+            </a:p>
+          </p:txBody>
+        </p:sp>
+        <p:pic>
+          <p:nvPicPr>
+            <p:cNvPr id="126" name="Picture 4" descr="C:\Users\Admin\Desktop\이미지\파베.jpg"/>
+            <p:cNvPicPr>
+              <a:picLocks noChangeAspect="1" noChangeArrowheads="1"/>
+            </p:cNvPicPr>
+            <p:nvPr/>
+          </p:nvPicPr>
+          <p:blipFill rotWithShape="1">
+            <a:blip r:embed="rId8" cstate="print">
+              <a:extLst>
+                <a:ext uri="{BEBA8EAE-BF5A-486C-A8C5-ECC9F3942E4B}">
+                  <a14:imgProps xmlns:a14="http://schemas.microsoft.com/office/drawing/2010/main">
+                    <a14:imgLayer r:embed="rId9">
+                      <a14:imgEffect>
+                        <a14:backgroundRemoval t="6600" b="94200" l="17448" r="78516">
+                          <a14:foregroundMark x1="34505" y1="77600" x2="68880" y2="78200"/>
+                          <a14:foregroundMark x1="34245" y1="72600" x2="70052" y2="82000"/>
+                          <a14:foregroundMark x1="33724" y1="77000" x2="69531" y2="80800"/>
+                        </a14:backgroundRemoval>
+                      </a14:imgEffect>
+                    </a14:imgLayer>
+                  </a14:imgProps>
+                </a:ext>
+                <a:ext uri="{28A0092B-C50C-407E-A947-70E740481C1C}">
+                  <a14:useLocalDpi xmlns:a14="http://schemas.microsoft.com/office/drawing/2010/main" val="0"/>
+                </a:ext>
+              </a:extLst>
+            </a:blip>
+            <a:srcRect l="26562" t="11239" r="24349" b="10161"/>
+            <a:stretch/>
+          </p:blipFill>
+          <p:spPr bwMode="auto">
+            <a:xfrm>
+              <a:off x="8106732" y="2161273"/>
+              <a:ext cx="952856" cy="993295"/>
+            </a:xfrm>
+            <a:prstGeom prst="rect">
+              <a:avLst/>
+            </a:prstGeom>
+            <a:noFill/>
+            <a:extLst>
+              <a:ext uri="{909E8E84-426E-40DD-AFC4-6F175D3DCCD1}">
+                <a14:hiddenFill xmlns:a14="http://schemas.microsoft.com/office/drawing/2010/main">
+                  <a:solidFill>
+                    <a:srgbClr val="FFFFFF"/>
+                  </a:solidFill>
+                </a14:hiddenFill>
+              </a:ext>
+            </a:extLst>
+          </p:spPr>
+        </p:pic>
+        <p:sp>
+          <p:nvSpPr>
+            <p:cNvPr id="88" name="타원 87"/>
+            <p:cNvSpPr/>
+            <p:nvPr/>
+          </p:nvSpPr>
+          <p:spPr>
+            <a:xfrm>
+              <a:off x="8022320" y="2125946"/>
+              <a:ext cx="1121680" cy="1121985"/>
+            </a:xfrm>
+            <a:prstGeom prst="ellipse">
+              <a:avLst/>
+            </a:prstGeom>
+            <a:noFill/>
+            <a:ln>
+              <a:noFill/>
+            </a:ln>
+          </p:spPr>
+          <p:style>
+            <a:lnRef idx="2">
+              <a:schemeClr val="accent1">
+                <a:shade val="50000"/>
+              </a:schemeClr>
+            </a:lnRef>
+            <a:fillRef idx="1">
+              <a:schemeClr val="accent1"/>
+            </a:fillRef>
+            <a:effectRef idx="0">
+              <a:schemeClr val="accent1"/>
+            </a:effectRef>
+            <a:fontRef idx="minor">
+              <a:schemeClr val="lt1"/>
+            </a:fontRef>
+          </p:style>
+          <p:txBody>
+            <a:bodyPr rtlCol="0" anchor="ctr"/>
+            <a:lstStyle/>
+            <a:p>
+              <a:pPr algn="ctr"/>
+              <a:endParaRPr lang="ko-KR" altLang="en-US"/>
+            </a:p>
+          </p:txBody>
+        </p:sp>
+      </p:grpSp>
+      <p:grpSp>
+        <p:nvGrpSpPr>
+          <p:cNvPr id="38" name="그룹 37"/>
+          <p:cNvGrpSpPr/>
+          <p:nvPr/>
+        </p:nvGrpSpPr>
+        <p:grpSpPr>
+          <a:xfrm>
+            <a:off x="6588224" y="2265638"/>
+            <a:ext cx="2315490" cy="2315490"/>
+            <a:chOff x="3387879" y="2750322"/>
+            <a:chExt cx="2315490" cy="2315490"/>
+          </a:xfrm>
+        </p:grpSpPr>
+        <p:sp>
+          <p:nvSpPr>
+            <p:cNvPr id="39" name="타원 38"/>
+            <p:cNvSpPr/>
+            <p:nvPr/>
+          </p:nvSpPr>
+          <p:spPr>
+            <a:xfrm>
+              <a:off x="3387879" y="2750322"/>
+              <a:ext cx="2315490" cy="2315490"/>
+            </a:xfrm>
+            <a:prstGeom prst="ellipse">
+              <a:avLst/>
+            </a:prstGeom>
+            <a:blipFill>
+              <a:blip r:embed="rId10"/>
+              <a:stretch>
+                <a:fillRect/>
+              </a:stretch>
+            </a:blipFill>
+          </p:spPr>
+          <p:style>
+            <a:lnRef idx="2">
+              <a:schemeClr val="accent1">
+                <a:shade val="50000"/>
+              </a:schemeClr>
+            </a:lnRef>
+            <a:fillRef idx="1">
+              <a:schemeClr val="accent1"/>
+            </a:fillRef>
+            <a:effectRef idx="0">
+              <a:schemeClr val="accent1"/>
+            </a:effectRef>
+            <a:fontRef idx="minor">
+              <a:schemeClr val="lt1"/>
+            </a:fontRef>
+          </p:style>
+          <p:txBody>
+            <a:bodyPr rtlCol="0" anchor="ctr"/>
+            <a:lstStyle/>
+            <a:p>
+              <a:pPr algn="ctr"/>
+              <a:endParaRPr lang="ko-KR" altLang="en-US"/>
+            </a:p>
+          </p:txBody>
+        </p:sp>
+        <p:grpSp>
+          <p:nvGrpSpPr>
+            <p:cNvPr id="40" name="그룹 39"/>
+            <p:cNvGrpSpPr/>
+            <p:nvPr/>
+          </p:nvGrpSpPr>
+          <p:grpSpPr>
+            <a:xfrm>
+              <a:off x="3898492" y="4077072"/>
+              <a:ext cx="1319592" cy="527999"/>
+              <a:chOff x="7677999" y="3621080"/>
+              <a:chExt cx="1319592" cy="527999"/>
+            </a:xfrm>
+          </p:grpSpPr>
+          <p:sp>
+            <p:nvSpPr>
+              <p:cNvPr id="41" name="직사각형 40"/>
+              <p:cNvSpPr/>
+              <p:nvPr/>
+            </p:nvSpPr>
+            <p:spPr>
+              <a:xfrm>
+                <a:off x="7678000" y="3621080"/>
+                <a:ext cx="1319591" cy="527999"/>
+              </a:xfrm>
+              <a:prstGeom prst="rect">
+                <a:avLst/>
+              </a:prstGeom>
+              <a:solidFill>
+                <a:schemeClr val="tx1">
+                  <a:alpha val="73000"/>
+                </a:schemeClr>
+              </a:solidFill>
+              <a:ln>
+                <a:noFill/>
+              </a:ln>
+            </p:spPr>
+            <p:style>
+              <a:lnRef idx="2">
+                <a:schemeClr val="accent1">
+                  <a:shade val="50000"/>
+                </a:schemeClr>
+              </a:lnRef>
+              <a:fillRef idx="1">
+                <a:schemeClr val="accent1"/>
+              </a:fillRef>
+              <a:effectRef idx="0">
+                <a:schemeClr val="accent1"/>
+              </a:effectRef>
+              <a:fontRef idx="minor">
+                <a:schemeClr val="lt1"/>
+              </a:fontRef>
+            </p:style>
+            <p:txBody>
+              <a:bodyPr rtlCol="0" anchor="ctr"/>
+              <a:lstStyle/>
+              <a:p>
+                <a:pPr algn="ctr"/>
+                <a:endParaRPr lang="ko-KR" altLang="en-US"/>
+              </a:p>
+            </p:txBody>
+          </p:sp>
+          <p:sp>
+            <p:nvSpPr>
+              <p:cNvPr id="42" name="TextBox 41"/>
+              <p:cNvSpPr txBox="1"/>
+              <p:nvPr/>
+            </p:nvSpPr>
+            <p:spPr>
+              <a:xfrm>
+                <a:off x="7677999" y="3667073"/>
+                <a:ext cx="1319592" cy="446276"/>
+              </a:xfrm>
+              <a:prstGeom prst="rect">
+                <a:avLst/>
+              </a:prstGeom>
+              <a:noFill/>
+            </p:spPr>
+            <p:txBody>
+              <a:bodyPr wrap="none" rtlCol="0" anchor="ctr">
+                <a:spAutoFit/>
+              </a:bodyPr>
+              <a:lstStyle/>
+              <a:p>
+                <a:r>
+                  <a:rPr lang="ko-KR" altLang="en-US" sz="2300" smtClean="0">
+                    <a:solidFill>
+                      <a:schemeClr val="bg1"/>
+                    </a:solidFill>
+                    <a:latin typeface="에스코어 드림 8 Heavy" pitchFamily="34" charset="-127"/>
+                    <a:ea typeface="에스코어 드림 8 Heavy" pitchFamily="34" charset="-127"/>
+                  </a:rPr>
+                  <a:t>경계초소</a:t>
+                </a:r>
+                <a:endParaRPr lang="ko-KR" altLang="en-US" sz="2300">
+                  <a:solidFill>
+                    <a:schemeClr val="bg1"/>
+                  </a:solidFill>
+                  <a:latin typeface="에스코어 드림 8 Heavy" pitchFamily="34" charset="-127"/>
+                  <a:ea typeface="에스코어 드림 8 Heavy" pitchFamily="34" charset="-127"/>
+                </a:endParaRPr>
+              </a:p>
+            </p:txBody>
+          </p:sp>
+        </p:grpSp>
+      </p:grpSp>
+      <p:cxnSp>
+        <p:nvCxnSpPr>
+          <p:cNvPr id="68" name="직선 화살표 연결선 67"/>
+          <p:cNvCxnSpPr/>
+          <p:nvPr/>
+        </p:nvCxnSpPr>
         <p:spPr>
-          <a:xfrm>
-            <a:off x="2868333" y="2497398"/>
-            <a:ext cx="1516762" cy="923330"/>
-          </a:xfrm>
-          <a:prstGeom prst="rect">
+          <a:xfrm flipV="1">
+            <a:off x="5508104" y="3429000"/>
+            <a:ext cx="830854" cy="1426"/>
+          </a:xfrm>
+          <a:prstGeom prst="straightConnector1">
             <a:avLst/>
           </a:prstGeom>
-          <a:noFill/>
+          <a:ln w="63500">
+            <a:solidFill>
+              <a:srgbClr val="3A3C75"/>
+            </a:solidFill>
+            <a:headEnd type="triangle"/>
+            <a:tailEnd type="triangle"/>
+          </a:ln>
         </p:spPr>
-        <p:txBody>
-          <a:bodyPr wrap="none" rtlCol="0">
-            <a:spAutoFit/>
-          </a:bodyPr>
-          <a:lstStyle/>
-          <a:p>
-            <a:r>
-              <a:rPr lang="en-US" altLang="ko-KR" dirty="0" smtClean="0"/>
-              <a:t>DMC-</a:t>
-            </a:r>
-            <a:r>
-              <a:rPr lang="ko-KR" altLang="en-US" dirty="0" smtClean="0"/>
-              <a:t>주경계</a:t>
-            </a:r>
-            <a:endParaRPr lang="en-US" altLang="ko-KR" dirty="0"/>
-          </a:p>
-          <a:p>
-            <a:r>
-              <a:rPr lang="en-US" altLang="ko-KR" dirty="0" smtClean="0"/>
-              <a:t>     </a:t>
-            </a:r>
-            <a:r>
-              <a:rPr lang="ko-KR" altLang="en-US" dirty="0" smtClean="0"/>
-              <a:t>보조경계</a:t>
-            </a:r>
-            <a:endParaRPr lang="en-US" altLang="ko-KR" dirty="0" smtClean="0"/>
-          </a:p>
-          <a:p>
-            <a:endParaRPr lang="en-US" altLang="ko-KR" dirty="0" smtClean="0"/>
-          </a:p>
-        </p:txBody>
-      </p:sp>
+        <p:style>
+          <a:lnRef idx="1">
+            <a:schemeClr val="accent1"/>
+          </a:lnRef>
+          <a:fillRef idx="0">
+            <a:schemeClr val="accent1"/>
+          </a:fillRef>
+          <a:effectRef idx="0">
+            <a:schemeClr val="accent1"/>
+          </a:effectRef>
+          <a:fontRef idx="minor">
+            <a:schemeClr val="tx1"/>
+          </a:fontRef>
+        </p:style>
+      </p:cxnSp>
+      <p:cxnSp>
+        <p:nvCxnSpPr>
+          <p:cNvPr id="71" name="직선 화살표 연결선 70"/>
+          <p:cNvCxnSpPr/>
+          <p:nvPr/>
+        </p:nvCxnSpPr>
+        <p:spPr>
+          <a:xfrm flipV="1">
+            <a:off x="2771800" y="3427574"/>
+            <a:ext cx="830854" cy="1426"/>
+          </a:xfrm>
+          <a:prstGeom prst="straightConnector1">
+            <a:avLst/>
+          </a:prstGeom>
+          <a:ln w="63500">
+            <a:solidFill>
+              <a:srgbClr val="3A3C75"/>
+            </a:solidFill>
+            <a:headEnd type="triangle"/>
+            <a:tailEnd type="triangle"/>
+          </a:ln>
+        </p:spPr>
+        <p:style>
+          <a:lnRef idx="1">
+            <a:schemeClr val="accent1"/>
+          </a:lnRef>
+          <a:fillRef idx="0">
+            <a:schemeClr val="accent1"/>
+          </a:fillRef>
+          <a:effectRef idx="0">
+            <a:schemeClr val="accent1"/>
+          </a:effectRef>
+          <a:fontRef idx="minor">
+            <a:schemeClr val="tx1"/>
+          </a:fontRef>
+        </p:style>
+      </p:cxnSp>
       <p:pic>
         <p:nvPicPr>
-          <p:cNvPr id="3077" name="Picture 5" descr="C:\Users\Admin\Downloads\거수자.PNG"/>
+          <p:cNvPr id="80" name="Picture 2" descr="C:\Users\Admin\Desktop\이미지\클라우드.png"/>
           <p:cNvPicPr>
             <a:picLocks noChangeAspect="1" noChangeArrowheads="1"/>
           </p:cNvPicPr>
           <p:nvPr/>
         </p:nvPicPr>
         <p:blipFill>
-          <a:blip r:embed="rId4">
+          <a:blip r:embed="rId2" cstate="print">
             <a:extLst>
               <a:ext uri="{28A0092B-C50C-407E-A947-70E740481C1C}">
                 <a14:useLocalDpi xmlns:a14="http://schemas.microsoft.com/office/drawing/2010/main" val="0"/>
@@ -5851,9 +10797,9 @@
           </a:stretch>
         </p:blipFill>
         <p:spPr bwMode="auto">
-          <a:xfrm flipH="1">
-            <a:off x="6756391" y="2912118"/>
-            <a:ext cx="1390219" cy="1686010"/>
+          <a:xfrm>
+            <a:off x="2643901" y="2539119"/>
+            <a:ext cx="1150307" cy="763211"/>
           </a:xfrm>
           <a:prstGeom prst="rect">
             <a:avLst/>
@@ -5870,10 +10816,58 @@
           </a:extLst>
         </p:spPr>
       </p:pic>
+      <p:sp>
+        <p:nvSpPr>
+          <p:cNvPr id="90" name="직사각형 89"/>
+          <p:cNvSpPr/>
+          <p:nvPr/>
+        </p:nvSpPr>
+        <p:spPr>
+          <a:xfrm>
+            <a:off x="131361" y="5661248"/>
+            <a:ext cx="8905135" cy="845300"/>
+          </a:xfrm>
+          <a:prstGeom prst="rect">
+            <a:avLst/>
+          </a:prstGeom>
+          <a:solidFill>
+            <a:schemeClr val="tx1">
+              <a:alpha val="73000"/>
+            </a:schemeClr>
+          </a:solidFill>
+          <a:ln>
+            <a:noFill/>
+          </a:ln>
+        </p:spPr>
+        <p:style>
+          <a:lnRef idx="2">
+            <a:schemeClr val="accent1">
+              <a:shade val="50000"/>
+            </a:schemeClr>
+          </a:lnRef>
+          <a:fillRef idx="1">
+            <a:schemeClr val="accent1"/>
+          </a:fillRef>
+          <a:effectRef idx="0">
+            <a:schemeClr val="accent1"/>
+          </a:effectRef>
+          <a:fontRef idx="minor">
+            <a:schemeClr val="lt1"/>
+          </a:fontRef>
+        </p:style>
+        <p:txBody>
+          <a:bodyPr rtlCol="0" anchor="ctr"/>
+          <a:lstStyle/>
+          <a:p>
+            <a:pPr algn="ctr"/>
+            <a:endParaRPr lang="ko-KR" altLang="en-US"/>
+          </a:p>
+        </p:txBody>
+      </p:sp>
     </p:spTree>
     <p:extLst>
       <p:ext uri="{BB962C8B-B14F-4D97-AF65-F5344CB8AC3E}">
-        <p14:creationId xmlns:p14="http://schemas.microsoft.com/office/powerpoint/2010/main" val="641855139"/>
+        <p14:creationId xmlns:p14="http://schemas.microsoft.com/office/powerpoint/2010/main" val="1864616046"/>
       </p:ext>
     </p:extLst>
   </p:cSld>
@@ -6170,7 +11164,35 @@
       </a:bgFillStyleLst>
     </a:fmtScheme>
   </a:themeElements>
-  <a:objectDefaults/>
+  <a:objectDefaults>
+    <a:lnDef>
+      <a:spPr>
+        <a:ln w="63500">
+          <a:solidFill>
+            <a:srgbClr val="3A3C75"/>
+          </a:solidFill>
+          <a:headEnd type="none"/>
+          <a:tailEnd type="triangle"/>
+        </a:ln>
+      </a:spPr>
+      <a:bodyPr/>
+      <a:lstStyle/>
+      <a:style>
+        <a:lnRef idx="1">
+          <a:schemeClr val="accent1"/>
+        </a:lnRef>
+        <a:fillRef idx="0">
+          <a:schemeClr val="accent1"/>
+        </a:fillRef>
+        <a:effectRef idx="0">
+          <a:schemeClr val="accent1"/>
+        </a:effectRef>
+        <a:fontRef idx="minor">
+          <a:schemeClr val="tx1"/>
+        </a:fontRef>
+      </a:style>
+    </a:lnDef>
+  </a:objectDefaults>
   <a:extraClrSchemeLst/>
 </a:theme>
 </file>

--- a/확장성이 용이한 무인감시체계.pptx
+++ b/확장성이 용이한 무인감시체계.pptx
@@ -5,7 +5,7 @@
     <p:sldMasterId id="2147483648" r:id="rId1"/>
   </p:sldMasterIdLst>
   <p:notesMasterIdLst>
-    <p:notesMasterId r:id="rId15"/>
+    <p:notesMasterId r:id="rId18"/>
   </p:notesMasterIdLst>
   <p:sldIdLst>
     <p:sldId id="256" r:id="rId2"/>
@@ -18,9 +18,12 @@
     <p:sldId id="261" r:id="rId9"/>
     <p:sldId id="271" r:id="rId10"/>
     <p:sldId id="272" r:id="rId11"/>
-    <p:sldId id="274" r:id="rId12"/>
-    <p:sldId id="275" r:id="rId13"/>
-    <p:sldId id="273" r:id="rId14"/>
+    <p:sldId id="279" r:id="rId12"/>
+    <p:sldId id="274" r:id="rId13"/>
+    <p:sldId id="275" r:id="rId14"/>
+    <p:sldId id="276" r:id="rId15"/>
+    <p:sldId id="277" r:id="rId16"/>
+    <p:sldId id="273" r:id="rId17"/>
   </p:sldIdLst>
   <p:sldSz cx="9144000" cy="6858000" type="screen4x3"/>
   <p:notesSz cx="6858000" cy="9144000"/>
@@ -204,7 +207,7 @@
           <a:p>
             <a:fld id="{2C818A98-E8BC-4B45-B38E-FA23E1237D6C}" type="datetimeFigureOut">
               <a:rPr lang="ko-KR" altLang="en-US" smtClean="0"/>
-              <a:t>2019-10-23</a:t>
+              <a:t>2019-10-24</a:t>
             </a:fld>
             <a:endParaRPr lang="ko-KR" altLang="en-US"/>
           </a:p>
@@ -653,7 +656,7 @@
           <a:p>
             <a:fld id="{12AF2C04-33FD-4DE4-AE58-F06B33DAC8AF}" type="datetimeFigureOut">
               <a:rPr lang="ko-KR" altLang="en-US" smtClean="0"/>
-              <a:t>2019-10-23</a:t>
+              <a:t>2019-10-24</a:t>
             </a:fld>
             <a:endParaRPr lang="ko-KR" altLang="en-US"/>
           </a:p>
@@ -830,7 +833,7 @@
           <a:p>
             <a:fld id="{12AF2C04-33FD-4DE4-AE58-F06B33DAC8AF}" type="datetimeFigureOut">
               <a:rPr lang="ko-KR" altLang="en-US" smtClean="0"/>
-              <a:t>2019-10-23</a:t>
+              <a:t>2019-10-24</a:t>
             </a:fld>
             <a:endParaRPr lang="ko-KR" altLang="en-US"/>
           </a:p>
@@ -1010,7 +1013,7 @@
           <a:p>
             <a:fld id="{12AF2C04-33FD-4DE4-AE58-F06B33DAC8AF}" type="datetimeFigureOut">
               <a:rPr lang="ko-KR" altLang="en-US" smtClean="0"/>
-              <a:t>2019-10-23</a:t>
+              <a:t>2019-10-24</a:t>
             </a:fld>
             <a:endParaRPr lang="ko-KR" altLang="en-US"/>
           </a:p>
@@ -1180,7 +1183,7 @@
           <a:p>
             <a:fld id="{12AF2C04-33FD-4DE4-AE58-F06B33DAC8AF}" type="datetimeFigureOut">
               <a:rPr lang="ko-KR" altLang="en-US" smtClean="0"/>
-              <a:t>2019-10-23</a:t>
+              <a:t>2019-10-24</a:t>
             </a:fld>
             <a:endParaRPr lang="ko-KR" altLang="en-US"/>
           </a:p>
@@ -1519,7 +1522,7 @@
           <a:p>
             <a:fld id="{12AF2C04-33FD-4DE4-AE58-F06B33DAC8AF}" type="datetimeFigureOut">
               <a:rPr lang="ko-KR" altLang="en-US" smtClean="0"/>
-              <a:t>2019-10-23</a:t>
+              <a:t>2019-10-24</a:t>
             </a:fld>
             <a:endParaRPr lang="ko-KR" altLang="en-US"/>
           </a:p>
@@ -1807,7 +1810,7 @@
           <a:p>
             <a:fld id="{12AF2C04-33FD-4DE4-AE58-F06B33DAC8AF}" type="datetimeFigureOut">
               <a:rPr lang="ko-KR" altLang="en-US" smtClean="0"/>
-              <a:t>2019-10-23</a:t>
+              <a:t>2019-10-24</a:t>
             </a:fld>
             <a:endParaRPr lang="ko-KR" altLang="en-US"/>
           </a:p>
@@ -2229,7 +2232,7 @@
           <a:p>
             <a:fld id="{12AF2C04-33FD-4DE4-AE58-F06B33DAC8AF}" type="datetimeFigureOut">
               <a:rPr lang="ko-KR" altLang="en-US" smtClean="0"/>
-              <a:t>2019-10-23</a:t>
+              <a:t>2019-10-24</a:t>
             </a:fld>
             <a:endParaRPr lang="ko-KR" altLang="en-US"/>
           </a:p>
@@ -2347,7 +2350,7 @@
           <a:p>
             <a:fld id="{12AF2C04-33FD-4DE4-AE58-F06B33DAC8AF}" type="datetimeFigureOut">
               <a:rPr lang="ko-KR" altLang="en-US" smtClean="0"/>
-              <a:t>2019-10-23</a:t>
+              <a:t>2019-10-24</a:t>
             </a:fld>
             <a:endParaRPr lang="ko-KR" altLang="en-US"/>
           </a:p>
@@ -2449,7 +2452,7 @@
           <a:p>
             <a:fld id="{12AF2C04-33FD-4DE4-AE58-F06B33DAC8AF}" type="datetimeFigureOut">
               <a:rPr lang="ko-KR" altLang="en-US" smtClean="0"/>
-              <a:t>2019-10-23</a:t>
+              <a:t>2019-10-24</a:t>
             </a:fld>
             <a:endParaRPr lang="ko-KR" altLang="en-US"/>
           </a:p>
@@ -2819,7 +2822,7 @@
           <a:p>
             <a:fld id="{12AF2C04-33FD-4DE4-AE58-F06B33DAC8AF}" type="datetimeFigureOut">
               <a:rPr lang="ko-KR" altLang="en-US" smtClean="0"/>
-              <a:t>2019-10-23</a:t>
+              <a:t>2019-10-24</a:t>
             </a:fld>
             <a:endParaRPr lang="ko-KR" altLang="en-US"/>
           </a:p>
@@ -3072,7 +3075,7 @@
           <a:p>
             <a:fld id="{12AF2C04-33FD-4DE4-AE58-F06B33DAC8AF}" type="datetimeFigureOut">
               <a:rPr lang="ko-KR" altLang="en-US" smtClean="0"/>
-              <a:t>2019-10-23</a:t>
+              <a:t>2019-10-24</a:t>
             </a:fld>
             <a:endParaRPr lang="ko-KR" altLang="en-US"/>
           </a:p>
@@ -3285,7 +3288,7 @@
           <a:p>
             <a:fld id="{12AF2C04-33FD-4DE4-AE58-F06B33DAC8AF}" type="datetimeFigureOut">
               <a:rPr lang="ko-KR" altLang="en-US" smtClean="0"/>
-              <a:t>2019-10-23</a:t>
+              <a:t>2019-10-24</a:t>
             </a:fld>
             <a:endParaRPr lang="ko-KR" altLang="en-US"/>
           </a:p>
@@ -4166,47 +4169,6 @@
           <a:chExt cx="0" cy="0"/>
         </a:xfrm>
       </p:grpSpPr>
-      <p:pic>
-        <p:nvPicPr>
-          <p:cNvPr id="3075" name="Picture 3" descr="C:\Users\Admin\Downloads\군인.png"/>
-          <p:cNvPicPr>
-            <a:picLocks noChangeAspect="1" noChangeArrowheads="1"/>
-          </p:cNvPicPr>
-          <p:nvPr/>
-        </p:nvPicPr>
-        <p:blipFill>
-          <a:blip r:embed="rId2" cstate="print">
-            <a:extLst>
-              <a:ext uri="{28A0092B-C50C-407E-A947-70E740481C1C}">
-                <a14:useLocalDpi xmlns:a14="http://schemas.microsoft.com/office/drawing/2010/main" val="0"/>
-              </a:ext>
-            </a:extLst>
-          </a:blip>
-          <a:srcRect/>
-          <a:stretch>
-            <a:fillRect/>
-          </a:stretch>
-        </p:blipFill>
-        <p:spPr bwMode="auto">
-          <a:xfrm>
-            <a:off x="-4212976" y="1937177"/>
-            <a:ext cx="2168482" cy="1940446"/>
-          </a:xfrm>
-          <a:prstGeom prst="rect">
-            <a:avLst/>
-          </a:prstGeom>
-          <a:noFill/>
-          <a:extLst>
-            <a:ext uri="{909E8E84-426E-40DD-AFC4-6F175D3DCCD1}">
-              <a14:hiddenFill xmlns:a14="http://schemas.microsoft.com/office/drawing/2010/main">
-                <a:solidFill>
-                  <a:srgbClr val="FFFFFF"/>
-                </a:solidFill>
-              </a14:hiddenFill>
-            </a:ext>
-          </a:extLst>
-        </p:spPr>
-      </p:pic>
       <p:sp>
         <p:nvSpPr>
           <p:cNvPr id="10" name="TextBox 9"/>
@@ -4216,7 +4178,819 @@
         <p:spPr>
           <a:xfrm>
             <a:off x="107504" y="620688"/>
-            <a:ext cx="1661032" cy="707886"/>
+            <a:ext cx="5256584" cy="707886"/>
+          </a:xfrm>
+          <a:prstGeom prst="rect">
+            <a:avLst/>
+          </a:prstGeom>
+          <a:noFill/>
+        </p:spPr>
+        <p:txBody>
+          <a:bodyPr wrap="square" rtlCol="0" anchor="ctr">
+            <a:spAutoFit/>
+          </a:bodyPr>
+          <a:lstStyle/>
+          <a:p>
+            <a:r>
+              <a:rPr lang="ko-KR" altLang="en-US" sz="4000" smtClean="0">
+                <a:solidFill>
+                  <a:srgbClr val="3A3C75"/>
+                </a:solidFill>
+                <a:latin typeface="에스코어 드림 8 Heavy" pitchFamily="34" charset="-127"/>
+                <a:ea typeface="에스코어 드림 8 Heavy" pitchFamily="34" charset="-127"/>
+              </a:rPr>
+              <a:t>흐름도</a:t>
+            </a:r>
+            <a:endParaRPr lang="ko-KR" altLang="en-US" sz="4000">
+              <a:solidFill>
+                <a:srgbClr val="3A3C75"/>
+              </a:solidFill>
+              <a:latin typeface="에스코어 드림 8 Heavy" pitchFamily="34" charset="-127"/>
+              <a:ea typeface="에스코어 드림 8 Heavy" pitchFamily="34" charset="-127"/>
+            </a:endParaRPr>
+          </a:p>
+        </p:txBody>
+      </p:sp>
+      <p:sp>
+        <p:nvSpPr>
+          <p:cNvPr id="2" name="오른쪽 화살표 1"/>
+          <p:cNvSpPr/>
+          <p:nvPr/>
+        </p:nvSpPr>
+        <p:spPr>
+          <a:xfrm>
+            <a:off x="0" y="3220221"/>
+            <a:ext cx="9144000" cy="1008112"/>
+          </a:xfrm>
+          <a:prstGeom prst="rightArrow">
+            <a:avLst>
+              <a:gd name="adj1" fmla="val 50000"/>
+              <a:gd name="adj2" fmla="val 52567"/>
+            </a:avLst>
+          </a:prstGeom>
+          <a:ln>
+            <a:noFill/>
+          </a:ln>
+        </p:spPr>
+        <p:style>
+          <a:lnRef idx="2">
+            <a:schemeClr val="accent1">
+              <a:shade val="50000"/>
+            </a:schemeClr>
+          </a:lnRef>
+          <a:fillRef idx="1">
+            <a:schemeClr val="accent1"/>
+          </a:fillRef>
+          <a:effectRef idx="0">
+            <a:schemeClr val="accent1"/>
+          </a:effectRef>
+          <a:fontRef idx="minor">
+            <a:schemeClr val="lt1"/>
+          </a:fontRef>
+        </p:style>
+        <p:txBody>
+          <a:bodyPr rtlCol="0" anchor="ctr"/>
+          <a:lstStyle/>
+          <a:p>
+            <a:pPr algn="ctr"/>
+            <a:endParaRPr lang="ko-KR" altLang="en-US"/>
+          </a:p>
+        </p:txBody>
+      </p:sp>
+      <p:grpSp>
+        <p:nvGrpSpPr>
+          <p:cNvPr id="6" name="그룹 5"/>
+          <p:cNvGrpSpPr/>
+          <p:nvPr/>
+        </p:nvGrpSpPr>
+        <p:grpSpPr>
+          <a:xfrm>
+            <a:off x="224056" y="2669229"/>
+            <a:ext cx="1035861" cy="527999"/>
+            <a:chOff x="7677999" y="3621080"/>
+            <a:chExt cx="1035861" cy="527999"/>
+          </a:xfrm>
+        </p:grpSpPr>
+        <p:sp>
+          <p:nvSpPr>
+            <p:cNvPr id="7" name="직사각형 6"/>
+            <p:cNvSpPr/>
+            <p:nvPr/>
+          </p:nvSpPr>
+          <p:spPr>
+            <a:xfrm>
+              <a:off x="7678000" y="3621080"/>
+              <a:ext cx="1035860" cy="527999"/>
+            </a:xfrm>
+            <a:prstGeom prst="rect">
+              <a:avLst/>
+            </a:prstGeom>
+            <a:solidFill>
+              <a:schemeClr val="tx1">
+                <a:alpha val="73000"/>
+              </a:schemeClr>
+            </a:solidFill>
+            <a:ln>
+              <a:noFill/>
+            </a:ln>
+          </p:spPr>
+          <p:style>
+            <a:lnRef idx="2">
+              <a:schemeClr val="accent1">
+                <a:shade val="50000"/>
+              </a:schemeClr>
+            </a:lnRef>
+            <a:fillRef idx="1">
+              <a:schemeClr val="accent1"/>
+            </a:fillRef>
+            <a:effectRef idx="0">
+              <a:schemeClr val="accent1"/>
+            </a:effectRef>
+            <a:fontRef idx="minor">
+              <a:schemeClr val="lt1"/>
+            </a:fontRef>
+          </p:style>
+          <p:txBody>
+            <a:bodyPr rtlCol="0" anchor="ctr"/>
+            <a:lstStyle/>
+            <a:p>
+              <a:pPr algn="ctr"/>
+              <a:endParaRPr lang="ko-KR" altLang="en-US"/>
+            </a:p>
+          </p:txBody>
+        </p:sp>
+        <p:sp>
+          <p:nvSpPr>
+            <p:cNvPr id="8" name="TextBox 7"/>
+            <p:cNvSpPr txBox="1"/>
+            <p:nvPr/>
+          </p:nvSpPr>
+          <p:spPr>
+            <a:xfrm>
+              <a:off x="7677999" y="3657548"/>
+              <a:ext cx="1035861" cy="446276"/>
+            </a:xfrm>
+            <a:prstGeom prst="rect">
+              <a:avLst/>
+            </a:prstGeom>
+            <a:noFill/>
+          </p:spPr>
+          <p:txBody>
+            <a:bodyPr wrap="none" rtlCol="0" anchor="ctr">
+              <a:spAutoFit/>
+            </a:bodyPr>
+            <a:lstStyle/>
+            <a:p>
+              <a:r>
+                <a:rPr lang="ko-KR" altLang="en-US" sz="2300" smtClean="0">
+                  <a:solidFill>
+                    <a:schemeClr val="bg1"/>
+                  </a:solidFill>
+                  <a:latin typeface="에스코어 드림 8 Heavy" pitchFamily="34" charset="-127"/>
+                  <a:ea typeface="에스코어 드림 8 Heavy" pitchFamily="34" charset="-127"/>
+                </a:rPr>
+                <a:t>로그인</a:t>
+              </a:r>
+              <a:endParaRPr lang="ko-KR" altLang="en-US" sz="2300">
+                <a:solidFill>
+                  <a:schemeClr val="bg1"/>
+                </a:solidFill>
+                <a:latin typeface="에스코어 드림 8 Heavy" pitchFamily="34" charset="-127"/>
+                <a:ea typeface="에스코어 드림 8 Heavy" pitchFamily="34" charset="-127"/>
+              </a:endParaRPr>
+            </a:p>
+          </p:txBody>
+        </p:sp>
+      </p:grpSp>
+      <p:grpSp>
+        <p:nvGrpSpPr>
+          <p:cNvPr id="9" name="그룹 8"/>
+          <p:cNvGrpSpPr/>
+          <p:nvPr/>
+        </p:nvGrpSpPr>
+        <p:grpSpPr>
+          <a:xfrm>
+            <a:off x="1385228" y="2669229"/>
+            <a:ext cx="1319592" cy="527999"/>
+            <a:chOff x="7677999" y="3621080"/>
+            <a:chExt cx="1319592" cy="527999"/>
+          </a:xfrm>
+        </p:grpSpPr>
+        <p:sp>
+          <p:nvSpPr>
+            <p:cNvPr id="11" name="직사각형 10"/>
+            <p:cNvSpPr/>
+            <p:nvPr/>
+          </p:nvSpPr>
+          <p:spPr>
+            <a:xfrm>
+              <a:off x="7678000" y="3621080"/>
+              <a:ext cx="1319591" cy="527999"/>
+            </a:xfrm>
+            <a:prstGeom prst="rect">
+              <a:avLst/>
+            </a:prstGeom>
+            <a:solidFill>
+              <a:schemeClr val="tx1">
+                <a:alpha val="73000"/>
+              </a:schemeClr>
+            </a:solidFill>
+            <a:ln>
+              <a:noFill/>
+            </a:ln>
+          </p:spPr>
+          <p:style>
+            <a:lnRef idx="2">
+              <a:schemeClr val="accent1">
+                <a:shade val="50000"/>
+              </a:schemeClr>
+            </a:lnRef>
+            <a:fillRef idx="1">
+              <a:schemeClr val="accent1"/>
+            </a:fillRef>
+            <a:effectRef idx="0">
+              <a:schemeClr val="accent1"/>
+            </a:effectRef>
+            <a:fontRef idx="minor">
+              <a:schemeClr val="lt1"/>
+            </a:fontRef>
+          </p:style>
+          <p:txBody>
+            <a:bodyPr rtlCol="0" anchor="ctr"/>
+            <a:lstStyle/>
+            <a:p>
+              <a:pPr algn="ctr"/>
+              <a:endParaRPr lang="ko-KR" altLang="en-US"/>
+            </a:p>
+          </p:txBody>
+        </p:sp>
+        <p:sp>
+          <p:nvSpPr>
+            <p:cNvPr id="12" name="TextBox 11"/>
+            <p:cNvSpPr txBox="1"/>
+            <p:nvPr/>
+          </p:nvSpPr>
+          <p:spPr>
+            <a:xfrm>
+              <a:off x="7677999" y="3657548"/>
+              <a:ext cx="1319592" cy="446276"/>
+            </a:xfrm>
+            <a:prstGeom prst="rect">
+              <a:avLst/>
+            </a:prstGeom>
+            <a:noFill/>
+          </p:spPr>
+          <p:txBody>
+            <a:bodyPr wrap="none" rtlCol="0" anchor="ctr">
+              <a:spAutoFit/>
+            </a:bodyPr>
+            <a:lstStyle/>
+            <a:p>
+              <a:r>
+                <a:rPr lang="ko-KR" altLang="en-US" sz="2300" smtClean="0">
+                  <a:solidFill>
+                    <a:schemeClr val="bg1"/>
+                  </a:solidFill>
+                  <a:latin typeface="에스코어 드림 8 Heavy" pitchFamily="34" charset="-127"/>
+                  <a:ea typeface="에스코어 드림 8 Heavy" pitchFamily="34" charset="-127"/>
+                </a:rPr>
+                <a:t>메인화면</a:t>
+              </a:r>
+              <a:endParaRPr lang="ko-KR" altLang="en-US" sz="2300">
+                <a:solidFill>
+                  <a:schemeClr val="bg1"/>
+                </a:solidFill>
+                <a:latin typeface="에스코어 드림 8 Heavy" pitchFamily="34" charset="-127"/>
+                <a:ea typeface="에스코어 드림 8 Heavy" pitchFamily="34" charset="-127"/>
+              </a:endParaRPr>
+            </a:p>
+          </p:txBody>
+        </p:sp>
+      </p:grpSp>
+      <p:grpSp>
+        <p:nvGrpSpPr>
+          <p:cNvPr id="13" name="그룹 12"/>
+          <p:cNvGrpSpPr/>
+          <p:nvPr/>
+        </p:nvGrpSpPr>
+        <p:grpSpPr>
+          <a:xfrm>
+            <a:off x="2830131" y="2674164"/>
+            <a:ext cx="1689886" cy="527999"/>
+            <a:chOff x="7677999" y="3621080"/>
+            <a:chExt cx="1689886" cy="527999"/>
+          </a:xfrm>
+        </p:grpSpPr>
+        <p:sp>
+          <p:nvSpPr>
+            <p:cNvPr id="14" name="직사각형 13"/>
+            <p:cNvSpPr/>
+            <p:nvPr/>
+          </p:nvSpPr>
+          <p:spPr>
+            <a:xfrm>
+              <a:off x="7678000" y="3621080"/>
+              <a:ext cx="1689885" cy="527999"/>
+            </a:xfrm>
+            <a:prstGeom prst="rect">
+              <a:avLst/>
+            </a:prstGeom>
+            <a:solidFill>
+              <a:schemeClr val="tx1">
+                <a:alpha val="73000"/>
+              </a:schemeClr>
+            </a:solidFill>
+            <a:ln>
+              <a:noFill/>
+            </a:ln>
+          </p:spPr>
+          <p:style>
+            <a:lnRef idx="2">
+              <a:schemeClr val="accent1">
+                <a:shade val="50000"/>
+              </a:schemeClr>
+            </a:lnRef>
+            <a:fillRef idx="1">
+              <a:schemeClr val="accent1"/>
+            </a:fillRef>
+            <a:effectRef idx="0">
+              <a:schemeClr val="accent1"/>
+            </a:effectRef>
+            <a:fontRef idx="minor">
+              <a:schemeClr val="lt1"/>
+            </a:fontRef>
+          </p:style>
+          <p:txBody>
+            <a:bodyPr rtlCol="0" anchor="ctr"/>
+            <a:lstStyle/>
+            <a:p>
+              <a:pPr algn="ctr"/>
+              <a:endParaRPr lang="ko-KR" altLang="en-US"/>
+            </a:p>
+          </p:txBody>
+        </p:sp>
+        <p:sp>
+          <p:nvSpPr>
+            <p:cNvPr id="15" name="TextBox 14"/>
+            <p:cNvSpPr txBox="1"/>
+            <p:nvPr/>
+          </p:nvSpPr>
+          <p:spPr>
+            <a:xfrm>
+              <a:off x="7677999" y="3667073"/>
+              <a:ext cx="1689886" cy="446276"/>
+            </a:xfrm>
+            <a:prstGeom prst="rect">
+              <a:avLst/>
+            </a:prstGeom>
+            <a:noFill/>
+          </p:spPr>
+          <p:txBody>
+            <a:bodyPr wrap="none" rtlCol="0" anchor="ctr">
+              <a:spAutoFit/>
+            </a:bodyPr>
+            <a:lstStyle/>
+            <a:p>
+              <a:r>
+                <a:rPr lang="ko-KR" altLang="en-US" sz="2300" smtClean="0">
+                  <a:solidFill>
+                    <a:schemeClr val="bg1"/>
+                  </a:solidFill>
+                  <a:latin typeface="에스코어 드림 8 Heavy" pitchFamily="34" charset="-127"/>
+                  <a:ea typeface="에스코어 드림 8 Heavy" pitchFamily="34" charset="-127"/>
+                </a:rPr>
+                <a:t>채팅방 생성</a:t>
+              </a:r>
+              <a:endParaRPr lang="ko-KR" altLang="en-US" sz="2300">
+                <a:solidFill>
+                  <a:schemeClr val="bg1"/>
+                </a:solidFill>
+                <a:latin typeface="에스코어 드림 8 Heavy" pitchFamily="34" charset="-127"/>
+                <a:ea typeface="에스코어 드림 8 Heavy" pitchFamily="34" charset="-127"/>
+              </a:endParaRPr>
+            </a:p>
+          </p:txBody>
+        </p:sp>
+      </p:grpSp>
+      <p:grpSp>
+        <p:nvGrpSpPr>
+          <p:cNvPr id="50" name="그룹 49"/>
+          <p:cNvGrpSpPr/>
+          <p:nvPr/>
+        </p:nvGrpSpPr>
+        <p:grpSpPr>
+          <a:xfrm>
+            <a:off x="2483767" y="5142500"/>
+            <a:ext cx="2382615" cy="703728"/>
+            <a:chOff x="2483767" y="4309448"/>
+            <a:chExt cx="2382615" cy="703728"/>
+          </a:xfrm>
+        </p:grpSpPr>
+        <p:sp>
+          <p:nvSpPr>
+            <p:cNvPr id="17" name="순서도: 판단 16"/>
+            <p:cNvSpPr/>
+            <p:nvPr/>
+          </p:nvSpPr>
+          <p:spPr>
+            <a:xfrm>
+              <a:off x="2483767" y="4309448"/>
+              <a:ext cx="2382615" cy="703728"/>
+            </a:xfrm>
+            <a:prstGeom prst="flowChartDecision">
+              <a:avLst/>
+            </a:prstGeom>
+            <a:solidFill>
+              <a:schemeClr val="tx1">
+                <a:alpha val="73000"/>
+              </a:schemeClr>
+            </a:solidFill>
+            <a:ln>
+              <a:noFill/>
+            </a:ln>
+          </p:spPr>
+          <p:style>
+            <a:lnRef idx="2">
+              <a:schemeClr val="accent1">
+                <a:shade val="50000"/>
+              </a:schemeClr>
+            </a:lnRef>
+            <a:fillRef idx="1">
+              <a:schemeClr val="accent1"/>
+            </a:fillRef>
+            <a:effectRef idx="0">
+              <a:schemeClr val="accent1"/>
+            </a:effectRef>
+            <a:fontRef idx="minor">
+              <a:schemeClr val="lt1"/>
+            </a:fontRef>
+          </p:style>
+          <p:txBody>
+            <a:bodyPr rtlCol="0" anchor="ctr"/>
+            <a:lstStyle/>
+            <a:p>
+              <a:pPr algn="ctr"/>
+              <a:endParaRPr lang="ko-KR" altLang="en-US"/>
+            </a:p>
+          </p:txBody>
+        </p:sp>
+        <p:sp>
+          <p:nvSpPr>
+            <p:cNvPr id="18" name="TextBox 17"/>
+            <p:cNvSpPr txBox="1"/>
+            <p:nvPr/>
+          </p:nvSpPr>
+          <p:spPr>
+            <a:xfrm>
+              <a:off x="2968001" y="4413679"/>
+              <a:ext cx="1428596" cy="584775"/>
+            </a:xfrm>
+            <a:prstGeom prst="rect">
+              <a:avLst/>
+            </a:prstGeom>
+            <a:noFill/>
+          </p:spPr>
+          <p:txBody>
+            <a:bodyPr wrap="none" rtlCol="0" anchor="ctr">
+              <a:spAutoFit/>
+            </a:bodyPr>
+            <a:lstStyle/>
+            <a:p>
+              <a:pPr algn="ctr"/>
+              <a:r>
+                <a:rPr lang="ko-KR" altLang="en-US" sz="1600" smtClean="0">
+                  <a:solidFill>
+                    <a:schemeClr val="bg1"/>
+                  </a:solidFill>
+                  <a:latin typeface="에스코어 드림 8 Heavy" pitchFamily="34" charset="-127"/>
+                  <a:ea typeface="에스코어 드림 8 Heavy" pitchFamily="34" charset="-127"/>
+                </a:rPr>
+                <a:t>거동수상자가 </a:t>
+              </a:r>
+              <a:endParaRPr lang="en-US" altLang="ko-KR" sz="1600" smtClean="0">
+                <a:solidFill>
+                  <a:schemeClr val="bg1"/>
+                </a:solidFill>
+                <a:latin typeface="에스코어 드림 8 Heavy" pitchFamily="34" charset="-127"/>
+                <a:ea typeface="에스코어 드림 8 Heavy" pitchFamily="34" charset="-127"/>
+              </a:endParaRPr>
+            </a:p>
+            <a:p>
+              <a:pPr algn="ctr"/>
+              <a:r>
+                <a:rPr lang="ko-KR" altLang="en-US" sz="1600" smtClean="0">
+                  <a:solidFill>
+                    <a:schemeClr val="bg1"/>
+                  </a:solidFill>
+                  <a:latin typeface="에스코어 드림 8 Heavy" pitchFamily="34" charset="-127"/>
+                  <a:ea typeface="에스코어 드림 8 Heavy" pitchFamily="34" charset="-127"/>
+                </a:rPr>
+                <a:t>있는가</a:t>
+              </a:r>
+              <a:r>
+                <a:rPr lang="en-US" altLang="ko-KR" sz="1600" smtClean="0">
+                  <a:solidFill>
+                    <a:schemeClr val="bg1"/>
+                  </a:solidFill>
+                  <a:latin typeface="에스코어 드림 8 Heavy" pitchFamily="34" charset="-127"/>
+                  <a:ea typeface="에스코어 드림 8 Heavy" pitchFamily="34" charset="-127"/>
+                </a:rPr>
+                <a:t>?</a:t>
+              </a:r>
+              <a:endParaRPr lang="ko-KR" altLang="en-US" sz="1600">
+                <a:solidFill>
+                  <a:schemeClr val="bg1"/>
+                </a:solidFill>
+                <a:latin typeface="에스코어 드림 8 Heavy" pitchFamily="34" charset="-127"/>
+                <a:ea typeface="에스코어 드림 8 Heavy" pitchFamily="34" charset="-127"/>
+              </a:endParaRPr>
+            </a:p>
+          </p:txBody>
+        </p:sp>
+      </p:grpSp>
+      <p:grpSp>
+        <p:nvGrpSpPr>
+          <p:cNvPr id="96" name="그룹 95"/>
+          <p:cNvGrpSpPr/>
+          <p:nvPr/>
+        </p:nvGrpSpPr>
+        <p:grpSpPr>
+          <a:xfrm>
+            <a:off x="5356423" y="1779255"/>
+            <a:ext cx="1689886" cy="1422908"/>
+            <a:chOff x="5356423" y="1779255"/>
+            <a:chExt cx="1689886" cy="1422908"/>
+          </a:xfrm>
+        </p:grpSpPr>
+        <p:pic>
+          <p:nvPicPr>
+            <p:cNvPr id="1028" name="Picture 4" descr="C:\Users\Admin\Desktop\이미지\장교.PNG"/>
+            <p:cNvPicPr>
+              <a:picLocks noChangeAspect="1" noChangeArrowheads="1"/>
+            </p:cNvPicPr>
+            <p:nvPr/>
+          </p:nvPicPr>
+          <p:blipFill>
+            <a:blip r:embed="rId2" cstate="print">
+              <a:extLst>
+                <a:ext uri="{BEBA8EAE-BF5A-486C-A8C5-ECC9F3942E4B}">
+                  <a14:imgProps xmlns:a14="http://schemas.microsoft.com/office/drawing/2010/main">
+                    <a14:imgLayer r:embed="rId3">
+                      <a14:imgEffect>
+                        <a14:backgroundRemoval t="3687" b="98157" l="8012" r="96439"/>
+                      </a14:imgEffect>
+                    </a14:imgLayer>
+                  </a14:imgProps>
+                </a:ext>
+                <a:ext uri="{28A0092B-C50C-407E-A947-70E740481C1C}">
+                  <a14:useLocalDpi xmlns:a14="http://schemas.microsoft.com/office/drawing/2010/main" val="0"/>
+                </a:ext>
+              </a:extLst>
+            </a:blip>
+            <a:srcRect/>
+            <a:stretch>
+              <a:fillRect/>
+            </a:stretch>
+          </p:blipFill>
+          <p:spPr bwMode="auto">
+            <a:xfrm>
+              <a:off x="5837771" y="1779255"/>
+              <a:ext cx="727191" cy="936501"/>
+            </a:xfrm>
+            <a:prstGeom prst="rect">
+              <a:avLst/>
+            </a:prstGeom>
+            <a:noFill/>
+            <a:extLst>
+              <a:ext uri="{909E8E84-426E-40DD-AFC4-6F175D3DCCD1}">
+                <a14:hiddenFill xmlns:a14="http://schemas.microsoft.com/office/drawing/2010/main">
+                  <a:solidFill>
+                    <a:srgbClr val="FFFFFF"/>
+                  </a:solidFill>
+                </a14:hiddenFill>
+              </a:ext>
+            </a:extLst>
+          </p:spPr>
+        </p:pic>
+        <p:grpSp>
+          <p:nvGrpSpPr>
+            <p:cNvPr id="43" name="그룹 42"/>
+            <p:cNvGrpSpPr/>
+            <p:nvPr/>
+          </p:nvGrpSpPr>
+          <p:grpSpPr>
+            <a:xfrm>
+              <a:off x="5356423" y="2674164"/>
+              <a:ext cx="1689886" cy="527999"/>
+              <a:chOff x="7677999" y="3621080"/>
+              <a:chExt cx="1689886" cy="527999"/>
+            </a:xfrm>
+          </p:grpSpPr>
+          <p:sp>
+            <p:nvSpPr>
+              <p:cNvPr id="44" name="직사각형 43"/>
+              <p:cNvSpPr/>
+              <p:nvPr/>
+            </p:nvSpPr>
+            <p:spPr>
+              <a:xfrm>
+                <a:off x="7678000" y="3621080"/>
+                <a:ext cx="1689885" cy="527999"/>
+              </a:xfrm>
+              <a:prstGeom prst="rect">
+                <a:avLst/>
+              </a:prstGeom>
+              <a:solidFill>
+                <a:schemeClr val="tx1">
+                  <a:alpha val="73000"/>
+                </a:schemeClr>
+              </a:solidFill>
+              <a:ln>
+                <a:noFill/>
+              </a:ln>
+            </p:spPr>
+            <p:style>
+              <a:lnRef idx="2">
+                <a:schemeClr val="accent1">
+                  <a:shade val="50000"/>
+                </a:schemeClr>
+              </a:lnRef>
+              <a:fillRef idx="1">
+                <a:schemeClr val="accent1"/>
+              </a:fillRef>
+              <a:effectRef idx="0">
+                <a:schemeClr val="accent1"/>
+              </a:effectRef>
+              <a:fontRef idx="minor">
+                <a:schemeClr val="lt1"/>
+              </a:fontRef>
+            </p:style>
+            <p:txBody>
+              <a:bodyPr rtlCol="0" anchor="ctr"/>
+              <a:lstStyle/>
+              <a:p>
+                <a:pPr algn="ctr"/>
+                <a:endParaRPr lang="ko-KR" altLang="en-US"/>
+              </a:p>
+            </p:txBody>
+          </p:sp>
+          <p:sp>
+            <p:nvSpPr>
+              <p:cNvPr id="45" name="TextBox 44"/>
+              <p:cNvSpPr txBox="1"/>
+              <p:nvPr/>
+            </p:nvSpPr>
+            <p:spPr>
+              <a:xfrm>
+                <a:off x="7677999" y="3657548"/>
+                <a:ext cx="1689886" cy="446276"/>
+              </a:xfrm>
+              <a:prstGeom prst="rect">
+                <a:avLst/>
+              </a:prstGeom>
+              <a:noFill/>
+            </p:spPr>
+            <p:txBody>
+              <a:bodyPr wrap="none" rtlCol="0" anchor="ctr">
+                <a:spAutoFit/>
+              </a:bodyPr>
+              <a:lstStyle/>
+              <a:p>
+                <a:r>
+                  <a:rPr lang="ko-KR" altLang="en-US" sz="2300" smtClean="0">
+                    <a:solidFill>
+                      <a:schemeClr val="bg1"/>
+                    </a:solidFill>
+                    <a:latin typeface="에스코어 드림 8 Heavy" pitchFamily="34" charset="-127"/>
+                    <a:ea typeface="에스코어 드림 8 Heavy" pitchFamily="34" charset="-127"/>
+                  </a:rPr>
+                  <a:t>메시지 </a:t>
+                </a:r>
+                <a:r>
+                  <a:rPr lang="ko-KR" altLang="en-US" sz="2300" smtClean="0">
+                    <a:solidFill>
+                      <a:schemeClr val="bg1"/>
+                    </a:solidFill>
+                    <a:latin typeface="에스코어 드림 8 Heavy" pitchFamily="34" charset="-127"/>
+                    <a:ea typeface="에스코어 드림 8 Heavy" pitchFamily="34" charset="-127"/>
+                  </a:rPr>
+                  <a:t>확</a:t>
+                </a:r>
+                <a:r>
+                  <a:rPr lang="ko-KR" altLang="en-US" sz="2300">
+                    <a:solidFill>
+                      <a:schemeClr val="bg1"/>
+                    </a:solidFill>
+                    <a:latin typeface="에스코어 드림 8 Heavy" pitchFamily="34" charset="-127"/>
+                    <a:ea typeface="에스코어 드림 8 Heavy" pitchFamily="34" charset="-127"/>
+                  </a:rPr>
+                  <a:t>인</a:t>
+                </a:r>
+                <a:endParaRPr lang="ko-KR" altLang="en-US" sz="2300">
+                  <a:solidFill>
+                    <a:schemeClr val="bg1"/>
+                  </a:solidFill>
+                  <a:latin typeface="에스코어 드림 8 Heavy" pitchFamily="34" charset="-127"/>
+                  <a:ea typeface="에스코어 드림 8 Heavy" pitchFamily="34" charset="-127"/>
+                </a:endParaRPr>
+              </a:p>
+            </p:txBody>
+          </p:sp>
+        </p:grpSp>
+      </p:grpSp>
+      <p:cxnSp>
+        <p:nvCxnSpPr>
+          <p:cNvPr id="49" name="직선 화살표 연결선 48"/>
+          <p:cNvCxnSpPr>
+            <a:stCxn id="15" idx="2"/>
+            <a:endCxn id="17" idx="0"/>
+          </p:cNvCxnSpPr>
+          <p:nvPr/>
+        </p:nvCxnSpPr>
+        <p:spPr>
+          <a:xfrm>
+            <a:off x="3675074" y="3166433"/>
+            <a:ext cx="1" cy="1976067"/>
+          </a:xfrm>
+          <a:prstGeom prst="straightConnector1">
+            <a:avLst/>
+          </a:prstGeom>
+          <a:ln w="63500">
+            <a:solidFill>
+              <a:srgbClr val="3A3C75"/>
+            </a:solidFill>
+            <a:headEnd type="none"/>
+            <a:tailEnd type="triangle"/>
+          </a:ln>
+        </p:spPr>
+        <p:style>
+          <a:lnRef idx="1">
+            <a:schemeClr val="accent1"/>
+          </a:lnRef>
+          <a:fillRef idx="0">
+            <a:schemeClr val="accent1"/>
+          </a:fillRef>
+          <a:effectRef idx="0">
+            <a:schemeClr val="accent1"/>
+          </a:effectRef>
+          <a:fontRef idx="minor">
+            <a:schemeClr val="tx1"/>
+          </a:fontRef>
+        </p:style>
+      </p:cxnSp>
+      <p:cxnSp>
+        <p:nvCxnSpPr>
+          <p:cNvPr id="58" name="꺾인 연결선 57"/>
+          <p:cNvCxnSpPr>
+            <a:stCxn id="17" idx="2"/>
+            <a:endCxn id="17" idx="1"/>
+          </p:cNvCxnSpPr>
+          <p:nvPr/>
+        </p:nvCxnSpPr>
+        <p:spPr>
+          <a:xfrm rot="5400000" flipH="1">
+            <a:off x="2903489" y="5074642"/>
+            <a:ext cx="351864" cy="1191308"/>
+          </a:xfrm>
+          <a:prstGeom prst="bentConnector4">
+            <a:avLst>
+              <a:gd name="adj1" fmla="val -116454"/>
+              <a:gd name="adj2" fmla="val 140913"/>
+            </a:avLst>
+          </a:prstGeom>
+          <a:ln w="63500">
+            <a:solidFill>
+              <a:srgbClr val="3A3C75"/>
+            </a:solidFill>
+            <a:headEnd type="none"/>
+            <a:tailEnd type="triangle"/>
+          </a:ln>
+        </p:spPr>
+        <p:style>
+          <a:lnRef idx="1">
+            <a:schemeClr val="accent1"/>
+          </a:lnRef>
+          <a:fillRef idx="0">
+            <a:schemeClr val="accent1"/>
+          </a:fillRef>
+          <a:effectRef idx="0">
+            <a:schemeClr val="accent1"/>
+          </a:effectRef>
+          <a:fontRef idx="minor">
+            <a:schemeClr val="tx1"/>
+          </a:fontRef>
+        </p:style>
+      </p:cxnSp>
+      <p:sp>
+        <p:nvSpPr>
+          <p:cNvPr id="67" name="TextBox 66"/>
+          <p:cNvSpPr txBox="1"/>
+          <p:nvPr/>
+        </p:nvSpPr>
+        <p:spPr>
+          <a:xfrm>
+            <a:off x="5170535" y="5545979"/>
+            <a:ext cx="709425" cy="446276"/>
           </a:xfrm>
           <a:prstGeom prst="rect">
             <a:avLst/>
@@ -4230,35 +5004,1003 @@
           <a:lstStyle/>
           <a:p>
             <a:r>
-              <a:rPr lang="ko-KR" altLang="en-US" sz="4000" smtClean="0">
-                <a:solidFill>
-                  <a:srgbClr val="3A3C75"/>
-                </a:solidFill>
+              <a:rPr lang="en-US" altLang="ko-KR" sz="2300" smtClean="0">
                 <a:latin typeface="에스코어 드림 8 Heavy" pitchFamily="34" charset="-127"/>
                 <a:ea typeface="에스코어 드림 8 Heavy" pitchFamily="34" charset="-127"/>
               </a:rPr>
-              <a:t>흐름</a:t>
-            </a:r>
-            <a:r>
-              <a:rPr lang="ko-KR" altLang="en-US" sz="4000">
-                <a:solidFill>
-                  <a:srgbClr val="3A3C75"/>
-                </a:solidFill>
+              <a:t>Yes</a:t>
+            </a:r>
+            <a:endParaRPr lang="ko-KR" altLang="en-US" sz="2300">
+              <a:latin typeface="에스코어 드림 8 Heavy" pitchFamily="34" charset="-127"/>
+              <a:ea typeface="에스코어 드림 8 Heavy" pitchFamily="34" charset="-127"/>
+            </a:endParaRPr>
+          </a:p>
+        </p:txBody>
+      </p:sp>
+      <p:cxnSp>
+        <p:nvCxnSpPr>
+          <p:cNvPr id="71" name="꺾인 연결선 70"/>
+          <p:cNvCxnSpPr>
+            <a:stCxn id="17" idx="3"/>
+            <a:endCxn id="44" idx="2"/>
+          </p:cNvCxnSpPr>
+          <p:nvPr/>
+        </p:nvCxnSpPr>
+        <p:spPr>
+          <a:xfrm flipV="1">
+            <a:off x="4866382" y="3202163"/>
+            <a:ext cx="1334985" cy="2292201"/>
+          </a:xfrm>
+          <a:prstGeom prst="bentConnector2">
+            <a:avLst/>
+          </a:prstGeom>
+          <a:ln w="63500">
+            <a:solidFill>
+              <a:srgbClr val="3A3C75"/>
+            </a:solidFill>
+            <a:headEnd type="none"/>
+            <a:tailEnd type="triangle"/>
+          </a:ln>
+        </p:spPr>
+        <p:style>
+          <a:lnRef idx="1">
+            <a:schemeClr val="accent1"/>
+          </a:lnRef>
+          <a:fillRef idx="0">
+            <a:schemeClr val="accent1"/>
+          </a:fillRef>
+          <a:effectRef idx="0">
+            <a:schemeClr val="accent1"/>
+          </a:effectRef>
+          <a:fontRef idx="minor">
+            <a:schemeClr val="tx1"/>
+          </a:fontRef>
+        </p:style>
+      </p:cxnSp>
+      <p:sp>
+        <p:nvSpPr>
+          <p:cNvPr id="74" name="TextBox 73"/>
+          <p:cNvSpPr txBox="1"/>
+          <p:nvPr/>
+        </p:nvSpPr>
+        <p:spPr>
+          <a:xfrm>
+            <a:off x="3707904" y="5812509"/>
+            <a:ext cx="572593" cy="446276"/>
+          </a:xfrm>
+          <a:prstGeom prst="rect">
+            <a:avLst/>
+          </a:prstGeom>
+          <a:noFill/>
+        </p:spPr>
+        <p:txBody>
+          <a:bodyPr wrap="none" rtlCol="0" anchor="ctr">
+            <a:spAutoFit/>
+          </a:bodyPr>
+          <a:lstStyle/>
+          <a:p>
+            <a:r>
+              <a:rPr lang="en-US" altLang="ko-KR" sz="2300" smtClean="0">
                 <a:latin typeface="에스코어 드림 8 Heavy" pitchFamily="34" charset="-127"/>
                 <a:ea typeface="에스코어 드림 8 Heavy" pitchFamily="34" charset="-127"/>
               </a:rPr>
-              <a:t>도</a:t>
-            </a:r>
-            <a:endParaRPr lang="ko-KR" altLang="en-US" sz="4000">
-              <a:solidFill>
-                <a:srgbClr val="3A3C75"/>
-              </a:solidFill>
+              <a:t>No</a:t>
+            </a:r>
+            <a:endParaRPr lang="ko-KR" altLang="en-US" sz="2300">
               <a:latin typeface="에스코어 드림 8 Heavy" pitchFamily="34" charset="-127"/>
               <a:ea typeface="에스코어 드림 8 Heavy" pitchFamily="34" charset="-127"/>
             </a:endParaRPr>
           </a:p>
         </p:txBody>
       </p:sp>
+      <p:grpSp>
+        <p:nvGrpSpPr>
+          <p:cNvPr id="75" name="그룹 74"/>
+          <p:cNvGrpSpPr/>
+          <p:nvPr/>
+        </p:nvGrpSpPr>
+        <p:grpSpPr>
+          <a:xfrm>
+            <a:off x="2830131" y="4196762"/>
+            <a:ext cx="1689886" cy="527999"/>
+            <a:chOff x="7677999" y="3621080"/>
+            <a:chExt cx="1689886" cy="527999"/>
+          </a:xfrm>
+        </p:grpSpPr>
+        <p:sp>
+          <p:nvSpPr>
+            <p:cNvPr id="76" name="직사각형 75"/>
+            <p:cNvSpPr/>
+            <p:nvPr/>
+          </p:nvSpPr>
+          <p:spPr>
+            <a:xfrm>
+              <a:off x="7678000" y="3621080"/>
+              <a:ext cx="1689885" cy="527999"/>
+            </a:xfrm>
+            <a:prstGeom prst="rect">
+              <a:avLst/>
+            </a:prstGeom>
+            <a:solidFill>
+              <a:schemeClr val="tx1">
+                <a:alpha val="73000"/>
+              </a:schemeClr>
+            </a:solidFill>
+            <a:ln>
+              <a:noFill/>
+            </a:ln>
+          </p:spPr>
+          <p:style>
+            <a:lnRef idx="2">
+              <a:schemeClr val="accent1">
+                <a:shade val="50000"/>
+              </a:schemeClr>
+            </a:lnRef>
+            <a:fillRef idx="1">
+              <a:schemeClr val="accent1"/>
+            </a:fillRef>
+            <a:effectRef idx="0">
+              <a:schemeClr val="accent1"/>
+            </a:effectRef>
+            <a:fontRef idx="minor">
+              <a:schemeClr val="lt1"/>
+            </a:fontRef>
+          </p:style>
+          <p:txBody>
+            <a:bodyPr rtlCol="0" anchor="ctr"/>
+            <a:lstStyle/>
+            <a:p>
+              <a:pPr algn="ctr"/>
+              <a:endParaRPr lang="ko-KR" altLang="en-US"/>
+            </a:p>
+          </p:txBody>
+        </p:sp>
+        <p:sp>
+          <p:nvSpPr>
+            <p:cNvPr id="77" name="TextBox 76"/>
+            <p:cNvSpPr txBox="1"/>
+            <p:nvPr/>
+          </p:nvSpPr>
+          <p:spPr>
+            <a:xfrm>
+              <a:off x="7677999" y="3657548"/>
+              <a:ext cx="1689886" cy="446276"/>
+            </a:xfrm>
+            <a:prstGeom prst="rect">
+              <a:avLst/>
+            </a:prstGeom>
+            <a:noFill/>
+          </p:spPr>
+          <p:txBody>
+            <a:bodyPr wrap="none" rtlCol="0" anchor="ctr">
+              <a:spAutoFit/>
+            </a:bodyPr>
+            <a:lstStyle/>
+            <a:p>
+              <a:r>
+                <a:rPr lang="ko-KR" altLang="en-US" sz="2300" smtClean="0">
+                  <a:solidFill>
+                    <a:schemeClr val="bg1"/>
+                  </a:solidFill>
+                  <a:latin typeface="에스코어 드림 8 Heavy" pitchFamily="34" charset="-127"/>
+                  <a:ea typeface="에스코어 드림 8 Heavy" pitchFamily="34" charset="-127"/>
+                </a:rPr>
+                <a:t>카메라 탐지</a:t>
+              </a:r>
+              <a:endParaRPr lang="ko-KR" altLang="en-US" sz="2300">
+                <a:solidFill>
+                  <a:schemeClr val="bg1"/>
+                </a:solidFill>
+                <a:latin typeface="에스코어 드림 8 Heavy" pitchFamily="34" charset="-127"/>
+                <a:ea typeface="에스코어 드림 8 Heavy" pitchFamily="34" charset="-127"/>
+              </a:endParaRPr>
+            </a:p>
+          </p:txBody>
+        </p:sp>
+      </p:grpSp>
+      <p:grpSp>
+        <p:nvGrpSpPr>
+          <p:cNvPr id="68" name="그룹 67"/>
+          <p:cNvGrpSpPr/>
+          <p:nvPr/>
+        </p:nvGrpSpPr>
+        <p:grpSpPr>
+          <a:xfrm>
+            <a:off x="5356423" y="4196762"/>
+            <a:ext cx="1689886" cy="527999"/>
+            <a:chOff x="7677999" y="3621080"/>
+            <a:chExt cx="1689886" cy="527999"/>
+          </a:xfrm>
+        </p:grpSpPr>
+        <p:sp>
+          <p:nvSpPr>
+            <p:cNvPr id="69" name="직사각형 68"/>
+            <p:cNvSpPr/>
+            <p:nvPr/>
+          </p:nvSpPr>
+          <p:spPr>
+            <a:xfrm>
+              <a:off x="7678000" y="3621080"/>
+              <a:ext cx="1689885" cy="527999"/>
+            </a:xfrm>
+            <a:prstGeom prst="rect">
+              <a:avLst/>
+            </a:prstGeom>
+            <a:solidFill>
+              <a:schemeClr val="tx1">
+                <a:alpha val="73000"/>
+              </a:schemeClr>
+            </a:solidFill>
+            <a:ln>
+              <a:noFill/>
+            </a:ln>
+          </p:spPr>
+          <p:style>
+            <a:lnRef idx="2">
+              <a:schemeClr val="accent1">
+                <a:shade val="50000"/>
+              </a:schemeClr>
+            </a:lnRef>
+            <a:fillRef idx="1">
+              <a:schemeClr val="accent1"/>
+            </a:fillRef>
+            <a:effectRef idx="0">
+              <a:schemeClr val="accent1"/>
+            </a:effectRef>
+            <a:fontRef idx="minor">
+              <a:schemeClr val="lt1"/>
+            </a:fontRef>
+          </p:style>
+          <p:txBody>
+            <a:bodyPr rtlCol="0" anchor="ctr"/>
+            <a:lstStyle/>
+            <a:p>
+              <a:pPr algn="ctr"/>
+              <a:endParaRPr lang="ko-KR" altLang="en-US"/>
+            </a:p>
+          </p:txBody>
+        </p:sp>
+        <p:sp>
+          <p:nvSpPr>
+            <p:cNvPr id="70" name="TextBox 69"/>
+            <p:cNvSpPr txBox="1"/>
+            <p:nvPr/>
+          </p:nvSpPr>
+          <p:spPr>
+            <a:xfrm>
+              <a:off x="7677999" y="3657548"/>
+              <a:ext cx="1689886" cy="446276"/>
+            </a:xfrm>
+            <a:prstGeom prst="rect">
+              <a:avLst/>
+            </a:prstGeom>
+            <a:noFill/>
+          </p:spPr>
+          <p:txBody>
+            <a:bodyPr wrap="none" rtlCol="0" anchor="ctr">
+              <a:spAutoFit/>
+            </a:bodyPr>
+            <a:lstStyle/>
+            <a:p>
+              <a:r>
+                <a:rPr lang="ko-KR" altLang="en-US" sz="2300" smtClean="0">
+                  <a:solidFill>
+                    <a:schemeClr val="bg1"/>
+                  </a:solidFill>
+                  <a:latin typeface="에스코어 드림 8 Heavy" pitchFamily="34" charset="-127"/>
+                  <a:ea typeface="에스코어 드림 8 Heavy" pitchFamily="34" charset="-127"/>
+                </a:rPr>
+                <a:t>메시지 전송</a:t>
+              </a:r>
+              <a:endParaRPr lang="ko-KR" altLang="en-US" sz="2300">
+                <a:solidFill>
+                  <a:schemeClr val="bg1"/>
+                </a:solidFill>
+                <a:latin typeface="에스코어 드림 8 Heavy" pitchFamily="34" charset="-127"/>
+                <a:ea typeface="에스코어 드림 8 Heavy" pitchFamily="34" charset="-127"/>
+              </a:endParaRPr>
+            </a:p>
+          </p:txBody>
+        </p:sp>
+      </p:grpSp>
+      <p:grpSp>
+        <p:nvGrpSpPr>
+          <p:cNvPr id="87" name="그룹 86"/>
+          <p:cNvGrpSpPr/>
+          <p:nvPr/>
+        </p:nvGrpSpPr>
+        <p:grpSpPr>
+          <a:xfrm>
+            <a:off x="755576" y="4052635"/>
+            <a:ext cx="1080120" cy="1320581"/>
+            <a:chOff x="323528" y="4131888"/>
+            <a:chExt cx="1080120" cy="1320581"/>
+          </a:xfrm>
+        </p:grpSpPr>
+        <p:grpSp>
+          <p:nvGrpSpPr>
+            <p:cNvPr id="83" name="그룹 82"/>
+            <p:cNvGrpSpPr/>
+            <p:nvPr/>
+          </p:nvGrpSpPr>
+          <p:grpSpPr>
+            <a:xfrm>
+              <a:off x="477234" y="4131888"/>
+              <a:ext cx="772709" cy="1135847"/>
+              <a:chOff x="774955" y="1556792"/>
+              <a:chExt cx="1342720" cy="1810269"/>
+            </a:xfrm>
+          </p:grpSpPr>
+          <p:pic>
+            <p:nvPicPr>
+              <p:cNvPr id="84" name="Picture 7" descr="C:\Users\Admin\Desktop\이미지\스마트폰.png"/>
+              <p:cNvPicPr>
+                <a:picLocks noChangeAspect="1" noChangeArrowheads="1"/>
+              </p:cNvPicPr>
+              <p:nvPr/>
+            </p:nvPicPr>
+            <p:blipFill rotWithShape="1">
+              <a:blip r:embed="rId4" cstate="print">
+                <a:extLst>
+                  <a:ext uri="{BEBA8EAE-BF5A-486C-A8C5-ECC9F3942E4B}">
+                    <a14:imgProps xmlns:a14="http://schemas.microsoft.com/office/drawing/2010/main">
+                      <a14:imgLayer r:embed="rId5">
+                        <a14:imgEffect>
+                          <a14:backgroundRemoval t="6806" b="90000" l="9954" r="95370"/>
+                        </a14:imgEffect>
+                      </a14:imgLayer>
+                    </a14:imgProps>
+                  </a:ext>
+                  <a:ext uri="{28A0092B-C50C-407E-A947-70E740481C1C}">
+                    <a14:useLocalDpi xmlns:a14="http://schemas.microsoft.com/office/drawing/2010/main" val="0"/>
+                  </a:ext>
+                </a:extLst>
+              </a:blip>
+              <a:srcRect l="48920" t="7916" b="9444"/>
+              <a:stretch/>
+            </p:blipFill>
+            <p:spPr bwMode="auto">
+              <a:xfrm>
+                <a:off x="774955" y="1556792"/>
+                <a:ext cx="1342720" cy="1810269"/>
+              </a:xfrm>
+              <a:prstGeom prst="rect">
+                <a:avLst/>
+              </a:prstGeom>
+              <a:noFill/>
+              <a:extLst>
+                <a:ext uri="{909E8E84-426E-40DD-AFC4-6F175D3DCCD1}">
+                  <a14:hiddenFill xmlns:a14="http://schemas.microsoft.com/office/drawing/2010/main">
+                    <a:solidFill>
+                      <a:srgbClr val="FFFFFF"/>
+                    </a:solidFill>
+                  </a14:hiddenFill>
+                </a:ext>
+              </a:extLst>
+            </p:spPr>
+          </p:pic>
+          <p:pic>
+            <p:nvPicPr>
+              <p:cNvPr id="85" name="Picture 6" descr="C:\Users\Admin\Desktop\이미지\cctv-svg-2.png"/>
+              <p:cNvPicPr>
+                <a:picLocks noChangeAspect="1" noChangeArrowheads="1"/>
+              </p:cNvPicPr>
+              <p:nvPr/>
+            </p:nvPicPr>
+            <p:blipFill>
+              <a:blip r:embed="rId6" cstate="print">
+                <a:extLst>
+                  <a:ext uri="{BEBA8EAE-BF5A-486C-A8C5-ECC9F3942E4B}">
+                    <a14:imgProps xmlns:a14="http://schemas.microsoft.com/office/drawing/2010/main">
+                      <a14:imgLayer r:embed="rId7">
+                        <a14:imgEffect>
+                          <a14:backgroundRemoval t="0" b="100000" l="0" r="100000">
+                            <a14:foregroundMark x1="49902" y1="62207" x2="49902" y2="62207"/>
+                            <a14:foregroundMark x1="50000" y1="59473" x2="48633" y2="63477"/>
+                            <a14:foregroundMark x1="46387" y1="56055" x2="53516" y2="63477"/>
+                          </a14:backgroundRemoval>
+                        </a14:imgEffect>
+                      </a14:imgLayer>
+                    </a14:imgProps>
+                  </a:ext>
+                  <a:ext uri="{28A0092B-C50C-407E-A947-70E740481C1C}">
+                    <a14:useLocalDpi xmlns:a14="http://schemas.microsoft.com/office/drawing/2010/main" val="0"/>
+                  </a:ext>
+                </a:extLst>
+              </a:blip>
+              <a:srcRect/>
+              <a:stretch>
+                <a:fillRect/>
+              </a:stretch>
+            </p:blipFill>
+            <p:spPr bwMode="auto">
+              <a:xfrm>
+                <a:off x="1126707" y="1940983"/>
+                <a:ext cx="639216" cy="639216"/>
+              </a:xfrm>
+              <a:prstGeom prst="rect">
+                <a:avLst/>
+              </a:prstGeom>
+              <a:noFill/>
+              <a:extLst>
+                <a:ext uri="{909E8E84-426E-40DD-AFC4-6F175D3DCCD1}">
+                  <a14:hiddenFill xmlns:a14="http://schemas.microsoft.com/office/drawing/2010/main">
+                    <a:solidFill>
+                      <a:srgbClr val="FFFFFF"/>
+                    </a:solidFill>
+                  </a14:hiddenFill>
+                </a:ext>
+              </a:extLst>
+            </p:spPr>
+          </p:pic>
+        </p:grpSp>
+        <p:grpSp>
+          <p:nvGrpSpPr>
+            <p:cNvPr id="40" name="그룹 39"/>
+            <p:cNvGrpSpPr/>
+            <p:nvPr/>
+          </p:nvGrpSpPr>
+          <p:grpSpPr>
+            <a:xfrm>
+              <a:off x="323528" y="4924470"/>
+              <a:ext cx="1080120" cy="527999"/>
+              <a:chOff x="7677999" y="3621080"/>
+              <a:chExt cx="1080120" cy="527999"/>
+            </a:xfrm>
+          </p:grpSpPr>
+          <p:sp>
+            <p:nvSpPr>
+              <p:cNvPr id="41" name="직사각형 40"/>
+              <p:cNvSpPr/>
+              <p:nvPr/>
+            </p:nvSpPr>
+            <p:spPr>
+              <a:xfrm>
+                <a:off x="7678000" y="3621080"/>
+                <a:ext cx="1080119" cy="527999"/>
+              </a:xfrm>
+              <a:prstGeom prst="rect">
+                <a:avLst/>
+              </a:prstGeom>
+              <a:solidFill>
+                <a:schemeClr val="tx1"/>
+              </a:solidFill>
+              <a:ln>
+                <a:noFill/>
+              </a:ln>
+            </p:spPr>
+            <p:style>
+              <a:lnRef idx="2">
+                <a:schemeClr val="accent1">
+                  <a:shade val="50000"/>
+                </a:schemeClr>
+              </a:lnRef>
+              <a:fillRef idx="1">
+                <a:schemeClr val="accent1"/>
+              </a:fillRef>
+              <a:effectRef idx="0">
+                <a:schemeClr val="accent1"/>
+              </a:effectRef>
+              <a:fontRef idx="minor">
+                <a:schemeClr val="lt1"/>
+              </a:fontRef>
+            </p:style>
+            <p:txBody>
+              <a:bodyPr rtlCol="0" anchor="ctr"/>
+              <a:lstStyle/>
+              <a:p>
+                <a:pPr algn="ctr"/>
+                <a:endParaRPr lang="ko-KR" altLang="en-US"/>
+              </a:p>
+            </p:txBody>
+          </p:sp>
+          <p:sp>
+            <p:nvSpPr>
+              <p:cNvPr id="42" name="TextBox 41"/>
+              <p:cNvSpPr txBox="1"/>
+              <p:nvPr/>
+            </p:nvSpPr>
+            <p:spPr>
+              <a:xfrm>
+                <a:off x="7677999" y="3657548"/>
+                <a:ext cx="1068434" cy="446276"/>
+              </a:xfrm>
+              <a:prstGeom prst="rect">
+                <a:avLst/>
+              </a:prstGeom>
+              <a:noFill/>
+            </p:spPr>
+            <p:txBody>
+              <a:bodyPr wrap="none" rtlCol="0" anchor="ctr">
+                <a:spAutoFit/>
+              </a:bodyPr>
+              <a:lstStyle/>
+              <a:p>
+                <a:r>
+                  <a:rPr lang="en-US" altLang="ko-KR" sz="2300" smtClean="0">
+                    <a:solidFill>
+                      <a:schemeClr val="bg1"/>
+                    </a:solidFill>
+                    <a:latin typeface="에스코어 드림 8 Heavy" pitchFamily="34" charset="-127"/>
+                    <a:ea typeface="에스코어 드림 8 Heavy" pitchFamily="34" charset="-127"/>
+                  </a:rPr>
+                  <a:t>D.M.C</a:t>
+                </a:r>
+                <a:endParaRPr lang="ko-KR" altLang="en-US" sz="2300">
+                  <a:solidFill>
+                    <a:schemeClr val="bg1"/>
+                  </a:solidFill>
+                  <a:latin typeface="에스코어 드림 8 Heavy" pitchFamily="34" charset="-127"/>
+                  <a:ea typeface="에스코어 드림 8 Heavy" pitchFamily="34" charset="-127"/>
+                </a:endParaRPr>
+              </a:p>
+            </p:txBody>
+          </p:sp>
+        </p:grpSp>
+      </p:grpSp>
+      <p:grpSp>
+        <p:nvGrpSpPr>
+          <p:cNvPr id="80" name="그룹 79"/>
+          <p:cNvGrpSpPr/>
+          <p:nvPr/>
+        </p:nvGrpSpPr>
+        <p:grpSpPr>
+          <a:xfrm>
+            <a:off x="683570" y="1440971"/>
+            <a:ext cx="1368150" cy="1123933"/>
+            <a:chOff x="224056" y="1367200"/>
+            <a:chExt cx="1368150" cy="1123933"/>
+          </a:xfrm>
+        </p:grpSpPr>
+        <p:pic>
+          <p:nvPicPr>
+            <p:cNvPr id="86" name="Picture 3" descr="C:\Users\Admin\Downloads\군인.png"/>
+            <p:cNvPicPr>
+              <a:picLocks noChangeAspect="1" noChangeArrowheads="1"/>
+            </p:cNvPicPr>
+            <p:nvPr/>
+          </p:nvPicPr>
+          <p:blipFill>
+            <a:blip r:embed="rId8" cstate="print">
+              <a:extLst>
+                <a:ext uri="{BEBA8EAE-BF5A-486C-A8C5-ECC9F3942E4B}">
+                  <a14:imgProps xmlns:a14="http://schemas.microsoft.com/office/drawing/2010/main">
+                    <a14:imgLayer r:embed="rId9">
+                      <a14:imgEffect>
+                        <a14:backgroundRemoval t="0" b="100000" l="0" r="100000"/>
+                      </a14:imgEffect>
+                    </a14:imgLayer>
+                  </a14:imgProps>
+                </a:ext>
+                <a:ext uri="{28A0092B-C50C-407E-A947-70E740481C1C}">
+                  <a14:useLocalDpi xmlns:a14="http://schemas.microsoft.com/office/drawing/2010/main" val="0"/>
+                </a:ext>
+              </a:extLst>
+            </a:blip>
+            <a:srcRect/>
+            <a:stretch>
+              <a:fillRect/>
+            </a:stretch>
+          </p:blipFill>
+          <p:spPr bwMode="auto">
+            <a:xfrm>
+              <a:off x="440079" y="1367200"/>
+              <a:ext cx="936104" cy="837664"/>
+            </a:xfrm>
+            <a:prstGeom prst="rect">
+              <a:avLst/>
+            </a:prstGeom>
+            <a:noFill/>
+            <a:extLst>
+              <a:ext uri="{909E8E84-426E-40DD-AFC4-6F175D3DCCD1}">
+                <a14:hiddenFill xmlns:a14="http://schemas.microsoft.com/office/drawing/2010/main">
+                  <a:solidFill>
+                    <a:srgbClr val="FFFFFF"/>
+                  </a:solidFill>
+                </a14:hiddenFill>
+              </a:ext>
+            </a:extLst>
+          </p:spPr>
+        </p:pic>
+        <p:grpSp>
+          <p:nvGrpSpPr>
+            <p:cNvPr id="37" name="그룹 36"/>
+            <p:cNvGrpSpPr/>
+            <p:nvPr/>
+          </p:nvGrpSpPr>
+          <p:grpSpPr>
+            <a:xfrm>
+              <a:off x="224056" y="1963134"/>
+              <a:ext cx="1368150" cy="527999"/>
+              <a:chOff x="7677999" y="3621080"/>
+              <a:chExt cx="1368150" cy="527999"/>
+            </a:xfrm>
+          </p:grpSpPr>
+          <p:sp>
+            <p:nvSpPr>
+              <p:cNvPr id="38" name="직사각형 37"/>
+              <p:cNvSpPr/>
+              <p:nvPr/>
+            </p:nvSpPr>
+            <p:spPr>
+              <a:xfrm>
+                <a:off x="7678000" y="3621080"/>
+                <a:ext cx="1319591" cy="527999"/>
+              </a:xfrm>
+              <a:prstGeom prst="rect">
+                <a:avLst/>
+              </a:prstGeom>
+              <a:solidFill>
+                <a:schemeClr val="tx1"/>
+              </a:solidFill>
+              <a:ln>
+                <a:noFill/>
+              </a:ln>
+            </p:spPr>
+            <p:style>
+              <a:lnRef idx="2">
+                <a:schemeClr val="accent1">
+                  <a:shade val="50000"/>
+                </a:schemeClr>
+              </a:lnRef>
+              <a:fillRef idx="1">
+                <a:schemeClr val="accent1"/>
+              </a:fillRef>
+              <a:effectRef idx="0">
+                <a:schemeClr val="accent1"/>
+              </a:effectRef>
+              <a:fontRef idx="minor">
+                <a:schemeClr val="lt1"/>
+              </a:fontRef>
+            </p:style>
+            <p:txBody>
+              <a:bodyPr rtlCol="0" anchor="ctr"/>
+              <a:lstStyle/>
+              <a:p>
+                <a:pPr algn="ctr"/>
+                <a:endParaRPr lang="ko-KR" altLang="en-US"/>
+              </a:p>
+            </p:txBody>
+          </p:sp>
+          <p:sp>
+            <p:nvSpPr>
+              <p:cNvPr id="39" name="TextBox 38"/>
+              <p:cNvSpPr txBox="1"/>
+              <p:nvPr/>
+            </p:nvSpPr>
+            <p:spPr>
+              <a:xfrm>
+                <a:off x="7677999" y="3657548"/>
+                <a:ext cx="1368150" cy="446276"/>
+              </a:xfrm>
+              <a:prstGeom prst="rect">
+                <a:avLst/>
+              </a:prstGeom>
+              <a:noFill/>
+            </p:spPr>
+            <p:txBody>
+              <a:bodyPr wrap="square" rtlCol="0" anchor="ctr">
+                <a:spAutoFit/>
+              </a:bodyPr>
+              <a:lstStyle/>
+              <a:p>
+                <a:r>
+                  <a:rPr lang="ko-KR" altLang="en-US" sz="2300" smtClean="0">
+                    <a:solidFill>
+                      <a:schemeClr val="bg1"/>
+                    </a:solidFill>
+                    <a:latin typeface="에스코어 드림 8 Heavy" pitchFamily="34" charset="-127"/>
+                    <a:ea typeface="에스코어 드림 8 Heavy" pitchFamily="34" charset="-127"/>
+                  </a:rPr>
+                  <a:t>경계초</a:t>
+                </a:r>
+                <a:r>
+                  <a:rPr lang="ko-KR" altLang="en-US" sz="2300">
+                    <a:solidFill>
+                      <a:schemeClr val="bg1"/>
+                    </a:solidFill>
+                    <a:latin typeface="에스코어 드림 8 Heavy" pitchFamily="34" charset="-127"/>
+                    <a:ea typeface="에스코어 드림 8 Heavy" pitchFamily="34" charset="-127"/>
+                  </a:rPr>
+                  <a:t>소</a:t>
+                </a:r>
+                <a:endParaRPr lang="ko-KR" altLang="en-US" sz="2300">
+                  <a:solidFill>
+                    <a:schemeClr val="bg1"/>
+                  </a:solidFill>
+                  <a:latin typeface="에스코어 드림 8 Heavy" pitchFamily="34" charset="-127"/>
+                  <a:ea typeface="에스코어 드림 8 Heavy" pitchFamily="34" charset="-127"/>
+                </a:endParaRPr>
+              </a:p>
+            </p:txBody>
+          </p:sp>
+        </p:grpSp>
+      </p:grpSp>
+      <p:grpSp>
+        <p:nvGrpSpPr>
+          <p:cNvPr id="98" name="그룹 97"/>
+          <p:cNvGrpSpPr/>
+          <p:nvPr/>
+        </p:nvGrpSpPr>
+        <p:grpSpPr>
+          <a:xfrm>
+            <a:off x="7198709" y="1556792"/>
+            <a:ext cx="1319592" cy="1645371"/>
+            <a:chOff x="7198709" y="1556792"/>
+            <a:chExt cx="1319592" cy="1645371"/>
+          </a:xfrm>
+        </p:grpSpPr>
+        <p:grpSp>
+          <p:nvGrpSpPr>
+            <p:cNvPr id="46" name="그룹 45"/>
+            <p:cNvGrpSpPr/>
+            <p:nvPr/>
+          </p:nvGrpSpPr>
+          <p:grpSpPr>
+            <a:xfrm>
+              <a:off x="7198709" y="2674164"/>
+              <a:ext cx="1319592" cy="527999"/>
+              <a:chOff x="7677999" y="3621080"/>
+              <a:chExt cx="1319592" cy="527999"/>
+            </a:xfrm>
+          </p:grpSpPr>
+          <p:sp>
+            <p:nvSpPr>
+              <p:cNvPr id="47" name="직사각형 46"/>
+              <p:cNvSpPr/>
+              <p:nvPr/>
+            </p:nvSpPr>
+            <p:spPr>
+              <a:xfrm>
+                <a:off x="7678000" y="3621080"/>
+                <a:ext cx="1319591" cy="527999"/>
+              </a:xfrm>
+              <a:prstGeom prst="rect">
+                <a:avLst/>
+              </a:prstGeom>
+              <a:solidFill>
+                <a:schemeClr val="tx1">
+                  <a:alpha val="73000"/>
+                </a:schemeClr>
+              </a:solidFill>
+              <a:ln>
+                <a:noFill/>
+              </a:ln>
+            </p:spPr>
+            <p:style>
+              <a:lnRef idx="2">
+                <a:schemeClr val="accent1">
+                  <a:shade val="50000"/>
+                </a:schemeClr>
+              </a:lnRef>
+              <a:fillRef idx="1">
+                <a:schemeClr val="accent1"/>
+              </a:fillRef>
+              <a:effectRef idx="0">
+                <a:schemeClr val="accent1"/>
+              </a:effectRef>
+              <a:fontRef idx="minor">
+                <a:schemeClr val="lt1"/>
+              </a:fontRef>
+            </p:style>
+            <p:txBody>
+              <a:bodyPr rtlCol="0" anchor="ctr"/>
+              <a:lstStyle/>
+              <a:p>
+                <a:pPr algn="ctr"/>
+                <a:endParaRPr lang="ko-KR" altLang="en-US"/>
+              </a:p>
+            </p:txBody>
+          </p:sp>
+          <p:sp>
+            <p:nvSpPr>
+              <p:cNvPr id="48" name="TextBox 47"/>
+              <p:cNvSpPr txBox="1"/>
+              <p:nvPr/>
+            </p:nvSpPr>
+            <p:spPr>
+              <a:xfrm>
+                <a:off x="7677999" y="3657548"/>
+                <a:ext cx="1319592" cy="446276"/>
+              </a:xfrm>
+              <a:prstGeom prst="rect">
+                <a:avLst/>
+              </a:prstGeom>
+              <a:noFill/>
+            </p:spPr>
+            <p:txBody>
+              <a:bodyPr wrap="none" rtlCol="0" anchor="ctr">
+                <a:spAutoFit/>
+              </a:bodyPr>
+              <a:lstStyle/>
+              <a:p>
+                <a:r>
+                  <a:rPr lang="ko-KR" altLang="en-US" sz="2300" smtClean="0">
+                    <a:solidFill>
+                      <a:schemeClr val="bg1"/>
+                    </a:solidFill>
+                    <a:latin typeface="에스코어 드림 8 Heavy" pitchFamily="34" charset="-127"/>
+                    <a:ea typeface="에스코어 드림 8 Heavy" pitchFamily="34" charset="-127"/>
+                  </a:rPr>
+                  <a:t>초동조치</a:t>
+                </a:r>
+                <a:endParaRPr lang="ko-KR" altLang="en-US" sz="2300">
+                  <a:solidFill>
+                    <a:schemeClr val="bg1"/>
+                  </a:solidFill>
+                  <a:latin typeface="에스코어 드림 8 Heavy" pitchFamily="34" charset="-127"/>
+                  <a:ea typeface="에스코어 드림 8 Heavy" pitchFamily="34" charset="-127"/>
+                </a:endParaRPr>
+              </a:p>
+            </p:txBody>
+          </p:sp>
+        </p:grpSp>
+        <p:grpSp>
+          <p:nvGrpSpPr>
+            <p:cNvPr id="88" name="그룹 87"/>
+            <p:cNvGrpSpPr/>
+            <p:nvPr/>
+          </p:nvGrpSpPr>
+          <p:grpSpPr>
+            <a:xfrm>
+              <a:off x="7229732" y="1556792"/>
+              <a:ext cx="1240904" cy="1142464"/>
+              <a:chOff x="7229732" y="1639613"/>
+              <a:chExt cx="1240904" cy="1142464"/>
+            </a:xfrm>
+          </p:grpSpPr>
+          <p:pic>
+            <p:nvPicPr>
+              <p:cNvPr id="93" name="Picture 3" descr="C:\Users\Admin\Downloads\군인.png"/>
+              <p:cNvPicPr>
+                <a:picLocks noChangeAspect="1" noChangeArrowheads="1"/>
+              </p:cNvPicPr>
+              <p:nvPr/>
+            </p:nvPicPr>
+            <p:blipFill>
+              <a:blip r:embed="rId8" cstate="print">
+                <a:extLst>
+                  <a:ext uri="{BEBA8EAE-BF5A-486C-A8C5-ECC9F3942E4B}">
+                    <a14:imgProps xmlns:a14="http://schemas.microsoft.com/office/drawing/2010/main">
+                      <a14:imgLayer r:embed="rId9">
+                        <a14:imgEffect>
+                          <a14:backgroundRemoval t="0" b="100000" l="0" r="100000"/>
+                        </a14:imgEffect>
+                      </a14:imgLayer>
+                    </a14:imgProps>
+                  </a:ext>
+                  <a:ext uri="{28A0092B-C50C-407E-A947-70E740481C1C}">
+                    <a14:useLocalDpi xmlns:a14="http://schemas.microsoft.com/office/drawing/2010/main" val="0"/>
+                  </a:ext>
+                </a:extLst>
+              </a:blip>
+              <a:srcRect/>
+              <a:stretch>
+                <a:fillRect/>
+              </a:stretch>
+            </p:blipFill>
+            <p:spPr bwMode="auto">
+              <a:xfrm>
+                <a:off x="7229732" y="1639613"/>
+                <a:ext cx="936104" cy="837664"/>
+              </a:xfrm>
+              <a:prstGeom prst="rect">
+                <a:avLst/>
+              </a:prstGeom>
+              <a:noFill/>
+              <a:extLst>
+                <a:ext uri="{909E8E84-426E-40DD-AFC4-6F175D3DCCD1}">
+                  <a14:hiddenFill xmlns:a14="http://schemas.microsoft.com/office/drawing/2010/main">
+                    <a:solidFill>
+                      <a:srgbClr val="FFFFFF"/>
+                    </a:solidFill>
+                  </a14:hiddenFill>
+                </a:ext>
+              </a:extLst>
+            </p:spPr>
+          </p:pic>
+          <p:pic>
+            <p:nvPicPr>
+              <p:cNvPr id="94" name="Picture 3" descr="C:\Users\Admin\Downloads\군인.png"/>
+              <p:cNvPicPr>
+                <a:picLocks noChangeAspect="1" noChangeArrowheads="1"/>
+              </p:cNvPicPr>
+              <p:nvPr/>
+            </p:nvPicPr>
+            <p:blipFill>
+              <a:blip r:embed="rId8" cstate="print">
+                <a:extLst>
+                  <a:ext uri="{BEBA8EAE-BF5A-486C-A8C5-ECC9F3942E4B}">
+                    <a14:imgProps xmlns:a14="http://schemas.microsoft.com/office/drawing/2010/main">
+                      <a14:imgLayer r:embed="rId9">
+                        <a14:imgEffect>
+                          <a14:backgroundRemoval t="0" b="100000" l="0" r="100000"/>
+                        </a14:imgEffect>
+                      </a14:imgLayer>
+                    </a14:imgProps>
+                  </a:ext>
+                  <a:ext uri="{28A0092B-C50C-407E-A947-70E740481C1C}">
+                    <a14:useLocalDpi xmlns:a14="http://schemas.microsoft.com/office/drawing/2010/main" val="0"/>
+                  </a:ext>
+                </a:extLst>
+              </a:blip>
+              <a:srcRect/>
+              <a:stretch>
+                <a:fillRect/>
+              </a:stretch>
+            </p:blipFill>
+            <p:spPr bwMode="auto">
+              <a:xfrm>
+                <a:off x="7382132" y="1792013"/>
+                <a:ext cx="936104" cy="837664"/>
+              </a:xfrm>
+              <a:prstGeom prst="rect">
+                <a:avLst/>
+              </a:prstGeom>
+              <a:noFill/>
+              <a:extLst>
+                <a:ext uri="{909E8E84-426E-40DD-AFC4-6F175D3DCCD1}">
+                  <a14:hiddenFill xmlns:a14="http://schemas.microsoft.com/office/drawing/2010/main">
+                    <a:solidFill>
+                      <a:srgbClr val="FFFFFF"/>
+                    </a:solidFill>
+                  </a14:hiddenFill>
+                </a:ext>
+              </a:extLst>
+            </p:spPr>
+          </p:pic>
+          <p:pic>
+            <p:nvPicPr>
+              <p:cNvPr id="95" name="Picture 3" descr="C:\Users\Admin\Downloads\군인.png"/>
+              <p:cNvPicPr>
+                <a:picLocks noChangeAspect="1" noChangeArrowheads="1"/>
+              </p:cNvPicPr>
+              <p:nvPr/>
+            </p:nvPicPr>
+            <p:blipFill>
+              <a:blip r:embed="rId8" cstate="print">
+                <a:extLst>
+                  <a:ext uri="{BEBA8EAE-BF5A-486C-A8C5-ECC9F3942E4B}">
+                    <a14:imgProps xmlns:a14="http://schemas.microsoft.com/office/drawing/2010/main">
+                      <a14:imgLayer r:embed="rId9">
+                        <a14:imgEffect>
+                          <a14:backgroundRemoval t="0" b="100000" l="0" r="100000"/>
+                        </a14:imgEffect>
+                      </a14:imgLayer>
+                    </a14:imgProps>
+                  </a:ext>
+                  <a:ext uri="{28A0092B-C50C-407E-A947-70E740481C1C}">
+                    <a14:useLocalDpi xmlns:a14="http://schemas.microsoft.com/office/drawing/2010/main" val="0"/>
+                  </a:ext>
+                </a:extLst>
+              </a:blip>
+              <a:srcRect/>
+              <a:stretch>
+                <a:fillRect/>
+              </a:stretch>
+            </p:blipFill>
+            <p:spPr bwMode="auto">
+              <a:xfrm>
+                <a:off x="7534532" y="1944413"/>
+                <a:ext cx="936104" cy="837664"/>
+              </a:xfrm>
+              <a:prstGeom prst="rect">
+                <a:avLst/>
+              </a:prstGeom>
+              <a:noFill/>
+              <a:extLst>
+                <a:ext uri="{909E8E84-426E-40DD-AFC4-6F175D3DCCD1}">
+                  <a14:hiddenFill xmlns:a14="http://schemas.microsoft.com/office/drawing/2010/main">
+                    <a:solidFill>
+                      <a:srgbClr val="FFFFFF"/>
+                    </a:solidFill>
+                  </a14:hiddenFill>
+                </a:ext>
+              </a:extLst>
+            </p:spPr>
+          </p:pic>
+        </p:grpSp>
+      </p:grpSp>
     </p:spTree>
     <p:extLst>
       <p:ext uri="{BB962C8B-B14F-4D97-AF65-F5344CB8AC3E}">
@@ -4296,16 +6038,88 @@
           <a:chExt cx="0" cy="0"/>
         </a:xfrm>
       </p:grpSpPr>
+      <p:sp>
+        <p:nvSpPr>
+          <p:cNvPr id="10" name="TextBox 9"/>
+          <p:cNvSpPr txBox="1"/>
+          <p:nvPr/>
+        </p:nvSpPr>
+        <p:spPr>
+          <a:xfrm>
+            <a:off x="107504" y="620688"/>
+            <a:ext cx="5256584" cy="707886"/>
+          </a:xfrm>
+          <a:prstGeom prst="rect">
+            <a:avLst/>
+          </a:prstGeom>
+          <a:noFill/>
+        </p:spPr>
+        <p:txBody>
+          <a:bodyPr wrap="square" rtlCol="0" anchor="ctr">
+            <a:spAutoFit/>
+          </a:bodyPr>
+          <a:lstStyle/>
+          <a:p>
+            <a:r>
+              <a:rPr lang="ko-KR" altLang="en-US" sz="4000" smtClean="0">
+                <a:solidFill>
+                  <a:srgbClr val="3A3C75"/>
+                </a:solidFill>
+                <a:latin typeface="에스코어 드림 8 Heavy" pitchFamily="34" charset="-127"/>
+                <a:ea typeface="에스코어 드림 8 Heavy" pitchFamily="34" charset="-127"/>
+              </a:rPr>
+              <a:t>흐름도 </a:t>
+            </a:r>
+            <a:r>
+              <a:rPr lang="en-US" altLang="ko-KR" sz="4000">
+                <a:solidFill>
+                  <a:srgbClr val="3A3C75"/>
+                </a:solidFill>
+                <a:latin typeface="에스코어 드림 8 Heavy" pitchFamily="34" charset="-127"/>
+                <a:ea typeface="에스코어 드림 8 Heavy" pitchFamily="34" charset="-127"/>
+              </a:rPr>
+              <a:t>-</a:t>
+            </a:r>
+            <a:r>
+              <a:rPr lang="en-US" altLang="ko-KR" sz="4000" smtClean="0">
+                <a:solidFill>
+                  <a:srgbClr val="3A3C75"/>
+                </a:solidFill>
+                <a:latin typeface="에스코어 드림 8 Heavy" pitchFamily="34" charset="-127"/>
+                <a:ea typeface="에스코어 드림 8 Heavy" pitchFamily="34" charset="-127"/>
+              </a:rPr>
+              <a:t> </a:t>
+            </a:r>
+            <a:r>
+              <a:rPr lang="ko-KR" altLang="en-US" sz="4000" smtClean="0">
+                <a:solidFill>
+                  <a:srgbClr val="3A3C75"/>
+                </a:solidFill>
+                <a:latin typeface="에스코어 드림 8 Heavy" pitchFamily="34" charset="-127"/>
+                <a:ea typeface="에스코어 드림 8 Heavy" pitchFamily="34" charset="-127"/>
+              </a:rPr>
+              <a:t>로그인</a:t>
+            </a:r>
+            <a:endParaRPr lang="ko-KR" altLang="en-US" sz="4000">
+              <a:solidFill>
+                <a:srgbClr val="3A3C75"/>
+              </a:solidFill>
+              <a:latin typeface="에스코어 드림 8 Heavy" pitchFamily="34" charset="-127"/>
+              <a:ea typeface="에스코어 드림 8 Heavy" pitchFamily="34" charset="-127"/>
+            </a:endParaRPr>
+          </a:p>
+        </p:txBody>
+      </p:sp>
       <p:pic>
         <p:nvPicPr>
-          <p:cNvPr id="3075" name="Picture 3" descr="C:\Users\Admin\Downloads\군인.png"/>
+          <p:cNvPr id="1026" name="Picture 2" descr="C:\Users\Admin\Desktop\이미지\스샷예제.png"/>
           <p:cNvPicPr>
             <a:picLocks noChangeAspect="1" noChangeArrowheads="1"/>
           </p:cNvPicPr>
           <p:nvPr/>
         </p:nvPicPr>
         <p:blipFill>
-          <a:blip r:embed="rId2" cstate="print">
+          <a:blip r:embed="rId2">
             <a:extLst>
               <a:ext uri="{28A0092B-C50C-407E-A947-70E740481C1C}">
                 <a14:useLocalDpi xmlns:a14="http://schemas.microsoft.com/office/drawing/2010/main" val="0"/>
@@ -4319,8 +6133,8 @@
         </p:blipFill>
         <p:spPr bwMode="auto">
           <a:xfrm>
-            <a:off x="-4212976" y="1937177"/>
-            <a:ext cx="2168482" cy="1940446"/>
+            <a:off x="755576" y="1611660"/>
+            <a:ext cx="2568055" cy="4558298"/>
           </a:xfrm>
           <a:prstGeom prst="rect">
             <a:avLst/>
@@ -4337,62 +6151,10 @@
           </a:extLst>
         </p:spPr>
       </p:pic>
-      <p:sp>
-        <p:nvSpPr>
-          <p:cNvPr id="10" name="TextBox 9"/>
-          <p:cNvSpPr txBox="1"/>
-          <p:nvPr/>
-        </p:nvSpPr>
-        <p:spPr>
-          <a:xfrm>
-            <a:off x="107504" y="620688"/>
-            <a:ext cx="1661032" cy="707886"/>
-          </a:xfrm>
-          <a:prstGeom prst="rect">
-            <a:avLst/>
-          </a:prstGeom>
-          <a:noFill/>
-        </p:spPr>
-        <p:txBody>
-          <a:bodyPr wrap="none" rtlCol="0" anchor="ctr">
-            <a:spAutoFit/>
-          </a:bodyPr>
-          <a:lstStyle/>
-          <a:p>
-            <a:r>
-              <a:rPr lang="ko-KR" altLang="en-US" sz="4000" smtClean="0">
-                <a:solidFill>
-                  <a:srgbClr val="3A3C75"/>
-                </a:solidFill>
-                <a:latin typeface="에스코어 드림 8 Heavy" pitchFamily="34" charset="-127"/>
-                <a:ea typeface="에스코어 드림 8 Heavy" pitchFamily="34" charset="-127"/>
-              </a:rPr>
-              <a:t>흐름</a:t>
-            </a:r>
-            <a:r>
-              <a:rPr lang="ko-KR" altLang="en-US" sz="4000">
-                <a:solidFill>
-                  <a:srgbClr val="3A3C75"/>
-                </a:solidFill>
-                <a:latin typeface="에스코어 드림 8 Heavy" pitchFamily="34" charset="-127"/>
-                <a:ea typeface="에스코어 드림 8 Heavy" pitchFamily="34" charset="-127"/>
-              </a:rPr>
-              <a:t>도</a:t>
-            </a:r>
-            <a:endParaRPr lang="ko-KR" altLang="en-US" sz="4000">
-              <a:solidFill>
-                <a:srgbClr val="3A3C75"/>
-              </a:solidFill>
-              <a:latin typeface="에스코어 드림 8 Heavy" pitchFamily="34" charset="-127"/>
-              <a:ea typeface="에스코어 드림 8 Heavy" pitchFamily="34" charset="-127"/>
-            </a:endParaRPr>
-          </a:p>
-        </p:txBody>
-      </p:sp>
     </p:spTree>
     <p:extLst>
       <p:ext uri="{BB962C8B-B14F-4D97-AF65-F5344CB8AC3E}">
-        <p14:creationId xmlns:p14="http://schemas.microsoft.com/office/powerpoint/2010/main" val="3521637206"/>
+        <p14:creationId xmlns:p14="http://schemas.microsoft.com/office/powerpoint/2010/main" val="776064270"/>
       </p:ext>
     </p:extLst>
   </p:cSld>
@@ -4426,57 +6188,16 @@
           <a:chExt cx="0" cy="0"/>
         </a:xfrm>
       </p:grpSpPr>
-      <p:pic>
-        <p:nvPicPr>
-          <p:cNvPr id="3075" name="Picture 3" descr="C:\Users\Admin\Downloads\군인.png"/>
-          <p:cNvPicPr>
-            <a:picLocks noChangeAspect="1" noChangeArrowheads="1"/>
-          </p:cNvPicPr>
-          <p:nvPr/>
-        </p:nvPicPr>
-        <p:blipFill>
-          <a:blip r:embed="rId2" cstate="print">
-            <a:extLst>
-              <a:ext uri="{28A0092B-C50C-407E-A947-70E740481C1C}">
-                <a14:useLocalDpi xmlns:a14="http://schemas.microsoft.com/office/drawing/2010/main" val="0"/>
-              </a:ext>
-            </a:extLst>
-          </a:blip>
-          <a:srcRect/>
-          <a:stretch>
-            <a:fillRect/>
-          </a:stretch>
-        </p:blipFill>
-        <p:spPr bwMode="auto">
-          <a:xfrm>
-            <a:off x="-4212976" y="1937177"/>
-            <a:ext cx="2168482" cy="1940446"/>
-          </a:xfrm>
-          <a:prstGeom prst="rect">
-            <a:avLst/>
-          </a:prstGeom>
-          <a:noFill/>
-          <a:extLst>
-            <a:ext uri="{909E8E84-426E-40DD-AFC4-6F175D3DCCD1}">
-              <a14:hiddenFill xmlns:a14="http://schemas.microsoft.com/office/drawing/2010/main">
-                <a:solidFill>
-                  <a:srgbClr val="FFFFFF"/>
-                </a:solidFill>
-              </a14:hiddenFill>
-            </a:ext>
-          </a:extLst>
-        </p:spPr>
-      </p:pic>
       <p:sp>
         <p:nvSpPr>
-          <p:cNvPr id="10" name="TextBox 9"/>
+          <p:cNvPr id="4" name="TextBox 3"/>
           <p:cNvSpPr txBox="1"/>
           <p:nvPr/>
         </p:nvSpPr>
         <p:spPr>
           <a:xfrm>
             <a:off x="107504" y="620688"/>
-            <a:ext cx="1661032" cy="707886"/>
+            <a:ext cx="4248472" cy="707886"/>
           </a:xfrm>
           <a:prstGeom prst="rect">
             <a:avLst/>
@@ -4484,7 +6205,7 @@
           <a:noFill/>
         </p:spPr>
         <p:txBody>
-          <a:bodyPr wrap="none" rtlCol="0" anchor="ctr">
+          <a:bodyPr wrap="square" rtlCol="0" anchor="ctr">
             <a:spAutoFit/>
           </a:bodyPr>
           <a:lstStyle/>
@@ -4497,17 +6218,27 @@
                 <a:latin typeface="에스코어 드림 8 Heavy" pitchFamily="34" charset="-127"/>
                 <a:ea typeface="에스코어 드림 8 Heavy" pitchFamily="34" charset="-127"/>
               </a:rPr>
-              <a:t>흐름</a:t>
-            </a:r>
-            <a:r>
-              <a:rPr lang="ko-KR" altLang="en-US" sz="4000">
+              <a:t>흐름도 </a:t>
+            </a:r>
+            <a:r>
+              <a:rPr lang="en-US" altLang="ko-KR" sz="4000" smtClean="0">
                 <a:solidFill>
                   <a:srgbClr val="3A3C75"/>
                 </a:solidFill>
                 <a:latin typeface="에스코어 드림 8 Heavy" pitchFamily="34" charset="-127"/>
                 <a:ea typeface="에스코어 드림 8 Heavy" pitchFamily="34" charset="-127"/>
               </a:rPr>
-              <a:t>도</a:t>
+              <a:t>- </a:t>
+            </a:r>
+            <a:r>
+              <a:rPr lang="ko-KR" altLang="en-US" sz="4000" smtClean="0">
+                <a:solidFill>
+                  <a:srgbClr val="3A3C75"/>
+                </a:solidFill>
+                <a:latin typeface="에스코어 드림 8 Heavy" pitchFamily="34" charset="-127"/>
+                <a:ea typeface="에스코어 드림 8 Heavy" pitchFamily="34" charset="-127"/>
+              </a:rPr>
+              <a:t>메인화면</a:t>
             </a:r>
             <a:endParaRPr lang="ko-KR" altLang="en-US" sz="4000">
               <a:solidFill>
@@ -4556,47 +6287,333 @@
           <a:chExt cx="0" cy="0"/>
         </a:xfrm>
       </p:grpSpPr>
-      <p:pic>
-        <p:nvPicPr>
-          <p:cNvPr id="3075" name="Picture 3" descr="C:\Users\Admin\Downloads\군인.png"/>
-          <p:cNvPicPr>
-            <a:picLocks noChangeAspect="1" noChangeArrowheads="1"/>
-          </p:cNvPicPr>
+      <p:sp>
+        <p:nvSpPr>
+          <p:cNvPr id="4" name="TextBox 3"/>
+          <p:cNvSpPr txBox="1"/>
           <p:nvPr/>
-        </p:nvPicPr>
-        <p:blipFill>
-          <a:blip r:embed="rId2" cstate="print">
-            <a:extLst>
-              <a:ext uri="{28A0092B-C50C-407E-A947-70E740481C1C}">
-                <a14:useLocalDpi xmlns:a14="http://schemas.microsoft.com/office/drawing/2010/main" val="0"/>
-              </a:ext>
-            </a:extLst>
-          </a:blip>
-          <a:srcRect/>
-          <a:stretch>
-            <a:fillRect/>
-          </a:stretch>
-        </p:blipFill>
-        <p:spPr bwMode="auto">
+        </p:nvSpPr>
+        <p:spPr>
           <a:xfrm>
-            <a:off x="-4212976" y="1937177"/>
-            <a:ext cx="2168482" cy="1940446"/>
+            <a:off x="107504" y="620688"/>
+            <a:ext cx="4896544" cy="707886"/>
           </a:xfrm>
           <a:prstGeom prst="rect">
             <a:avLst/>
           </a:prstGeom>
           <a:noFill/>
-          <a:extLst>
-            <a:ext uri="{909E8E84-426E-40DD-AFC4-6F175D3DCCD1}">
-              <a14:hiddenFill xmlns:a14="http://schemas.microsoft.com/office/drawing/2010/main">
-                <a:solidFill>
-                  <a:srgbClr val="FFFFFF"/>
-                </a:solidFill>
-              </a14:hiddenFill>
-            </a:ext>
-          </a:extLst>
         </p:spPr>
-      </p:pic>
+        <p:txBody>
+          <a:bodyPr wrap="square" rtlCol="0" anchor="ctr">
+            <a:spAutoFit/>
+          </a:bodyPr>
+          <a:lstStyle/>
+          <a:p>
+            <a:r>
+              <a:rPr lang="ko-KR" altLang="en-US" sz="4000" smtClean="0">
+                <a:solidFill>
+                  <a:srgbClr val="3A3C75"/>
+                </a:solidFill>
+                <a:latin typeface="에스코어 드림 8 Heavy" pitchFamily="34" charset="-127"/>
+                <a:ea typeface="에스코어 드림 8 Heavy" pitchFamily="34" charset="-127"/>
+              </a:rPr>
+              <a:t>흐름도 </a:t>
+            </a:r>
+            <a:r>
+              <a:rPr lang="en-US" altLang="ko-KR" sz="4000">
+                <a:solidFill>
+                  <a:srgbClr val="3A3C75"/>
+                </a:solidFill>
+                <a:latin typeface="에스코어 드림 8 Heavy" pitchFamily="34" charset="-127"/>
+                <a:ea typeface="에스코어 드림 8 Heavy" pitchFamily="34" charset="-127"/>
+              </a:rPr>
+              <a:t>-</a:t>
+            </a:r>
+            <a:r>
+              <a:rPr lang="en-US" altLang="ko-KR" sz="4000" smtClean="0">
+                <a:solidFill>
+                  <a:srgbClr val="3A3C75"/>
+                </a:solidFill>
+                <a:latin typeface="에스코어 드림 8 Heavy" pitchFamily="34" charset="-127"/>
+                <a:ea typeface="에스코어 드림 8 Heavy" pitchFamily="34" charset="-127"/>
+              </a:rPr>
+              <a:t> </a:t>
+            </a:r>
+            <a:r>
+              <a:rPr lang="ko-KR" altLang="en-US" sz="4000" smtClean="0">
+                <a:solidFill>
+                  <a:srgbClr val="3A3C75"/>
+                </a:solidFill>
+                <a:latin typeface="에스코어 드림 8 Heavy" pitchFamily="34" charset="-127"/>
+                <a:ea typeface="에스코어 드림 8 Heavy" pitchFamily="34" charset="-127"/>
+              </a:rPr>
+              <a:t>채팅방 생성</a:t>
+            </a:r>
+            <a:endParaRPr lang="ko-KR" altLang="en-US" sz="4000">
+              <a:solidFill>
+                <a:srgbClr val="3A3C75"/>
+              </a:solidFill>
+              <a:latin typeface="에스코어 드림 8 Heavy" pitchFamily="34" charset="-127"/>
+              <a:ea typeface="에스코어 드림 8 Heavy" pitchFamily="34" charset="-127"/>
+            </a:endParaRPr>
+          </a:p>
+        </p:txBody>
+      </p:sp>
+    </p:spTree>
+    <p:extLst>
+      <p:ext uri="{BB962C8B-B14F-4D97-AF65-F5344CB8AC3E}">
+        <p14:creationId xmlns:p14="http://schemas.microsoft.com/office/powerpoint/2010/main" val="1598250429"/>
+      </p:ext>
+    </p:extLst>
+  </p:cSld>
+  <p:clrMapOvr>
+    <a:masterClrMapping/>
+  </p:clrMapOvr>
+  <p:timing>
+    <p:tnLst>
+      <p:par>
+        <p:cTn id="1" dur="indefinite" restart="never" nodeType="tmRoot"/>
+      </p:par>
+    </p:tnLst>
+  </p:timing>
+</p:sld>
+</file>
+
+<file path=ppt/slides/slide14.xml><?xml version="1.0" encoding="utf-8"?>
+<p:sld xmlns:a="http://schemas.openxmlformats.org/drawingml/2006/main" xmlns:r="http://schemas.openxmlformats.org/officeDocument/2006/relationships" xmlns:p="http://schemas.openxmlformats.org/presentationml/2006/main">
+  <p:cSld>
+    <p:spTree>
+      <p:nvGrpSpPr>
+        <p:cNvPr id="1" name=""/>
+        <p:cNvGrpSpPr/>
+        <p:nvPr/>
+      </p:nvGrpSpPr>
+      <p:grpSpPr>
+        <a:xfrm>
+          <a:off x="0" y="0"/>
+          <a:ext cx="0" cy="0"/>
+          <a:chOff x="0" y="0"/>
+          <a:chExt cx="0" cy="0"/>
+        </a:xfrm>
+      </p:grpSpPr>
+      <p:sp>
+        <p:nvSpPr>
+          <p:cNvPr id="4" name="TextBox 3"/>
+          <p:cNvSpPr txBox="1"/>
+          <p:nvPr/>
+        </p:nvSpPr>
+        <p:spPr>
+          <a:xfrm>
+            <a:off x="107504" y="620688"/>
+            <a:ext cx="5040560" cy="707886"/>
+          </a:xfrm>
+          <a:prstGeom prst="rect">
+            <a:avLst/>
+          </a:prstGeom>
+          <a:noFill/>
+        </p:spPr>
+        <p:txBody>
+          <a:bodyPr wrap="square" rtlCol="0" anchor="ctr">
+            <a:spAutoFit/>
+          </a:bodyPr>
+          <a:lstStyle/>
+          <a:p>
+            <a:r>
+              <a:rPr lang="ko-KR" altLang="en-US" sz="4000" smtClean="0">
+                <a:solidFill>
+                  <a:srgbClr val="3A3C75"/>
+                </a:solidFill>
+                <a:latin typeface="에스코어 드림 8 Heavy" pitchFamily="34" charset="-127"/>
+                <a:ea typeface="에스코어 드림 8 Heavy" pitchFamily="34" charset="-127"/>
+              </a:rPr>
+              <a:t>흐름도 </a:t>
+            </a:r>
+            <a:r>
+              <a:rPr lang="en-US" altLang="ko-KR" sz="4000">
+                <a:solidFill>
+                  <a:srgbClr val="3A3C75"/>
+                </a:solidFill>
+                <a:latin typeface="에스코어 드림 8 Heavy" pitchFamily="34" charset="-127"/>
+                <a:ea typeface="에스코어 드림 8 Heavy" pitchFamily="34" charset="-127"/>
+              </a:rPr>
+              <a:t>-</a:t>
+            </a:r>
+            <a:r>
+              <a:rPr lang="en-US" altLang="ko-KR" sz="4000" smtClean="0">
+                <a:solidFill>
+                  <a:srgbClr val="3A3C75"/>
+                </a:solidFill>
+                <a:latin typeface="에스코어 드림 8 Heavy" pitchFamily="34" charset="-127"/>
+                <a:ea typeface="에스코어 드림 8 Heavy" pitchFamily="34" charset="-127"/>
+              </a:rPr>
+              <a:t> </a:t>
+            </a:r>
+            <a:r>
+              <a:rPr lang="ko-KR" altLang="en-US" sz="4000" smtClean="0">
+                <a:solidFill>
+                  <a:srgbClr val="3A3C75"/>
+                </a:solidFill>
+                <a:latin typeface="에스코어 드림 8 Heavy" pitchFamily="34" charset="-127"/>
+                <a:ea typeface="에스코어 드림 8 Heavy" pitchFamily="34" charset="-127"/>
+              </a:rPr>
+              <a:t>카메라 탐지</a:t>
+            </a:r>
+            <a:endParaRPr lang="ko-KR" altLang="en-US" sz="4000">
+              <a:solidFill>
+                <a:srgbClr val="3A3C75"/>
+              </a:solidFill>
+              <a:latin typeface="에스코어 드림 8 Heavy" pitchFamily="34" charset="-127"/>
+              <a:ea typeface="에스코어 드림 8 Heavy" pitchFamily="34" charset="-127"/>
+            </a:endParaRPr>
+          </a:p>
+        </p:txBody>
+      </p:sp>
+    </p:spTree>
+    <p:extLst>
+      <p:ext uri="{BB962C8B-B14F-4D97-AF65-F5344CB8AC3E}">
+        <p14:creationId xmlns:p14="http://schemas.microsoft.com/office/powerpoint/2010/main" val="1598250429"/>
+      </p:ext>
+    </p:extLst>
+  </p:cSld>
+  <p:clrMapOvr>
+    <a:masterClrMapping/>
+  </p:clrMapOvr>
+  <p:timing>
+    <p:tnLst>
+      <p:par>
+        <p:cTn id="1" dur="indefinite" restart="never" nodeType="tmRoot"/>
+      </p:par>
+    </p:tnLst>
+  </p:timing>
+</p:sld>
+</file>
+
+<file path=ppt/slides/slide15.xml><?xml version="1.0" encoding="utf-8"?>
+<p:sld xmlns:a="http://schemas.openxmlformats.org/drawingml/2006/main" xmlns:r="http://schemas.openxmlformats.org/officeDocument/2006/relationships" xmlns:p="http://schemas.openxmlformats.org/presentationml/2006/main">
+  <p:cSld>
+    <p:spTree>
+      <p:nvGrpSpPr>
+        <p:cNvPr id="1" name=""/>
+        <p:cNvGrpSpPr/>
+        <p:nvPr/>
+      </p:nvGrpSpPr>
+      <p:grpSpPr>
+        <a:xfrm>
+          <a:off x="0" y="0"/>
+          <a:ext cx="0" cy="0"/>
+          <a:chOff x="0" y="0"/>
+          <a:chExt cx="0" cy="0"/>
+        </a:xfrm>
+      </p:grpSpPr>
+      <p:sp>
+        <p:nvSpPr>
+          <p:cNvPr id="4" name="TextBox 3"/>
+          <p:cNvSpPr txBox="1"/>
+          <p:nvPr/>
+        </p:nvSpPr>
+        <p:spPr>
+          <a:xfrm>
+            <a:off x="107504" y="620688"/>
+            <a:ext cx="5112568" cy="707886"/>
+          </a:xfrm>
+          <a:prstGeom prst="rect">
+            <a:avLst/>
+          </a:prstGeom>
+          <a:noFill/>
+        </p:spPr>
+        <p:txBody>
+          <a:bodyPr wrap="square" rtlCol="0" anchor="ctr">
+            <a:spAutoFit/>
+          </a:bodyPr>
+          <a:lstStyle/>
+          <a:p>
+            <a:r>
+              <a:rPr lang="ko-KR" altLang="en-US" sz="4000" smtClean="0">
+                <a:solidFill>
+                  <a:srgbClr val="3A3C75"/>
+                </a:solidFill>
+                <a:latin typeface="에스코어 드림 8 Heavy" pitchFamily="34" charset="-127"/>
+                <a:ea typeface="에스코어 드림 8 Heavy" pitchFamily="34" charset="-127"/>
+              </a:rPr>
+              <a:t>흐름도 </a:t>
+            </a:r>
+            <a:r>
+              <a:rPr lang="en-US" altLang="ko-KR" sz="4000">
+                <a:solidFill>
+                  <a:srgbClr val="3A3C75"/>
+                </a:solidFill>
+                <a:latin typeface="에스코어 드림 8 Heavy" pitchFamily="34" charset="-127"/>
+                <a:ea typeface="에스코어 드림 8 Heavy" pitchFamily="34" charset="-127"/>
+              </a:rPr>
+              <a:t>-</a:t>
+            </a:r>
+            <a:r>
+              <a:rPr lang="en-US" altLang="ko-KR" sz="4000" smtClean="0">
+                <a:solidFill>
+                  <a:srgbClr val="3A3C75"/>
+                </a:solidFill>
+                <a:latin typeface="에스코어 드림 8 Heavy" pitchFamily="34" charset="-127"/>
+                <a:ea typeface="에스코어 드림 8 Heavy" pitchFamily="34" charset="-127"/>
+              </a:rPr>
+              <a:t> </a:t>
+            </a:r>
+            <a:r>
+              <a:rPr lang="ko-KR" altLang="en-US" sz="4000" smtClean="0">
+                <a:solidFill>
+                  <a:srgbClr val="3A3C75"/>
+                </a:solidFill>
+                <a:latin typeface="에스코어 드림 8 Heavy" pitchFamily="34" charset="-127"/>
+                <a:ea typeface="에스코어 드림 8 Heavy" pitchFamily="34" charset="-127"/>
+              </a:rPr>
+              <a:t>메시지 전송</a:t>
+            </a:r>
+            <a:endParaRPr lang="ko-KR" altLang="en-US" sz="4000">
+              <a:solidFill>
+                <a:srgbClr val="3A3C75"/>
+              </a:solidFill>
+              <a:latin typeface="에스코어 드림 8 Heavy" pitchFamily="34" charset="-127"/>
+              <a:ea typeface="에스코어 드림 8 Heavy" pitchFamily="34" charset="-127"/>
+            </a:endParaRPr>
+          </a:p>
+        </p:txBody>
+      </p:sp>
+    </p:spTree>
+    <p:extLst>
+      <p:ext uri="{BB962C8B-B14F-4D97-AF65-F5344CB8AC3E}">
+        <p14:creationId xmlns:p14="http://schemas.microsoft.com/office/powerpoint/2010/main" val="1598250429"/>
+      </p:ext>
+    </p:extLst>
+  </p:cSld>
+  <p:clrMapOvr>
+    <a:masterClrMapping/>
+  </p:clrMapOvr>
+  <p:timing>
+    <p:tnLst>
+      <p:par>
+        <p:cTn id="1" dur="indefinite" restart="never" nodeType="tmRoot"/>
+      </p:par>
+    </p:tnLst>
+  </p:timing>
+</p:sld>
+</file>
+
+<file path=ppt/slides/slide16.xml><?xml version="1.0" encoding="utf-8"?>
+<p:sld xmlns:a="http://schemas.openxmlformats.org/drawingml/2006/main" xmlns:r="http://schemas.openxmlformats.org/officeDocument/2006/relationships" xmlns:p="http://schemas.openxmlformats.org/presentationml/2006/main">
+  <p:cSld>
+    <p:spTree>
+      <p:nvGrpSpPr>
+        <p:cNvPr id="1" name=""/>
+        <p:cNvGrpSpPr/>
+        <p:nvPr/>
+      </p:nvGrpSpPr>
+      <p:grpSpPr>
+        <a:xfrm>
+          <a:off x="0" y="0"/>
+          <a:ext cx="0" cy="0"/>
+          <a:chOff x="0" y="0"/>
+          <a:chExt cx="0" cy="0"/>
+        </a:xfrm>
+      </p:grpSpPr>
       <p:sp>
         <p:nvSpPr>
           <p:cNvPr id="10" name="TextBox 9"/>
@@ -5281,37 +7298,17 @@
                 <a:latin typeface="에스코어 드림 5 Medium" pitchFamily="34" charset="-127"/>
                 <a:ea typeface="에스코어 드림 5 Medium" pitchFamily="34" charset="-127"/>
               </a:rPr>
-              <a:t>잇단</a:t>
-            </a:r>
-            <a:r>
-              <a:rPr lang="ko-KR" altLang="en-US" sz="3000" spc="-150" smtClean="0">
+              <a:t>잇단 경계 실패</a:t>
+            </a:r>
+            <a:r>
+              <a:rPr lang="en-US" altLang="ko-KR" sz="3000" spc="-150" smtClean="0">
                 <a:solidFill>
                   <a:schemeClr val="bg1"/>
                 </a:solidFill>
                 <a:latin typeface="에스코어 드림 5 Medium" pitchFamily="34" charset="-127"/>
                 <a:ea typeface="에스코어 드림 5 Medium" pitchFamily="34" charset="-127"/>
               </a:rPr>
-              <a:t> 경계 실패</a:t>
-            </a:r>
-            <a:r>
-              <a:rPr lang="en-US" altLang="ko-KR" sz="3000" spc="-150" smtClean="0">
-                <a:solidFill>
-                  <a:schemeClr val="bg1"/>
-                </a:solidFill>
-                <a:latin typeface="에스코어 드림 5 Medium" pitchFamily="34" charset="-127"/>
-                <a:ea typeface="에스코어 드림 5 Medium" pitchFamily="34" charset="-127"/>
-              </a:rPr>
-              <a:t>…</a:t>
-            </a:r>
-            <a:r>
-              <a:rPr lang="en-US" altLang="ko-KR" sz="3000" spc="-150" smtClean="0">
-                <a:solidFill>
-                  <a:schemeClr val="bg1"/>
-                </a:solidFill>
-                <a:latin typeface="에스코어 드림 5 Medium" pitchFamily="34" charset="-127"/>
-                <a:ea typeface="에스코어 드림 5 Medium" pitchFamily="34" charset="-127"/>
-              </a:rPr>
-              <a:t> </a:t>
+              <a:t>… </a:t>
             </a:r>
             <a:r>
               <a:rPr lang="ko-KR" altLang="en-US" sz="3000" spc="-150" smtClean="0">
@@ -5678,11 +7675,7 @@
           <a:p>
             <a:r>
               <a:rPr lang="ko-KR" altLang="en-US"/>
-              <a:t>출산율 </a:t>
-            </a:r>
-            <a:r>
-              <a:rPr lang="ko-KR" altLang="en-US"/>
-              <a:t>저하에 </a:t>
+              <a:t>출산율 저하에 </a:t>
             </a:r>
             <a:r>
               <a:rPr lang="ko-KR" altLang="en-US" smtClean="0"/>
@@ -5700,11 +7693,6 @@
               </a:rPr>
               <a:t>불가능</a:t>
             </a:r>
-            <a:endParaRPr lang="ko-KR" altLang="en-US">
-              <a:solidFill>
-                <a:srgbClr val="FF2E46"/>
-              </a:solidFill>
-            </a:endParaRPr>
           </a:p>
         </p:txBody>
       </p:sp>
@@ -6163,13 +8151,6 @@
               </a:rPr>
               <a:t> </a:t>
             </a:r>
-            <a:endParaRPr lang="en-US" altLang="ko-KR" sz="3000" smtClean="0">
-              <a:solidFill>
-                <a:schemeClr val="bg1"/>
-              </a:solidFill>
-              <a:latin typeface="에스코어 드림 5 Medium" pitchFamily="34" charset="-127"/>
-              <a:ea typeface="에스코어 드림 5 Medium" pitchFamily="34" charset="-127"/>
-            </a:endParaRPr>
           </a:p>
         </p:txBody>
       </p:sp>
@@ -6349,14 +8330,7 @@
                 <a:latin typeface="에스코어 드림 5 Medium" pitchFamily="34" charset="-127"/>
                 <a:ea typeface="에스코어 드림 5 Medium" pitchFamily="34" charset="-127"/>
               </a:rPr>
-              <a:t>2018. </a:t>
-            </a:r>
-            <a:r>
-              <a:rPr lang="en-US" altLang="ko-KR" sz="1000">
-                <a:latin typeface="에스코어 드림 5 Medium" pitchFamily="34" charset="-127"/>
-                <a:ea typeface="에스코어 드림 5 Medium" pitchFamily="34" charset="-127"/>
-              </a:rPr>
-              <a:t>10</a:t>
+              <a:t>2018. 10</a:t>
             </a:r>
             <a:r>
               <a:rPr lang="en-US" altLang="ko-KR" sz="1000" smtClean="0">
@@ -6495,14 +8469,7 @@
                 <a:latin typeface="에스코어 드림 5 Medium" pitchFamily="34" charset="-127"/>
                 <a:ea typeface="에스코어 드림 5 Medium" pitchFamily="34" charset="-127"/>
               </a:rPr>
-              <a:t>2019</a:t>
-            </a:r>
-            <a:r>
-              <a:rPr lang="en-US" altLang="ko-KR" sz="1000">
-                <a:latin typeface="에스코어 드림 5 Medium" pitchFamily="34" charset="-127"/>
-                <a:ea typeface="에스코어 드림 5 Medium" pitchFamily="34" charset="-127"/>
-              </a:rPr>
-              <a:t>. </a:t>
+              <a:t>2019. </a:t>
             </a:r>
             <a:r>
               <a:rPr lang="en-US" altLang="ko-KR" sz="1000" smtClean="0">
@@ -8313,13 +10280,6 @@
               </a:rPr>
               <a:t>소</a:t>
             </a:r>
-            <a:endParaRPr lang="ko-KR" altLang="en-US" sz="4000">
-              <a:solidFill>
-                <a:srgbClr val="3A3C75"/>
-              </a:solidFill>
-              <a:latin typeface="에스코어 드림 8 Heavy" pitchFamily="34" charset="-127"/>
-              <a:ea typeface="에스코어 드림 8 Heavy" pitchFamily="34" charset="-127"/>
-            </a:endParaRPr>
           </a:p>
         </p:txBody>
       </p:sp>
@@ -8372,8 +10332,8 @@
         </p:nvGrpSpPr>
         <p:grpSpPr>
           <a:xfrm>
-            <a:off x="2917438" y="5175754"/>
-            <a:ext cx="772709" cy="1135847"/>
+            <a:off x="2917439" y="5416813"/>
+            <a:ext cx="608718" cy="894788"/>
             <a:chOff x="774955" y="1556792"/>
             <a:chExt cx="1342720" cy="1810269"/>
           </a:xfrm>
@@ -8504,11 +10464,11 @@
             <p:nvPr/>
           </p:nvPicPr>
           <p:blipFill rotWithShape="1">
-            <a:blip r:embed="rId5" cstate="print">
+            <a:blip r:embed="rId9" cstate="print">
               <a:extLst>
                 <a:ext uri="{BEBA8EAE-BF5A-486C-A8C5-ECC9F3942E4B}">
                   <a14:imgProps xmlns:a14="http://schemas.microsoft.com/office/drawing/2010/main">
-                    <a14:imgLayer r:embed="rId6">
+                    <a14:imgLayer r:embed="rId10">
                       <a14:imgEffect>
                         <a14:backgroundRemoval t="6806" b="90000" l="9954" r="95370"/>
                       </a14:imgEffect>
@@ -8552,11 +10512,11 @@
             <p:nvPr/>
           </p:nvPicPr>
           <p:blipFill>
-            <a:blip r:embed="rId7" cstate="print">
+            <a:blip r:embed="rId11" cstate="print">
               <a:extLst>
                 <a:ext uri="{BEBA8EAE-BF5A-486C-A8C5-ECC9F3942E4B}">
                   <a14:imgProps xmlns:a14="http://schemas.microsoft.com/office/drawing/2010/main">
-                    <a14:imgLayer r:embed="rId8">
+                    <a14:imgLayer r:embed="rId12">
                       <a14:imgEffect>
                         <a14:backgroundRemoval t="0" b="100000" l="0" r="100000">
                           <a14:foregroundMark x1="49902" y1="62207" x2="49902" y2="62207"/>
@@ -8606,8 +10566,8 @@
         </p:nvGrpSpPr>
         <p:grpSpPr>
           <a:xfrm>
-            <a:off x="3690147" y="760650"/>
-            <a:ext cx="772709" cy="1135847"/>
+            <a:off x="4788024" y="604156"/>
+            <a:ext cx="648072" cy="952636"/>
             <a:chOff x="774955" y="1556792"/>
             <a:chExt cx="1342720" cy="1810269"/>
           </a:xfrm>
@@ -8621,11 +10581,11 @@
             <p:nvPr/>
           </p:nvPicPr>
           <p:blipFill rotWithShape="1">
-            <a:blip r:embed="rId5" cstate="print">
+            <a:blip r:embed="rId13" cstate="print">
               <a:extLst>
                 <a:ext uri="{BEBA8EAE-BF5A-486C-A8C5-ECC9F3942E4B}">
                   <a14:imgProps xmlns:a14="http://schemas.microsoft.com/office/drawing/2010/main">
-                    <a14:imgLayer r:embed="rId6">
+                    <a14:imgLayer r:embed="rId14">
                       <a14:imgEffect>
                         <a14:backgroundRemoval t="6806" b="90000" l="9954" r="95370"/>
                       </a14:imgEffect>
@@ -8669,11 +10629,11 @@
             <p:nvPr/>
           </p:nvPicPr>
           <p:blipFill>
-            <a:blip r:embed="rId7" cstate="print">
+            <a:blip r:embed="rId15" cstate="print">
               <a:extLst>
                 <a:ext uri="{BEBA8EAE-BF5A-486C-A8C5-ECC9F3942E4B}">
                   <a14:imgProps xmlns:a14="http://schemas.microsoft.com/office/drawing/2010/main">
-                    <a14:imgLayer r:embed="rId8">
+                    <a14:imgLayer r:embed="rId16">
                       <a14:imgEffect>
                         <a14:backgroundRemoval t="0" b="100000" l="0" r="100000">
                           <a14:foregroundMark x1="49902" y1="62207" x2="49902" y2="62207"/>
@@ -8779,11 +10739,11 @@
             <p:nvPr/>
           </p:nvPicPr>
           <p:blipFill rotWithShape="1">
-            <a:blip r:embed="rId5" cstate="print">
+            <a:blip r:embed="rId9" cstate="print">
               <a:extLst>
                 <a:ext uri="{BEBA8EAE-BF5A-486C-A8C5-ECC9F3942E4B}">
                   <a14:imgProps xmlns:a14="http://schemas.microsoft.com/office/drawing/2010/main">
-                    <a14:imgLayer r:embed="rId6">
+                    <a14:imgLayer r:embed="rId10">
                       <a14:imgEffect>
                         <a14:backgroundRemoval t="6806" b="90000" l="9954" r="95370"/>
                       </a14:imgEffect>
@@ -8827,11 +10787,11 @@
             <p:nvPr/>
           </p:nvPicPr>
           <p:blipFill>
-            <a:blip r:embed="rId7" cstate="print">
+            <a:blip r:embed="rId11" cstate="print">
               <a:extLst>
                 <a:ext uri="{BEBA8EAE-BF5A-486C-A8C5-ECC9F3942E4B}">
                   <a14:imgProps xmlns:a14="http://schemas.microsoft.com/office/drawing/2010/main">
-                    <a14:imgLayer r:embed="rId8">
+                    <a14:imgLayer r:embed="rId12">
                       <a14:imgEffect>
                         <a14:backgroundRemoval t="0" b="100000" l="0" r="100000">
                           <a14:foregroundMark x1="49902" y1="62207" x2="49902" y2="62207"/>
@@ -8896,11 +10856,11 @@
             <p:nvPr/>
           </p:nvPicPr>
           <p:blipFill rotWithShape="1">
-            <a:blip r:embed="rId5" cstate="print">
+            <a:blip r:embed="rId9" cstate="print">
               <a:extLst>
                 <a:ext uri="{BEBA8EAE-BF5A-486C-A8C5-ECC9F3942E4B}">
                   <a14:imgProps xmlns:a14="http://schemas.microsoft.com/office/drawing/2010/main">
-                    <a14:imgLayer r:embed="rId6">
+                    <a14:imgLayer r:embed="rId10">
                       <a14:imgEffect>
                         <a14:backgroundRemoval t="6806" b="90000" l="9954" r="95370"/>
                       </a14:imgEffect>
@@ -8944,11 +10904,11 @@
             <p:nvPr/>
           </p:nvPicPr>
           <p:blipFill>
-            <a:blip r:embed="rId7" cstate="print">
+            <a:blip r:embed="rId11" cstate="print">
               <a:extLst>
                 <a:ext uri="{BEBA8EAE-BF5A-486C-A8C5-ECC9F3942E4B}">
                   <a14:imgProps xmlns:a14="http://schemas.microsoft.com/office/drawing/2010/main">
-                    <a14:imgLayer r:embed="rId8">
+                    <a14:imgLayer r:embed="rId12">
                       <a14:imgEffect>
                         <a14:backgroundRemoval t="0" b="100000" l="0" r="100000">
                           <a14:foregroundMark x1="49902" y1="62207" x2="49902" y2="62207"/>
@@ -9095,172 +11055,52 @@
           </p:txBody>
         </p:sp>
       </p:grpSp>
-      <p:grpSp>
-        <p:nvGrpSpPr>
-          <p:cNvPr id="96" name="그룹 95"/>
-          <p:cNvGrpSpPr/>
+      <p:sp>
+        <p:nvSpPr>
+          <p:cNvPr id="5" name="타원 4"/>
+          <p:cNvSpPr/>
           <p:nvPr/>
-        </p:nvGrpSpPr>
-        <p:grpSpPr>
+        </p:nvSpPr>
+        <p:spPr>
           <a:xfrm>
             <a:off x="2974112" y="2216098"/>
             <a:ext cx="3168352" cy="3168352"/>
-            <a:chOff x="2974112" y="2216098"/>
-            <a:chExt cx="3168352" cy="3168352"/>
           </a:xfrm>
-        </p:grpSpPr>
-        <p:sp>
-          <p:nvSpPr>
-            <p:cNvPr id="5" name="타원 4"/>
-            <p:cNvSpPr/>
-            <p:nvPr/>
-          </p:nvSpPr>
-          <p:spPr>
-            <a:xfrm>
-              <a:off x="2974112" y="2216098"/>
-              <a:ext cx="3168352" cy="3168352"/>
-            </a:xfrm>
-            <a:prstGeom prst="ellipse">
-              <a:avLst/>
-            </a:prstGeom>
-            <a:blipFill>
-              <a:blip r:embed="rId9"/>
-              <a:stretch>
-                <a:fillRect/>
-              </a:stretch>
-            </a:blipFill>
-          </p:spPr>
-          <p:style>
-            <a:lnRef idx="2">
-              <a:schemeClr val="accent1">
-                <a:shade val="50000"/>
-              </a:schemeClr>
-            </a:lnRef>
-            <a:fillRef idx="1">
-              <a:schemeClr val="accent1"/>
-            </a:fillRef>
-            <a:effectRef idx="0">
-              <a:schemeClr val="accent1"/>
-            </a:effectRef>
-            <a:fontRef idx="minor">
-              <a:schemeClr val="lt1"/>
-            </a:fontRef>
-          </p:style>
-          <p:txBody>
-            <a:bodyPr rtlCol="0" anchor="ctr"/>
-            <a:lstStyle/>
-            <a:p>
-              <a:pPr algn="ctr"/>
-              <a:endParaRPr lang="ko-KR" altLang="en-US"/>
-            </a:p>
-          </p:txBody>
-        </p:sp>
-        <p:grpSp>
-          <p:nvGrpSpPr>
-            <p:cNvPr id="115" name="그룹 114"/>
-            <p:cNvGrpSpPr/>
-            <p:nvPr/>
-          </p:nvGrpSpPr>
-          <p:grpSpPr>
-            <a:xfrm>
-              <a:off x="3898492" y="4077072"/>
-              <a:ext cx="1319592" cy="527999"/>
-              <a:chOff x="7677999" y="3621080"/>
-              <a:chExt cx="1319592" cy="527999"/>
-            </a:xfrm>
-          </p:grpSpPr>
-          <p:sp>
-            <p:nvSpPr>
-              <p:cNvPr id="116" name="직사각형 115"/>
-              <p:cNvSpPr/>
-              <p:nvPr/>
-            </p:nvSpPr>
-            <p:spPr>
-              <a:xfrm>
-                <a:off x="7678000" y="3621080"/>
-                <a:ext cx="1319591" cy="527999"/>
-              </a:xfrm>
-              <a:prstGeom prst="rect">
-                <a:avLst/>
-              </a:prstGeom>
-              <a:solidFill>
-                <a:schemeClr val="tx1">
-                  <a:alpha val="73000"/>
-                </a:schemeClr>
-              </a:solidFill>
-              <a:ln>
-                <a:noFill/>
-              </a:ln>
-            </p:spPr>
-            <p:style>
-              <a:lnRef idx="2">
-                <a:schemeClr val="accent1">
-                  <a:shade val="50000"/>
-                </a:schemeClr>
-              </a:lnRef>
-              <a:fillRef idx="1">
-                <a:schemeClr val="accent1"/>
-              </a:fillRef>
-              <a:effectRef idx="0">
-                <a:schemeClr val="accent1"/>
-              </a:effectRef>
-              <a:fontRef idx="minor">
-                <a:schemeClr val="lt1"/>
-              </a:fontRef>
-            </p:style>
-            <p:txBody>
-              <a:bodyPr rtlCol="0" anchor="ctr"/>
-              <a:lstStyle/>
-              <a:p>
-                <a:pPr algn="ctr"/>
-                <a:endParaRPr lang="ko-KR" altLang="en-US"/>
-              </a:p>
-            </p:txBody>
-          </p:sp>
-          <p:sp>
-            <p:nvSpPr>
-              <p:cNvPr id="117" name="TextBox 116"/>
-              <p:cNvSpPr txBox="1"/>
-              <p:nvPr/>
-            </p:nvSpPr>
-            <p:spPr>
-              <a:xfrm>
-                <a:off x="7677999" y="3667073"/>
-                <a:ext cx="1319592" cy="446276"/>
-              </a:xfrm>
-              <a:prstGeom prst="rect">
-                <a:avLst/>
-              </a:prstGeom>
-              <a:noFill/>
-            </p:spPr>
-            <p:txBody>
-              <a:bodyPr wrap="none" rtlCol="0" anchor="ctr">
-                <a:spAutoFit/>
-              </a:bodyPr>
-              <a:lstStyle/>
-              <a:p>
-                <a:r>
-                  <a:rPr lang="ko-KR" altLang="en-US" sz="2300" smtClean="0">
-                    <a:solidFill>
-                      <a:schemeClr val="bg1"/>
-                    </a:solidFill>
-                    <a:latin typeface="에스코어 드림 8 Heavy" pitchFamily="34" charset="-127"/>
-                    <a:ea typeface="에스코어 드림 8 Heavy" pitchFamily="34" charset="-127"/>
-                  </a:rPr>
-                  <a:t>경계초소</a:t>
-                </a:r>
-                <a:endParaRPr lang="ko-KR" altLang="en-US" sz="2300">
-                  <a:solidFill>
-                    <a:schemeClr val="bg1"/>
-                  </a:solidFill>
-                  <a:latin typeface="에스코어 드림 8 Heavy" pitchFamily="34" charset="-127"/>
-                  <a:ea typeface="에스코어 드림 8 Heavy" pitchFamily="34" charset="-127"/>
-                </a:endParaRPr>
-              </a:p>
-            </p:txBody>
-          </p:sp>
-        </p:grpSp>
-      </p:grpSp>
+          <a:prstGeom prst="ellipse">
+            <a:avLst/>
+          </a:prstGeom>
+          <a:blipFill>
+            <a:blip r:embed="rId17"/>
+            <a:stretch>
+              <a:fillRect/>
+            </a:stretch>
+          </a:blipFill>
+        </p:spPr>
+        <p:style>
+          <a:lnRef idx="2">
+            <a:schemeClr val="accent1">
+              <a:shade val="50000"/>
+            </a:schemeClr>
+          </a:lnRef>
+          <a:fillRef idx="1">
+            <a:schemeClr val="accent1"/>
+          </a:fillRef>
+          <a:effectRef idx="0">
+            <a:schemeClr val="accent1"/>
+          </a:effectRef>
+          <a:fontRef idx="minor">
+            <a:schemeClr val="lt1"/>
+          </a:fontRef>
+        </p:style>
+        <p:txBody>
+          <a:bodyPr rtlCol="0" anchor="ctr"/>
+          <a:lstStyle/>
+          <a:p>
+            <a:pPr algn="ctr"/>
+            <a:endParaRPr lang="ko-KR" altLang="en-US"/>
+          </a:p>
+        </p:txBody>
+      </p:sp>
       <p:grpSp>
         <p:nvGrpSpPr>
           <p:cNvPr id="121" name="그룹 120"/>
@@ -9389,11 +11229,11 @@
             <p:nvPr/>
           </p:nvPicPr>
           <p:blipFill rotWithShape="1">
-            <a:blip r:embed="rId5" cstate="print">
+            <a:blip r:embed="rId9" cstate="print">
               <a:extLst>
                 <a:ext uri="{BEBA8EAE-BF5A-486C-A8C5-ECC9F3942E4B}">
                   <a14:imgProps xmlns:a14="http://schemas.microsoft.com/office/drawing/2010/main">
-                    <a14:imgLayer r:embed="rId6">
+                    <a14:imgLayer r:embed="rId10">
                       <a14:imgEffect>
                         <a14:backgroundRemoval t="6806" b="90000" l="9954" r="95370"/>
                       </a14:imgEffect>
@@ -9437,11 +11277,11 @@
             <p:nvPr/>
           </p:nvPicPr>
           <p:blipFill>
-            <a:blip r:embed="rId7" cstate="print">
+            <a:blip r:embed="rId11" cstate="print">
               <a:extLst>
                 <a:ext uri="{BEBA8EAE-BF5A-486C-A8C5-ECC9F3942E4B}">
                   <a14:imgProps xmlns:a14="http://schemas.microsoft.com/office/drawing/2010/main">
-                    <a14:imgLayer r:embed="rId8">
+                    <a14:imgLayer r:embed="rId12">
                       <a14:imgEffect>
                         <a14:backgroundRemoval t="0" b="100000" l="0" r="100000">
                           <a14:foregroundMark x1="49902" y1="62207" x2="49902" y2="62207"/>
@@ -9483,6 +11323,161 @@
           </p:spPr>
         </p:pic>
       </p:grpSp>
+      <p:pic>
+        <p:nvPicPr>
+          <p:cNvPr id="36" name="Picture 3" descr="C:\Users\Admin\Downloads\군인.png"/>
+          <p:cNvPicPr>
+            <a:picLocks noChangeAspect="1" noChangeArrowheads="1"/>
+          </p:cNvPicPr>
+          <p:nvPr/>
+        </p:nvPicPr>
+        <p:blipFill>
+          <a:blip r:embed="rId18" cstate="print">
+            <a:extLst>
+              <a:ext uri="{BEBA8EAE-BF5A-486C-A8C5-ECC9F3942E4B}">
+                <a14:imgProps xmlns:a14="http://schemas.microsoft.com/office/drawing/2010/main">
+                  <a14:imgLayer r:embed="rId19">
+                    <a14:imgEffect>
+                      <a14:backgroundRemoval t="0" b="100000" l="0" r="100000"/>
+                    </a14:imgEffect>
+                  </a14:imgLayer>
+                </a14:imgProps>
+              </a:ext>
+              <a:ext uri="{28A0092B-C50C-407E-A947-70E740481C1C}">
+                <a14:useLocalDpi xmlns:a14="http://schemas.microsoft.com/office/drawing/2010/main" val="0"/>
+              </a:ext>
+            </a:extLst>
+          </a:blip>
+          <a:srcRect/>
+          <a:stretch>
+            <a:fillRect/>
+          </a:stretch>
+        </p:blipFill>
+        <p:spPr bwMode="auto">
+          <a:xfrm>
+            <a:off x="4090236" y="3645024"/>
+            <a:ext cx="936104" cy="837664"/>
+          </a:xfrm>
+          <a:prstGeom prst="rect">
+            <a:avLst/>
+          </a:prstGeom>
+          <a:noFill/>
+          <a:extLst>
+            <a:ext uri="{909E8E84-426E-40DD-AFC4-6F175D3DCCD1}">
+              <a14:hiddenFill xmlns:a14="http://schemas.microsoft.com/office/drawing/2010/main">
+                <a:solidFill>
+                  <a:srgbClr val="FFFFFF"/>
+                </a:solidFill>
+              </a14:hiddenFill>
+            </a:ext>
+          </a:extLst>
+        </p:spPr>
+      </p:pic>
+      <p:grpSp>
+        <p:nvGrpSpPr>
+          <p:cNvPr id="115" name="그룹 114"/>
+          <p:cNvGrpSpPr/>
+          <p:nvPr/>
+        </p:nvGrpSpPr>
+        <p:grpSpPr>
+          <a:xfrm>
+            <a:off x="3898492" y="4293096"/>
+            <a:ext cx="1319592" cy="527999"/>
+            <a:chOff x="7677999" y="3621080"/>
+            <a:chExt cx="1319592" cy="527999"/>
+          </a:xfrm>
+        </p:grpSpPr>
+        <p:sp>
+          <p:nvSpPr>
+            <p:cNvPr id="116" name="직사각형 115"/>
+            <p:cNvSpPr/>
+            <p:nvPr/>
+          </p:nvSpPr>
+          <p:spPr>
+            <a:xfrm>
+              <a:off x="7678000" y="3621080"/>
+              <a:ext cx="1319591" cy="527999"/>
+            </a:xfrm>
+            <a:prstGeom prst="rect">
+              <a:avLst/>
+            </a:prstGeom>
+            <a:solidFill>
+              <a:schemeClr val="tx1">
+                <a:alpha val="73000"/>
+              </a:schemeClr>
+            </a:solidFill>
+            <a:ln>
+              <a:noFill/>
+            </a:ln>
+          </p:spPr>
+          <p:style>
+            <a:lnRef idx="2">
+              <a:schemeClr val="accent1">
+                <a:shade val="50000"/>
+              </a:schemeClr>
+            </a:lnRef>
+            <a:fillRef idx="1">
+              <a:schemeClr val="accent1"/>
+            </a:fillRef>
+            <a:effectRef idx="0">
+              <a:schemeClr val="accent1"/>
+            </a:effectRef>
+            <a:fontRef idx="minor">
+              <a:schemeClr val="lt1"/>
+            </a:fontRef>
+          </p:style>
+          <p:txBody>
+            <a:bodyPr rtlCol="0" anchor="ctr"/>
+            <a:lstStyle/>
+            <a:p>
+              <a:pPr algn="ctr"/>
+              <a:endParaRPr lang="ko-KR" altLang="en-US"/>
+            </a:p>
+          </p:txBody>
+        </p:sp>
+        <p:sp>
+          <p:nvSpPr>
+            <p:cNvPr id="117" name="TextBox 116"/>
+            <p:cNvSpPr txBox="1"/>
+            <p:nvPr/>
+          </p:nvSpPr>
+          <p:spPr>
+            <a:xfrm>
+              <a:off x="7677999" y="3667073"/>
+              <a:ext cx="1319592" cy="446276"/>
+            </a:xfrm>
+            <a:prstGeom prst="rect">
+              <a:avLst/>
+            </a:prstGeom>
+            <a:noFill/>
+          </p:spPr>
+          <p:txBody>
+            <a:bodyPr wrap="none" rtlCol="0" anchor="ctr">
+              <a:spAutoFit/>
+            </a:bodyPr>
+            <a:lstStyle/>
+            <a:p>
+              <a:r>
+                <a:rPr lang="ko-KR" altLang="en-US" sz="2300" smtClean="0">
+                  <a:solidFill>
+                    <a:schemeClr val="bg1"/>
+                  </a:solidFill>
+                  <a:latin typeface="에스코어 드림 8 Heavy" pitchFamily="34" charset="-127"/>
+                  <a:ea typeface="에스코어 드림 8 Heavy" pitchFamily="34" charset="-127"/>
+                </a:rPr>
+                <a:t>경계초소</a:t>
+              </a:r>
+              <a:endParaRPr lang="ko-KR" altLang="en-US" sz="2300">
+                <a:solidFill>
+                  <a:schemeClr val="bg1"/>
+                </a:solidFill>
+                <a:latin typeface="에스코어 드림 8 Heavy" pitchFamily="34" charset="-127"/>
+                <a:ea typeface="에스코어 드림 8 Heavy" pitchFamily="34" charset="-127"/>
+              </a:endParaRPr>
+            </a:p>
+          </p:txBody>
+        </p:sp>
+      </p:grpSp>
     </p:spTree>
     <p:extLst>
       <p:ext uri="{BB962C8B-B14F-4D97-AF65-F5344CB8AC3E}">
@@ -9520,6 +11515,102 @@
           <a:chExt cx="0" cy="0"/>
         </a:xfrm>
       </p:grpSpPr>
+      <p:sp>
+        <p:nvSpPr>
+          <p:cNvPr id="39" name="타원 38"/>
+          <p:cNvSpPr/>
+          <p:nvPr/>
+        </p:nvSpPr>
+        <p:spPr>
+          <a:xfrm>
+            <a:off x="6588224" y="2265638"/>
+            <a:ext cx="2315490" cy="2315490"/>
+          </a:xfrm>
+          <a:prstGeom prst="ellipse">
+            <a:avLst/>
+          </a:prstGeom>
+          <a:blipFill>
+            <a:blip r:embed="rId2"/>
+            <a:stretch>
+              <a:fillRect/>
+            </a:stretch>
+          </a:blipFill>
+        </p:spPr>
+        <p:style>
+          <a:lnRef idx="2">
+            <a:schemeClr val="accent1">
+              <a:shade val="50000"/>
+            </a:schemeClr>
+          </a:lnRef>
+          <a:fillRef idx="1">
+            <a:schemeClr val="accent1"/>
+          </a:fillRef>
+          <a:effectRef idx="0">
+            <a:schemeClr val="accent1"/>
+          </a:effectRef>
+          <a:fontRef idx="minor">
+            <a:schemeClr val="lt1"/>
+          </a:fontRef>
+        </p:style>
+        <p:txBody>
+          <a:bodyPr rtlCol="0" anchor="ctr"/>
+          <a:lstStyle/>
+          <a:p>
+            <a:pPr algn="ctr"/>
+            <a:endParaRPr lang="ko-KR" altLang="en-US"/>
+          </a:p>
+        </p:txBody>
+      </p:sp>
+      <p:pic>
+        <p:nvPicPr>
+          <p:cNvPr id="44" name="Picture 3" descr="C:\Users\Admin\Downloads\군인.png"/>
+          <p:cNvPicPr>
+            <a:picLocks noChangeAspect="1" noChangeArrowheads="1"/>
+          </p:cNvPicPr>
+          <p:nvPr/>
+        </p:nvPicPr>
+        <p:blipFill>
+          <a:blip r:embed="rId3" cstate="print">
+            <a:extLst>
+              <a:ext uri="{BEBA8EAE-BF5A-486C-A8C5-ECC9F3942E4B}">
+                <a14:imgProps xmlns:a14="http://schemas.microsoft.com/office/drawing/2010/main">
+                  <a14:imgLayer r:embed="rId4">
+                    <a14:imgEffect>
+                      <a14:backgroundRemoval t="0" b="100000" l="0" r="100000"/>
+                    </a14:imgEffect>
+                  </a14:imgLayer>
+                </a14:imgProps>
+              </a:ext>
+              <a:ext uri="{28A0092B-C50C-407E-A947-70E740481C1C}">
+                <a14:useLocalDpi xmlns:a14="http://schemas.microsoft.com/office/drawing/2010/main" val="0"/>
+              </a:ext>
+            </a:extLst>
+          </a:blip>
+          <a:srcRect/>
+          <a:stretch>
+            <a:fillRect/>
+          </a:stretch>
+        </p:blipFill>
+        <p:spPr bwMode="auto">
+          <a:xfrm>
+            <a:off x="7277917" y="3140968"/>
+            <a:ext cx="936104" cy="837664"/>
+          </a:xfrm>
+          <a:prstGeom prst="rect">
+            <a:avLst/>
+          </a:prstGeom>
+          <a:noFill/>
+          <a:extLst>
+            <a:ext uri="{909E8E84-426E-40DD-AFC4-6F175D3DCCD1}">
+              <a14:hiddenFill xmlns:a14="http://schemas.microsoft.com/office/drawing/2010/main">
+                <a:solidFill>
+                  <a:srgbClr val="FFFFFF"/>
+                </a:solidFill>
+              </a14:hiddenFill>
+            </a:ext>
+          </a:extLst>
+        </p:spPr>
+      </p:pic>
       <p:pic>
         <p:nvPicPr>
           <p:cNvPr id="7170" name="Picture 2" descr="C:\Users\Admin\Desktop\이미지\클라우드.png"/>
@@ -9529,7 +11620,7 @@
           <p:nvPr/>
         </p:nvPicPr>
         <p:blipFill>
-          <a:blip r:embed="rId2" cstate="print">
+          <a:blip r:embed="rId5" cstate="print">
             <a:extLst>
               <a:ext uri="{28A0092B-C50C-407E-A947-70E740481C1C}">
                 <a14:useLocalDpi xmlns:a14="http://schemas.microsoft.com/office/drawing/2010/main" val="0"/>
@@ -9545,47 +11636,6 @@
           <a:xfrm>
             <a:off x="5369535" y="2539119"/>
             <a:ext cx="1150307" cy="763211"/>
-          </a:xfrm>
-          <a:prstGeom prst="rect">
-            <a:avLst/>
-          </a:prstGeom>
-          <a:noFill/>
-          <a:extLst>
-            <a:ext uri="{909E8E84-426E-40DD-AFC4-6F175D3DCCD1}">
-              <a14:hiddenFill xmlns:a14="http://schemas.microsoft.com/office/drawing/2010/main">
-                <a:solidFill>
-                  <a:srgbClr val="FFFFFF"/>
-                </a:solidFill>
-              </a14:hiddenFill>
-            </a:ext>
-          </a:extLst>
-        </p:spPr>
-      </p:pic>
-      <p:pic>
-        <p:nvPicPr>
-          <p:cNvPr id="3075" name="Picture 3" descr="C:\Users\Admin\Downloads\군인.png"/>
-          <p:cNvPicPr>
-            <a:picLocks noChangeAspect="1" noChangeArrowheads="1"/>
-          </p:cNvPicPr>
-          <p:nvPr/>
-        </p:nvPicPr>
-        <p:blipFill>
-          <a:blip r:embed="rId3" cstate="print">
-            <a:extLst>
-              <a:ext uri="{28A0092B-C50C-407E-A947-70E740481C1C}">
-                <a14:useLocalDpi xmlns:a14="http://schemas.microsoft.com/office/drawing/2010/main" val="0"/>
-              </a:ext>
-            </a:extLst>
-          </a:blip>
-          <a:srcRect/>
-          <a:stretch>
-            <a:fillRect/>
-          </a:stretch>
-        </p:blipFill>
-        <p:spPr bwMode="auto">
-          <a:xfrm>
-            <a:off x="-4212976" y="1937177"/>
-            <a:ext cx="2168482" cy="1940446"/>
           </a:xfrm>
           <a:prstGeom prst="rect">
             <a:avLst/>
@@ -9644,13 +11694,6 @@
               </a:rPr>
               <a:t>소</a:t>
             </a:r>
-            <a:endParaRPr lang="ko-KR" altLang="en-US" sz="4000">
-              <a:solidFill>
-                <a:srgbClr val="3A3C75"/>
-              </a:solidFill>
-              <a:latin typeface="에스코어 드림 8 Heavy" pitchFamily="34" charset="-127"/>
-              <a:ea typeface="에스코어 드림 8 Heavy" pitchFamily="34" charset="-127"/>
-            </a:endParaRPr>
           </a:p>
         </p:txBody>
       </p:sp>
@@ -9705,11 +11748,11 @@
                 <p:nvPr/>
               </p:nvPicPr>
               <p:blipFill rotWithShape="1">
-                <a:blip r:embed="rId4" cstate="print">
+                <a:blip r:embed="rId6" cstate="print">
                   <a:extLst>
                     <a:ext uri="{BEBA8EAE-BF5A-486C-A8C5-ECC9F3942E4B}">
                       <a14:imgProps xmlns:a14="http://schemas.microsoft.com/office/drawing/2010/main">
-                        <a14:imgLayer r:embed="rId5">
+                        <a14:imgLayer r:embed="rId7">
                           <a14:imgEffect>
                             <a14:backgroundRemoval t="6806" b="90000" l="9954" r="95370"/>
                           </a14:imgEffect>
@@ -9753,11 +11796,11 @@
                 <p:nvPr/>
               </p:nvPicPr>
               <p:blipFill>
-                <a:blip r:embed="rId6" cstate="print">
+                <a:blip r:embed="rId8" cstate="print">
                   <a:extLst>
                     <a:ext uri="{BEBA8EAE-BF5A-486C-A8C5-ECC9F3942E4B}">
                       <a14:imgProps xmlns:a14="http://schemas.microsoft.com/office/drawing/2010/main">
-                        <a14:imgLayer r:embed="rId7">
+                        <a14:imgLayer r:embed="rId9">
                           <a14:imgEffect>
                             <a14:backgroundRemoval t="0" b="100000" l="0" r="100000">
                               <a14:foregroundMark x1="49902" y1="62207" x2="49902" y2="62207"/>
@@ -9822,11 +11865,11 @@
                 <p:nvPr/>
               </p:nvPicPr>
               <p:blipFill rotWithShape="1">
-                <a:blip r:embed="rId4" cstate="print">
+                <a:blip r:embed="rId6" cstate="print">
                   <a:extLst>
                     <a:ext uri="{BEBA8EAE-BF5A-486C-A8C5-ECC9F3942E4B}">
                       <a14:imgProps xmlns:a14="http://schemas.microsoft.com/office/drawing/2010/main">
-                        <a14:imgLayer r:embed="rId5">
+                        <a14:imgLayer r:embed="rId7">
                           <a14:imgEffect>
                             <a14:backgroundRemoval t="6806" b="90000" l="9954" r="95370"/>
                           </a14:imgEffect>
@@ -9870,11 +11913,11 @@
                 <p:nvPr/>
               </p:nvPicPr>
               <p:blipFill>
-                <a:blip r:embed="rId6" cstate="print">
+                <a:blip r:embed="rId8" cstate="print">
                   <a:extLst>
                     <a:ext uri="{BEBA8EAE-BF5A-486C-A8C5-ECC9F3942E4B}">
                       <a14:imgProps xmlns:a14="http://schemas.microsoft.com/office/drawing/2010/main">
-                        <a14:imgLayer r:embed="rId7">
+                        <a14:imgLayer r:embed="rId9">
                           <a14:imgEffect>
                             <a14:backgroundRemoval t="0" b="100000" l="0" r="100000">
                               <a14:foregroundMark x1="49902" y1="62207" x2="49902" y2="62207"/>
@@ -9939,11 +11982,11 @@
                 <p:nvPr/>
               </p:nvPicPr>
               <p:blipFill rotWithShape="1">
-                <a:blip r:embed="rId4" cstate="print">
+                <a:blip r:embed="rId6" cstate="print">
                   <a:extLst>
                     <a:ext uri="{BEBA8EAE-BF5A-486C-A8C5-ECC9F3942E4B}">
                       <a14:imgProps xmlns:a14="http://schemas.microsoft.com/office/drawing/2010/main">
-                        <a14:imgLayer r:embed="rId5">
+                        <a14:imgLayer r:embed="rId7">
                           <a14:imgEffect>
                             <a14:backgroundRemoval t="6806" b="90000" l="9954" r="95370"/>
                           </a14:imgEffect>
@@ -9987,11 +12030,11 @@
                 <p:nvPr/>
               </p:nvPicPr>
               <p:blipFill>
-                <a:blip r:embed="rId6" cstate="print">
+                <a:blip r:embed="rId8" cstate="print">
                   <a:extLst>
                     <a:ext uri="{BEBA8EAE-BF5A-486C-A8C5-ECC9F3942E4B}">
                       <a14:imgProps xmlns:a14="http://schemas.microsoft.com/office/drawing/2010/main">
-                        <a14:imgLayer r:embed="rId7">
+                        <a14:imgLayer r:embed="rId9">
                           <a14:imgEffect>
                             <a14:backgroundRemoval t="0" b="100000" l="0" r="100000">
                               <a14:foregroundMark x1="49902" y1="62207" x2="49902" y2="62207"/>
@@ -10056,11 +12099,11 @@
                 <p:nvPr/>
               </p:nvPicPr>
               <p:blipFill rotWithShape="1">
-                <a:blip r:embed="rId4" cstate="print">
+                <a:blip r:embed="rId6" cstate="print">
                   <a:extLst>
                     <a:ext uri="{BEBA8EAE-BF5A-486C-A8C5-ECC9F3942E4B}">
                       <a14:imgProps xmlns:a14="http://schemas.microsoft.com/office/drawing/2010/main">
-                        <a14:imgLayer r:embed="rId5">
+                        <a14:imgLayer r:embed="rId7">
                           <a14:imgEffect>
                             <a14:backgroundRemoval t="6806" b="90000" l="9954" r="95370"/>
                           </a14:imgEffect>
@@ -10104,11 +12147,11 @@
                 <p:nvPr/>
               </p:nvPicPr>
               <p:blipFill>
-                <a:blip r:embed="rId6" cstate="print">
+                <a:blip r:embed="rId8" cstate="print">
                   <a:extLst>
                     <a:ext uri="{BEBA8EAE-BF5A-486C-A8C5-ECC9F3942E4B}">
                       <a14:imgProps xmlns:a14="http://schemas.microsoft.com/office/drawing/2010/main">
-                        <a14:imgLayer r:embed="rId7">
+                        <a14:imgLayer r:embed="rId9">
                           <a14:imgEffect>
                             <a14:backgroundRemoval t="0" b="100000" l="0" r="100000">
                               <a14:foregroundMark x1="49902" y1="62207" x2="49902" y2="62207"/>
@@ -10173,11 +12216,11 @@
                 <p:nvPr/>
               </p:nvPicPr>
               <p:blipFill rotWithShape="1">
-                <a:blip r:embed="rId4" cstate="print">
+                <a:blip r:embed="rId6" cstate="print">
                   <a:extLst>
                     <a:ext uri="{BEBA8EAE-BF5A-486C-A8C5-ECC9F3942E4B}">
                       <a14:imgProps xmlns:a14="http://schemas.microsoft.com/office/drawing/2010/main">
-                        <a14:imgLayer r:embed="rId5">
+                        <a14:imgLayer r:embed="rId7">
                           <a14:imgEffect>
                             <a14:backgroundRemoval t="6806" b="90000" l="9954" r="95370"/>
                           </a14:imgEffect>
@@ -10221,11 +12264,11 @@
                 <p:nvPr/>
               </p:nvPicPr>
               <p:blipFill>
-                <a:blip r:embed="rId6" cstate="print">
+                <a:blip r:embed="rId8" cstate="print">
                   <a:extLst>
                     <a:ext uri="{BEBA8EAE-BF5A-486C-A8C5-ECC9F3942E4B}">
                       <a14:imgProps xmlns:a14="http://schemas.microsoft.com/office/drawing/2010/main">
-                        <a14:imgLayer r:embed="rId7">
+                        <a14:imgLayer r:embed="rId9">
                           <a14:imgEffect>
                             <a14:backgroundRemoval t="0" b="100000" l="0" r="100000">
                               <a14:foregroundMark x1="49902" y1="62207" x2="49902" y2="62207"/>
@@ -10447,11 +12490,11 @@
             <p:nvPr/>
           </p:nvPicPr>
           <p:blipFill rotWithShape="1">
-            <a:blip r:embed="rId8" cstate="print">
+            <a:blip r:embed="rId10" cstate="print">
               <a:extLst>
                 <a:ext uri="{BEBA8EAE-BF5A-486C-A8C5-ECC9F3942E4B}">
                   <a14:imgProps xmlns:a14="http://schemas.microsoft.com/office/drawing/2010/main">
-                    <a14:imgLayer r:embed="rId9">
+                    <a14:imgLayer r:embed="rId11">
                       <a14:imgEffect>
                         <a14:backgroundRemoval t="6600" b="94200" l="17448" r="78516">
                           <a14:foregroundMark x1="34505" y1="77600" x2="68880" y2="78200"/>
@@ -10537,38 +12580,40 @@
       </p:grpSp>
       <p:grpSp>
         <p:nvGrpSpPr>
-          <p:cNvPr id="38" name="그룹 37"/>
+          <p:cNvPr id="40" name="그룹 39"/>
           <p:cNvGrpSpPr/>
           <p:nvPr/>
         </p:nvGrpSpPr>
         <p:grpSpPr>
           <a:xfrm>
-            <a:off x="6588224" y="2265638"/>
-            <a:ext cx="2315490" cy="2315490"/>
-            <a:chOff x="3387879" y="2750322"/>
-            <a:chExt cx="2315490" cy="2315490"/>
+            <a:off x="7086173" y="3717032"/>
+            <a:ext cx="1319592" cy="527999"/>
+            <a:chOff x="7677999" y="3621080"/>
+            <a:chExt cx="1319592" cy="527999"/>
           </a:xfrm>
         </p:grpSpPr>
         <p:sp>
           <p:nvSpPr>
-            <p:cNvPr id="39" name="타원 38"/>
+            <p:cNvPr id="41" name="직사각형 40"/>
             <p:cNvSpPr/>
             <p:nvPr/>
           </p:nvSpPr>
           <p:spPr>
             <a:xfrm>
-              <a:off x="3387879" y="2750322"/>
-              <a:ext cx="2315490" cy="2315490"/>
+              <a:off x="7678000" y="3621080"/>
+              <a:ext cx="1319591" cy="527999"/>
             </a:xfrm>
-            <a:prstGeom prst="ellipse">
+            <a:prstGeom prst="rect">
               <a:avLst/>
             </a:prstGeom>
-            <a:blipFill>
-              <a:blip r:embed="rId10"/>
-              <a:stretch>
-                <a:fillRect/>
-              </a:stretch>
-            </a:blipFill>
+            <a:solidFill>
+              <a:schemeClr val="tx1">
+                <a:alpha val="73000"/>
+              </a:schemeClr>
+            </a:solidFill>
+            <a:ln>
+              <a:noFill/>
+            </a:ln>
           </p:spPr>
           <p:style>
             <a:lnRef idx="2">
@@ -10595,111 +12640,48 @@
             </a:p>
           </p:txBody>
         </p:sp>
-        <p:grpSp>
-          <p:nvGrpSpPr>
-            <p:cNvPr id="40" name="그룹 39"/>
-            <p:cNvGrpSpPr/>
+        <p:sp>
+          <p:nvSpPr>
+            <p:cNvPr id="42" name="TextBox 41"/>
+            <p:cNvSpPr txBox="1"/>
             <p:nvPr/>
-          </p:nvGrpSpPr>
-          <p:grpSpPr>
+          </p:nvSpPr>
+          <p:spPr>
             <a:xfrm>
-              <a:off x="3898492" y="4077072"/>
-              <a:ext cx="1319592" cy="527999"/>
-              <a:chOff x="7677999" y="3621080"/>
-              <a:chExt cx="1319592" cy="527999"/>
+              <a:off x="7677999" y="3667073"/>
+              <a:ext cx="1319592" cy="446276"/>
             </a:xfrm>
-          </p:grpSpPr>
-          <p:sp>
-            <p:nvSpPr>
-              <p:cNvPr id="41" name="직사각형 40"/>
-              <p:cNvSpPr/>
-              <p:nvPr/>
-            </p:nvSpPr>
-            <p:spPr>
-              <a:xfrm>
-                <a:off x="7678000" y="3621080"/>
-                <a:ext cx="1319591" cy="527999"/>
-              </a:xfrm>
-              <a:prstGeom prst="rect">
-                <a:avLst/>
-              </a:prstGeom>
-              <a:solidFill>
-                <a:schemeClr val="tx1">
-                  <a:alpha val="73000"/>
-                </a:schemeClr>
-              </a:solidFill>
-              <a:ln>
-                <a:noFill/>
-              </a:ln>
-            </p:spPr>
-            <p:style>
-              <a:lnRef idx="2">
-                <a:schemeClr val="accent1">
-                  <a:shade val="50000"/>
-                </a:schemeClr>
-              </a:lnRef>
-              <a:fillRef idx="1">
-                <a:schemeClr val="accent1"/>
-              </a:fillRef>
-              <a:effectRef idx="0">
-                <a:schemeClr val="accent1"/>
-              </a:effectRef>
-              <a:fontRef idx="minor">
-                <a:schemeClr val="lt1"/>
-              </a:fontRef>
-            </p:style>
-            <p:txBody>
-              <a:bodyPr rtlCol="0" anchor="ctr"/>
-              <a:lstStyle/>
-              <a:p>
-                <a:pPr algn="ctr"/>
-                <a:endParaRPr lang="ko-KR" altLang="en-US"/>
-              </a:p>
-            </p:txBody>
-          </p:sp>
-          <p:sp>
-            <p:nvSpPr>
-              <p:cNvPr id="42" name="TextBox 41"/>
-              <p:cNvSpPr txBox="1"/>
-              <p:nvPr/>
-            </p:nvSpPr>
-            <p:spPr>
-              <a:xfrm>
-                <a:off x="7677999" y="3667073"/>
-                <a:ext cx="1319592" cy="446276"/>
-              </a:xfrm>
-              <a:prstGeom prst="rect">
-                <a:avLst/>
-              </a:prstGeom>
-              <a:noFill/>
-            </p:spPr>
-            <p:txBody>
-              <a:bodyPr wrap="none" rtlCol="0" anchor="ctr">
-                <a:spAutoFit/>
-              </a:bodyPr>
-              <a:lstStyle/>
-              <a:p>
-                <a:r>
-                  <a:rPr lang="ko-KR" altLang="en-US" sz="2300" smtClean="0">
-                    <a:solidFill>
-                      <a:schemeClr val="bg1"/>
-                    </a:solidFill>
-                    <a:latin typeface="에스코어 드림 8 Heavy" pitchFamily="34" charset="-127"/>
-                    <a:ea typeface="에스코어 드림 8 Heavy" pitchFamily="34" charset="-127"/>
-                  </a:rPr>
-                  <a:t>경계초소</a:t>
-                </a:r>
-                <a:endParaRPr lang="ko-KR" altLang="en-US" sz="2300">
+            <a:prstGeom prst="rect">
+              <a:avLst/>
+            </a:prstGeom>
+            <a:noFill/>
+          </p:spPr>
+          <p:txBody>
+            <a:bodyPr wrap="none" rtlCol="0" anchor="ctr">
+              <a:spAutoFit/>
+            </a:bodyPr>
+            <a:lstStyle/>
+            <a:p>
+              <a:r>
+                <a:rPr lang="ko-KR" altLang="en-US" sz="2300" smtClean="0">
                   <a:solidFill>
                     <a:schemeClr val="bg1"/>
                   </a:solidFill>
                   <a:latin typeface="에스코어 드림 8 Heavy" pitchFamily="34" charset="-127"/>
                   <a:ea typeface="에스코어 드림 8 Heavy" pitchFamily="34" charset="-127"/>
-                </a:endParaRPr>
-              </a:p>
-            </p:txBody>
-          </p:sp>
-        </p:grpSp>
+                </a:rPr>
+                <a:t>경계초소</a:t>
+              </a:r>
+              <a:endParaRPr lang="ko-KR" altLang="en-US" sz="2300">
+                <a:solidFill>
+                  <a:schemeClr val="bg1"/>
+                </a:solidFill>
+                <a:latin typeface="에스코어 드림 8 Heavy" pitchFamily="34" charset="-127"/>
+                <a:ea typeface="에스코어 드림 8 Heavy" pitchFamily="34" charset="-127"/>
+              </a:endParaRPr>
+            </a:p>
+          </p:txBody>
+        </p:sp>
       </p:grpSp>
       <p:cxnSp>
         <p:nvCxnSpPr>
@@ -10784,7 +12766,7 @@
           <p:nvPr/>
         </p:nvPicPr>
         <p:blipFill>
-          <a:blip r:embed="rId2" cstate="print">
+          <a:blip r:embed="rId5" cstate="print">
             <a:extLst>
               <a:ext uri="{28A0092B-C50C-407E-A947-70E740481C1C}">
                 <a14:useLocalDpi xmlns:a14="http://schemas.microsoft.com/office/drawing/2010/main" val="0"/>
